--- a/folien/WJax-Powerworkshop-Nils.pptx
+++ b/folien/WJax-Powerworkshop-Nils.pptx
@@ -5,25 +5,33 @@
     <p:sldMasterId id="2147483660" r:id="rId1"/>
   </p:sldMasterIdLst>
   <p:notesMasterIdLst>
-    <p:notesMasterId r:id="rId15"/>
+    <p:notesMasterId r:id="rId23"/>
   </p:notesMasterIdLst>
   <p:handoutMasterIdLst>
-    <p:handoutMasterId r:id="rId16"/>
+    <p:handoutMasterId r:id="rId24"/>
   </p:handoutMasterIdLst>
   <p:sldIdLst>
     <p:sldId id="261" r:id="rId2"/>
     <p:sldId id="297" r:id="rId3"/>
     <p:sldId id="316" r:id="rId4"/>
     <p:sldId id="320" r:id="rId5"/>
-    <p:sldId id="321" r:id="rId6"/>
-    <p:sldId id="322" r:id="rId7"/>
-    <p:sldId id="328" r:id="rId8"/>
-    <p:sldId id="323" r:id="rId9"/>
-    <p:sldId id="326" r:id="rId10"/>
-    <p:sldId id="327" r:id="rId11"/>
-    <p:sldId id="324" r:id="rId12"/>
-    <p:sldId id="325" r:id="rId13"/>
-    <p:sldId id="319" r:id="rId14"/>
+    <p:sldId id="333" r:id="rId6"/>
+    <p:sldId id="336" r:id="rId7"/>
+    <p:sldId id="334" r:id="rId8"/>
+    <p:sldId id="335" r:id="rId9"/>
+    <p:sldId id="321" r:id="rId10"/>
+    <p:sldId id="322" r:id="rId11"/>
+    <p:sldId id="328" r:id="rId12"/>
+    <p:sldId id="329" r:id="rId13"/>
+    <p:sldId id="330" r:id="rId14"/>
+    <p:sldId id="323" r:id="rId15"/>
+    <p:sldId id="326" r:id="rId16"/>
+    <p:sldId id="327" r:id="rId17"/>
+    <p:sldId id="331" r:id="rId18"/>
+    <p:sldId id="332" r:id="rId19"/>
+    <p:sldId id="324" r:id="rId20"/>
+    <p:sldId id="325" r:id="rId21"/>
+    <p:sldId id="319" r:id="rId22"/>
   </p:sldIdLst>
   <p:sldSz cx="9144000" cy="6858000" type="screen4x3"/>
   <p:notesSz cx="6858000" cy="9144000"/>
@@ -208,7 +216,7 @@
             <a:fld id="{32BCF969-709D-9F43-81DA-83D53B741884}" type="datetimeFigureOut">
               <a:rPr lang="de-DE" smtClean="0"/>
               <a:pPr/>
-              <a:t>17.09.14</a:t>
+              <a:t>21.09.14</a:t>
             </a:fld>
             <a:endParaRPr lang="de-DE"/>
           </a:p>
@@ -376,7 +384,7 @@
             <a:fld id="{1941CF4D-E844-B540-ADAD-4EED08FD3682}" type="datetimeFigureOut">
               <a:rPr lang="de-DE" smtClean="0"/>
               <a:pPr/>
-              <a:t>17.09.14</a:t>
+              <a:t>21.09.14</a:t>
             </a:fld>
             <a:endParaRPr lang="de-DE"/>
           </a:p>
@@ -1979,12 +1987,14 @@
         </p:nvSpPr>
         <p:spPr/>
         <p:txBody>
-          <a:bodyPr/>
+          <a:bodyPr>
+            <a:normAutofit fontScale="90000"/>
+          </a:bodyPr>
           <a:lstStyle/>
           <a:p>
             <a:r>
               <a:rPr lang="de-DE" dirty="0" smtClean="0"/>
-              <a:t>SUBTREES / SUBMODULES</a:t>
+              <a:t>BRANCHSTRATEGIE: ENTWICKLUNGSPROZESS</a:t>
             </a:r>
             <a:endParaRPr lang="de-DE" dirty="0"/>
           </a:p>
@@ -2003,199 +2013,18 @@
         <p:spPr/>
         <p:txBody>
           <a:bodyPr>
-            <a:normAutofit fontScale="85000" lnSpcReduction="20000"/>
+            <a:normAutofit/>
           </a:bodyPr>
           <a:lstStyle/>
           <a:p>
-            <a:pPr marL="0" indent="0">
-              <a:buNone/>
-            </a:pPr>
-            <a:r>
-              <a:rPr lang="de-DE" dirty="0" smtClean="0"/>
-              <a:t>Jeweils für </a:t>
-            </a:r>
-            <a:r>
-              <a:rPr lang="de-DE" dirty="0" err="1" smtClean="0"/>
-              <a:t>Subtree</a:t>
-            </a:r>
-            <a:r>
-              <a:rPr lang="de-DE" dirty="0" smtClean="0"/>
-              <a:t> und Submodule:</a:t>
-            </a:r>
-          </a:p>
-          <a:p>
-            <a:r>
-              <a:rPr lang="de-DE" dirty="0" err="1" smtClean="0"/>
-              <a:t>Use</a:t>
-            </a:r>
-            <a:r>
-              <a:rPr lang="de-DE" dirty="0" smtClean="0"/>
-              <a:t>-Case 1: </a:t>
-            </a:r>
-            <a:r>
-              <a:rPr lang="de-DE" dirty="0" err="1" smtClean="0"/>
-              <a:t>Initiales</a:t>
-            </a:r>
-            <a:r>
-              <a:rPr lang="de-DE" dirty="0" smtClean="0"/>
-              <a:t> Hinzufügen des </a:t>
-            </a:r>
-            <a:r>
-              <a:rPr lang="de-DE" dirty="0" err="1" smtClean="0"/>
-              <a:t>Subrepos</a:t>
-            </a:r>
-            <a:endParaRPr lang="de-DE" dirty="0" smtClean="0"/>
-          </a:p>
-          <a:p>
-            <a:r>
-              <a:rPr lang="de-DE" dirty="0" err="1" smtClean="0"/>
-              <a:t>Use</a:t>
-            </a:r>
-            <a:r>
-              <a:rPr lang="de-DE" dirty="0" smtClean="0"/>
-              <a:t>-Case 2: Klonen einen </a:t>
-            </a:r>
-            <a:r>
-              <a:rPr lang="de-DE" dirty="0" err="1" smtClean="0"/>
-              <a:t>Repositories</a:t>
-            </a:r>
-            <a:r>
-              <a:rPr lang="de-DE" dirty="0" smtClean="0"/>
-              <a:t>, das ein </a:t>
-            </a:r>
-            <a:r>
-              <a:rPr lang="de-DE" dirty="0" err="1" smtClean="0"/>
-              <a:t>Subrepo</a:t>
-            </a:r>
-            <a:r>
-              <a:rPr lang="de-DE" dirty="0" smtClean="0"/>
-              <a:t> enthält</a:t>
-            </a:r>
-          </a:p>
-          <a:p>
-            <a:r>
-              <a:rPr lang="de-DE" dirty="0" err="1" smtClean="0"/>
-              <a:t>Use</a:t>
-            </a:r>
-            <a:r>
-              <a:rPr lang="de-DE" dirty="0" smtClean="0"/>
-              <a:t>-Case 3: Aktualisieren eines </a:t>
-            </a:r>
-            <a:r>
-              <a:rPr lang="de-DE" dirty="0" err="1" smtClean="0"/>
-              <a:t>Repositories</a:t>
-            </a:r>
-            <a:r>
-              <a:rPr lang="de-DE" dirty="0" smtClean="0"/>
-              <a:t>, das ein </a:t>
-            </a:r>
-            <a:r>
-              <a:rPr lang="de-DE" dirty="0" err="1" smtClean="0"/>
-              <a:t>Subrepo</a:t>
-            </a:r>
-            <a:r>
-              <a:rPr lang="de-DE" dirty="0" smtClean="0"/>
-              <a:t> enthält</a:t>
-            </a:r>
-          </a:p>
-          <a:p>
-            <a:r>
-              <a:rPr lang="de-DE" dirty="0" err="1" smtClean="0"/>
-              <a:t>Use</a:t>
-            </a:r>
-            <a:r>
-              <a:rPr lang="de-DE" dirty="0" smtClean="0"/>
-              <a:t>-Case 4: Änderungen im eingebunden </a:t>
-            </a:r>
-            <a:r>
-              <a:rPr lang="de-DE" dirty="0" err="1" smtClean="0"/>
-              <a:t>Subrepo</a:t>
-            </a:r>
-            <a:r>
-              <a:rPr lang="de-DE" dirty="0" smtClean="0"/>
-              <a:t> durchführen, Änderungen im </a:t>
-            </a:r>
-            <a:r>
-              <a:rPr lang="de-DE" dirty="0" err="1" smtClean="0"/>
-              <a:t>Hauptrepo</a:t>
-            </a:r>
-            <a:r>
-              <a:rPr lang="de-DE" dirty="0" smtClean="0"/>
-              <a:t> </a:t>
-            </a:r>
-            <a:r>
-              <a:rPr lang="de-DE" dirty="0" err="1" smtClean="0"/>
-              <a:t>committen</a:t>
-            </a:r>
-            <a:r>
-              <a:rPr lang="de-DE" dirty="0" smtClean="0"/>
-              <a:t>, Änderungen des </a:t>
-            </a:r>
-            <a:r>
-              <a:rPr lang="de-DE" dirty="0" err="1" smtClean="0"/>
-              <a:t>subrepos</a:t>
-            </a:r>
-            <a:r>
-              <a:rPr lang="de-DE" dirty="0" smtClean="0"/>
-              <a:t> pushen</a:t>
-            </a:r>
-          </a:p>
-          <a:p>
-            <a:r>
-              <a:rPr lang="de-DE" dirty="0" err="1" smtClean="0"/>
-              <a:t>Use</a:t>
-            </a:r>
-            <a:r>
-              <a:rPr lang="de-DE" dirty="0" smtClean="0"/>
-              <a:t>-Case 5: Änderungen im </a:t>
-            </a:r>
-            <a:r>
-              <a:rPr lang="de-DE" dirty="0" err="1" smtClean="0"/>
-              <a:t>Subrepo</a:t>
-            </a:r>
-            <a:r>
-              <a:rPr lang="de-DE" dirty="0" smtClean="0"/>
-              <a:t> (von außerhalb) in das Master-</a:t>
-            </a:r>
-            <a:r>
-              <a:rPr lang="de-DE" dirty="0" err="1" smtClean="0"/>
-              <a:t>Repo</a:t>
-            </a:r>
-            <a:r>
-              <a:rPr lang="de-DE" dirty="0" smtClean="0"/>
-              <a:t> holen =&gt; </a:t>
-            </a:r>
-            <a:r>
-              <a:rPr lang="de-DE" dirty="0" err="1" smtClean="0"/>
-              <a:t>Eingebundens</a:t>
-            </a:r>
-            <a:r>
-              <a:rPr lang="de-DE" dirty="0" smtClean="0"/>
-              <a:t> sub-</a:t>
-            </a:r>
-            <a:r>
-              <a:rPr lang="de-DE" dirty="0" err="1" smtClean="0"/>
-              <a:t>repo</a:t>
-            </a:r>
-            <a:r>
-              <a:rPr lang="de-DE" dirty="0" smtClean="0"/>
-              <a:t> aktualisieren</a:t>
-            </a:r>
-          </a:p>
-          <a:p>
-            <a:r>
-              <a:rPr lang="de-DE" dirty="0" err="1" smtClean="0"/>
-              <a:t>Use</a:t>
-            </a:r>
-            <a:r>
-              <a:rPr lang="de-DE" dirty="0" smtClean="0"/>
-              <a:t>-Case 6: Entfernen des </a:t>
-            </a:r>
-            <a:r>
-              <a:rPr lang="de-DE" dirty="0" err="1" smtClean="0"/>
-              <a:t>Subrepos</a:t>
-            </a:r>
-            <a:endParaRPr lang="de-DE" dirty="0" smtClean="0"/>
+            <a:r>
+              <a:rPr lang="de-DE" dirty="0" smtClean="0"/>
+              <a:t>RENE</a:t>
+            </a:r>
+            <a:endParaRPr lang="de-DE" dirty="0"/>
+          </a:p>
+          <a:p>
+            <a:endParaRPr lang="de-DE" dirty="0"/>
           </a:p>
           <a:p>
             <a:endParaRPr lang="de-DE" dirty="0"/>
@@ -2205,7 +2034,7 @@
     </p:spTree>
     <p:extLst>
       <p:ext uri="{BB962C8B-B14F-4D97-AF65-F5344CB8AC3E}">
-        <p14:creationId xmlns:p14="http://schemas.microsoft.com/office/powerpoint/2010/main" val="3797507830"/>
+        <p14:creationId xmlns:p14="http://schemas.microsoft.com/office/powerpoint/2010/main" val="792931025"/>
       </p:ext>
     </p:extLst>
   </p:cSld>
@@ -2249,7 +2078,7 @@
           <a:p>
             <a:r>
               <a:rPr lang="de-DE" dirty="0" smtClean="0"/>
-              <a:t>GIT APIS: JGIT</a:t>
+              <a:t>BRANCHSTRATEGIE: RELEASEPROZESS</a:t>
             </a:r>
             <a:endParaRPr lang="de-DE" dirty="0"/>
           </a:p>
@@ -2268,54 +2097,152 @@
         <p:spPr/>
         <p:txBody>
           <a:bodyPr>
-            <a:normAutofit/>
+            <a:normAutofit fontScale="85000" lnSpcReduction="10000"/>
           </a:bodyPr>
           <a:lstStyle/>
           <a:p>
             <a:r>
-              <a:rPr lang="de-DE" dirty="0" err="1" smtClean="0"/>
-              <a:t>Porcelaine</a:t>
-            </a:r>
-            <a:r>
-              <a:rPr lang="de-DE" dirty="0" smtClean="0"/>
-              <a:t> API</a:t>
-            </a:r>
-          </a:p>
-          <a:p>
-            <a:pPr lvl="1"/>
-            <a:r>
-              <a:rPr lang="de-DE" dirty="0">
-                <a:hlinkClick r:id="rId2"/>
-              </a:rPr>
-              <a:t>https://speakerdeck.com/alblue/embedding-jgit-into-java-</a:t>
-            </a:r>
-            <a:r>
-              <a:rPr lang="de-DE" dirty="0" smtClean="0">
-                <a:hlinkClick r:id="rId2"/>
-              </a:rPr>
-              <a:t>applications</a:t>
-            </a:r>
-            <a:endParaRPr lang="de-DE" dirty="0" smtClean="0"/>
-          </a:p>
-          <a:p>
-            <a:pPr lvl="1"/>
-            <a:r>
-              <a:rPr lang="de-DE" dirty="0">
-                <a:hlinkClick r:id="rId3"/>
-              </a:rPr>
-              <a:t>http://alblue.bandlem.com/2013/11/embedding-</a:t>
-            </a:r>
-            <a:r>
-              <a:rPr lang="de-DE" dirty="0" smtClean="0">
-                <a:hlinkClick r:id="rId3"/>
-              </a:rPr>
-              <a:t>jgit.html</a:t>
-            </a:r>
-            <a:endParaRPr lang="de-DE" dirty="0" smtClean="0"/>
-          </a:p>
-          <a:p>
-            <a:pPr lvl="1"/>
+              <a:rPr lang="de-DE" dirty="0"/>
+              <a:t>Durchlaufende </a:t>
+            </a:r>
+            <a:r>
+              <a:rPr lang="de-DE" dirty="0" err="1"/>
+              <a:t>Branches</a:t>
+            </a:r>
+            <a:r>
+              <a:rPr lang="de-DE" dirty="0"/>
+              <a:t> + </a:t>
+            </a:r>
+            <a:r>
+              <a:rPr lang="de-DE" dirty="0" err="1"/>
+              <a:t>Bugfixes</a:t>
+            </a:r>
+            <a:r>
+              <a:rPr lang="de-DE" dirty="0"/>
+              <a:t> (</a:t>
+            </a:r>
+            <a:r>
+              <a:rPr lang="de-DE" dirty="0" err="1"/>
+              <a:t>GitFlow</a:t>
+            </a:r>
+            <a:r>
+              <a:rPr lang="de-DE" dirty="0"/>
+              <a:t>)</a:t>
+            </a:r>
+          </a:p>
+          <a:p>
+            <a:r>
+              <a:rPr lang="de-DE" dirty="0" err="1"/>
+              <a:t>n</a:t>
+            </a:r>
+            <a:r>
+              <a:rPr lang="de-DE" dirty="0"/>
+              <a:t> aktive Releases (Produktgeschäft) </a:t>
+            </a:r>
+            <a:r>
+              <a:rPr lang="de-DE" dirty="0" err="1"/>
+              <a:t>vs</a:t>
+            </a:r>
+            <a:r>
+              <a:rPr lang="de-DE" dirty="0"/>
+              <a:t> 1 aktives Release (Projektgeschäft; </a:t>
+            </a:r>
+            <a:r>
+              <a:rPr lang="de-DE" dirty="0" err="1"/>
+              <a:t>GitFlow</a:t>
+            </a:r>
+            <a:r>
+              <a:rPr lang="de-DE" dirty="0"/>
+              <a:t>)</a:t>
+            </a:r>
+          </a:p>
+          <a:p>
+            <a:r>
+              <a:rPr lang="de-DE" dirty="0"/>
+              <a:t>[Exkurs als Alternative/Beispiel für </a:t>
+            </a:r>
+            <a:r>
+              <a:rPr lang="de-DE" dirty="0" err="1"/>
+              <a:t>n</a:t>
+            </a:r>
+            <a:r>
+              <a:rPr lang="de-DE" dirty="0"/>
+              <a:t> aktive Releases 'extrem'] Linux-</a:t>
+            </a:r>
+            <a:r>
+              <a:rPr lang="de-DE" dirty="0" err="1"/>
+              <a:t>Branches</a:t>
+            </a:r>
+            <a:r>
+              <a:rPr lang="de-DE" dirty="0"/>
+              <a:t> als Beispiel</a:t>
+            </a:r>
+          </a:p>
+          <a:p>
+            <a:r>
+              <a:rPr lang="de-DE" dirty="0"/>
+              <a:t>Cherry-</a:t>
+            </a:r>
+            <a:r>
+              <a:rPr lang="de-DE" dirty="0" err="1"/>
+              <a:t>Picking</a:t>
+            </a:r>
+            <a:r>
+              <a:rPr lang="de-DE" dirty="0"/>
+              <a:t> für </a:t>
+            </a:r>
+            <a:r>
+              <a:rPr lang="de-DE" dirty="0" err="1"/>
+              <a:t>Backports</a:t>
+            </a:r>
             <a:endParaRPr lang="de-DE" dirty="0"/>
+          </a:p>
+          <a:p>
+            <a:r>
+              <a:rPr lang="de-DE" dirty="0"/>
+              <a:t>Wie gehe ich mit </a:t>
+            </a:r>
+            <a:r>
+              <a:rPr lang="de-DE" dirty="0" err="1"/>
+              <a:t>Bugfixes</a:t>
+            </a:r>
+            <a:r>
+              <a:rPr lang="de-DE" dirty="0"/>
+              <a:t> um</a:t>
+            </a:r>
+          </a:p>
+          <a:p>
+            <a:endParaRPr lang="de-DE" dirty="0"/>
+          </a:p>
+          <a:p>
+            <a:r>
+              <a:rPr lang="de-DE" dirty="0"/>
+              <a:t>Übung: Release untersuchen, z.B. "Erzeugen Sie ein </a:t>
+            </a:r>
+            <a:r>
+              <a:rPr lang="de-DE" dirty="0" err="1"/>
+              <a:t>Releasenotes</a:t>
+            </a:r>
+            <a:r>
+              <a:rPr lang="de-DE" dirty="0"/>
+              <a:t> für Release XYZ", "Prüfen Sie, ob </a:t>
+            </a:r>
+            <a:r>
+              <a:rPr lang="de-DE" dirty="0" err="1"/>
+              <a:t>Bugfix</a:t>
+            </a:r>
+            <a:r>
+              <a:rPr lang="de-DE" dirty="0"/>
+              <a:t> XY im Release ZZZ vorhanden sind", "Stellen Sie sicher, dass </a:t>
+            </a:r>
+            <a:r>
+              <a:rPr lang="de-DE" dirty="0" err="1"/>
+              <a:t>Bugfix</a:t>
+            </a:r>
+            <a:r>
+              <a:rPr lang="de-DE" dirty="0"/>
+              <a:t> ??? im kommenden Release enthalten ist"</a:t>
+            </a:r>
           </a:p>
           <a:p>
             <a:endParaRPr lang="de-DE" dirty="0"/>
@@ -2328,7 +2255,7 @@
     </p:spTree>
     <p:extLst>
       <p:ext uri="{BB962C8B-B14F-4D97-AF65-F5344CB8AC3E}">
-        <p14:creationId xmlns:p14="http://schemas.microsoft.com/office/powerpoint/2010/main" val="2711603374"/>
+        <p14:creationId xmlns:p14="http://schemas.microsoft.com/office/powerpoint/2010/main" val="2415652666"/>
       </p:ext>
     </p:extLst>
   </p:cSld>
@@ -2372,7 +2299,11 @@
           <a:p>
             <a:r>
               <a:rPr lang="de-DE" dirty="0" smtClean="0"/>
-              <a:t>GIT APIS: JGIT / GROOVY</a:t>
+              <a:t>BRANCHSTRATEGIE: </a:t>
+            </a:r>
+            <a:r>
+              <a:rPr lang="de-DE" dirty="0" smtClean="0"/>
+              <a:t>GITFLOW</a:t>
             </a:r>
             <a:endParaRPr lang="de-DE" dirty="0"/>
           </a:p>
@@ -2396,18 +2327,79 @@
           <a:lstStyle/>
           <a:p>
             <a:r>
+              <a:rPr lang="de-DE" dirty="0" err="1" smtClean="0"/>
+              <a:t>Branch</a:t>
+            </a:r>
+            <a:r>
+              <a:rPr lang="de-DE" dirty="0" smtClean="0"/>
+              <a:t> Modell</a:t>
+            </a:r>
+          </a:p>
+          <a:p>
+            <a:pPr lvl="1"/>
+            <a:r>
               <a:rPr lang="de-DE" dirty="0">
                 <a:hlinkClick r:id="rId2"/>
               </a:rPr>
-              <a:t>https://github.com/ajoberstar/</a:t>
+              <a:t>http://nvie.com/posts/a-successful-git-branching-model</a:t>
             </a:r>
             <a:r>
               <a:rPr lang="de-DE" dirty="0" smtClean="0">
                 <a:hlinkClick r:id="rId2"/>
               </a:rPr>
-              <a:t>grgit</a:t>
+              <a:t>/</a:t>
             </a:r>
             <a:endParaRPr lang="de-DE" dirty="0" smtClean="0"/>
+          </a:p>
+          <a:p>
+            <a:pPr lvl="1"/>
+            <a:endParaRPr lang="de-DE" dirty="0" smtClean="0"/>
+          </a:p>
+          <a:p>
+            <a:pPr lvl="1"/>
+            <a:endParaRPr lang="de-DE" dirty="0" smtClean="0"/>
+          </a:p>
+          <a:p>
+            <a:pPr lvl="1"/>
+            <a:endParaRPr lang="de-DE" dirty="0"/>
+          </a:p>
+          <a:p>
+            <a:r>
+              <a:rPr lang="de-DE" dirty="0" err="1" smtClean="0"/>
+              <a:t>Scripte</a:t>
+            </a:r>
+            <a:r>
+              <a:rPr lang="de-DE" dirty="0" smtClean="0"/>
+              <a:t>:</a:t>
+            </a:r>
+          </a:p>
+          <a:p>
+            <a:pPr lvl="1"/>
+            <a:r>
+              <a:rPr lang="de-DE" dirty="0"/>
+              <a:t>https://</a:t>
+            </a:r>
+            <a:r>
+              <a:rPr lang="de-DE" dirty="0" err="1"/>
+              <a:t>github.com</a:t>
+            </a:r>
+            <a:r>
+              <a:rPr lang="de-DE" dirty="0"/>
+              <a:t>/</a:t>
+            </a:r>
+            <a:r>
+              <a:rPr lang="de-DE" dirty="0" err="1"/>
+              <a:t>nvie</a:t>
+            </a:r>
+            <a:r>
+              <a:rPr lang="de-DE" dirty="0"/>
+              <a:t>/</a:t>
+            </a:r>
+            <a:r>
+              <a:rPr lang="de-DE" dirty="0" err="1"/>
+              <a:t>gitflow</a:t>
+            </a:r>
+            <a:endParaRPr lang="de-DE" dirty="0"/>
           </a:p>
           <a:p>
             <a:endParaRPr lang="de-DE" dirty="0"/>
@@ -2417,7 +2409,7 @@
     </p:spTree>
     <p:extLst>
       <p:ext uri="{BB962C8B-B14F-4D97-AF65-F5344CB8AC3E}">
-        <p14:creationId xmlns:p14="http://schemas.microsoft.com/office/powerpoint/2010/main" val="1028248972"/>
+        <p14:creationId xmlns:p14="http://schemas.microsoft.com/office/powerpoint/2010/main" val="1878629940"/>
       </p:ext>
     </p:extLst>
   </p:cSld>
@@ -2461,7 +2453,11 @@
           <a:p>
             <a:r>
               <a:rPr lang="de-DE" dirty="0" smtClean="0"/>
-              <a:t>VIELEN DANK!</a:t>
+              <a:t>BRANCHSTRATEGIE: </a:t>
+            </a:r>
+            <a:r>
+              <a:rPr lang="de-DE" dirty="0" smtClean="0"/>
+              <a:t>GITFLOW</a:t>
             </a:r>
             <a:endParaRPr lang="de-DE" dirty="0"/>
           </a:p>
@@ -2477,64 +2473,1240 @@
             <p:ph sz="quarter" idx="10"/>
           </p:nvPr>
         </p:nvSpPr>
-        <p:spPr>
-          <a:xfrm>
-            <a:off x="2304727" y="3046069"/>
-            <a:ext cx="4534547" cy="742043"/>
-          </a:xfrm>
-        </p:spPr>
+        <p:spPr/>
         <p:txBody>
           <a:bodyPr>
-            <a:noAutofit/>
+            <a:normAutofit fontScale="92500" lnSpcReduction="10000"/>
           </a:bodyPr>
           <a:lstStyle/>
           <a:p>
-            <a:pPr marL="0" indent="0" algn="ctr">
-              <a:buNone/>
-            </a:pPr>
-            <a:r>
-              <a:rPr lang="de-DE" sz="4400" spc="30" dirty="0" smtClean="0">
-                <a:ln>
-                  <a:solidFill>
-                    <a:srgbClr val="984807"/>
-                  </a:solidFill>
-                </a:ln>
-                <a:solidFill>
-                  <a:srgbClr val="984807"/>
-                </a:solidFill>
-              </a:rPr>
-              <a:t>Fragen ?</a:t>
-            </a:r>
-            <a:endParaRPr lang="de-DE" sz="4400" spc="30" dirty="0">
-              <a:ln>
-                <a:solidFill>
-                  <a:srgbClr val="984807"/>
-                </a:solidFill>
-              </a:ln>
-              <a:solidFill>
-                <a:srgbClr val="984807"/>
-              </a:solidFill>
-            </a:endParaRPr>
+            <a:r>
+              <a:rPr lang="de-DE" dirty="0" smtClean="0"/>
+              <a:t>Installation</a:t>
+            </a:r>
+          </a:p>
+          <a:p>
+            <a:pPr lvl="1"/>
+            <a:r>
+              <a:rPr lang="de-DE" dirty="0" smtClean="0"/>
+              <a:t>...</a:t>
+            </a:r>
+          </a:p>
+          <a:p>
+            <a:r>
+              <a:rPr lang="de-DE" dirty="0" smtClean="0"/>
+              <a:t>Repository anlegen:</a:t>
+            </a:r>
+          </a:p>
+          <a:p>
+            <a:pPr lvl="1"/>
+            <a:r>
+              <a:rPr lang="de-DE" dirty="0" err="1" smtClean="0"/>
+              <a:t>Git</a:t>
+            </a:r>
+            <a:r>
+              <a:rPr lang="de-DE" dirty="0" smtClean="0"/>
+              <a:t> </a:t>
+            </a:r>
+            <a:r>
+              <a:rPr lang="de-DE" dirty="0" err="1" smtClean="0"/>
+              <a:t>flow</a:t>
+            </a:r>
+            <a:r>
+              <a:rPr lang="de-DE" dirty="0" smtClean="0"/>
+              <a:t> </a:t>
+            </a:r>
+            <a:r>
+              <a:rPr lang="de-DE" dirty="0" err="1" smtClean="0"/>
+              <a:t>init</a:t>
+            </a:r>
+            <a:endParaRPr lang="de-DE" dirty="0" smtClean="0"/>
+          </a:p>
+          <a:p>
+            <a:r>
+              <a:rPr lang="de-DE" dirty="0" smtClean="0"/>
+              <a:t>Feature starten:</a:t>
+            </a:r>
+          </a:p>
+          <a:p>
+            <a:pPr lvl="1"/>
+            <a:r>
+              <a:rPr lang="de-DE" dirty="0" smtClean="0"/>
+              <a:t>...</a:t>
+            </a:r>
+          </a:p>
+          <a:p>
+            <a:r>
+              <a:rPr lang="de-DE" dirty="0" smtClean="0"/>
+              <a:t>Feature beenden:</a:t>
+            </a:r>
+          </a:p>
+          <a:p>
+            <a:pPr lvl="1"/>
+            <a:r>
+              <a:rPr lang="de-DE" dirty="0" smtClean="0"/>
+              <a:t>...</a:t>
+            </a:r>
+          </a:p>
+          <a:p>
+            <a:r>
+              <a:rPr lang="de-DE" dirty="0" smtClean="0"/>
+              <a:t>Release starten</a:t>
+            </a:r>
+          </a:p>
+          <a:p>
+            <a:r>
+              <a:rPr lang="de-DE" dirty="0" smtClean="0"/>
+              <a:t>Release beenden</a:t>
+            </a:r>
+            <a:endParaRPr lang="de-DE" dirty="0"/>
           </a:p>
         </p:txBody>
       </p:sp>
     </p:spTree>
     <p:extLst>
       <p:ext uri="{BB962C8B-B14F-4D97-AF65-F5344CB8AC3E}">
-        <p14:creationId xmlns:p14="http://schemas.microsoft.com/office/powerpoint/2010/main" val="1995836235"/>
+        <p14:creationId xmlns:p14="http://schemas.microsoft.com/office/powerpoint/2010/main" val="498316739"/>
       </p:ext>
     </p:extLst>
   </p:cSld>
   <p:clrMapOvr>
     <a:masterClrMapping/>
   </p:clrMapOvr>
-  <p:timing>
-    <p:tnLst>
-      <p:par>
-        <p:cTn xmlns:p14="http://schemas.microsoft.com/office/powerpoint/2010/main" id="1" dur="indefinite" restart="never" nodeType="tmRoot"/>
-      </p:par>
-    </p:tnLst>
-  </p:timing>
+</p:sld>
+</file>
+
+<file path=ppt/slides/slide14.xml><?xml version="1.0" encoding="utf-8"?>
+<p:sld xmlns:a="http://schemas.openxmlformats.org/drawingml/2006/main" xmlns:r="http://schemas.openxmlformats.org/officeDocument/2006/relationships" xmlns:p="http://schemas.openxmlformats.org/presentationml/2006/main">
+  <p:cSld>
+    <p:spTree>
+      <p:nvGrpSpPr>
+        <p:cNvPr id="1" name=""/>
+        <p:cNvGrpSpPr/>
+        <p:nvPr/>
+      </p:nvGrpSpPr>
+      <p:grpSpPr>
+        <a:xfrm>
+          <a:off x="0" y="0"/>
+          <a:ext cx="0" cy="0"/>
+          <a:chOff x="0" y="0"/>
+          <a:chExt cx="0" cy="0"/>
+        </a:xfrm>
+      </p:grpSpPr>
+      <p:sp>
+        <p:nvSpPr>
+          <p:cNvPr id="2" name="Titel 1"/>
+          <p:cNvSpPr>
+            <a:spLocks noGrp="1"/>
+          </p:cNvSpPr>
+          <p:nvPr>
+            <p:ph type="title"/>
+          </p:nvPr>
+        </p:nvSpPr>
+        <p:spPr/>
+        <p:txBody>
+          <a:bodyPr/>
+          <a:lstStyle/>
+          <a:p>
+            <a:r>
+              <a:rPr lang="de-DE" dirty="0" smtClean="0"/>
+              <a:t>Submodules und </a:t>
+            </a:r>
+            <a:r>
+              <a:rPr lang="de-DE" dirty="0" err="1" smtClean="0"/>
+              <a:t>subtrees</a:t>
+            </a:r>
+            <a:endParaRPr lang="de-DE" dirty="0"/>
+          </a:p>
+        </p:txBody>
+      </p:sp>
+      <p:sp>
+        <p:nvSpPr>
+          <p:cNvPr id="3" name="Inhaltsplatzhalter 2"/>
+          <p:cNvSpPr>
+            <a:spLocks noGrp="1"/>
+          </p:cNvSpPr>
+          <p:nvPr>
+            <p:ph sz="quarter" idx="10"/>
+          </p:nvPr>
+        </p:nvSpPr>
+        <p:spPr/>
+        <p:txBody>
+          <a:bodyPr>
+            <a:normAutofit fontScale="70000" lnSpcReduction="20000"/>
+          </a:bodyPr>
+          <a:lstStyle/>
+          <a:p>
+            <a:r>
+              <a:rPr lang="de-DE" dirty="0"/>
+              <a:t>Wie verwenden Sie Submodules oder </a:t>
+            </a:r>
+            <a:r>
+              <a:rPr lang="de-DE" dirty="0" err="1"/>
+              <a:t>Subtrees</a:t>
+            </a:r>
+            <a:r>
+              <a:rPr lang="de-DE" dirty="0"/>
+              <a:t> dazu, andere Projekte einzubinden? [Rene]</a:t>
+            </a:r>
+          </a:p>
+          <a:p>
+            <a:r>
+              <a:rPr lang="de-DE" dirty="0"/>
+              <a:t>In Java eher selten die Notwendigkeit, </a:t>
+            </a:r>
+            <a:r>
+              <a:rPr lang="de-DE" dirty="0" err="1"/>
+              <a:t>Sourcen</a:t>
+            </a:r>
+            <a:r>
+              <a:rPr lang="de-DE" dirty="0"/>
+              <a:t> aus anderen Projekten einzubinden </a:t>
+            </a:r>
+            <a:r>
+              <a:rPr lang="de-DE" dirty="0" err="1"/>
+              <a:t>bzw</a:t>
+            </a:r>
+            <a:r>
+              <a:rPr lang="de-DE" dirty="0"/>
+              <a:t> wird über andere Tools erledigt (</a:t>
+            </a:r>
+            <a:r>
+              <a:rPr lang="de-DE" dirty="0" err="1"/>
+              <a:t>Maven</a:t>
+            </a:r>
+            <a:r>
+              <a:rPr lang="de-DE" dirty="0"/>
+              <a:t> z.B.)</a:t>
+            </a:r>
+          </a:p>
+          <a:p>
+            <a:r>
+              <a:rPr lang="de-DE" dirty="0"/>
+              <a:t>Historisch wo kommt das her? In der Praxis eher in C/C++ relevant.</a:t>
+            </a:r>
+          </a:p>
+          <a:p>
+            <a:r>
+              <a:rPr lang="de-DE" dirty="0"/>
+              <a:t>Große </a:t>
+            </a:r>
+            <a:r>
+              <a:rPr lang="de-DE" dirty="0" err="1"/>
+              <a:t>Repositories</a:t>
+            </a:r>
+            <a:r>
+              <a:rPr lang="de-DE" dirty="0"/>
+              <a:t> aufteilen, weil sie sonst zu langsam werden</a:t>
+            </a:r>
+          </a:p>
+          <a:p>
+            <a:r>
+              <a:rPr lang="de-DE" dirty="0"/>
+              <a:t>Submodule &lt;&gt; </a:t>
+            </a:r>
+            <a:r>
+              <a:rPr lang="de-DE" dirty="0" err="1"/>
+              <a:t>Subtrees</a:t>
+            </a:r>
+            <a:endParaRPr lang="de-DE" dirty="0"/>
+          </a:p>
+          <a:p>
+            <a:r>
+              <a:rPr lang="de-DE" dirty="0" err="1"/>
+              <a:t>Branching</a:t>
+            </a:r>
+            <a:r>
+              <a:rPr lang="de-DE" dirty="0"/>
+              <a:t>, Update auf neueste Version, Arbeiten</a:t>
+            </a:r>
+          </a:p>
+          <a:p>
+            <a:r>
+              <a:rPr lang="de-DE" dirty="0"/>
+              <a:t>(Write-</a:t>
+            </a:r>
+            <a:r>
+              <a:rPr lang="de-DE" dirty="0" err="1"/>
+              <a:t>Tree</a:t>
+            </a:r>
+            <a:r>
+              <a:rPr lang="de-DE" dirty="0"/>
+              <a:t> -&gt; Experte)</a:t>
+            </a:r>
+          </a:p>
+          <a:p>
+            <a:r>
+              <a:rPr lang="de-DE" dirty="0"/>
+              <a:t>Praxis-Beispiel: Bootstrap Repository in Java Webanwendung einbinden [Nils]</a:t>
+            </a:r>
+          </a:p>
+          <a:p>
+            <a:r>
+              <a:rPr lang="de-DE" dirty="0"/>
+              <a:t> - Zwei "äußere" </a:t>
+            </a:r>
+            <a:r>
+              <a:rPr lang="de-DE" dirty="0" err="1"/>
+              <a:t>Repositories</a:t>
+            </a:r>
+            <a:r>
+              <a:rPr lang="de-DE" dirty="0"/>
+              <a:t>, zeigen auf </a:t>
+            </a:r>
+            <a:r>
+              <a:rPr lang="de-DE" dirty="0" err="1"/>
+              <a:t>selbes</a:t>
+            </a:r>
+            <a:r>
+              <a:rPr lang="de-DE" dirty="0"/>
+              <a:t> Bootstrap-Repository</a:t>
+            </a:r>
+          </a:p>
+          <a:p>
+            <a:r>
+              <a:rPr lang="de-DE" dirty="0"/>
+              <a:t>Übung: jeweils mit </a:t>
+            </a:r>
+            <a:r>
+              <a:rPr lang="de-DE" dirty="0" err="1"/>
+              <a:t>subtree</a:t>
+            </a:r>
+            <a:r>
+              <a:rPr lang="de-DE" dirty="0"/>
+              <a:t> und </a:t>
+            </a:r>
+            <a:r>
+              <a:rPr lang="de-DE" dirty="0" err="1"/>
+              <a:t>submodule</a:t>
+            </a:r>
+            <a:r>
+              <a:rPr lang="de-DE" dirty="0"/>
+              <a:t> im "eingebunden" </a:t>
+            </a:r>
+            <a:r>
+              <a:rPr lang="de-DE" dirty="0" err="1"/>
+              <a:t>repository</a:t>
+            </a:r>
+            <a:r>
+              <a:rPr lang="de-DE" dirty="0"/>
+              <a:t> Änderung machen und </a:t>
+            </a:r>
+            <a:r>
+              <a:rPr lang="de-DE" dirty="0" err="1"/>
+              <a:t>committen</a:t>
+            </a:r>
+            <a:endParaRPr lang="de-DE" dirty="0"/>
+          </a:p>
+          <a:p>
+            <a:endParaRPr lang="de-DE" dirty="0"/>
+          </a:p>
+          <a:p>
+            <a:endParaRPr lang="de-DE" dirty="0"/>
+          </a:p>
+        </p:txBody>
+      </p:sp>
+    </p:spTree>
+    <p:extLst>
+      <p:ext uri="{BB962C8B-B14F-4D97-AF65-F5344CB8AC3E}">
+        <p14:creationId xmlns:p14="http://schemas.microsoft.com/office/powerpoint/2010/main" val="730839351"/>
+      </p:ext>
+    </p:extLst>
+  </p:cSld>
+  <p:clrMapOvr>
+    <a:masterClrMapping/>
+  </p:clrMapOvr>
+</p:sld>
+</file>
+
+<file path=ppt/slides/slide15.xml><?xml version="1.0" encoding="utf-8"?>
+<p:sld xmlns:a="http://schemas.openxmlformats.org/drawingml/2006/main" xmlns:r="http://schemas.openxmlformats.org/officeDocument/2006/relationships" xmlns:p="http://schemas.openxmlformats.org/presentationml/2006/main">
+  <p:cSld>
+    <p:spTree>
+      <p:nvGrpSpPr>
+        <p:cNvPr id="1" name=""/>
+        <p:cNvGrpSpPr/>
+        <p:nvPr/>
+      </p:nvGrpSpPr>
+      <p:grpSpPr>
+        <a:xfrm>
+          <a:off x="0" y="0"/>
+          <a:ext cx="0" cy="0"/>
+          <a:chOff x="0" y="0"/>
+          <a:chExt cx="0" cy="0"/>
+        </a:xfrm>
+      </p:grpSpPr>
+      <p:sp>
+        <p:nvSpPr>
+          <p:cNvPr id="2" name="Titel 1"/>
+          <p:cNvSpPr>
+            <a:spLocks noGrp="1"/>
+          </p:cNvSpPr>
+          <p:nvPr>
+            <p:ph type="title"/>
+          </p:nvPr>
+        </p:nvSpPr>
+        <p:spPr/>
+        <p:txBody>
+          <a:bodyPr/>
+          <a:lstStyle/>
+          <a:p>
+            <a:r>
+              <a:rPr lang="de-DE" dirty="0" smtClean="0"/>
+              <a:t>SUBTREES / SUBMODULES</a:t>
+            </a:r>
+            <a:endParaRPr lang="de-DE" dirty="0"/>
+          </a:p>
+        </p:txBody>
+      </p:sp>
+      <p:sp>
+        <p:nvSpPr>
+          <p:cNvPr id="3" name="Inhaltsplatzhalter 2"/>
+          <p:cNvSpPr>
+            <a:spLocks noGrp="1"/>
+          </p:cNvSpPr>
+          <p:nvPr>
+            <p:ph sz="quarter" idx="10"/>
+          </p:nvPr>
+        </p:nvSpPr>
+        <p:spPr/>
+        <p:txBody>
+          <a:bodyPr/>
+          <a:lstStyle/>
+          <a:p>
+            <a:r>
+              <a:rPr lang="de-DE" dirty="0" smtClean="0"/>
+              <a:t>Beschreibung ... </a:t>
+            </a:r>
+          </a:p>
+          <a:p>
+            <a:r>
+              <a:rPr lang="de-DE" dirty="0" smtClean="0"/>
+              <a:t>Vorteil</a:t>
+            </a:r>
+          </a:p>
+          <a:p>
+            <a:r>
+              <a:rPr lang="de-DE" dirty="0" smtClean="0"/>
+              <a:t>Nachteil</a:t>
+            </a:r>
+          </a:p>
+          <a:p>
+            <a:r>
+              <a:rPr lang="de-DE" dirty="0" smtClean="0"/>
+              <a:t>Besonders </a:t>
+            </a:r>
+            <a:r>
+              <a:rPr lang="de-DE" dirty="0" err="1" smtClean="0"/>
+              <a:t>geignet</a:t>
+            </a:r>
+            <a:r>
+              <a:rPr lang="de-DE" dirty="0" smtClean="0"/>
+              <a:t> für...</a:t>
+            </a:r>
+          </a:p>
+          <a:p>
+            <a:endParaRPr lang="de-DE" dirty="0"/>
+          </a:p>
+        </p:txBody>
+      </p:sp>
+    </p:spTree>
+    <p:extLst>
+      <p:ext uri="{BB962C8B-B14F-4D97-AF65-F5344CB8AC3E}">
+        <p14:creationId xmlns:p14="http://schemas.microsoft.com/office/powerpoint/2010/main" val="4139349894"/>
+      </p:ext>
+    </p:extLst>
+  </p:cSld>
+  <p:clrMapOvr>
+    <a:masterClrMapping/>
+  </p:clrMapOvr>
+</p:sld>
+</file>
+
+<file path=ppt/slides/slide16.xml><?xml version="1.0" encoding="utf-8"?>
+<p:sld xmlns:a="http://schemas.openxmlformats.org/drawingml/2006/main" xmlns:r="http://schemas.openxmlformats.org/officeDocument/2006/relationships" xmlns:p="http://schemas.openxmlformats.org/presentationml/2006/main">
+  <p:cSld>
+    <p:spTree>
+      <p:nvGrpSpPr>
+        <p:cNvPr id="1" name=""/>
+        <p:cNvGrpSpPr/>
+        <p:nvPr/>
+      </p:nvGrpSpPr>
+      <p:grpSpPr>
+        <a:xfrm>
+          <a:off x="0" y="0"/>
+          <a:ext cx="0" cy="0"/>
+          <a:chOff x="0" y="0"/>
+          <a:chExt cx="0" cy="0"/>
+        </a:xfrm>
+      </p:grpSpPr>
+      <p:sp>
+        <p:nvSpPr>
+          <p:cNvPr id="2" name="Titel 1"/>
+          <p:cNvSpPr>
+            <a:spLocks noGrp="1"/>
+          </p:cNvSpPr>
+          <p:nvPr>
+            <p:ph type="title"/>
+          </p:nvPr>
+        </p:nvSpPr>
+        <p:spPr/>
+        <p:txBody>
+          <a:bodyPr/>
+          <a:lstStyle/>
+          <a:p>
+            <a:r>
+              <a:rPr lang="de-DE" dirty="0" smtClean="0"/>
+              <a:t>SUBTREES / SUBMODULES</a:t>
+            </a:r>
+            <a:endParaRPr lang="de-DE" dirty="0"/>
+          </a:p>
+        </p:txBody>
+      </p:sp>
+      <p:sp>
+        <p:nvSpPr>
+          <p:cNvPr id="3" name="Inhaltsplatzhalter 2"/>
+          <p:cNvSpPr>
+            <a:spLocks noGrp="1"/>
+          </p:cNvSpPr>
+          <p:nvPr>
+            <p:ph sz="quarter" idx="10"/>
+          </p:nvPr>
+        </p:nvSpPr>
+        <p:spPr/>
+        <p:txBody>
+          <a:bodyPr>
+            <a:normAutofit fontScale="85000" lnSpcReduction="20000"/>
+          </a:bodyPr>
+          <a:lstStyle/>
+          <a:p>
+            <a:pPr marL="0" indent="0">
+              <a:buNone/>
+            </a:pPr>
+            <a:r>
+              <a:rPr lang="de-DE" dirty="0" smtClean="0"/>
+              <a:t>Jeweils für </a:t>
+            </a:r>
+            <a:r>
+              <a:rPr lang="de-DE" dirty="0" err="1" smtClean="0"/>
+              <a:t>Subtree</a:t>
+            </a:r>
+            <a:r>
+              <a:rPr lang="de-DE" dirty="0" smtClean="0"/>
+              <a:t> und Submodule:</a:t>
+            </a:r>
+          </a:p>
+          <a:p>
+            <a:r>
+              <a:rPr lang="de-DE" dirty="0" err="1" smtClean="0"/>
+              <a:t>Use</a:t>
+            </a:r>
+            <a:r>
+              <a:rPr lang="de-DE" dirty="0" smtClean="0"/>
+              <a:t>-Case 1: </a:t>
+            </a:r>
+            <a:r>
+              <a:rPr lang="de-DE" dirty="0" err="1" smtClean="0"/>
+              <a:t>Initiales</a:t>
+            </a:r>
+            <a:r>
+              <a:rPr lang="de-DE" dirty="0" smtClean="0"/>
+              <a:t> Hinzufügen des </a:t>
+            </a:r>
+            <a:r>
+              <a:rPr lang="de-DE" dirty="0" err="1" smtClean="0"/>
+              <a:t>Subrepos</a:t>
+            </a:r>
+            <a:endParaRPr lang="de-DE" dirty="0" smtClean="0"/>
+          </a:p>
+          <a:p>
+            <a:r>
+              <a:rPr lang="de-DE" dirty="0" err="1" smtClean="0"/>
+              <a:t>Use</a:t>
+            </a:r>
+            <a:r>
+              <a:rPr lang="de-DE" dirty="0" smtClean="0"/>
+              <a:t>-Case 2: Klonen einen </a:t>
+            </a:r>
+            <a:r>
+              <a:rPr lang="de-DE" dirty="0" err="1" smtClean="0"/>
+              <a:t>Repositories</a:t>
+            </a:r>
+            <a:r>
+              <a:rPr lang="de-DE" dirty="0" smtClean="0"/>
+              <a:t>, das ein </a:t>
+            </a:r>
+            <a:r>
+              <a:rPr lang="de-DE" dirty="0" err="1" smtClean="0"/>
+              <a:t>Subrepo</a:t>
+            </a:r>
+            <a:r>
+              <a:rPr lang="de-DE" dirty="0" smtClean="0"/>
+              <a:t> enthält</a:t>
+            </a:r>
+          </a:p>
+          <a:p>
+            <a:r>
+              <a:rPr lang="de-DE" dirty="0" err="1" smtClean="0"/>
+              <a:t>Use</a:t>
+            </a:r>
+            <a:r>
+              <a:rPr lang="de-DE" dirty="0" smtClean="0"/>
+              <a:t>-Case 3: Aktualisieren eines </a:t>
+            </a:r>
+            <a:r>
+              <a:rPr lang="de-DE" dirty="0" err="1" smtClean="0"/>
+              <a:t>Repositories</a:t>
+            </a:r>
+            <a:r>
+              <a:rPr lang="de-DE" dirty="0" smtClean="0"/>
+              <a:t>, das ein </a:t>
+            </a:r>
+            <a:r>
+              <a:rPr lang="de-DE" dirty="0" err="1" smtClean="0"/>
+              <a:t>Subrepo</a:t>
+            </a:r>
+            <a:r>
+              <a:rPr lang="de-DE" dirty="0" smtClean="0"/>
+              <a:t> enthält</a:t>
+            </a:r>
+          </a:p>
+          <a:p>
+            <a:r>
+              <a:rPr lang="de-DE" dirty="0" err="1" smtClean="0"/>
+              <a:t>Use</a:t>
+            </a:r>
+            <a:r>
+              <a:rPr lang="de-DE" dirty="0" smtClean="0"/>
+              <a:t>-Case 4: Änderungen im eingebunden </a:t>
+            </a:r>
+            <a:r>
+              <a:rPr lang="de-DE" dirty="0" err="1" smtClean="0"/>
+              <a:t>Subrepo</a:t>
+            </a:r>
+            <a:r>
+              <a:rPr lang="de-DE" dirty="0" smtClean="0"/>
+              <a:t> durchführen, Änderungen im </a:t>
+            </a:r>
+            <a:r>
+              <a:rPr lang="de-DE" dirty="0" err="1" smtClean="0"/>
+              <a:t>Hauptrepo</a:t>
+            </a:r>
+            <a:r>
+              <a:rPr lang="de-DE" dirty="0" smtClean="0"/>
+              <a:t> </a:t>
+            </a:r>
+            <a:r>
+              <a:rPr lang="de-DE" dirty="0" err="1" smtClean="0"/>
+              <a:t>committen</a:t>
+            </a:r>
+            <a:r>
+              <a:rPr lang="de-DE" dirty="0" smtClean="0"/>
+              <a:t>, Änderungen des </a:t>
+            </a:r>
+            <a:r>
+              <a:rPr lang="de-DE" dirty="0" err="1" smtClean="0"/>
+              <a:t>subrepos</a:t>
+            </a:r>
+            <a:r>
+              <a:rPr lang="de-DE" dirty="0" smtClean="0"/>
+              <a:t> pushen</a:t>
+            </a:r>
+          </a:p>
+          <a:p>
+            <a:r>
+              <a:rPr lang="de-DE" dirty="0" err="1" smtClean="0"/>
+              <a:t>Use</a:t>
+            </a:r>
+            <a:r>
+              <a:rPr lang="de-DE" dirty="0" smtClean="0"/>
+              <a:t>-Case 5: Änderungen im </a:t>
+            </a:r>
+            <a:r>
+              <a:rPr lang="de-DE" dirty="0" err="1" smtClean="0"/>
+              <a:t>Subrepo</a:t>
+            </a:r>
+            <a:r>
+              <a:rPr lang="de-DE" dirty="0" smtClean="0"/>
+              <a:t> (von außerhalb) in das Master-</a:t>
+            </a:r>
+            <a:r>
+              <a:rPr lang="de-DE" dirty="0" err="1" smtClean="0"/>
+              <a:t>Repo</a:t>
+            </a:r>
+            <a:r>
+              <a:rPr lang="de-DE" dirty="0" smtClean="0"/>
+              <a:t> holen =&gt; </a:t>
+            </a:r>
+            <a:r>
+              <a:rPr lang="de-DE" dirty="0" err="1" smtClean="0"/>
+              <a:t>Eingebundens</a:t>
+            </a:r>
+            <a:r>
+              <a:rPr lang="de-DE" dirty="0" smtClean="0"/>
+              <a:t> sub-</a:t>
+            </a:r>
+            <a:r>
+              <a:rPr lang="de-DE" dirty="0" err="1" smtClean="0"/>
+              <a:t>repo</a:t>
+            </a:r>
+            <a:r>
+              <a:rPr lang="de-DE" dirty="0" smtClean="0"/>
+              <a:t> aktualisieren</a:t>
+            </a:r>
+          </a:p>
+          <a:p>
+            <a:r>
+              <a:rPr lang="de-DE" dirty="0" err="1" smtClean="0"/>
+              <a:t>Use</a:t>
+            </a:r>
+            <a:r>
+              <a:rPr lang="de-DE" dirty="0" smtClean="0"/>
+              <a:t>-Case 6: Entfernen des </a:t>
+            </a:r>
+            <a:r>
+              <a:rPr lang="de-DE" dirty="0" err="1" smtClean="0"/>
+              <a:t>Subrepos</a:t>
+            </a:r>
+            <a:endParaRPr lang="de-DE" dirty="0" smtClean="0"/>
+          </a:p>
+          <a:p>
+            <a:endParaRPr lang="de-DE" dirty="0"/>
+          </a:p>
+        </p:txBody>
+      </p:sp>
+    </p:spTree>
+    <p:extLst>
+      <p:ext uri="{BB962C8B-B14F-4D97-AF65-F5344CB8AC3E}">
+        <p14:creationId xmlns:p14="http://schemas.microsoft.com/office/powerpoint/2010/main" val="3797507830"/>
+      </p:ext>
+    </p:extLst>
+  </p:cSld>
+  <p:clrMapOvr>
+    <a:masterClrMapping/>
+  </p:clrMapOvr>
+</p:sld>
+</file>
+
+<file path=ppt/slides/slide17.xml><?xml version="1.0" encoding="utf-8"?>
+<p:sld xmlns:a="http://schemas.openxmlformats.org/drawingml/2006/main" xmlns:r="http://schemas.openxmlformats.org/officeDocument/2006/relationships" xmlns:p="http://schemas.openxmlformats.org/presentationml/2006/main">
+  <p:cSld>
+    <p:spTree>
+      <p:nvGrpSpPr>
+        <p:cNvPr id="1" name=""/>
+        <p:cNvGrpSpPr/>
+        <p:nvPr/>
+      </p:nvGrpSpPr>
+      <p:grpSpPr>
+        <a:xfrm>
+          <a:off x="0" y="0"/>
+          <a:ext cx="0" cy="0"/>
+          <a:chOff x="0" y="0"/>
+          <a:chExt cx="0" cy="0"/>
+        </a:xfrm>
+      </p:grpSpPr>
+      <p:sp>
+        <p:nvSpPr>
+          <p:cNvPr id="2" name="Titel 1"/>
+          <p:cNvSpPr>
+            <a:spLocks noGrp="1"/>
+          </p:cNvSpPr>
+          <p:nvPr>
+            <p:ph type="title"/>
+          </p:nvPr>
+        </p:nvSpPr>
+        <p:spPr/>
+        <p:txBody>
+          <a:bodyPr/>
+          <a:lstStyle/>
+          <a:p>
+            <a:r>
+              <a:rPr lang="de-DE" dirty="0" smtClean="0"/>
+              <a:t>MAVEN...</a:t>
+            </a:r>
+            <a:endParaRPr lang="de-DE" dirty="0"/>
+          </a:p>
+        </p:txBody>
+      </p:sp>
+      <p:sp>
+        <p:nvSpPr>
+          <p:cNvPr id="3" name="Inhaltsplatzhalter 2"/>
+          <p:cNvSpPr>
+            <a:spLocks noGrp="1"/>
+          </p:cNvSpPr>
+          <p:nvPr>
+            <p:ph sz="quarter" idx="10"/>
+          </p:nvPr>
+        </p:nvSpPr>
+        <p:spPr/>
+        <p:txBody>
+          <a:bodyPr>
+            <a:normAutofit fontScale="70000" lnSpcReduction="20000"/>
+          </a:bodyPr>
+          <a:lstStyle/>
+          <a:p>
+            <a:r>
+              <a:rPr lang="de-DE" dirty="0" err="1" smtClean="0"/>
+              <a:t>Maven</a:t>
+            </a:r>
+            <a:r>
+              <a:rPr lang="de-DE" dirty="0" smtClean="0"/>
+              <a:t>-release-</a:t>
+            </a:r>
+            <a:r>
+              <a:rPr lang="de-DE" dirty="0" err="1" smtClean="0"/>
+              <a:t>plugin</a:t>
+            </a:r>
+            <a:endParaRPr lang="de-DE" dirty="0" smtClean="0"/>
+          </a:p>
+          <a:p>
+            <a:pPr lvl="1"/>
+            <a:r>
+              <a:rPr lang="de-DE" dirty="0" smtClean="0"/>
+              <a:t>Konfiguration 1: Hinzufügen des </a:t>
+            </a:r>
+            <a:r>
+              <a:rPr lang="de-DE" dirty="0" err="1" smtClean="0"/>
+              <a:t>Plug-ins</a:t>
+            </a:r>
+            <a:r>
+              <a:rPr lang="de-DE" dirty="0" smtClean="0"/>
+              <a:t> zum </a:t>
+            </a:r>
+            <a:r>
+              <a:rPr lang="de-DE" dirty="0" err="1" smtClean="0"/>
+              <a:t>Pom</a:t>
+            </a:r>
+            <a:endParaRPr lang="de-DE" dirty="0" smtClean="0"/>
+          </a:p>
+          <a:p>
+            <a:pPr lvl="1"/>
+            <a:r>
+              <a:rPr lang="de-DE" dirty="0" smtClean="0"/>
+              <a:t>Voraussetzungen: </a:t>
+            </a:r>
+            <a:r>
+              <a:rPr lang="de-DE" dirty="0" err="1" smtClean="0"/>
+              <a:t>scm</a:t>
+            </a:r>
+            <a:r>
+              <a:rPr lang="de-DE" dirty="0" smtClean="0"/>
+              <a:t> &amp; </a:t>
+            </a:r>
+            <a:r>
+              <a:rPr lang="de-DE" dirty="0" err="1" smtClean="0"/>
+              <a:t>distributionManagement</a:t>
+            </a:r>
+            <a:endParaRPr lang="de-DE" dirty="0" smtClean="0"/>
+          </a:p>
+          <a:p>
+            <a:pPr lvl="1"/>
+            <a:r>
+              <a:rPr lang="de-DE" dirty="0" smtClean="0"/>
+              <a:t>Konfiguration, z.B. tag-name</a:t>
+            </a:r>
+          </a:p>
+          <a:p>
+            <a:r>
+              <a:rPr lang="de-DE" dirty="0" smtClean="0"/>
+              <a:t>Arbeitsweise 1: </a:t>
+            </a:r>
+            <a:r>
+              <a:rPr lang="de-DE" dirty="0" err="1" smtClean="0"/>
+              <a:t>prepare</a:t>
+            </a:r>
+            <a:endParaRPr lang="de-DE" dirty="0" smtClean="0"/>
+          </a:p>
+          <a:p>
+            <a:pPr lvl="1"/>
+            <a:r>
+              <a:rPr lang="de-DE" dirty="0" smtClean="0"/>
+              <a:t>Workspace „clean“?</a:t>
+            </a:r>
+          </a:p>
+          <a:p>
+            <a:pPr lvl="1"/>
+            <a:r>
+              <a:rPr lang="de-DE" dirty="0" smtClean="0"/>
+              <a:t>SNAPSHOT =&gt; reale Version</a:t>
+            </a:r>
+          </a:p>
+          <a:p>
+            <a:pPr lvl="1"/>
+            <a:r>
+              <a:rPr lang="de-DE" dirty="0" err="1" smtClean="0"/>
+              <a:t>Compile</a:t>
+            </a:r>
+            <a:r>
+              <a:rPr lang="de-DE" dirty="0" smtClean="0"/>
+              <a:t>, Test (vor </a:t>
+            </a:r>
+            <a:r>
+              <a:rPr lang="de-DE" dirty="0" err="1" smtClean="0"/>
+              <a:t>commit</a:t>
+            </a:r>
+            <a:r>
+              <a:rPr lang="de-DE" dirty="0" smtClean="0"/>
+              <a:t> &amp; Tag???)</a:t>
+            </a:r>
+          </a:p>
+          <a:p>
+            <a:pPr lvl="1"/>
+            <a:r>
+              <a:rPr lang="de-DE" dirty="0" smtClean="0"/>
+              <a:t>Commit &amp; Tag</a:t>
+            </a:r>
+          </a:p>
+          <a:p>
+            <a:r>
+              <a:rPr lang="de-DE" dirty="0" smtClean="0"/>
+              <a:t>Arbeitsweise 2: </a:t>
+            </a:r>
+            <a:r>
+              <a:rPr lang="de-DE" dirty="0" err="1" smtClean="0"/>
+              <a:t>perform</a:t>
+            </a:r>
+            <a:endParaRPr lang="de-DE" dirty="0" smtClean="0"/>
+          </a:p>
+          <a:p>
+            <a:pPr lvl="1"/>
+            <a:r>
+              <a:rPr lang="de-DE" dirty="0" smtClean="0"/>
+              <a:t>Erneutes bauen in zweiter </a:t>
+            </a:r>
+            <a:r>
+              <a:rPr lang="de-DE" dirty="0" err="1" smtClean="0"/>
+              <a:t>Maven</a:t>
+            </a:r>
+            <a:r>
+              <a:rPr lang="de-DE" dirty="0" smtClean="0"/>
+              <a:t> Instanz</a:t>
+            </a:r>
+          </a:p>
+          <a:p>
+            <a:pPr lvl="1"/>
+            <a:r>
+              <a:rPr lang="de-DE" dirty="0" smtClean="0"/>
+              <a:t>Push</a:t>
+            </a:r>
+          </a:p>
+          <a:p>
+            <a:r>
+              <a:rPr lang="de-DE" dirty="0" smtClean="0"/>
+              <a:t>Nachteil:</a:t>
+            </a:r>
+          </a:p>
+          <a:p>
+            <a:pPr lvl="1"/>
+            <a:r>
+              <a:rPr lang="de-DE" dirty="0" smtClean="0"/>
+              <a:t>Zwei Phasen mit temporären Dateien dazwischen</a:t>
+            </a:r>
+            <a:endParaRPr lang="de-DE" dirty="0" smtClean="0"/>
+          </a:p>
+          <a:p>
+            <a:pPr lvl="1"/>
+            <a:r>
+              <a:rPr lang="de-DE" dirty="0" smtClean="0"/>
+              <a:t>Nicht </a:t>
+            </a:r>
+            <a:r>
+              <a:rPr lang="de-DE" dirty="0" err="1" smtClean="0"/>
+              <a:t>Git</a:t>
+            </a:r>
+            <a:r>
+              <a:rPr lang="de-DE" dirty="0" smtClean="0"/>
+              <a:t>-Flow kompatibel</a:t>
+            </a:r>
+            <a:endParaRPr lang="de-DE" dirty="0" smtClean="0"/>
+          </a:p>
+          <a:p>
+            <a:endParaRPr lang="de-DE" dirty="0"/>
+          </a:p>
+        </p:txBody>
+      </p:sp>
+    </p:spTree>
+    <p:extLst>
+      <p:ext uri="{BB962C8B-B14F-4D97-AF65-F5344CB8AC3E}">
+        <p14:creationId xmlns:p14="http://schemas.microsoft.com/office/powerpoint/2010/main" val="2352616168"/>
+      </p:ext>
+    </p:extLst>
+  </p:cSld>
+  <p:clrMapOvr>
+    <a:masterClrMapping/>
+  </p:clrMapOvr>
+</p:sld>
+</file>
+
+<file path=ppt/slides/slide18.xml><?xml version="1.0" encoding="utf-8"?>
+<p:sld xmlns:a="http://schemas.openxmlformats.org/drawingml/2006/main" xmlns:r="http://schemas.openxmlformats.org/officeDocument/2006/relationships" xmlns:p="http://schemas.openxmlformats.org/presentationml/2006/main">
+  <p:cSld>
+    <p:spTree>
+      <p:nvGrpSpPr>
+        <p:cNvPr id="1" name=""/>
+        <p:cNvGrpSpPr/>
+        <p:nvPr/>
+      </p:nvGrpSpPr>
+      <p:grpSpPr>
+        <a:xfrm>
+          <a:off x="0" y="0"/>
+          <a:ext cx="0" cy="0"/>
+          <a:chOff x="0" y="0"/>
+          <a:chExt cx="0" cy="0"/>
+        </a:xfrm>
+      </p:grpSpPr>
+      <p:sp>
+        <p:nvSpPr>
+          <p:cNvPr id="2" name="Titel 1"/>
+          <p:cNvSpPr>
+            <a:spLocks noGrp="1"/>
+          </p:cNvSpPr>
+          <p:nvPr>
+            <p:ph type="title"/>
+          </p:nvPr>
+        </p:nvSpPr>
+        <p:spPr/>
+        <p:txBody>
+          <a:bodyPr/>
+          <a:lstStyle/>
+          <a:p>
+            <a:r>
+              <a:rPr lang="de-DE" dirty="0" smtClean="0"/>
+              <a:t>MAVEN </a:t>
+            </a:r>
+            <a:r>
+              <a:rPr lang="de-DE" dirty="0" err="1" smtClean="0"/>
+              <a:t>jgit-flow</a:t>
+            </a:r>
+            <a:endParaRPr lang="de-DE" dirty="0"/>
+          </a:p>
+        </p:txBody>
+      </p:sp>
+      <p:sp>
+        <p:nvSpPr>
+          <p:cNvPr id="3" name="Inhaltsplatzhalter 2"/>
+          <p:cNvSpPr>
+            <a:spLocks noGrp="1"/>
+          </p:cNvSpPr>
+          <p:nvPr>
+            <p:ph sz="quarter" idx="10"/>
+          </p:nvPr>
+        </p:nvSpPr>
+        <p:spPr/>
+        <p:txBody>
+          <a:bodyPr>
+            <a:normAutofit/>
+          </a:bodyPr>
+          <a:lstStyle/>
+          <a:p>
+            <a:r>
+              <a:rPr lang="de-DE" dirty="0">
+                <a:hlinkClick r:id="rId2"/>
+              </a:rPr>
+              <a:t>https://bitbucket.org/atlassian/jgit-flow/wiki/</a:t>
+            </a:r>
+            <a:r>
+              <a:rPr lang="de-DE" dirty="0" smtClean="0">
+                <a:hlinkClick r:id="rId2"/>
+              </a:rPr>
+              <a:t>Home</a:t>
+            </a:r>
+            <a:endParaRPr lang="de-DE" dirty="0" smtClean="0"/>
+          </a:p>
+          <a:p>
+            <a:r>
+              <a:rPr lang="de-DE" dirty="0" smtClean="0"/>
+              <a:t>Konfiguration im POM</a:t>
+            </a:r>
+          </a:p>
+          <a:p>
+            <a:r>
+              <a:rPr lang="de-DE" dirty="0" smtClean="0"/>
+              <a:t>Release</a:t>
+            </a:r>
+            <a:endParaRPr lang="de-DE" dirty="0"/>
+          </a:p>
+        </p:txBody>
+      </p:sp>
+    </p:spTree>
+    <p:extLst>
+      <p:ext uri="{BB962C8B-B14F-4D97-AF65-F5344CB8AC3E}">
+        <p14:creationId xmlns:p14="http://schemas.microsoft.com/office/powerpoint/2010/main" val="3892127042"/>
+      </p:ext>
+    </p:extLst>
+  </p:cSld>
+  <p:clrMapOvr>
+    <a:masterClrMapping/>
+  </p:clrMapOvr>
+</p:sld>
+</file>
+
+<file path=ppt/slides/slide19.xml><?xml version="1.0" encoding="utf-8"?>
+<p:sld xmlns:a="http://schemas.openxmlformats.org/drawingml/2006/main" xmlns:r="http://schemas.openxmlformats.org/officeDocument/2006/relationships" xmlns:p="http://schemas.openxmlformats.org/presentationml/2006/main">
+  <p:cSld>
+    <p:spTree>
+      <p:nvGrpSpPr>
+        <p:cNvPr id="1" name=""/>
+        <p:cNvGrpSpPr/>
+        <p:nvPr/>
+      </p:nvGrpSpPr>
+      <p:grpSpPr>
+        <a:xfrm>
+          <a:off x="0" y="0"/>
+          <a:ext cx="0" cy="0"/>
+          <a:chOff x="0" y="0"/>
+          <a:chExt cx="0" cy="0"/>
+        </a:xfrm>
+      </p:grpSpPr>
+      <p:sp>
+        <p:nvSpPr>
+          <p:cNvPr id="2" name="Titel 1"/>
+          <p:cNvSpPr>
+            <a:spLocks noGrp="1"/>
+          </p:cNvSpPr>
+          <p:nvPr>
+            <p:ph type="title"/>
+          </p:nvPr>
+        </p:nvSpPr>
+        <p:spPr/>
+        <p:txBody>
+          <a:bodyPr/>
+          <a:lstStyle/>
+          <a:p>
+            <a:r>
+              <a:rPr lang="de-DE" dirty="0" smtClean="0"/>
+              <a:t>GIT APIS: JGIT</a:t>
+            </a:r>
+            <a:endParaRPr lang="de-DE" dirty="0"/>
+          </a:p>
+        </p:txBody>
+      </p:sp>
+      <p:sp>
+        <p:nvSpPr>
+          <p:cNvPr id="3" name="Inhaltsplatzhalter 2"/>
+          <p:cNvSpPr>
+            <a:spLocks noGrp="1"/>
+          </p:cNvSpPr>
+          <p:nvPr>
+            <p:ph sz="quarter" idx="10"/>
+          </p:nvPr>
+        </p:nvSpPr>
+        <p:spPr/>
+        <p:txBody>
+          <a:bodyPr>
+            <a:normAutofit/>
+          </a:bodyPr>
+          <a:lstStyle/>
+          <a:p>
+            <a:r>
+              <a:rPr lang="de-DE" dirty="0" err="1" smtClean="0"/>
+              <a:t>Porcelaine</a:t>
+            </a:r>
+            <a:r>
+              <a:rPr lang="de-DE" dirty="0" smtClean="0"/>
+              <a:t> API</a:t>
+            </a:r>
+          </a:p>
+          <a:p>
+            <a:pPr lvl="1"/>
+            <a:r>
+              <a:rPr lang="de-DE" dirty="0">
+                <a:hlinkClick r:id="rId2"/>
+              </a:rPr>
+              <a:t>https://speakerdeck.com/alblue/embedding-jgit-into-java-</a:t>
+            </a:r>
+            <a:r>
+              <a:rPr lang="de-DE" dirty="0" smtClean="0">
+                <a:hlinkClick r:id="rId2"/>
+              </a:rPr>
+              <a:t>applications</a:t>
+            </a:r>
+            <a:endParaRPr lang="de-DE" dirty="0" smtClean="0"/>
+          </a:p>
+          <a:p>
+            <a:pPr lvl="1"/>
+            <a:r>
+              <a:rPr lang="de-DE" dirty="0">
+                <a:hlinkClick r:id="rId3"/>
+              </a:rPr>
+              <a:t>http://alblue.bandlem.com/2013/11/embedding-</a:t>
+            </a:r>
+            <a:r>
+              <a:rPr lang="de-DE" dirty="0" smtClean="0">
+                <a:hlinkClick r:id="rId3"/>
+              </a:rPr>
+              <a:t>jgit.html</a:t>
+            </a:r>
+            <a:endParaRPr lang="de-DE" dirty="0" smtClean="0"/>
+          </a:p>
+          <a:p>
+            <a:r>
+              <a:rPr lang="de-DE" dirty="0" err="1" smtClean="0"/>
+              <a:t>Git</a:t>
+            </a:r>
+            <a:r>
+              <a:rPr lang="de-DE" dirty="0" smtClean="0"/>
+              <a:t> Flow </a:t>
+            </a:r>
+            <a:r>
+              <a:rPr lang="de-DE" dirty="0" err="1" smtClean="0"/>
+              <a:t>Api</a:t>
+            </a:r>
+            <a:r>
+              <a:rPr lang="de-DE" dirty="0" smtClean="0"/>
+              <a:t> von </a:t>
+            </a:r>
+            <a:r>
+              <a:rPr lang="de-DE" dirty="0" err="1" smtClean="0"/>
+              <a:t>Atlassian</a:t>
+            </a:r>
+            <a:endParaRPr lang="de-DE" dirty="0" smtClean="0"/>
+          </a:p>
+          <a:p>
+            <a:pPr lvl="1"/>
+            <a:r>
+              <a:rPr lang="de-DE" dirty="0">
+                <a:hlinkClick r:id="rId4"/>
+              </a:rPr>
+              <a:t>https://bitbucket.org/atlassian/jgit-</a:t>
+            </a:r>
+            <a:r>
+              <a:rPr lang="de-DE" dirty="0" smtClean="0">
+                <a:hlinkClick r:id="rId4"/>
+              </a:rPr>
+              <a:t>flow</a:t>
+            </a:r>
+            <a:endParaRPr lang="de-DE" dirty="0" smtClean="0"/>
+          </a:p>
+          <a:p>
+            <a:pPr lvl="1"/>
+            <a:endParaRPr lang="de-DE" dirty="0"/>
+          </a:p>
+          <a:p>
+            <a:endParaRPr lang="de-DE" dirty="0" smtClean="0"/>
+          </a:p>
+          <a:p>
+            <a:pPr lvl="1"/>
+            <a:endParaRPr lang="de-DE" dirty="0"/>
+          </a:p>
+          <a:p>
+            <a:endParaRPr lang="de-DE" dirty="0"/>
+          </a:p>
+          <a:p>
+            <a:endParaRPr lang="de-DE" dirty="0"/>
+          </a:p>
+        </p:txBody>
+      </p:sp>
+    </p:spTree>
+    <p:extLst>
+      <p:ext uri="{BB962C8B-B14F-4D97-AF65-F5344CB8AC3E}">
+        <p14:creationId xmlns:p14="http://schemas.microsoft.com/office/powerpoint/2010/main" val="2711603374"/>
+      </p:ext>
+    </p:extLst>
+  </p:cSld>
+  <p:clrMapOvr>
+    <a:masterClrMapping/>
+  </p:clrMapOvr>
 </p:sld>
 </file>
 
@@ -3010,6 +4182,206 @@
 </p:sld>
 </file>
 
+<file path=ppt/slides/slide20.xml><?xml version="1.0" encoding="utf-8"?>
+<p:sld xmlns:a="http://schemas.openxmlformats.org/drawingml/2006/main" xmlns:r="http://schemas.openxmlformats.org/officeDocument/2006/relationships" xmlns:p="http://schemas.openxmlformats.org/presentationml/2006/main">
+  <p:cSld>
+    <p:spTree>
+      <p:nvGrpSpPr>
+        <p:cNvPr id="1" name=""/>
+        <p:cNvGrpSpPr/>
+        <p:nvPr/>
+      </p:nvGrpSpPr>
+      <p:grpSpPr>
+        <a:xfrm>
+          <a:off x="0" y="0"/>
+          <a:ext cx="0" cy="0"/>
+          <a:chOff x="0" y="0"/>
+          <a:chExt cx="0" cy="0"/>
+        </a:xfrm>
+      </p:grpSpPr>
+      <p:sp>
+        <p:nvSpPr>
+          <p:cNvPr id="2" name="Titel 1"/>
+          <p:cNvSpPr>
+            <a:spLocks noGrp="1"/>
+          </p:cNvSpPr>
+          <p:nvPr>
+            <p:ph type="title"/>
+          </p:nvPr>
+        </p:nvSpPr>
+        <p:spPr/>
+        <p:txBody>
+          <a:bodyPr/>
+          <a:lstStyle/>
+          <a:p>
+            <a:r>
+              <a:rPr lang="de-DE" dirty="0" smtClean="0"/>
+              <a:t>GIT APIS: JGIT / GROOVY</a:t>
+            </a:r>
+            <a:endParaRPr lang="de-DE" dirty="0"/>
+          </a:p>
+        </p:txBody>
+      </p:sp>
+      <p:sp>
+        <p:nvSpPr>
+          <p:cNvPr id="3" name="Inhaltsplatzhalter 2"/>
+          <p:cNvSpPr>
+            <a:spLocks noGrp="1"/>
+          </p:cNvSpPr>
+          <p:nvPr>
+            <p:ph sz="quarter" idx="10"/>
+          </p:nvPr>
+        </p:nvSpPr>
+        <p:spPr/>
+        <p:txBody>
+          <a:bodyPr>
+            <a:normAutofit/>
+          </a:bodyPr>
+          <a:lstStyle/>
+          <a:p>
+            <a:r>
+              <a:rPr lang="de-DE" dirty="0">
+                <a:hlinkClick r:id="rId2"/>
+              </a:rPr>
+              <a:t>https://github.com/ajoberstar/</a:t>
+            </a:r>
+            <a:r>
+              <a:rPr lang="de-DE" dirty="0" smtClean="0">
+                <a:hlinkClick r:id="rId2"/>
+              </a:rPr>
+              <a:t>grgit</a:t>
+            </a:r>
+            <a:endParaRPr lang="de-DE" dirty="0" smtClean="0"/>
+          </a:p>
+          <a:p>
+            <a:endParaRPr lang="de-DE" dirty="0"/>
+          </a:p>
+        </p:txBody>
+      </p:sp>
+    </p:spTree>
+    <p:extLst>
+      <p:ext uri="{BB962C8B-B14F-4D97-AF65-F5344CB8AC3E}">
+        <p14:creationId xmlns:p14="http://schemas.microsoft.com/office/powerpoint/2010/main" val="1028248972"/>
+      </p:ext>
+    </p:extLst>
+  </p:cSld>
+  <p:clrMapOvr>
+    <a:masterClrMapping/>
+  </p:clrMapOvr>
+</p:sld>
+</file>
+
+<file path=ppt/slides/slide21.xml><?xml version="1.0" encoding="utf-8"?>
+<p:sld xmlns:a="http://schemas.openxmlformats.org/drawingml/2006/main" xmlns:r="http://schemas.openxmlformats.org/officeDocument/2006/relationships" xmlns:p="http://schemas.openxmlformats.org/presentationml/2006/main">
+  <p:cSld>
+    <p:spTree>
+      <p:nvGrpSpPr>
+        <p:cNvPr id="1" name=""/>
+        <p:cNvGrpSpPr/>
+        <p:nvPr/>
+      </p:nvGrpSpPr>
+      <p:grpSpPr>
+        <a:xfrm>
+          <a:off x="0" y="0"/>
+          <a:ext cx="0" cy="0"/>
+          <a:chOff x="0" y="0"/>
+          <a:chExt cx="0" cy="0"/>
+        </a:xfrm>
+      </p:grpSpPr>
+      <p:sp>
+        <p:nvSpPr>
+          <p:cNvPr id="2" name="Titel 1"/>
+          <p:cNvSpPr>
+            <a:spLocks noGrp="1"/>
+          </p:cNvSpPr>
+          <p:nvPr>
+            <p:ph type="title"/>
+          </p:nvPr>
+        </p:nvSpPr>
+        <p:spPr/>
+        <p:txBody>
+          <a:bodyPr/>
+          <a:lstStyle/>
+          <a:p>
+            <a:r>
+              <a:rPr lang="de-DE" dirty="0" smtClean="0"/>
+              <a:t>VIELEN DANK!</a:t>
+            </a:r>
+            <a:endParaRPr lang="de-DE" dirty="0"/>
+          </a:p>
+        </p:txBody>
+      </p:sp>
+      <p:sp>
+        <p:nvSpPr>
+          <p:cNvPr id="3" name="Inhaltsplatzhalter 2"/>
+          <p:cNvSpPr>
+            <a:spLocks noGrp="1"/>
+          </p:cNvSpPr>
+          <p:nvPr>
+            <p:ph sz="quarter" idx="10"/>
+          </p:nvPr>
+        </p:nvSpPr>
+        <p:spPr>
+          <a:xfrm>
+            <a:off x="2304727" y="3046069"/>
+            <a:ext cx="4534547" cy="742043"/>
+          </a:xfrm>
+        </p:spPr>
+        <p:txBody>
+          <a:bodyPr>
+            <a:noAutofit/>
+          </a:bodyPr>
+          <a:lstStyle/>
+          <a:p>
+            <a:pPr marL="0" indent="0" algn="ctr">
+              <a:buNone/>
+            </a:pPr>
+            <a:r>
+              <a:rPr lang="de-DE" sz="4400" spc="30" dirty="0" smtClean="0">
+                <a:ln>
+                  <a:solidFill>
+                    <a:srgbClr val="984807"/>
+                  </a:solidFill>
+                </a:ln>
+                <a:solidFill>
+                  <a:srgbClr val="984807"/>
+                </a:solidFill>
+              </a:rPr>
+              <a:t>Fragen ?</a:t>
+            </a:r>
+            <a:endParaRPr lang="de-DE" sz="4400" spc="30" dirty="0">
+              <a:ln>
+                <a:solidFill>
+                  <a:srgbClr val="984807"/>
+                </a:solidFill>
+              </a:ln>
+              <a:solidFill>
+                <a:srgbClr val="984807"/>
+              </a:solidFill>
+            </a:endParaRPr>
+          </a:p>
+        </p:txBody>
+      </p:sp>
+    </p:spTree>
+    <p:extLst>
+      <p:ext uri="{BB962C8B-B14F-4D97-AF65-F5344CB8AC3E}">
+        <p14:creationId xmlns:p14="http://schemas.microsoft.com/office/powerpoint/2010/main" val="1995836235"/>
+      </p:ext>
+    </p:extLst>
+  </p:cSld>
+  <p:clrMapOvr>
+    <a:masterClrMapping/>
+  </p:clrMapOvr>
+  <p:timing>
+    <p:tnLst>
+      <p:par>
+        <p:cTn xmlns:p14="http://schemas.microsoft.com/office/powerpoint/2010/main" id="1" dur="indefinite" restart="never" nodeType="tmRoot"/>
+      </p:par>
+    </p:tnLst>
+  </p:timing>
+</p:sld>
+</file>
+
 <file path=ppt/slides/slide3.xml><?xml version="1.0" encoding="utf-8"?>
 <p:sld xmlns:a="http://schemas.openxmlformats.org/drawingml/2006/main" xmlns:r="http://schemas.openxmlformats.org/officeDocument/2006/relationships" xmlns:p="http://schemas.openxmlformats.org/presentationml/2006/main">
   <p:cSld>
@@ -3137,7 +4509,6 @@
               <a:rPr lang="de-DE" dirty="0" smtClean="0"/>
               <a:t>-Strategien</a:t>
             </a:r>
-            <a:endParaRPr lang="de-DE" dirty="0" smtClean="0"/>
           </a:p>
           <a:p>
             <a:pPr>
@@ -3254,13 +4625,8 @@
             </a:pPr>
             <a:r>
               <a:rPr lang="de-DE" dirty="0" smtClean="0"/>
-              <a:t>Fragen &amp; </a:t>
-            </a:r>
-            <a:r>
-              <a:rPr lang="de-DE" dirty="0" smtClean="0"/>
-              <a:t>Diskussionen: jederzeit!</a:t>
-            </a:r>
-            <a:endParaRPr lang="de-DE" dirty="0" smtClean="0"/>
+              <a:t>Fragen &amp; Diskussionen: jederzeit!</a:t>
+            </a:r>
           </a:p>
           <a:p>
             <a:endParaRPr lang="de-DE" dirty="0" smtClean="0"/>
@@ -3399,6 +4765,17 @@
 <file path=ppt/slides/slide4.xml><?xml version="1.0" encoding="utf-8"?>
 <p:sld xmlns:a="http://schemas.openxmlformats.org/drawingml/2006/main" xmlns:r="http://schemas.openxmlformats.org/officeDocument/2006/relationships" xmlns:p="http://schemas.openxmlformats.org/presentationml/2006/main">
   <p:cSld>
+    <p:bg>
+      <p:bgPr>
+        <a:solidFill>
+          <a:schemeClr val="accent6">
+            <a:lumMod val="60000"/>
+            <a:lumOff val="40000"/>
+          </a:schemeClr>
+        </a:solidFill>
+        <a:effectLst/>
+      </p:bgPr>
+    </p:bg>
     <p:spTree>
       <p:nvGrpSpPr>
         <p:cNvPr id="1" name=""/>
@@ -3555,8 +4932,27 @@
             </a:r>
             <a:r>
               <a:rPr lang="de-DE" dirty="0"/>
-              <a:t> beginnen</a:t>
-            </a:r>
+              <a:t> </a:t>
+            </a:r>
+            <a:r>
+              <a:rPr lang="de-DE" dirty="0" smtClean="0"/>
+              <a:t>beginnen</a:t>
+            </a:r>
+          </a:p>
+          <a:p>
+            <a:r>
+              <a:rPr lang="de-DE" dirty="0" smtClean="0"/>
+              <a:t>First-</a:t>
+            </a:r>
+            <a:r>
+              <a:rPr lang="de-DE" dirty="0" err="1" smtClean="0"/>
+              <a:t>parent</a:t>
+            </a:r>
+            <a:r>
+              <a:rPr lang="de-DE" dirty="0" smtClean="0"/>
+              <a:t> Historie!!!!!</a:t>
+            </a:r>
+            <a:endParaRPr lang="de-DE" dirty="0"/>
           </a:p>
         </p:txBody>
       </p:sp>
@@ -3607,7 +5003,11 @@
           <a:p>
             <a:r>
               <a:rPr lang="de-DE" dirty="0" smtClean="0"/>
-              <a:t>GIT INTERNAS: REMOTES</a:t>
+              <a:t>GIT INTERNAS: </a:t>
+            </a:r>
+            <a:r>
+              <a:rPr lang="de-DE" dirty="0" smtClean="0"/>
+              <a:t>MERGES 1</a:t>
             </a:r>
             <a:endParaRPr lang="de-DE" dirty="0"/>
           </a:p>
@@ -3632,168 +5032,172 @@
           <a:p>
             <a:r>
               <a:rPr lang="de-DE" dirty="0" err="1" smtClean="0"/>
-              <a:t>Upstream-Branches</a:t>
-            </a:r>
-            <a:r>
-              <a:rPr lang="de-DE" dirty="0" smtClean="0"/>
-              <a:t>: Veränderungen seit </a:t>
-            </a:r>
-            <a:r>
-              <a:rPr lang="de-DE" dirty="0" err="1" smtClean="0"/>
               <a:t>Git</a:t>
             </a:r>
             <a:r>
               <a:rPr lang="de-DE" dirty="0" smtClean="0"/>
-              <a:t> 1.7</a:t>
-            </a:r>
-          </a:p>
-          <a:p>
-            <a:r>
-              <a:rPr lang="de-DE" dirty="0" err="1" smtClean="0"/>
-              <a:t>ls</a:t>
-            </a:r>
-            <a:r>
-              <a:rPr lang="de-DE" dirty="0"/>
-              <a:t>-remote -&gt; vorab sehen welche </a:t>
-            </a:r>
-            <a:r>
-              <a:rPr lang="de-DE" dirty="0" err="1"/>
-              <a:t>Branches</a:t>
-            </a:r>
-            <a:r>
-              <a:rPr lang="de-DE" dirty="0"/>
-              <a:t> es gibt</a:t>
-            </a:r>
-          </a:p>
-          <a:p>
-            <a:r>
-              <a:rPr lang="de-DE" dirty="0"/>
-              <a:t>remote </a:t>
-            </a:r>
-            <a:r>
-              <a:rPr lang="de-DE" dirty="0" err="1"/>
-              <a:t>add</a:t>
-            </a:r>
-            <a:r>
-              <a:rPr lang="de-DE" dirty="0"/>
-              <a:t>, update, -&gt; Remote-Tracking-</a:t>
-            </a:r>
-            <a:r>
-              <a:rPr lang="de-DE" dirty="0" err="1"/>
-              <a:t>Branches</a:t>
-            </a:r>
-            <a:r>
-              <a:rPr lang="de-DE" dirty="0"/>
-              <a:t> zeigen</a:t>
-            </a:r>
-          </a:p>
-          <a:p>
-            <a:r>
-              <a:rPr lang="de-DE" dirty="0"/>
-              <a:t>Tracking-</a:t>
-            </a:r>
-            <a:r>
-              <a:rPr lang="de-DE" dirty="0" err="1"/>
-              <a:t>Branches</a:t>
-            </a:r>
-            <a:r>
-              <a:rPr lang="de-DE" dirty="0"/>
-              <a:t>: </a:t>
-            </a:r>
-            <a:r>
-              <a:rPr lang="de-DE" dirty="0" err="1"/>
-              <a:t>branch</a:t>
-            </a:r>
-            <a:r>
-              <a:rPr lang="de-DE" dirty="0"/>
-              <a:t> --set-</a:t>
-            </a:r>
-            <a:r>
-              <a:rPr lang="de-DE" dirty="0" err="1"/>
-              <a:t>upstream</a:t>
-            </a:r>
-            <a:endParaRPr lang="de-DE" dirty="0"/>
-          </a:p>
-          <a:p>
-            <a:r>
-              <a:rPr lang="de-DE" dirty="0" err="1"/>
-              <a:t>branch</a:t>
-            </a:r>
-            <a:r>
-              <a:rPr lang="de-DE" dirty="0"/>
-              <a:t> -</a:t>
-            </a:r>
-            <a:r>
-              <a:rPr lang="de-DE" dirty="0" err="1"/>
-              <a:t>vv</a:t>
-            </a:r>
-            <a:r>
-              <a:rPr lang="de-DE" dirty="0"/>
-              <a:t> -&gt; Verbindung zu tracking-</a:t>
-            </a:r>
-            <a:r>
-              <a:rPr lang="de-DE" dirty="0" err="1"/>
-              <a:t>Branches</a:t>
-            </a:r>
-            <a:r>
-              <a:rPr lang="de-DE" dirty="0"/>
-              <a:t> anzeigen</a:t>
-            </a:r>
-          </a:p>
-          <a:p>
-            <a:r>
-              <a:rPr lang="de-DE" dirty="0"/>
-              <a:t>push -&gt; </a:t>
-            </a:r>
-            <a:r>
-              <a:rPr lang="de-DE" dirty="0" err="1"/>
-              <a:t>push.default</a:t>
-            </a:r>
-            <a:r>
-              <a:rPr lang="de-DE" dirty="0"/>
-              <a:t> Optionen erklären</a:t>
-            </a:r>
-          </a:p>
-          <a:p>
-            <a:r>
-              <a:rPr lang="de-DE" dirty="0" err="1"/>
-              <a:t>refspecs</a:t>
-            </a:r>
-            <a:r>
-              <a:rPr lang="de-DE" dirty="0"/>
-              <a:t> erklären -&gt; + Zeichen</a:t>
-            </a:r>
-          </a:p>
-          <a:p>
-            <a:r>
-              <a:rPr lang="de-DE" dirty="0" err="1"/>
-              <a:t>fetch</a:t>
-            </a:r>
-            <a:r>
-              <a:rPr lang="de-DE" dirty="0"/>
-              <a:t> -&gt; ohne benanntes Remote -&gt; FETCH_HEAD</a:t>
-            </a:r>
-          </a:p>
-          <a:p>
-            <a:r>
-              <a:rPr lang="de-DE" dirty="0"/>
-              <a:t>pull -&gt; </a:t>
-            </a:r>
-            <a:r>
-              <a:rPr lang="de-DE" dirty="0" err="1"/>
-              <a:t>pull.rebase</a:t>
-            </a:r>
-            <a:r>
-              <a:rPr lang="de-DE" dirty="0"/>
-              <a:t> -&gt; </a:t>
-            </a:r>
-            <a:r>
-              <a:rPr lang="de-DE" dirty="0" err="1"/>
-              <a:t>branch.autosetuprebase</a:t>
-            </a:r>
-            <a:endParaRPr lang="de-DE" dirty="0"/>
-          </a:p>
-          <a:p>
+              <a:t> </a:t>
+            </a:r>
+            <a:r>
+              <a:rPr lang="de-DE" dirty="0" err="1" smtClean="0"/>
+              <a:t>merge</a:t>
+            </a:r>
+            <a:endParaRPr lang="de-DE" dirty="0" smtClean="0"/>
+          </a:p>
+          <a:p>
+            <a:pPr lvl="1"/>
+            <a:r>
+              <a:rPr lang="de-DE" dirty="0" err="1" smtClean="0"/>
+              <a:t>Merge</a:t>
+            </a:r>
+            <a:r>
+              <a:rPr lang="de-DE" dirty="0" smtClean="0"/>
+              <a:t>-Commit: 2 oder mehr </a:t>
+            </a:r>
+            <a:r>
+              <a:rPr lang="de-DE" dirty="0" err="1" smtClean="0"/>
+              <a:t>Parents</a:t>
+            </a:r>
+            <a:endParaRPr lang="de-DE" dirty="0" smtClean="0"/>
+          </a:p>
+          <a:p>
+            <a:pPr lvl="1"/>
+            <a:r>
+              <a:rPr lang="de-DE" dirty="0" smtClean="0"/>
+              <a:t>--</a:t>
+            </a:r>
+            <a:r>
+              <a:rPr lang="de-DE" dirty="0" err="1" smtClean="0"/>
+              <a:t>no-commit</a:t>
+            </a:r>
+            <a:endParaRPr lang="de-DE" dirty="0" smtClean="0"/>
+          </a:p>
+          <a:p>
+            <a:pPr lvl="1"/>
+            <a:r>
+              <a:rPr lang="de-DE" dirty="0" smtClean="0"/>
+              <a:t>--log</a:t>
+            </a:r>
+          </a:p>
+          <a:p>
+            <a:pPr lvl="1"/>
+            <a:r>
+              <a:rPr lang="de-DE" dirty="0" smtClean="0"/>
+              <a:t>--ff-</a:t>
+            </a:r>
+            <a:r>
+              <a:rPr lang="de-DE" dirty="0" err="1" smtClean="0"/>
+              <a:t>only</a:t>
+            </a:r>
+            <a:r>
+              <a:rPr lang="de-DE" dirty="0" smtClean="0"/>
+              <a:t> –ff –</a:t>
+            </a:r>
+            <a:r>
+              <a:rPr lang="de-DE" dirty="0" err="1" smtClean="0"/>
+              <a:t>no</a:t>
+            </a:r>
+            <a:r>
+              <a:rPr lang="de-DE" dirty="0" smtClean="0"/>
+              <a:t>-ff</a:t>
+            </a:r>
+            <a:endParaRPr lang="de-DE" dirty="0" smtClean="0"/>
+          </a:p>
+          <a:p>
+            <a:r>
+              <a:rPr lang="de-DE" dirty="0" err="1" smtClean="0"/>
+              <a:t>Merge</a:t>
+            </a:r>
+            <a:r>
+              <a:rPr lang="de-DE" dirty="0" smtClean="0"/>
+              <a:t>-Strategie „</a:t>
+            </a:r>
+            <a:r>
+              <a:rPr lang="de-DE" dirty="0" err="1" smtClean="0"/>
+              <a:t>ours</a:t>
+            </a:r>
+            <a:r>
+              <a:rPr lang="de-DE" dirty="0" smtClean="0"/>
+              <a:t>“ vs. </a:t>
+            </a:r>
+            <a:r>
+              <a:rPr lang="de-DE" dirty="0" err="1" smtClean="0"/>
+              <a:t>Merge</a:t>
+            </a:r>
+            <a:r>
+              <a:rPr lang="de-DE" dirty="0" smtClean="0"/>
+              <a:t>-Strategie „</a:t>
+            </a:r>
+            <a:r>
+              <a:rPr lang="de-DE" dirty="0" err="1" smtClean="0"/>
+              <a:t>recursive</a:t>
+            </a:r>
+            <a:r>
+              <a:rPr lang="de-DE" dirty="0" smtClean="0"/>
+              <a:t>“ mit Option </a:t>
+            </a:r>
+            <a:r>
+              <a:rPr lang="de-DE" dirty="0" err="1" smtClean="0"/>
+              <a:t>ours</a:t>
+            </a:r>
+            <a:endParaRPr lang="de-DE" dirty="0" smtClean="0"/>
+          </a:p>
+          <a:p>
+            <a:r>
+              <a:rPr lang="de-DE" dirty="0" err="1" smtClean="0"/>
+              <a:t>Git</a:t>
+            </a:r>
+            <a:r>
+              <a:rPr lang="de-DE" dirty="0" smtClean="0"/>
+              <a:t> </a:t>
+            </a:r>
+            <a:r>
+              <a:rPr lang="de-DE" dirty="0" err="1" smtClean="0"/>
+              <a:t>merge</a:t>
+            </a:r>
+            <a:r>
+              <a:rPr lang="de-DE" dirty="0" smtClean="0"/>
+              <a:t>-base</a:t>
+            </a:r>
+          </a:p>
+          <a:p>
+            <a:r>
+              <a:rPr lang="de-DE" dirty="0" err="1" smtClean="0"/>
+              <a:t>Git</a:t>
+            </a:r>
+            <a:r>
+              <a:rPr lang="de-DE" dirty="0" smtClean="0"/>
+              <a:t> </a:t>
+            </a:r>
+            <a:r>
+              <a:rPr lang="de-DE" dirty="0" err="1" smtClean="0"/>
+              <a:t>merge</a:t>
+            </a:r>
+            <a:r>
+              <a:rPr lang="de-DE" dirty="0" smtClean="0"/>
+              <a:t>-file</a:t>
+            </a:r>
+          </a:p>
+          <a:p>
+            <a:endParaRPr lang="de-DE" dirty="0" smtClean="0"/>
+          </a:p>
+          <a:p>
+            <a:r>
+              <a:rPr lang="de-DE" dirty="0" smtClean="0"/>
+              <a:t>First-</a:t>
+            </a:r>
+            <a:r>
+              <a:rPr lang="de-DE" dirty="0" err="1" smtClean="0"/>
+              <a:t>parent</a:t>
+            </a:r>
+            <a:r>
+              <a:rPr lang="de-DE" dirty="0" smtClean="0"/>
+              <a:t>-</a:t>
+            </a:r>
+            <a:r>
+              <a:rPr lang="de-DE" dirty="0" err="1" smtClean="0"/>
+              <a:t>history</a:t>
+            </a:r>
             <a:endParaRPr lang="de-DE" dirty="0"/>
           </a:p>
         </p:txBody>
@@ -3801,7 +5205,7 @@
     </p:spTree>
     <p:extLst>
       <p:ext uri="{BB962C8B-B14F-4D97-AF65-F5344CB8AC3E}">
-        <p14:creationId xmlns:p14="http://schemas.microsoft.com/office/powerpoint/2010/main" val="1143004887"/>
+        <p14:creationId xmlns:p14="http://schemas.microsoft.com/office/powerpoint/2010/main" val="2969574280"/>
       </p:ext>
     </p:extLst>
   </p:cSld>
@@ -3840,14 +5244,16 @@
         </p:nvSpPr>
         <p:spPr/>
         <p:txBody>
-          <a:bodyPr>
-            <a:normAutofit fontScale="90000"/>
-          </a:bodyPr>
+          <a:bodyPr/>
           <a:lstStyle/>
           <a:p>
             <a:r>
               <a:rPr lang="de-DE" dirty="0" smtClean="0"/>
-              <a:t>BRANCHSTRATEGIE: ENTWICKLUNGSPROZESS</a:t>
+              <a:t>GIT INTERNAS: </a:t>
+            </a:r>
+            <a:r>
+              <a:rPr lang="de-DE" dirty="0" smtClean="0"/>
+              <a:t>MERGES 2 - KONFLIKTE</a:t>
             </a:r>
             <a:endParaRPr lang="de-DE" dirty="0"/>
           </a:p>
@@ -3870,16 +5276,108 @@
           </a:bodyPr>
           <a:lstStyle/>
           <a:p>
-            <a:r>
-              <a:rPr lang="de-DE" smtClean="0"/>
-              <a:t>RENE</a:t>
+            <a:pPr lvl="1"/>
+            <a:r>
+              <a:rPr lang="de-DE" dirty="0" err="1" smtClean="0"/>
+              <a:t>merge.conflictstyle</a:t>
+            </a:r>
+            <a:r>
+              <a:rPr lang="de-DE" dirty="0" smtClean="0"/>
+              <a:t> </a:t>
+            </a:r>
+            <a:r>
+              <a:rPr lang="de-DE" dirty="0"/>
+              <a:t>diff3</a:t>
+            </a:r>
+          </a:p>
+          <a:p>
+            <a:r>
+              <a:rPr lang="de-DE" dirty="0" err="1" smtClean="0"/>
+              <a:t>ls</a:t>
+            </a:r>
+            <a:r>
+              <a:rPr lang="de-DE" dirty="0"/>
+              <a:t>-files --stage -&gt; nach </a:t>
+            </a:r>
+            <a:r>
+              <a:rPr lang="de-DE" dirty="0" err="1"/>
+              <a:t>Merge</a:t>
+            </a:r>
+            <a:r>
+              <a:rPr lang="de-DE" dirty="0"/>
+              <a:t> Konflikt-&gt;Stages erklären</a:t>
+            </a:r>
+          </a:p>
+          <a:p>
+            <a:r>
+              <a:rPr lang="de-DE" dirty="0" err="1" smtClean="0"/>
+              <a:t>checkout</a:t>
+            </a:r>
+            <a:r>
+              <a:rPr lang="de-DE" dirty="0" smtClean="0"/>
+              <a:t> </a:t>
+            </a:r>
+            <a:r>
+              <a:rPr lang="de-DE" dirty="0"/>
+              <a:t>--</a:t>
+            </a:r>
+            <a:r>
+              <a:rPr lang="de-DE" dirty="0" err="1"/>
+              <a:t>theirs</a:t>
+            </a:r>
+            <a:r>
+              <a:rPr lang="de-DE" dirty="0"/>
+              <a:t>, --</a:t>
+            </a:r>
+            <a:r>
+              <a:rPr lang="de-DE" dirty="0" err="1"/>
+              <a:t>ours</a:t>
             </a:r>
             <a:endParaRPr lang="de-DE" dirty="0"/>
           </a:p>
           <a:p>
-            <a:endParaRPr lang="de-DE" dirty="0"/>
-          </a:p>
-          <a:p>
+            <a:r>
+              <a:rPr lang="de-DE" dirty="0" err="1" smtClean="0"/>
+              <a:t>checkout</a:t>
+            </a:r>
+            <a:r>
+              <a:rPr lang="de-DE" dirty="0" smtClean="0"/>
+              <a:t> </a:t>
+            </a:r>
+            <a:r>
+              <a:rPr lang="de-DE" dirty="0"/>
+              <a:t>-m FILE -&gt; nochmal mit dem </a:t>
+            </a:r>
+            <a:r>
+              <a:rPr lang="de-DE" dirty="0" err="1"/>
+              <a:t>Merge</a:t>
+            </a:r>
+            <a:r>
+              <a:rPr lang="de-DE" dirty="0"/>
+              <a:t> </a:t>
+            </a:r>
+            <a:r>
+              <a:rPr lang="de-DE" dirty="0" smtClean="0"/>
+              <a:t>beginnen</a:t>
+            </a:r>
+          </a:p>
+          <a:p>
+            <a:r>
+              <a:rPr lang="de-DE" dirty="0" err="1" smtClean="0"/>
+              <a:t>Git</a:t>
+            </a:r>
+            <a:r>
+              <a:rPr lang="de-DE" dirty="0" smtClean="0"/>
+              <a:t> </a:t>
+            </a:r>
+            <a:r>
+              <a:rPr lang="de-DE" dirty="0" err="1" smtClean="0"/>
+              <a:t>merge</a:t>
+            </a:r>
+            <a:r>
+              <a:rPr lang="de-DE" dirty="0" smtClean="0"/>
+              <a:t>-tool</a:t>
+            </a:r>
             <a:endParaRPr lang="de-DE" dirty="0"/>
           </a:p>
         </p:txBody>
@@ -3887,7 +5385,7 @@
     </p:spTree>
     <p:extLst>
       <p:ext uri="{BB962C8B-B14F-4D97-AF65-F5344CB8AC3E}">
-        <p14:creationId xmlns:p14="http://schemas.microsoft.com/office/powerpoint/2010/main" val="792931025"/>
+        <p14:creationId xmlns:p14="http://schemas.microsoft.com/office/powerpoint/2010/main" val="1731843747"/>
       </p:ext>
     </p:extLst>
   </p:cSld>
@@ -3931,7 +5429,11 @@
           <a:p>
             <a:r>
               <a:rPr lang="de-DE" dirty="0" smtClean="0"/>
-              <a:t>BRANCHSTRATEGIE: RELEASEPROZESS</a:t>
+              <a:t>GIT INTERNAS: </a:t>
+            </a:r>
+            <a:r>
+              <a:rPr lang="de-DE" dirty="0" smtClean="0"/>
+              <a:t>MERGES 2</a:t>
             </a:r>
             <a:endParaRPr lang="de-DE" dirty="0"/>
           </a:p>
@@ -3949,158 +5451,133 @@
         </p:nvSpPr>
         <p:spPr/>
         <p:txBody>
-          <a:bodyPr>
-            <a:normAutofit fontScale="85000" lnSpcReduction="10000"/>
-          </a:bodyPr>
+          <a:bodyPr/>
           <a:lstStyle/>
           <a:p>
             <a:r>
-              <a:rPr lang="de-DE" dirty="0"/>
-              <a:t>Durchlaufende </a:t>
+              <a:rPr lang="de-DE" dirty="0" err="1" smtClean="0"/>
+              <a:t>merge</a:t>
+            </a:r>
+            <a:r>
+              <a:rPr lang="de-DE" dirty="0"/>
+              <a:t>, </a:t>
             </a:r>
             <a:r>
               <a:rPr lang="de-DE" dirty="0" err="1"/>
-              <a:t>Branches</a:t>
-            </a:r>
-            <a:r>
-              <a:rPr lang="de-DE" dirty="0"/>
-              <a:t> + </a:t>
+              <a:t>merge</a:t>
+            </a:r>
+            <a:r>
+              <a:rPr lang="de-DE" dirty="0"/>
+              <a:t>-base, </a:t>
             </a:r>
             <a:r>
               <a:rPr lang="de-DE" dirty="0" err="1"/>
-              <a:t>Bugfixes</a:t>
-            </a:r>
-            <a:r>
-              <a:rPr lang="de-DE" dirty="0"/>
-              <a:t> (</a:t>
+              <a:t>merge</a:t>
+            </a:r>
+            <a:r>
+              <a:rPr lang="de-DE" dirty="0"/>
+              <a:t>-file</a:t>
+            </a:r>
+          </a:p>
+          <a:p>
+            <a:pPr lvl="1"/>
+            <a:r>
+              <a:rPr lang="de-DE" dirty="0" err="1" smtClean="0"/>
+              <a:t>merge.conflictstyle</a:t>
+            </a:r>
+            <a:r>
+              <a:rPr lang="de-DE" dirty="0" smtClean="0"/>
+              <a:t> </a:t>
+            </a:r>
+            <a:r>
+              <a:rPr lang="de-DE" dirty="0"/>
+              <a:t>diff3</a:t>
+            </a:r>
+          </a:p>
+          <a:p>
+            <a:r>
+              <a:rPr lang="de-DE" dirty="0" err="1" smtClean="0"/>
+              <a:t>ls</a:t>
+            </a:r>
+            <a:r>
+              <a:rPr lang="de-DE" dirty="0"/>
+              <a:t>-files --stage -&gt; nach </a:t>
             </a:r>
             <a:r>
               <a:rPr lang="de-DE" dirty="0" err="1"/>
-              <a:t>GitFlow</a:t>
-            </a:r>
-            <a:r>
-              <a:rPr lang="de-DE" dirty="0"/>
-              <a:t>)</a:t>
-            </a:r>
-          </a:p>
-          <a:p>
+              <a:t>Merge</a:t>
+            </a:r>
+            <a:r>
+              <a:rPr lang="de-DE" dirty="0"/>
+              <a:t> Konflikt-&gt;Stages erklären</a:t>
+            </a:r>
+          </a:p>
+          <a:p>
+            <a:r>
+              <a:rPr lang="de-DE" dirty="0" err="1" smtClean="0"/>
+              <a:t>checkout</a:t>
+            </a:r>
+            <a:r>
+              <a:rPr lang="de-DE" dirty="0" smtClean="0"/>
+              <a:t> </a:t>
+            </a:r>
+            <a:r>
+              <a:rPr lang="de-DE" dirty="0"/>
+              <a:t>--</a:t>
+            </a:r>
             <a:r>
               <a:rPr lang="de-DE" dirty="0" err="1"/>
-              <a:t>n</a:t>
-            </a:r>
-            <a:r>
-              <a:rPr lang="de-DE" dirty="0"/>
-              <a:t> aktive Releases (Produktgeschäft) </a:t>
+              <a:t>theirs</a:t>
+            </a:r>
+            <a:r>
+              <a:rPr lang="de-DE" dirty="0"/>
+              <a:t>, --</a:t>
             </a:r>
             <a:r>
               <a:rPr lang="de-DE" dirty="0" err="1"/>
-              <a:t>vs</a:t>
-            </a:r>
-            <a:r>
-              <a:rPr lang="de-DE" dirty="0"/>
-              <a:t> 1 aktives Release (Projektgeschäft; </a:t>
+              <a:t>ours</a:t>
+            </a:r>
+            <a:endParaRPr lang="de-DE" dirty="0"/>
+          </a:p>
+          <a:p>
+            <a:r>
+              <a:rPr lang="de-DE" dirty="0" err="1" smtClean="0"/>
+              <a:t>checkout</a:t>
+            </a:r>
+            <a:r>
+              <a:rPr lang="de-DE" dirty="0" smtClean="0"/>
+              <a:t> </a:t>
+            </a:r>
+            <a:r>
+              <a:rPr lang="de-DE" dirty="0"/>
+              <a:t>-m FILE -&gt; nochmal mit dem </a:t>
             </a:r>
             <a:r>
               <a:rPr lang="de-DE" dirty="0" err="1"/>
-              <a:t>GitFlow</a:t>
-            </a:r>
-            <a:r>
-              <a:rPr lang="de-DE" dirty="0"/>
-              <a:t>)</a:t>
-            </a:r>
-          </a:p>
-          <a:p>
-            <a:r>
-              <a:rPr lang="de-DE" dirty="0"/>
-              <a:t>[Exkurs als Alternative/Beispiel für </a:t>
-            </a:r>
-            <a:r>
-              <a:rPr lang="de-DE" dirty="0" err="1"/>
-              <a:t>n</a:t>
-            </a:r>
-            <a:r>
-              <a:rPr lang="de-DE" dirty="0"/>
-              <a:t> aktive Releases 'extrem'] Linux-</a:t>
-            </a:r>
-            <a:r>
-              <a:rPr lang="de-DE" dirty="0" err="1"/>
-              <a:t>Branches</a:t>
-            </a:r>
-            <a:r>
-              <a:rPr lang="de-DE" dirty="0"/>
-              <a:t> als Beispiel</a:t>
-            </a:r>
-          </a:p>
-          <a:p>
-            <a:r>
-              <a:rPr lang="de-DE" dirty="0"/>
-              <a:t>Cherry-</a:t>
-            </a:r>
-            <a:r>
-              <a:rPr lang="de-DE" dirty="0" err="1"/>
-              <a:t>Picking</a:t>
-            </a:r>
-            <a:r>
-              <a:rPr lang="de-DE" dirty="0"/>
-              <a:t> für </a:t>
-            </a:r>
-            <a:r>
-              <a:rPr lang="de-DE" dirty="0" err="1"/>
-              <a:t>Backports</a:t>
-            </a:r>
-            <a:endParaRPr lang="de-DE" dirty="0"/>
-          </a:p>
-          <a:p>
-            <a:r>
-              <a:rPr lang="de-DE" dirty="0"/>
-              <a:t>Wie gehe ich mit </a:t>
-            </a:r>
-            <a:r>
-              <a:rPr lang="de-DE" dirty="0" err="1"/>
-              <a:t>Bugfixes</a:t>
-            </a:r>
-            <a:r>
-              <a:rPr lang="de-DE" dirty="0"/>
-              <a:t> um</a:t>
-            </a:r>
-          </a:p>
-          <a:p>
-            <a:endParaRPr lang="de-DE" dirty="0"/>
-          </a:p>
-          <a:p>
-            <a:r>
-              <a:rPr lang="de-DE" dirty="0"/>
-              <a:t>Übung: Release untersuchen, z.B. "Erzeugen Sie ein </a:t>
-            </a:r>
-            <a:r>
-              <a:rPr lang="de-DE" dirty="0" err="1"/>
-              <a:t>Releasenotes</a:t>
-            </a:r>
-            <a:r>
-              <a:rPr lang="de-DE" dirty="0"/>
-              <a:t> für Release XYZ", "Prüfen Sie, ob </a:t>
-            </a:r>
-            <a:r>
-              <a:rPr lang="de-DE" dirty="0" err="1"/>
-              <a:t>Bugfix</a:t>
-            </a:r>
-            <a:r>
-              <a:rPr lang="de-DE" dirty="0"/>
-              <a:t> XY im Release ZZZ vorhanden sind", "Stellen Sie sicher, dass </a:t>
-            </a:r>
-            <a:r>
-              <a:rPr lang="de-DE" dirty="0" err="1"/>
-              <a:t>Bugfix</a:t>
-            </a:r>
-            <a:r>
-              <a:rPr lang="de-DE" dirty="0"/>
-              <a:t> ??? im kommenden Release enthalten ist"</a:t>
-            </a:r>
-          </a:p>
-          <a:p>
-            <a:endParaRPr lang="de-DE" dirty="0"/>
-          </a:p>
-          <a:p>
+              <a:t>Merge</a:t>
+            </a:r>
+            <a:r>
+              <a:rPr lang="de-DE" dirty="0"/>
+              <a:t> </a:t>
+            </a:r>
+            <a:r>
+              <a:rPr lang="de-DE" dirty="0" smtClean="0"/>
+              <a:t>beginnen</a:t>
+            </a:r>
+          </a:p>
+          <a:p>
+            <a:r>
+              <a:rPr lang="de-DE" dirty="0" smtClean="0"/>
+              <a:t>First-</a:t>
+            </a:r>
+            <a:r>
+              <a:rPr lang="de-DE" dirty="0" err="1" smtClean="0"/>
+              <a:t>parent</a:t>
+            </a:r>
+            <a:r>
+              <a:rPr lang="de-DE" dirty="0" smtClean="0"/>
+              <a:t> Historie!!!!!</a:t>
+            </a:r>
             <a:endParaRPr lang="de-DE" dirty="0"/>
           </a:p>
         </p:txBody>
@@ -4108,7 +5585,7 @@
     </p:spTree>
     <p:extLst>
       <p:ext uri="{BB962C8B-B14F-4D97-AF65-F5344CB8AC3E}">
-        <p14:creationId xmlns:p14="http://schemas.microsoft.com/office/powerpoint/2010/main" val="2415652666"/>
+        <p14:creationId xmlns:p14="http://schemas.microsoft.com/office/powerpoint/2010/main" val="20708688"/>
       </p:ext>
     </p:extLst>
   </p:cSld>
@@ -4152,11 +5629,11 @@
           <a:p>
             <a:r>
               <a:rPr lang="de-DE" dirty="0" smtClean="0"/>
-              <a:t>Submodules und </a:t>
-            </a:r>
-            <a:r>
-              <a:rPr lang="de-DE" dirty="0" err="1" smtClean="0"/>
-              <a:t>subtrees</a:t>
+              <a:t>GIT INTERNAS: </a:t>
+            </a:r>
+            <a:r>
+              <a:rPr lang="de-DE" dirty="0" smtClean="0"/>
+              <a:t>MERGES 3</a:t>
             </a:r>
             <a:endParaRPr lang="de-DE" dirty="0"/>
           </a:p>
@@ -4174,176 +5651,133 @@
         </p:nvSpPr>
         <p:spPr/>
         <p:txBody>
-          <a:bodyPr>
-            <a:normAutofit fontScale="70000" lnSpcReduction="20000"/>
-          </a:bodyPr>
+          <a:bodyPr/>
           <a:lstStyle/>
           <a:p>
             <a:r>
-              <a:rPr lang="de-DE" dirty="0"/>
-              <a:t>Wie verwenden Sie Submodules oder </a:t>
+              <a:rPr lang="de-DE" dirty="0" err="1" smtClean="0"/>
+              <a:t>merge</a:t>
+            </a:r>
+            <a:r>
+              <a:rPr lang="de-DE" dirty="0"/>
+              <a:t>, </a:t>
             </a:r>
             <a:r>
               <a:rPr lang="de-DE" dirty="0" err="1"/>
-              <a:t>Subtrees</a:t>
-            </a:r>
-            <a:r>
-              <a:rPr lang="de-DE" dirty="0"/>
-              <a:t> dazu, andere Projekte einzubinden? [Rene]</a:t>
-            </a:r>
-          </a:p>
-          <a:p>
-            <a:r>
-              <a:rPr lang="de-DE" dirty="0"/>
-              <a:t>In Java eher selten die Notwendigkeit, </a:t>
+              <a:t>merge</a:t>
+            </a:r>
+            <a:r>
+              <a:rPr lang="de-DE" dirty="0"/>
+              <a:t>-base, </a:t>
             </a:r>
             <a:r>
               <a:rPr lang="de-DE" dirty="0" err="1"/>
-              <a:t>Sourcen</a:t>
-            </a:r>
-            <a:r>
-              <a:rPr lang="de-DE" dirty="0"/>
-              <a:t> aus anderen Projekten einzubinden </a:t>
+              <a:t>merge</a:t>
+            </a:r>
+            <a:r>
+              <a:rPr lang="de-DE" dirty="0"/>
+              <a:t>-file</a:t>
+            </a:r>
+          </a:p>
+          <a:p>
+            <a:pPr lvl="1"/>
+            <a:r>
+              <a:rPr lang="de-DE" dirty="0" err="1" smtClean="0"/>
+              <a:t>merge.conflictstyle</a:t>
+            </a:r>
+            <a:r>
+              <a:rPr lang="de-DE" dirty="0" smtClean="0"/>
+              <a:t> </a:t>
+            </a:r>
+            <a:r>
+              <a:rPr lang="de-DE" dirty="0"/>
+              <a:t>diff3</a:t>
+            </a:r>
+          </a:p>
+          <a:p>
+            <a:r>
+              <a:rPr lang="de-DE" dirty="0" err="1" smtClean="0"/>
+              <a:t>ls</a:t>
+            </a:r>
+            <a:r>
+              <a:rPr lang="de-DE" dirty="0"/>
+              <a:t>-files --stage -&gt; nach </a:t>
             </a:r>
             <a:r>
               <a:rPr lang="de-DE" dirty="0" err="1"/>
-              <a:t>bzw</a:t>
-            </a:r>
-            <a:r>
-              <a:rPr lang="de-DE" dirty="0"/>
-              <a:t> wird über andere Tools erledigt (</a:t>
+              <a:t>Merge</a:t>
+            </a:r>
+            <a:r>
+              <a:rPr lang="de-DE" dirty="0"/>
+              <a:t> Konflikt-&gt;Stages erklären</a:t>
+            </a:r>
+          </a:p>
+          <a:p>
+            <a:r>
+              <a:rPr lang="de-DE" dirty="0" err="1" smtClean="0"/>
+              <a:t>checkout</a:t>
+            </a:r>
+            <a:r>
+              <a:rPr lang="de-DE" dirty="0" smtClean="0"/>
+              <a:t> </a:t>
+            </a:r>
+            <a:r>
+              <a:rPr lang="de-DE" dirty="0"/>
+              <a:t>--</a:t>
             </a:r>
             <a:r>
               <a:rPr lang="de-DE" dirty="0" err="1"/>
-              <a:t>Maven</a:t>
-            </a:r>
-            <a:r>
-              <a:rPr lang="de-DE" dirty="0"/>
-              <a:t> z.B.)</a:t>
-            </a:r>
-          </a:p>
-          <a:p>
-            <a:r>
-              <a:rPr lang="de-DE" dirty="0"/>
-              <a:t>Historisch wo kommt das her? In der Praxis eher in C/C++ relevant.</a:t>
-            </a:r>
-          </a:p>
-          <a:p>
-            <a:r>
-              <a:rPr lang="de-DE" dirty="0"/>
-              <a:t>Große </a:t>
+              <a:t>theirs</a:t>
+            </a:r>
+            <a:r>
+              <a:rPr lang="de-DE" dirty="0"/>
+              <a:t>, --</a:t>
             </a:r>
             <a:r>
               <a:rPr lang="de-DE" dirty="0" err="1"/>
-              <a:t>Repositories</a:t>
-            </a:r>
-            <a:r>
-              <a:rPr lang="de-DE" dirty="0"/>
-              <a:t> aufteilen, weil sie sonst zu langsam werden</a:t>
-            </a:r>
-          </a:p>
-          <a:p>
-            <a:r>
-              <a:rPr lang="de-DE" dirty="0"/>
-              <a:t>Submodule &lt;&gt; </a:t>
+              <a:t>ours</a:t>
+            </a:r>
+            <a:endParaRPr lang="de-DE" dirty="0"/>
+          </a:p>
+          <a:p>
+            <a:r>
+              <a:rPr lang="de-DE" dirty="0" err="1" smtClean="0"/>
+              <a:t>checkout</a:t>
+            </a:r>
+            <a:r>
+              <a:rPr lang="de-DE" dirty="0" smtClean="0"/>
+              <a:t> </a:t>
+            </a:r>
+            <a:r>
+              <a:rPr lang="de-DE" dirty="0"/>
+              <a:t>-m FILE -&gt; nochmal mit dem </a:t>
             </a:r>
             <a:r>
               <a:rPr lang="de-DE" dirty="0" err="1"/>
-              <a:t>Subtrees</a:t>
-            </a:r>
-            <a:endParaRPr lang="de-DE" dirty="0"/>
-          </a:p>
-          <a:p>
-            <a:r>
-              <a:rPr lang="de-DE" dirty="0" err="1"/>
-              <a:t>Branching</a:t>
-            </a:r>
-            <a:r>
-              <a:rPr lang="de-DE" dirty="0"/>
-              <a:t>, Update auf neueste Version, Arbeiten</a:t>
-            </a:r>
-          </a:p>
-          <a:p>
-            <a:r>
-              <a:rPr lang="de-DE" dirty="0"/>
-              <a:t>(Write-</a:t>
-            </a:r>
-            <a:r>
-              <a:rPr lang="de-DE" dirty="0" err="1"/>
-              <a:t>Tree</a:t>
-            </a:r>
-            <a:r>
-              <a:rPr lang="de-DE" dirty="0"/>
-              <a:t> -&gt; Experte)</a:t>
-            </a:r>
-          </a:p>
-          <a:p>
-            <a:r>
-              <a:rPr lang="de-DE" dirty="0"/>
-              <a:t>Praxis-Beispiel: Bootstrap Repository in Java Webanwendung einbinden [Nils]</a:t>
-            </a:r>
-          </a:p>
-          <a:p>
-            <a:r>
-              <a:rPr lang="de-DE" dirty="0"/>
-              <a:t> - Zwei "äußere" </a:t>
-            </a:r>
-            <a:r>
-              <a:rPr lang="de-DE" dirty="0" err="1"/>
-              <a:t>Repositories</a:t>
-            </a:r>
-            <a:r>
-              <a:rPr lang="de-DE" dirty="0"/>
-              <a:t>, zeigen auf </a:t>
-            </a:r>
-            <a:r>
-              <a:rPr lang="de-DE" dirty="0" err="1"/>
-              <a:t>selbes</a:t>
-            </a:r>
-            <a:r>
-              <a:rPr lang="de-DE" dirty="0"/>
-              <a:t> Bootstrap-Repository</a:t>
-            </a:r>
-          </a:p>
-          <a:p>
-            <a:r>
-              <a:rPr lang="de-DE" dirty="0"/>
-              <a:t>Übung: jeweils mit </a:t>
-            </a:r>
-            <a:r>
-              <a:rPr lang="de-DE" dirty="0" err="1"/>
-              <a:t>subtree</a:t>
-            </a:r>
-            <a:r>
-              <a:rPr lang="de-DE" dirty="0"/>
-              <a:t> und </a:t>
-            </a:r>
-            <a:r>
-              <a:rPr lang="de-DE" dirty="0" err="1"/>
-              <a:t>submodule</a:t>
-            </a:r>
-            <a:r>
-              <a:rPr lang="de-DE" dirty="0"/>
-              <a:t> im "eingebunden" </a:t>
-            </a:r>
-            <a:r>
-              <a:rPr lang="de-DE" dirty="0" err="1"/>
-              <a:t>repository</a:t>
-            </a:r>
-            <a:r>
-              <a:rPr lang="de-DE" dirty="0"/>
-              <a:t> Änderung machen und </a:t>
-            </a:r>
-            <a:r>
-              <a:rPr lang="de-DE" dirty="0" err="1"/>
-              <a:t>committen</a:t>
-            </a:r>
-            <a:endParaRPr lang="de-DE" dirty="0"/>
-          </a:p>
-          <a:p>
-            <a:endParaRPr lang="de-DE" dirty="0"/>
-          </a:p>
-          <a:p>
+              <a:t>Merge</a:t>
+            </a:r>
+            <a:r>
+              <a:rPr lang="de-DE" dirty="0"/>
+              <a:t> </a:t>
+            </a:r>
+            <a:r>
+              <a:rPr lang="de-DE" dirty="0" smtClean="0"/>
+              <a:t>beginnen</a:t>
+            </a:r>
+          </a:p>
+          <a:p>
+            <a:r>
+              <a:rPr lang="de-DE" dirty="0" smtClean="0"/>
+              <a:t>First-</a:t>
+            </a:r>
+            <a:r>
+              <a:rPr lang="de-DE" dirty="0" err="1" smtClean="0"/>
+              <a:t>parent</a:t>
+            </a:r>
+            <a:r>
+              <a:rPr lang="de-DE" dirty="0" smtClean="0"/>
+              <a:t> Historie!!!!!</a:t>
+            </a:r>
             <a:endParaRPr lang="de-DE" dirty="0"/>
           </a:p>
         </p:txBody>
@@ -4351,7 +5785,7 @@
     </p:spTree>
     <p:extLst>
       <p:ext uri="{BB962C8B-B14F-4D97-AF65-F5344CB8AC3E}">
-        <p14:creationId xmlns:p14="http://schemas.microsoft.com/office/powerpoint/2010/main" val="730839351"/>
+        <p14:creationId xmlns:p14="http://schemas.microsoft.com/office/powerpoint/2010/main" val="20708688"/>
       </p:ext>
     </p:extLst>
   </p:cSld>
@@ -4395,7 +5829,7 @@
           <a:p>
             <a:r>
               <a:rPr lang="de-DE" dirty="0" smtClean="0"/>
-              <a:t>SUBTREES / SUBMODULES</a:t>
+              <a:t>GIT INTERNAS: REMOTES</a:t>
             </a:r>
             <a:endParaRPr lang="de-DE" dirty="0"/>
           </a:p>
@@ -4413,39 +5847,196 @@
         </p:nvSpPr>
         <p:spPr/>
         <p:txBody>
-          <a:bodyPr/>
+          <a:bodyPr>
+            <a:normAutofit fontScale="85000" lnSpcReduction="20000"/>
+          </a:bodyPr>
           <a:lstStyle/>
           <a:p>
             <a:r>
-              <a:rPr lang="de-DE" dirty="0" smtClean="0"/>
-              <a:t>Beschreibung ... </a:t>
-            </a:r>
-          </a:p>
-          <a:p>
-            <a:r>
-              <a:rPr lang="de-DE" dirty="0" smtClean="0"/>
-              <a:t>Vorteil</a:t>
-            </a:r>
-          </a:p>
-          <a:p>
-            <a:r>
-              <a:rPr lang="de-DE" dirty="0" smtClean="0"/>
-              <a:t>Nachteil</a:t>
-            </a:r>
-          </a:p>
-          <a:p>
-            <a:r>
-              <a:rPr lang="de-DE" dirty="0" smtClean="0"/>
-              <a:t>Besonders </a:t>
-            </a:r>
-            <a:r>
-              <a:rPr lang="de-DE" dirty="0" err="1" smtClean="0"/>
-              <a:t>geignet</a:t>
-            </a:r>
-            <a:r>
-              <a:rPr lang="de-DE" dirty="0" smtClean="0"/>
-              <a:t> für...</a:t>
-            </a:r>
+              <a:rPr lang="de-DE" dirty="0" err="1" smtClean="0"/>
+              <a:t>Upstream-Branches</a:t>
+            </a:r>
+            <a:r>
+              <a:rPr lang="de-DE" dirty="0" smtClean="0"/>
+              <a:t>: Veränderungen seit </a:t>
+            </a:r>
+            <a:r>
+              <a:rPr lang="de-DE" dirty="0" err="1" smtClean="0"/>
+              <a:t>Git</a:t>
+            </a:r>
+            <a:r>
+              <a:rPr lang="de-DE" dirty="0" smtClean="0"/>
+              <a:t> 1.7</a:t>
+            </a:r>
+          </a:p>
+          <a:p>
+            <a:r>
+              <a:rPr lang="de-DE" dirty="0" err="1" smtClean="0"/>
+              <a:t>ls</a:t>
+            </a:r>
+            <a:r>
+              <a:rPr lang="de-DE" dirty="0"/>
+              <a:t>-remote -&gt; vorab sehen welche </a:t>
+            </a:r>
+            <a:r>
+              <a:rPr lang="de-DE" dirty="0" err="1"/>
+              <a:t>Branches</a:t>
+            </a:r>
+            <a:r>
+              <a:rPr lang="de-DE" dirty="0"/>
+              <a:t> es gibt</a:t>
+            </a:r>
+          </a:p>
+          <a:p>
+            <a:r>
+              <a:rPr lang="de-DE" dirty="0"/>
+              <a:t>remote </a:t>
+            </a:r>
+            <a:r>
+              <a:rPr lang="de-DE" dirty="0" err="1"/>
+              <a:t>add</a:t>
+            </a:r>
+            <a:r>
+              <a:rPr lang="de-DE" dirty="0"/>
+              <a:t>, update, -&gt; Remote-Tracking-</a:t>
+            </a:r>
+            <a:r>
+              <a:rPr lang="de-DE" dirty="0" err="1"/>
+              <a:t>Branches</a:t>
+            </a:r>
+            <a:r>
+              <a:rPr lang="de-DE" dirty="0"/>
+              <a:t> zeigen</a:t>
+            </a:r>
+          </a:p>
+          <a:p>
+            <a:r>
+              <a:rPr lang="de-DE" dirty="0"/>
+              <a:t>Tracking-</a:t>
+            </a:r>
+            <a:r>
+              <a:rPr lang="de-DE" dirty="0" err="1"/>
+              <a:t>Branches</a:t>
+            </a:r>
+            <a:r>
+              <a:rPr lang="de-DE" dirty="0"/>
+              <a:t>: </a:t>
+            </a:r>
+            <a:r>
+              <a:rPr lang="de-DE" dirty="0" err="1"/>
+              <a:t>branch</a:t>
+            </a:r>
+            <a:r>
+              <a:rPr lang="de-DE" dirty="0"/>
+              <a:t> --set-</a:t>
+            </a:r>
+            <a:r>
+              <a:rPr lang="de-DE" dirty="0" err="1"/>
+              <a:t>upstream</a:t>
+            </a:r>
+            <a:endParaRPr lang="de-DE" dirty="0"/>
+          </a:p>
+          <a:p>
+            <a:r>
+              <a:rPr lang="de-DE" dirty="0" err="1"/>
+              <a:t>branch</a:t>
+            </a:r>
+            <a:r>
+              <a:rPr lang="de-DE" dirty="0"/>
+              <a:t> -</a:t>
+            </a:r>
+            <a:r>
+              <a:rPr lang="de-DE" dirty="0" err="1"/>
+              <a:t>vv</a:t>
+            </a:r>
+            <a:r>
+              <a:rPr lang="de-DE" dirty="0"/>
+              <a:t> -&gt; Verbindung zu tracking-</a:t>
+            </a:r>
+            <a:r>
+              <a:rPr lang="de-DE" dirty="0" err="1"/>
+              <a:t>Branches</a:t>
+            </a:r>
+            <a:r>
+              <a:rPr lang="de-DE" dirty="0"/>
+              <a:t> anzeigen</a:t>
+            </a:r>
+          </a:p>
+          <a:p>
+            <a:r>
+              <a:rPr lang="de-DE" dirty="0"/>
+              <a:t>push -&gt; </a:t>
+            </a:r>
+            <a:r>
+              <a:rPr lang="de-DE" dirty="0" err="1"/>
+              <a:t>push.default</a:t>
+            </a:r>
+            <a:r>
+              <a:rPr lang="de-DE" dirty="0"/>
+              <a:t> Optionen erklären</a:t>
+            </a:r>
+          </a:p>
+          <a:p>
+            <a:r>
+              <a:rPr lang="de-DE" dirty="0" err="1"/>
+              <a:t>refspecs</a:t>
+            </a:r>
+            <a:r>
+              <a:rPr lang="de-DE" dirty="0"/>
+              <a:t> erklären -&gt; + Zeichen</a:t>
+            </a:r>
+          </a:p>
+          <a:p>
+            <a:r>
+              <a:rPr lang="de-DE" dirty="0" err="1"/>
+              <a:t>fetch</a:t>
+            </a:r>
+            <a:r>
+              <a:rPr lang="de-DE" dirty="0"/>
+              <a:t> -&gt; ohne benanntes Remote -&gt; FETCH_HEAD</a:t>
+            </a:r>
+          </a:p>
+          <a:p>
+            <a:r>
+              <a:rPr lang="de-DE" dirty="0"/>
+              <a:t>pull -&gt; </a:t>
+            </a:r>
+            <a:r>
+              <a:rPr lang="de-DE" dirty="0" err="1"/>
+              <a:t>pull.rebase</a:t>
+            </a:r>
+            <a:r>
+              <a:rPr lang="de-DE" dirty="0"/>
+              <a:t> -&gt; </a:t>
+            </a:r>
+            <a:r>
+              <a:rPr lang="de-DE" dirty="0" err="1" smtClean="0"/>
+              <a:t>branch.autosetuprebase</a:t>
+            </a:r>
+            <a:endParaRPr lang="de-DE" dirty="0" smtClean="0"/>
+          </a:p>
+          <a:p>
+            <a:r>
+              <a:rPr lang="de-DE" dirty="0" smtClean="0"/>
+              <a:t>BEISPIEL: Arbeiten mit </a:t>
+            </a:r>
+            <a:r>
+              <a:rPr lang="de-DE" b="1" dirty="0" smtClean="0"/>
+              <a:t>zwei</a:t>
+            </a:r>
+            <a:r>
+              <a:rPr lang="de-DE" dirty="0" smtClean="0"/>
+              <a:t> </a:t>
+            </a:r>
+            <a:r>
+              <a:rPr lang="de-DE" dirty="0" err="1" smtClean="0"/>
+              <a:t>Remotes</a:t>
+            </a:r>
+            <a:r>
+              <a:rPr lang="de-DE" dirty="0" smtClean="0"/>
+              <a:t>!</a:t>
+            </a:r>
+            <a:endParaRPr lang="de-DE" dirty="0"/>
           </a:p>
           <a:p>
             <a:endParaRPr lang="de-DE" dirty="0"/>
@@ -4455,7 +6046,7 @@
     </p:spTree>
     <p:extLst>
       <p:ext uri="{BB962C8B-B14F-4D97-AF65-F5344CB8AC3E}">
-        <p14:creationId xmlns:p14="http://schemas.microsoft.com/office/powerpoint/2010/main" val="4139349894"/>
+        <p14:creationId xmlns:p14="http://schemas.microsoft.com/office/powerpoint/2010/main" val="1143004887"/>
       </p:ext>
     </p:extLst>
   </p:cSld>

--- a/folien/WJax-Powerworkshop-Nils.pptx
+++ b/folien/WJax-Powerworkshop-Nils.pptx
@@ -5,10 +5,10 @@
     <p:sldMasterId id="2147483660" r:id="rId1"/>
   </p:sldMasterIdLst>
   <p:notesMasterIdLst>
-    <p:notesMasterId r:id="rId23"/>
+    <p:notesMasterId r:id="rId32"/>
   </p:notesMasterIdLst>
   <p:handoutMasterIdLst>
-    <p:handoutMasterId r:id="rId24"/>
+    <p:handoutMasterId r:id="rId33"/>
   </p:handoutMasterIdLst>
   <p:sldIdLst>
     <p:sldId id="261" r:id="rId2"/>
@@ -16,22 +16,31 @@
     <p:sldId id="316" r:id="rId4"/>
     <p:sldId id="320" r:id="rId5"/>
     <p:sldId id="333" r:id="rId6"/>
-    <p:sldId id="336" r:id="rId7"/>
-    <p:sldId id="334" r:id="rId8"/>
-    <p:sldId id="335" r:id="rId9"/>
+    <p:sldId id="337" r:id="rId7"/>
+    <p:sldId id="338" r:id="rId8"/>
+    <p:sldId id="336" r:id="rId9"/>
     <p:sldId id="321" r:id="rId10"/>
     <p:sldId id="322" r:id="rId11"/>
     <p:sldId id="328" r:id="rId12"/>
     <p:sldId id="329" r:id="rId13"/>
-    <p:sldId id="330" r:id="rId14"/>
-    <p:sldId id="323" r:id="rId15"/>
-    <p:sldId id="326" r:id="rId16"/>
-    <p:sldId id="327" r:id="rId17"/>
-    <p:sldId id="331" r:id="rId18"/>
-    <p:sldId id="332" r:id="rId19"/>
-    <p:sldId id="324" r:id="rId20"/>
-    <p:sldId id="325" r:id="rId21"/>
-    <p:sldId id="319" r:id="rId22"/>
+    <p:sldId id="340" r:id="rId14"/>
+    <p:sldId id="341" r:id="rId15"/>
+    <p:sldId id="339" r:id="rId16"/>
+    <p:sldId id="330" r:id="rId17"/>
+    <p:sldId id="345" r:id="rId18"/>
+    <p:sldId id="346" r:id="rId19"/>
+    <p:sldId id="342" r:id="rId20"/>
+    <p:sldId id="344" r:id="rId21"/>
+    <p:sldId id="347" r:id="rId22"/>
+    <p:sldId id="343" r:id="rId23"/>
+    <p:sldId id="323" r:id="rId24"/>
+    <p:sldId id="326" r:id="rId25"/>
+    <p:sldId id="327" r:id="rId26"/>
+    <p:sldId id="331" r:id="rId27"/>
+    <p:sldId id="332" r:id="rId28"/>
+    <p:sldId id="324" r:id="rId29"/>
+    <p:sldId id="325" r:id="rId30"/>
+    <p:sldId id="319" r:id="rId31"/>
   </p:sldIdLst>
   <p:sldSz cx="9144000" cy="6858000" type="screen4x3"/>
   <p:notesSz cx="6858000" cy="9144000"/>
@@ -216,7 +225,7 @@
             <a:fld id="{32BCF969-709D-9F43-81DA-83D53B741884}" type="datetimeFigureOut">
               <a:rPr lang="de-DE" smtClean="0"/>
               <a:pPr/>
-              <a:t>21.09.14</a:t>
+              <a:t>23.09.14</a:t>
             </a:fld>
             <a:endParaRPr lang="de-DE"/>
           </a:p>
@@ -384,7 +393,7 @@
             <a:fld id="{1941CF4D-E844-B540-ADAD-4EED08FD3682}" type="datetimeFigureOut">
               <a:rPr lang="de-DE" smtClean="0"/>
               <a:pPr/>
-              <a:t>21.09.14</a:t>
+              <a:t>23.09.14</a:t>
             </a:fld>
             <a:endParaRPr lang="de-DE"/>
           </a:p>
@@ -2047,6 +2056,14 @@
 <file path=ppt/slides/slide11.xml><?xml version="1.0" encoding="utf-8"?>
 <p:sld xmlns:a="http://schemas.openxmlformats.org/drawingml/2006/main" xmlns:r="http://schemas.openxmlformats.org/officeDocument/2006/relationships" xmlns:p="http://schemas.openxmlformats.org/presentationml/2006/main">
   <p:cSld>
+    <p:bg>
+      <p:bgPr>
+        <a:solidFill>
+          <a:srgbClr val="FFCC66"/>
+        </a:solidFill>
+        <a:effectLst/>
+      </p:bgPr>
+    </p:bg>
     <p:spTree>
       <p:nvGrpSpPr>
         <p:cNvPr id="1" name=""/>
@@ -2299,11 +2316,7 @@
           <a:p>
             <a:r>
               <a:rPr lang="de-DE" dirty="0" smtClean="0"/>
-              <a:t>BRANCHSTRATEGIE: </a:t>
-            </a:r>
-            <a:r>
-              <a:rPr lang="de-DE" dirty="0" smtClean="0"/>
-              <a:t>GITFLOW</a:t>
+              <a:t>RELEASEPROZESS 1 - BRANCHES</a:t>
             </a:r>
             <a:endParaRPr lang="de-DE" dirty="0"/>
           </a:p>
@@ -2327,27 +2340,56 @@
           <a:lstStyle/>
           <a:p>
             <a:r>
-              <a:rPr lang="de-DE" dirty="0" err="1" smtClean="0"/>
-              <a:t>Branch</a:t>
-            </a:r>
-            <a:r>
-              <a:rPr lang="de-DE" dirty="0" smtClean="0"/>
-              <a:t> Modell</a:t>
-            </a:r>
+              <a:rPr lang="de-DE" dirty="0" smtClean="0"/>
+              <a:t>Master: Fertige Releases</a:t>
+            </a:r>
+          </a:p>
+          <a:p>
+            <a:r>
+              <a:rPr lang="de-DE" dirty="0" err="1" smtClean="0"/>
+              <a:t>Develop</a:t>
+            </a:r>
+            <a:r>
+              <a:rPr lang="de-DE" dirty="0" smtClean="0"/>
+              <a:t>: für die Entwicklung</a:t>
+            </a:r>
+          </a:p>
+          <a:p>
+            <a:r>
+              <a:rPr lang="de-DE" dirty="0" smtClean="0"/>
+              <a:t>Auf </a:t>
+            </a:r>
+            <a:r>
+              <a:rPr lang="de-DE" dirty="0" err="1" smtClean="0"/>
+              <a:t>Develop</a:t>
+            </a:r>
+            <a:r>
+              <a:rPr lang="de-DE" dirty="0" smtClean="0"/>
+              <a:t>: </a:t>
+            </a:r>
+            <a:r>
+              <a:rPr lang="de-DE" dirty="0" err="1" smtClean="0"/>
+              <a:t>ggf</a:t>
+            </a:r>
+            <a:r>
+              <a:rPr lang="de-DE" dirty="0" smtClean="0"/>
+              <a:t> Feature-</a:t>
+            </a:r>
+            <a:r>
+              <a:rPr lang="de-DE" dirty="0" err="1" smtClean="0"/>
+              <a:t>Branches</a:t>
+            </a:r>
+            <a:endParaRPr lang="de-DE" dirty="0" smtClean="0"/>
           </a:p>
           <a:p>
             <a:pPr lvl="1"/>
             <a:r>
-              <a:rPr lang="de-DE" dirty="0">
-                <a:hlinkClick r:id="rId2"/>
-              </a:rPr>
-              <a:t>http://nvie.com/posts/a-successful-git-branching-model</a:t>
-            </a:r>
-            <a:r>
-              <a:rPr lang="de-DE" dirty="0" smtClean="0">
-                <a:hlinkClick r:id="rId2"/>
-              </a:rPr>
-              <a:t>/</a:t>
+              <a:rPr lang="de-DE" dirty="0" smtClean="0"/>
+              <a:t>Verweis auf vorherigen Abschnitt </a:t>
+            </a:r>
+            <a:r>
+              <a:rPr lang="de-DE" dirty="0" err="1" smtClean="0"/>
+              <a:t>Branches</a:t>
             </a:r>
             <a:endParaRPr lang="de-DE" dirty="0" smtClean="0"/>
           </a:p>
@@ -2361,44 +2403,6 @@
           </a:p>
           <a:p>
             <a:pPr lvl="1"/>
-            <a:endParaRPr lang="de-DE" dirty="0"/>
-          </a:p>
-          <a:p>
-            <a:r>
-              <a:rPr lang="de-DE" dirty="0" err="1" smtClean="0"/>
-              <a:t>Scripte</a:t>
-            </a:r>
-            <a:r>
-              <a:rPr lang="de-DE" dirty="0" smtClean="0"/>
-              <a:t>:</a:t>
-            </a:r>
-          </a:p>
-          <a:p>
-            <a:pPr lvl="1"/>
-            <a:r>
-              <a:rPr lang="de-DE" dirty="0"/>
-              <a:t>https://</a:t>
-            </a:r>
-            <a:r>
-              <a:rPr lang="de-DE" dirty="0" err="1"/>
-              <a:t>github.com</a:t>
-            </a:r>
-            <a:r>
-              <a:rPr lang="de-DE" dirty="0"/>
-              <a:t>/</a:t>
-            </a:r>
-            <a:r>
-              <a:rPr lang="de-DE" dirty="0" err="1"/>
-              <a:t>nvie</a:t>
-            </a:r>
-            <a:r>
-              <a:rPr lang="de-DE" dirty="0"/>
-              <a:t>/</a:t>
-            </a:r>
-            <a:r>
-              <a:rPr lang="de-DE" dirty="0" err="1"/>
-              <a:t>gitflow</a:t>
-            </a:r>
             <a:endParaRPr lang="de-DE" dirty="0"/>
           </a:p>
           <a:p>
@@ -2453,11 +2457,7 @@
           <a:p>
             <a:r>
               <a:rPr lang="de-DE" dirty="0" smtClean="0"/>
-              <a:t>BRANCHSTRATEGIE: </a:t>
-            </a:r>
-            <a:r>
-              <a:rPr lang="de-DE" dirty="0" smtClean="0"/>
-              <a:t>GITFLOW</a:t>
+              <a:t>RELEASEPROZESS 2 – RELEASE ERZEUGEN</a:t>
             </a:r>
             <a:endParaRPr lang="de-DE" dirty="0"/>
           </a:p>
@@ -2476,33 +2476,45 @@
         <p:spPr/>
         <p:txBody>
           <a:bodyPr>
-            <a:normAutofit fontScale="92500" lnSpcReduction="10000"/>
+            <a:normAutofit/>
           </a:bodyPr>
           <a:lstStyle/>
           <a:p>
             <a:r>
               <a:rPr lang="de-DE" dirty="0" smtClean="0"/>
-              <a:t>Installation</a:t>
-            </a:r>
-          </a:p>
-          <a:p>
-            <a:pPr lvl="1"/>
-            <a:r>
-              <a:rPr lang="de-DE" dirty="0" smtClean="0"/>
-              <a:t>...</a:t>
-            </a:r>
-          </a:p>
-          <a:p>
-            <a:r>
-              <a:rPr lang="de-DE" dirty="0" smtClean="0"/>
-              <a:t>Repository anlegen:</a:t>
-            </a:r>
-          </a:p>
-          <a:p>
-            <a:pPr lvl="1"/>
-            <a:r>
-              <a:rPr lang="de-DE" dirty="0" err="1" smtClean="0"/>
-              <a:t>Git</a:t>
+              <a:t>Release-</a:t>
+            </a:r>
+            <a:r>
+              <a:rPr lang="de-DE" dirty="0" err="1" smtClean="0"/>
+              <a:t>Branch</a:t>
+            </a:r>
+            <a:r>
+              <a:rPr lang="de-DE" dirty="0" smtClean="0"/>
+              <a:t> erstellen</a:t>
+            </a:r>
+          </a:p>
+          <a:p>
+            <a:r>
+              <a:rPr lang="de-DE" dirty="0" smtClean="0"/>
+              <a:t>Release stabilisieren</a:t>
+            </a:r>
+          </a:p>
+          <a:p>
+            <a:r>
+              <a:rPr lang="de-DE" dirty="0" smtClean="0"/>
+              <a:t>Release-</a:t>
+            </a:r>
+            <a:r>
+              <a:rPr lang="de-DE" dirty="0" err="1" smtClean="0"/>
+              <a:t>Branch</a:t>
+            </a:r>
+            <a:r>
+              <a:rPr lang="de-DE" dirty="0" smtClean="0"/>
+              <a:t> auf </a:t>
+            </a:r>
+            <a:r>
+              <a:rPr lang="de-DE" dirty="0" err="1" smtClean="0"/>
+              <a:t>master</a:t>
             </a:r>
             <a:r>
               <a:rPr lang="de-DE" dirty="0" smtClean="0"/>
@@ -2510,7 +2522,26 @@
             </a:r>
             <a:r>
               <a:rPr lang="de-DE" dirty="0" err="1" smtClean="0"/>
-              <a:t>flow</a:t>
+              <a:t>mergen</a:t>
+            </a:r>
+            <a:endParaRPr lang="de-DE" dirty="0" smtClean="0"/>
+          </a:p>
+          <a:p>
+            <a:r>
+              <a:rPr lang="de-DE" dirty="0" smtClean="0"/>
+              <a:t>Release-</a:t>
+            </a:r>
+            <a:r>
+              <a:rPr lang="de-DE" dirty="0" err="1" smtClean="0"/>
+              <a:t>Branch</a:t>
+            </a:r>
+            <a:r>
+              <a:rPr lang="de-DE" dirty="0" smtClean="0"/>
+              <a:t> auf </a:t>
+            </a:r>
+            <a:r>
+              <a:rPr lang="de-DE" dirty="0" err="1" smtClean="0"/>
+              <a:t>develop</a:t>
             </a:r>
             <a:r>
               <a:rPr lang="de-DE" dirty="0" smtClean="0"/>
@@ -2518,55 +2549,16 @@
             </a:r>
             <a:r>
               <a:rPr lang="de-DE" dirty="0" err="1" smtClean="0"/>
-              <a:t>init</a:t>
+              <a:t>mergen</a:t>
             </a:r>
             <a:endParaRPr lang="de-DE" dirty="0" smtClean="0"/>
-          </a:p>
-          <a:p>
-            <a:r>
-              <a:rPr lang="de-DE" dirty="0" smtClean="0"/>
-              <a:t>Feature starten:</a:t>
-            </a:r>
-          </a:p>
-          <a:p>
-            <a:pPr lvl="1"/>
-            <a:r>
-              <a:rPr lang="de-DE" dirty="0" smtClean="0"/>
-              <a:t>...</a:t>
-            </a:r>
-          </a:p>
-          <a:p>
-            <a:r>
-              <a:rPr lang="de-DE" dirty="0" smtClean="0"/>
-              <a:t>Feature beenden:</a:t>
-            </a:r>
-          </a:p>
-          <a:p>
-            <a:pPr lvl="1"/>
-            <a:r>
-              <a:rPr lang="de-DE" dirty="0" smtClean="0"/>
-              <a:t>...</a:t>
-            </a:r>
-          </a:p>
-          <a:p>
-            <a:r>
-              <a:rPr lang="de-DE" dirty="0" smtClean="0"/>
-              <a:t>Release starten</a:t>
-            </a:r>
-          </a:p>
-          <a:p>
-            <a:r>
-              <a:rPr lang="de-DE" dirty="0" smtClean="0"/>
-              <a:t>Release beenden</a:t>
-            </a:r>
-            <a:endParaRPr lang="de-DE" dirty="0"/>
           </a:p>
         </p:txBody>
       </p:sp>
     </p:spTree>
     <p:extLst>
       <p:ext uri="{BB962C8B-B14F-4D97-AF65-F5344CB8AC3E}">
-        <p14:creationId xmlns:p14="http://schemas.microsoft.com/office/powerpoint/2010/main" val="498316739"/>
+        <p14:creationId xmlns:p14="http://schemas.microsoft.com/office/powerpoint/2010/main" val="3216525339"/>
       </p:ext>
     </p:extLst>
   </p:cSld>
@@ -2610,11 +2602,7 @@
           <a:p>
             <a:r>
               <a:rPr lang="de-DE" dirty="0" smtClean="0"/>
-              <a:t>Submodules und </a:t>
-            </a:r>
-            <a:r>
-              <a:rPr lang="de-DE" dirty="0" err="1" smtClean="0"/>
-              <a:t>subtrees</a:t>
+              <a:t>RELEASEPROZESS 3 - HOTFIXES</a:t>
             </a:r>
             <a:endParaRPr lang="de-DE" dirty="0"/>
           </a:p>
@@ -2633,172 +2621,232 @@
         <p:spPr/>
         <p:txBody>
           <a:bodyPr>
-            <a:normAutofit fontScale="70000" lnSpcReduction="20000"/>
+            <a:normAutofit fontScale="62500" lnSpcReduction="20000"/>
           </a:bodyPr>
           <a:lstStyle/>
           <a:p>
             <a:r>
-              <a:rPr lang="de-DE" dirty="0"/>
-              <a:t>Wie verwenden Sie Submodules oder </a:t>
+              <a:rPr lang="de-DE" dirty="0" smtClean="0"/>
+              <a:t>Hotfix-</a:t>
+            </a:r>
+            <a:r>
+              <a:rPr lang="de-DE" dirty="0" err="1" smtClean="0"/>
+              <a:t>Branch</a:t>
+            </a:r>
+            <a:endParaRPr lang="de-DE" dirty="0" smtClean="0"/>
+          </a:p>
+          <a:p>
+            <a:pPr lvl="1"/>
+            <a:r>
+              <a:rPr lang="de-DE" dirty="0" smtClean="0"/>
+              <a:t>Ein Hotfix-</a:t>
+            </a:r>
+            <a:r>
+              <a:rPr lang="de-DE" dirty="0" err="1" smtClean="0"/>
+              <a:t>Branch</a:t>
+            </a:r>
+            <a:r>
+              <a:rPr lang="de-DE" dirty="0" smtClean="0"/>
+              <a:t> ist ein Feature-</a:t>
+            </a:r>
+            <a:r>
+              <a:rPr lang="de-DE" dirty="0" err="1" smtClean="0"/>
+              <a:t>Branch</a:t>
+            </a:r>
+            <a:r>
+              <a:rPr lang="de-DE" dirty="0" smtClean="0"/>
+              <a:t> („</a:t>
+            </a:r>
+            <a:r>
+              <a:rPr lang="de-DE" dirty="0" err="1" smtClean="0"/>
+              <a:t>hotfix</a:t>
+            </a:r>
+            <a:r>
+              <a:rPr lang="de-DE" dirty="0" smtClean="0"/>
+              <a:t>/issue-666“)</a:t>
+            </a:r>
+          </a:p>
+          <a:p>
+            <a:r>
+              <a:rPr lang="de-DE" dirty="0" smtClean="0"/>
+              <a:t>Problem mit zurück </a:t>
+            </a:r>
+            <a:r>
+              <a:rPr lang="de-DE" dirty="0" err="1" smtClean="0"/>
+              <a:t>mergen</a:t>
+            </a:r>
+            <a:r>
+              <a:rPr lang="de-DE" dirty="0" smtClean="0"/>
+              <a:t>, während der Release-</a:t>
+            </a:r>
+            <a:r>
+              <a:rPr lang="de-DE" dirty="0" err="1" smtClean="0"/>
+              <a:t>Branch</a:t>
+            </a:r>
+            <a:r>
+              <a:rPr lang="de-DE" dirty="0" smtClean="0"/>
+              <a:t> aktiv ist:</a:t>
+            </a:r>
+          </a:p>
+          <a:p>
+            <a:pPr lvl="1"/>
+            <a:r>
+              <a:rPr lang="de-DE" dirty="0">
+                <a:hlinkClick r:id="rId2"/>
+              </a:rPr>
+              <a:t>https://github.com/nvie/gitflow/issues/3#issuecomment-</a:t>
+            </a:r>
+            <a:r>
+              <a:rPr lang="de-DE" dirty="0" smtClean="0">
+                <a:hlinkClick r:id="rId2"/>
+              </a:rPr>
+              <a:t>170055</a:t>
+            </a:r>
+            <a:endParaRPr lang="de-DE" dirty="0" smtClean="0"/>
+          </a:p>
+          <a:p>
+            <a:r>
+              <a:rPr lang="de-DE" dirty="0" smtClean="0"/>
+              <a:t>Multiple Hotfixes:</a:t>
+            </a:r>
+          </a:p>
+          <a:p>
+            <a:pPr lvl="1"/>
+            <a:r>
+              <a:rPr lang="de-DE" dirty="0">
+                <a:hlinkClick r:id="rId3"/>
+              </a:rPr>
+              <a:t>http://robandlauren.com/2013/09/18/git-flow-managing-multiple-hotfixes</a:t>
+            </a:r>
+            <a:r>
+              <a:rPr lang="de-DE" dirty="0" smtClean="0">
+                <a:hlinkClick r:id="rId3"/>
+              </a:rPr>
+              <a:t>/</a:t>
+            </a:r>
+            <a:endParaRPr lang="de-DE" dirty="0" smtClean="0"/>
+          </a:p>
+          <a:p>
+            <a:pPr lvl="1"/>
+            <a:r>
+              <a:rPr lang="de-DE" dirty="0">
+                <a:hlinkClick r:id="rId4"/>
+              </a:rPr>
+              <a:t>https://github.com/petervanderdoes/</a:t>
+            </a:r>
+            <a:r>
+              <a:rPr lang="de-DE" dirty="0" smtClean="0">
+                <a:hlinkClick r:id="rId4"/>
+              </a:rPr>
+              <a:t>gitflow</a:t>
+            </a:r>
+            <a:endParaRPr lang="de-DE" dirty="0" smtClean="0"/>
+          </a:p>
+          <a:p>
+            <a:pPr marL="457200" lvl="1" indent="0">
+              <a:buNone/>
+            </a:pPr>
+            <a:endParaRPr lang="de-DE" dirty="0"/>
+          </a:p>
+          <a:p>
+            <a:pPr marL="457200" lvl="1" indent="0">
+              <a:buNone/>
+            </a:pPr>
+            <a:r>
+              <a:rPr lang="de-DE" dirty="0" smtClean="0"/>
+              <a:t>Support </a:t>
+            </a:r>
+            <a:r>
+              <a:rPr lang="de-DE" dirty="0" err="1" smtClean="0"/>
+              <a:t>Branches</a:t>
+            </a:r>
+            <a:r>
+              <a:rPr lang="de-DE" dirty="0" smtClean="0"/>
+              <a:t>:</a:t>
+            </a:r>
+          </a:p>
+          <a:p>
+            <a:pPr marL="457200" lvl="1" indent="0">
+              <a:buNone/>
+            </a:pPr>
+            <a:r>
+              <a:rPr lang="de-DE" dirty="0">
+                <a:hlinkClick r:id="rId5"/>
+              </a:rPr>
+              <a:t>http://www.syntevo.com/smartgit/documentation/6/show?page=git-</a:t>
+            </a:r>
+            <a:r>
+              <a:rPr lang="de-DE" dirty="0" smtClean="0">
+                <a:hlinkClick r:id="rId5"/>
+              </a:rPr>
+              <a:t>flow</a:t>
+            </a:r>
+            <a:endParaRPr lang="de-DE" dirty="0" smtClean="0"/>
+          </a:p>
+          <a:p>
+            <a:pPr marL="457200" lvl="1" indent="0">
+              <a:buNone/>
+            </a:pPr>
+            <a:r>
+              <a:rPr lang="de-DE" dirty="0">
+                <a:hlinkClick r:id="rId6"/>
+              </a:rPr>
+              <a:t>https://groups.google.com/forum/#!topic/gitflow-users/</a:t>
+            </a:r>
+            <a:r>
+              <a:rPr lang="de-DE" dirty="0" smtClean="0">
+                <a:hlinkClick r:id="rId6"/>
+              </a:rPr>
+              <a:t>I9sErOSzYzE</a:t>
+            </a:r>
+            <a:endParaRPr lang="de-DE" dirty="0" smtClean="0"/>
+          </a:p>
+          <a:p>
+            <a:pPr marL="457200" lvl="1" indent="0">
+              <a:buNone/>
+            </a:pPr>
+            <a:endParaRPr lang="de-DE" dirty="0" smtClean="0"/>
+          </a:p>
+          <a:p>
+            <a:pPr lvl="1"/>
+            <a:endParaRPr lang="de-DE" dirty="0"/>
+          </a:p>
+          <a:p>
+            <a:r>
+              <a:rPr lang="de-DE" dirty="0" err="1" smtClean="0"/>
+              <a:t>Scripte</a:t>
+            </a:r>
+            <a:r>
+              <a:rPr lang="de-DE" dirty="0" smtClean="0"/>
+              <a:t>:</a:t>
+            </a:r>
+          </a:p>
+          <a:p>
+            <a:pPr lvl="1"/>
+            <a:r>
+              <a:rPr lang="de-DE" dirty="0"/>
+              <a:t>https://</a:t>
             </a:r>
             <a:r>
               <a:rPr lang="de-DE" dirty="0" err="1"/>
-              <a:t>Subtrees</a:t>
-            </a:r>
-            <a:r>
-              <a:rPr lang="de-DE" dirty="0"/>
-              <a:t> dazu, andere Projekte einzubinden? [Rene]</a:t>
-            </a:r>
-          </a:p>
-          <a:p>
-            <a:r>
-              <a:rPr lang="de-DE" dirty="0"/>
-              <a:t>In Java eher selten die Notwendigkeit, </a:t>
+              <a:t>github.com</a:t>
+            </a:r>
+            <a:r>
+              <a:rPr lang="de-DE" dirty="0"/>
+              <a:t>/</a:t>
             </a:r>
             <a:r>
               <a:rPr lang="de-DE" dirty="0" err="1"/>
-              <a:t>Sourcen</a:t>
-            </a:r>
-            <a:r>
-              <a:rPr lang="de-DE" dirty="0"/>
-              <a:t> aus anderen Projekten einzubinden </a:t>
+              <a:t>nvie</a:t>
+            </a:r>
+            <a:r>
+              <a:rPr lang="de-DE" dirty="0"/>
+              <a:t>/</a:t>
             </a:r>
             <a:r>
               <a:rPr lang="de-DE" dirty="0" err="1"/>
-              <a:t>bzw</a:t>
-            </a:r>
-            <a:r>
-              <a:rPr lang="de-DE" dirty="0"/>
-              <a:t> wird über andere Tools erledigt (</a:t>
-            </a:r>
-            <a:r>
-              <a:rPr lang="de-DE" dirty="0" err="1"/>
-              <a:t>Maven</a:t>
-            </a:r>
-            <a:r>
-              <a:rPr lang="de-DE" dirty="0"/>
-              <a:t> z.B.)</a:t>
-            </a:r>
-          </a:p>
-          <a:p>
-            <a:r>
-              <a:rPr lang="de-DE" dirty="0"/>
-              <a:t>Historisch wo kommt das her? In der Praxis eher in C/C++ relevant.</a:t>
-            </a:r>
-          </a:p>
-          <a:p>
-            <a:r>
-              <a:rPr lang="de-DE" dirty="0"/>
-              <a:t>Große </a:t>
-            </a:r>
-            <a:r>
-              <a:rPr lang="de-DE" dirty="0" err="1"/>
-              <a:t>Repositories</a:t>
-            </a:r>
-            <a:r>
-              <a:rPr lang="de-DE" dirty="0"/>
-              <a:t> aufteilen, weil sie sonst zu langsam werden</a:t>
-            </a:r>
-          </a:p>
-          <a:p>
-            <a:r>
-              <a:rPr lang="de-DE" dirty="0"/>
-              <a:t>Submodule &lt;&gt; </a:t>
-            </a:r>
-            <a:r>
-              <a:rPr lang="de-DE" dirty="0" err="1"/>
-              <a:t>Subtrees</a:t>
-            </a:r>
-            <a:endParaRPr lang="de-DE" dirty="0"/>
-          </a:p>
-          <a:p>
-            <a:r>
-              <a:rPr lang="de-DE" dirty="0" err="1"/>
-              <a:t>Branching</a:t>
-            </a:r>
-            <a:r>
-              <a:rPr lang="de-DE" dirty="0"/>
-              <a:t>, Update auf neueste Version, Arbeiten</a:t>
-            </a:r>
-          </a:p>
-          <a:p>
-            <a:r>
-              <a:rPr lang="de-DE" dirty="0"/>
-              <a:t>(Write-</a:t>
-            </a:r>
-            <a:r>
-              <a:rPr lang="de-DE" dirty="0" err="1"/>
-              <a:t>Tree</a:t>
-            </a:r>
-            <a:r>
-              <a:rPr lang="de-DE" dirty="0"/>
-              <a:t> -&gt; Experte)</a:t>
-            </a:r>
-          </a:p>
-          <a:p>
-            <a:r>
-              <a:rPr lang="de-DE" dirty="0"/>
-              <a:t>Praxis-Beispiel: Bootstrap Repository in Java Webanwendung einbinden [Nils]</a:t>
-            </a:r>
-          </a:p>
-          <a:p>
-            <a:r>
-              <a:rPr lang="de-DE" dirty="0"/>
-              <a:t> - Zwei "äußere" </a:t>
-            </a:r>
-            <a:r>
-              <a:rPr lang="de-DE" dirty="0" err="1"/>
-              <a:t>Repositories</a:t>
-            </a:r>
-            <a:r>
-              <a:rPr lang="de-DE" dirty="0"/>
-              <a:t>, zeigen auf </a:t>
-            </a:r>
-            <a:r>
-              <a:rPr lang="de-DE" dirty="0" err="1"/>
-              <a:t>selbes</a:t>
-            </a:r>
-            <a:r>
-              <a:rPr lang="de-DE" dirty="0"/>
-              <a:t> Bootstrap-Repository</a:t>
-            </a:r>
-          </a:p>
-          <a:p>
-            <a:r>
-              <a:rPr lang="de-DE" dirty="0"/>
-              <a:t>Übung: jeweils mit </a:t>
-            </a:r>
-            <a:r>
-              <a:rPr lang="de-DE" dirty="0" err="1"/>
-              <a:t>subtree</a:t>
-            </a:r>
-            <a:r>
-              <a:rPr lang="de-DE" dirty="0"/>
-              <a:t> und </a:t>
-            </a:r>
-            <a:r>
-              <a:rPr lang="de-DE" dirty="0" err="1"/>
-              <a:t>submodule</a:t>
-            </a:r>
-            <a:r>
-              <a:rPr lang="de-DE" dirty="0"/>
-              <a:t> im "eingebunden" </a:t>
-            </a:r>
-            <a:r>
-              <a:rPr lang="de-DE" dirty="0" err="1"/>
-              <a:t>repository</a:t>
-            </a:r>
-            <a:r>
-              <a:rPr lang="de-DE" dirty="0"/>
-              <a:t> Änderung machen und </a:t>
-            </a:r>
-            <a:r>
-              <a:rPr lang="de-DE" dirty="0" err="1"/>
-              <a:t>committen</a:t>
-            </a:r>
-            <a:endParaRPr lang="de-DE" dirty="0"/>
-          </a:p>
-          <a:p>
+              <a:t>gitflow</a:t>
+            </a:r>
             <a:endParaRPr lang="de-DE" dirty="0"/>
           </a:p>
           <a:p>
@@ -2809,7 +2857,7 @@
     </p:spTree>
     <p:extLst>
       <p:ext uri="{BB962C8B-B14F-4D97-AF65-F5344CB8AC3E}">
-        <p14:creationId xmlns:p14="http://schemas.microsoft.com/office/powerpoint/2010/main" val="730839351"/>
+        <p14:creationId xmlns:p14="http://schemas.microsoft.com/office/powerpoint/2010/main" val="2268343042"/>
       </p:ext>
     </p:extLst>
   </p:cSld>
@@ -2853,7 +2901,7 @@
           <a:p>
             <a:r>
               <a:rPr lang="de-DE" dirty="0" smtClean="0"/>
-              <a:t>SUBTREES / SUBMODULES</a:t>
+              <a:t>BRANCHSTRATEGIE: GITFLOW</a:t>
             </a:r>
             <a:endParaRPr lang="de-DE" dirty="0"/>
           </a:p>
@@ -2871,39 +2919,85 @@
         </p:nvSpPr>
         <p:spPr/>
         <p:txBody>
-          <a:bodyPr/>
+          <a:bodyPr>
+            <a:normAutofit/>
+          </a:bodyPr>
           <a:lstStyle/>
           <a:p>
             <a:r>
-              <a:rPr lang="de-DE" dirty="0" smtClean="0"/>
-              <a:t>Beschreibung ... </a:t>
-            </a:r>
-          </a:p>
-          <a:p>
-            <a:r>
-              <a:rPr lang="de-DE" dirty="0" smtClean="0"/>
-              <a:t>Vorteil</a:t>
-            </a:r>
-          </a:p>
-          <a:p>
-            <a:r>
-              <a:rPr lang="de-DE" dirty="0" smtClean="0"/>
-              <a:t>Nachteil</a:t>
-            </a:r>
-          </a:p>
-          <a:p>
-            <a:r>
-              <a:rPr lang="de-DE" dirty="0" smtClean="0"/>
-              <a:t>Besonders </a:t>
-            </a:r>
-            <a:r>
-              <a:rPr lang="de-DE" dirty="0" err="1" smtClean="0"/>
-              <a:t>geignet</a:t>
-            </a:r>
-            <a:r>
-              <a:rPr lang="de-DE" dirty="0" smtClean="0"/>
-              <a:t> für...</a:t>
-            </a:r>
+              <a:rPr lang="de-DE" dirty="0" err="1" smtClean="0"/>
+              <a:t>Branch</a:t>
+            </a:r>
+            <a:r>
+              <a:rPr lang="de-DE" dirty="0" smtClean="0"/>
+              <a:t> Modell</a:t>
+            </a:r>
+          </a:p>
+          <a:p>
+            <a:pPr lvl="1"/>
+            <a:r>
+              <a:rPr lang="de-DE" dirty="0">
+                <a:hlinkClick r:id="rId2"/>
+              </a:rPr>
+              <a:t>http://nvie.com/posts/a-successful-git-branching-model</a:t>
+            </a:r>
+            <a:r>
+              <a:rPr lang="de-DE" dirty="0" smtClean="0">
+                <a:hlinkClick r:id="rId2"/>
+              </a:rPr>
+              <a:t>/</a:t>
+            </a:r>
+            <a:endParaRPr lang="de-DE" dirty="0" smtClean="0"/>
+          </a:p>
+          <a:p>
+            <a:pPr lvl="1"/>
+            <a:endParaRPr lang="de-DE" dirty="0" smtClean="0"/>
+          </a:p>
+          <a:p>
+            <a:pPr lvl="1"/>
+            <a:endParaRPr lang="de-DE" dirty="0" smtClean="0"/>
+          </a:p>
+          <a:p>
+            <a:pPr lvl="1"/>
+            <a:endParaRPr lang="de-DE" dirty="0"/>
+          </a:p>
+          <a:p>
+            <a:r>
+              <a:rPr lang="de-DE" dirty="0" err="1" smtClean="0"/>
+              <a:t>Scripte</a:t>
+            </a:r>
+            <a:r>
+              <a:rPr lang="de-DE" dirty="0" smtClean="0"/>
+              <a:t>:</a:t>
+            </a:r>
+          </a:p>
+          <a:p>
+            <a:pPr lvl="1"/>
+            <a:r>
+              <a:rPr lang="de-DE" dirty="0"/>
+              <a:t>https://</a:t>
+            </a:r>
+            <a:r>
+              <a:rPr lang="de-DE" dirty="0" err="1"/>
+              <a:t>github.com</a:t>
+            </a:r>
+            <a:r>
+              <a:rPr lang="de-DE" dirty="0"/>
+              <a:t>/</a:t>
+            </a:r>
+            <a:r>
+              <a:rPr lang="de-DE" dirty="0" err="1"/>
+              <a:t>nvie</a:t>
+            </a:r>
+            <a:r>
+              <a:rPr lang="de-DE" dirty="0"/>
+              <a:t>/</a:t>
+            </a:r>
+            <a:r>
+              <a:rPr lang="de-DE" dirty="0" err="1"/>
+              <a:t>gitflow</a:t>
+            </a:r>
+            <a:endParaRPr lang="de-DE" dirty="0"/>
           </a:p>
           <a:p>
             <a:endParaRPr lang="de-DE" dirty="0"/>
@@ -2913,7 +3007,7 @@
     </p:spTree>
     <p:extLst>
       <p:ext uri="{BB962C8B-B14F-4D97-AF65-F5344CB8AC3E}">
-        <p14:creationId xmlns:p14="http://schemas.microsoft.com/office/powerpoint/2010/main" val="4139349894"/>
+        <p14:creationId xmlns:p14="http://schemas.microsoft.com/office/powerpoint/2010/main" val="44726052"/>
       </p:ext>
     </p:extLst>
   </p:cSld>
@@ -2957,7 +3051,7 @@
           <a:p>
             <a:r>
               <a:rPr lang="de-DE" dirty="0" smtClean="0"/>
-              <a:t>SUBTREES / SUBMODULES</a:t>
+              <a:t>GIT FLOW BEISPIEL</a:t>
             </a:r>
             <a:endParaRPr lang="de-DE" dirty="0"/>
           </a:p>
@@ -2976,201 +3070,89 @@
         <p:spPr/>
         <p:txBody>
           <a:bodyPr>
-            <a:normAutofit fontScale="85000" lnSpcReduction="20000"/>
+            <a:normAutofit fontScale="92500" lnSpcReduction="10000"/>
           </a:bodyPr>
           <a:lstStyle/>
           <a:p>
-            <a:pPr marL="0" indent="0">
-              <a:buNone/>
-            </a:pPr>
-            <a:r>
-              <a:rPr lang="de-DE" dirty="0" smtClean="0"/>
-              <a:t>Jeweils für </a:t>
-            </a:r>
-            <a:r>
-              <a:rPr lang="de-DE" dirty="0" err="1" smtClean="0"/>
-              <a:t>Subtree</a:t>
-            </a:r>
-            <a:r>
-              <a:rPr lang="de-DE" dirty="0" smtClean="0"/>
-              <a:t> und Submodule:</a:t>
-            </a:r>
-          </a:p>
-          <a:p>
-            <a:r>
-              <a:rPr lang="de-DE" dirty="0" err="1" smtClean="0"/>
-              <a:t>Use</a:t>
-            </a:r>
-            <a:r>
-              <a:rPr lang="de-DE" dirty="0" smtClean="0"/>
-              <a:t>-Case 1: </a:t>
-            </a:r>
-            <a:r>
-              <a:rPr lang="de-DE" dirty="0" err="1" smtClean="0"/>
-              <a:t>Initiales</a:t>
-            </a:r>
-            <a:r>
-              <a:rPr lang="de-DE" dirty="0" smtClean="0"/>
-              <a:t> Hinzufügen des </a:t>
-            </a:r>
-            <a:r>
-              <a:rPr lang="de-DE" dirty="0" err="1" smtClean="0"/>
-              <a:t>Subrepos</a:t>
+            <a:r>
+              <a:rPr lang="de-DE" dirty="0" smtClean="0"/>
+              <a:t>Installation</a:t>
+            </a:r>
+          </a:p>
+          <a:p>
+            <a:pPr lvl="1"/>
+            <a:r>
+              <a:rPr lang="de-DE" dirty="0" smtClean="0"/>
+              <a:t>...</a:t>
+            </a:r>
+          </a:p>
+          <a:p>
+            <a:r>
+              <a:rPr lang="de-DE" dirty="0" smtClean="0"/>
+              <a:t>Repository anlegen:</a:t>
+            </a:r>
+          </a:p>
+          <a:p>
+            <a:pPr lvl="1"/>
+            <a:r>
+              <a:rPr lang="de-DE" dirty="0" err="1" smtClean="0"/>
+              <a:t>Git</a:t>
+            </a:r>
+            <a:r>
+              <a:rPr lang="de-DE" dirty="0" smtClean="0"/>
+              <a:t> </a:t>
+            </a:r>
+            <a:r>
+              <a:rPr lang="de-DE" dirty="0" err="1" smtClean="0"/>
+              <a:t>flow</a:t>
+            </a:r>
+            <a:r>
+              <a:rPr lang="de-DE" dirty="0" smtClean="0"/>
+              <a:t> </a:t>
+            </a:r>
+            <a:r>
+              <a:rPr lang="de-DE" dirty="0" err="1" smtClean="0"/>
+              <a:t>init</a:t>
             </a:r>
             <a:endParaRPr lang="de-DE" dirty="0" smtClean="0"/>
           </a:p>
           <a:p>
             <a:r>
-              <a:rPr lang="de-DE" dirty="0" err="1" smtClean="0"/>
-              <a:t>Use</a:t>
-            </a:r>
-            <a:r>
-              <a:rPr lang="de-DE" dirty="0" smtClean="0"/>
-              <a:t>-Case 2: Klonen einen </a:t>
-            </a:r>
-            <a:r>
-              <a:rPr lang="de-DE" dirty="0" err="1" smtClean="0"/>
-              <a:t>Repositories</a:t>
-            </a:r>
-            <a:r>
-              <a:rPr lang="de-DE" dirty="0" smtClean="0"/>
-              <a:t>, das ein </a:t>
-            </a:r>
-            <a:r>
-              <a:rPr lang="de-DE" dirty="0" err="1" smtClean="0"/>
-              <a:t>Subrepo</a:t>
-            </a:r>
-            <a:r>
-              <a:rPr lang="de-DE" dirty="0" smtClean="0"/>
-              <a:t> enthält</a:t>
-            </a:r>
-          </a:p>
-          <a:p>
-            <a:r>
-              <a:rPr lang="de-DE" dirty="0" err="1" smtClean="0"/>
-              <a:t>Use</a:t>
-            </a:r>
-            <a:r>
-              <a:rPr lang="de-DE" dirty="0" smtClean="0"/>
-              <a:t>-Case 3: Aktualisieren eines </a:t>
-            </a:r>
-            <a:r>
-              <a:rPr lang="de-DE" dirty="0" err="1" smtClean="0"/>
-              <a:t>Repositories</a:t>
-            </a:r>
-            <a:r>
-              <a:rPr lang="de-DE" dirty="0" smtClean="0"/>
-              <a:t>, das ein </a:t>
-            </a:r>
-            <a:r>
-              <a:rPr lang="de-DE" dirty="0" err="1" smtClean="0"/>
-              <a:t>Subrepo</a:t>
-            </a:r>
-            <a:r>
-              <a:rPr lang="de-DE" dirty="0" smtClean="0"/>
-              <a:t> enthält</a:t>
-            </a:r>
-          </a:p>
-          <a:p>
-            <a:r>
-              <a:rPr lang="de-DE" dirty="0" err="1" smtClean="0"/>
-              <a:t>Use</a:t>
-            </a:r>
-            <a:r>
-              <a:rPr lang="de-DE" dirty="0" smtClean="0"/>
-              <a:t>-Case 4: Änderungen im eingebunden </a:t>
-            </a:r>
-            <a:r>
-              <a:rPr lang="de-DE" dirty="0" err="1" smtClean="0"/>
-              <a:t>Subrepo</a:t>
-            </a:r>
-            <a:r>
-              <a:rPr lang="de-DE" dirty="0" smtClean="0"/>
-              <a:t> durchführen, Änderungen im </a:t>
-            </a:r>
-            <a:r>
-              <a:rPr lang="de-DE" dirty="0" err="1" smtClean="0"/>
-              <a:t>Hauptrepo</a:t>
-            </a:r>
-            <a:r>
-              <a:rPr lang="de-DE" dirty="0" smtClean="0"/>
-              <a:t> </a:t>
-            </a:r>
-            <a:r>
-              <a:rPr lang="de-DE" dirty="0" err="1" smtClean="0"/>
-              <a:t>committen</a:t>
-            </a:r>
-            <a:r>
-              <a:rPr lang="de-DE" dirty="0" smtClean="0"/>
-              <a:t>, Änderungen des </a:t>
-            </a:r>
-            <a:r>
-              <a:rPr lang="de-DE" dirty="0" err="1" smtClean="0"/>
-              <a:t>subrepos</a:t>
-            </a:r>
-            <a:r>
-              <a:rPr lang="de-DE" dirty="0" smtClean="0"/>
-              <a:t> pushen</a:t>
-            </a:r>
-          </a:p>
-          <a:p>
-            <a:r>
-              <a:rPr lang="de-DE" dirty="0" err="1" smtClean="0"/>
-              <a:t>Use</a:t>
-            </a:r>
-            <a:r>
-              <a:rPr lang="de-DE" dirty="0" smtClean="0"/>
-              <a:t>-Case 5: Änderungen im </a:t>
-            </a:r>
-            <a:r>
-              <a:rPr lang="de-DE" dirty="0" err="1" smtClean="0"/>
-              <a:t>Subrepo</a:t>
-            </a:r>
-            <a:r>
-              <a:rPr lang="de-DE" dirty="0" smtClean="0"/>
-              <a:t> (von außerhalb) in das Master-</a:t>
-            </a:r>
-            <a:r>
-              <a:rPr lang="de-DE" dirty="0" err="1" smtClean="0"/>
-              <a:t>Repo</a:t>
-            </a:r>
-            <a:r>
-              <a:rPr lang="de-DE" dirty="0" smtClean="0"/>
-              <a:t> holen =&gt; </a:t>
-            </a:r>
-            <a:r>
-              <a:rPr lang="de-DE" dirty="0" err="1" smtClean="0"/>
-              <a:t>Eingebundens</a:t>
-            </a:r>
-            <a:r>
-              <a:rPr lang="de-DE" dirty="0" smtClean="0"/>
-              <a:t> sub-</a:t>
-            </a:r>
-            <a:r>
-              <a:rPr lang="de-DE" dirty="0" err="1" smtClean="0"/>
-              <a:t>repo</a:t>
-            </a:r>
-            <a:r>
-              <a:rPr lang="de-DE" dirty="0" smtClean="0"/>
-              <a:t> aktualisieren</a:t>
-            </a:r>
-          </a:p>
-          <a:p>
-            <a:r>
-              <a:rPr lang="de-DE" dirty="0" err="1" smtClean="0"/>
-              <a:t>Use</a:t>
-            </a:r>
-            <a:r>
-              <a:rPr lang="de-DE" dirty="0" smtClean="0"/>
-              <a:t>-Case 6: Entfernen des </a:t>
-            </a:r>
-            <a:r>
-              <a:rPr lang="de-DE" dirty="0" err="1" smtClean="0"/>
-              <a:t>Subrepos</a:t>
-            </a:r>
-            <a:endParaRPr lang="de-DE" dirty="0" smtClean="0"/>
-          </a:p>
-          <a:p>
+              <a:rPr lang="de-DE" dirty="0" smtClean="0"/>
+              <a:t>Feature starten:</a:t>
+            </a:r>
+          </a:p>
+          <a:p>
+            <a:pPr lvl="1"/>
+            <a:r>
+              <a:rPr lang="de-DE" dirty="0" smtClean="0"/>
+              <a:t>...</a:t>
+            </a:r>
+          </a:p>
+          <a:p>
+            <a:r>
+              <a:rPr lang="de-DE" dirty="0" smtClean="0"/>
+              <a:t>Feature beenden:</a:t>
+            </a:r>
+          </a:p>
+          <a:p>
+            <a:pPr lvl="1"/>
+            <a:r>
+              <a:rPr lang="de-DE" dirty="0" smtClean="0"/>
+              <a:t>...</a:t>
+            </a:r>
+          </a:p>
+          <a:p>
+            <a:r>
+              <a:rPr lang="de-DE" dirty="0" smtClean="0"/>
+              <a:t>Release starten</a:t>
+            </a:r>
+          </a:p>
+          <a:p>
+            <a:r>
+              <a:rPr lang="de-DE" dirty="0" smtClean="0"/>
+              <a:t>Release beenden</a:t>
+            </a:r>
             <a:endParaRPr lang="de-DE" dirty="0"/>
           </a:p>
         </p:txBody>
@@ -3178,7 +3160,7 @@
     </p:spTree>
     <p:extLst>
       <p:ext uri="{BB962C8B-B14F-4D97-AF65-F5344CB8AC3E}">
-        <p14:creationId xmlns:p14="http://schemas.microsoft.com/office/powerpoint/2010/main" val="3797507830"/>
+        <p14:creationId xmlns:p14="http://schemas.microsoft.com/office/powerpoint/2010/main" val="498316739"/>
       </p:ext>
     </p:extLst>
   </p:cSld>
@@ -3222,7 +3204,7 @@
           <a:p>
             <a:r>
               <a:rPr lang="de-DE" dirty="0" smtClean="0"/>
-              <a:t>MAVEN...</a:t>
+              <a:t>GIT FLOW: CHANGE LOG ERZEUGEN</a:t>
             </a:r>
             <a:endParaRPr lang="de-DE" dirty="0"/>
           </a:p>
@@ -3241,186 +3223,24 @@
         <p:spPr/>
         <p:txBody>
           <a:bodyPr>
-            <a:normAutofit fontScale="70000" lnSpcReduction="20000"/>
+            <a:normAutofit/>
           </a:bodyPr>
           <a:lstStyle/>
           <a:p>
             <a:r>
               <a:rPr lang="de-DE" dirty="0" err="1" smtClean="0"/>
-              <a:t>Maven</a:t>
-            </a:r>
-            <a:r>
-              <a:rPr lang="de-DE" dirty="0" smtClean="0"/>
-              <a:t>-release-</a:t>
-            </a:r>
-            <a:r>
-              <a:rPr lang="de-DE" dirty="0" err="1" smtClean="0"/>
-              <a:t>plugin</a:t>
-            </a:r>
-            <a:endParaRPr lang="de-DE" dirty="0" smtClean="0"/>
-          </a:p>
-          <a:p>
-            <a:pPr lvl="1"/>
-            <a:r>
-              <a:rPr lang="de-DE" dirty="0" smtClean="0"/>
-              <a:t>Konfiguration 1: Hinzufügen des </a:t>
-            </a:r>
-            <a:r>
-              <a:rPr lang="de-DE" dirty="0" err="1" smtClean="0"/>
-              <a:t>Plug-ins</a:t>
-            </a:r>
-            <a:r>
-              <a:rPr lang="de-DE" dirty="0" smtClean="0"/>
-              <a:t> zum </a:t>
-            </a:r>
-            <a:r>
-              <a:rPr lang="de-DE" dirty="0" err="1" smtClean="0"/>
-              <a:t>Pom</a:t>
-            </a:r>
-            <a:endParaRPr lang="de-DE" dirty="0" smtClean="0"/>
-          </a:p>
-          <a:p>
-            <a:pPr lvl="1"/>
-            <a:r>
-              <a:rPr lang="de-DE" dirty="0" smtClean="0"/>
-              <a:t>Voraussetzungen: </a:t>
-            </a:r>
-            <a:r>
-              <a:rPr lang="de-DE" dirty="0" err="1" smtClean="0"/>
-              <a:t>scm</a:t>
-            </a:r>
-            <a:r>
-              <a:rPr lang="de-DE" dirty="0" smtClean="0"/>
-              <a:t> &amp; </a:t>
-            </a:r>
-            <a:r>
-              <a:rPr lang="de-DE" dirty="0" err="1" smtClean="0"/>
-              <a:t>distributionManagement</a:t>
-            </a:r>
-            <a:endParaRPr lang="de-DE" dirty="0" smtClean="0"/>
-          </a:p>
-          <a:p>
-            <a:pPr lvl="1"/>
-            <a:r>
-              <a:rPr lang="de-DE" dirty="0" smtClean="0"/>
-              <a:t>Konfiguration, z.B. tag-name</a:t>
-            </a:r>
-          </a:p>
-          <a:p>
-            <a:r>
-              <a:rPr lang="de-DE" dirty="0" smtClean="0"/>
-              <a:t>Arbeitsweise 1: </a:t>
-            </a:r>
-            <a:r>
-              <a:rPr lang="de-DE" dirty="0" err="1" smtClean="0"/>
-              <a:t>prepare</a:t>
-            </a:r>
-            <a:endParaRPr lang="de-DE" dirty="0" smtClean="0"/>
-          </a:p>
-          <a:p>
-            <a:pPr lvl="1"/>
-            <a:r>
-              <a:rPr lang="de-DE" dirty="0" smtClean="0"/>
-              <a:t>Workspace „clean“?</a:t>
-            </a:r>
-          </a:p>
-          <a:p>
-            <a:pPr lvl="1"/>
-            <a:r>
-              <a:rPr lang="de-DE" dirty="0" smtClean="0"/>
-              <a:t>SNAPSHOT =&gt; reale Version</a:t>
-            </a:r>
-          </a:p>
-          <a:p>
-            <a:pPr lvl="1"/>
-            <a:r>
-              <a:rPr lang="de-DE" dirty="0" err="1" smtClean="0"/>
-              <a:t>Compile</a:t>
-            </a:r>
-            <a:r>
-              <a:rPr lang="de-DE" dirty="0" smtClean="0"/>
-              <a:t>, Test (vor </a:t>
-            </a:r>
-            <a:r>
-              <a:rPr lang="de-DE" dirty="0" err="1" smtClean="0"/>
-              <a:t>commit</a:t>
-            </a:r>
-            <a:r>
-              <a:rPr lang="de-DE" dirty="0" smtClean="0"/>
-              <a:t> &amp; Tag???)</a:t>
-            </a:r>
-          </a:p>
-          <a:p>
-            <a:pPr lvl="1"/>
-            <a:r>
-              <a:rPr lang="de-DE" dirty="0" smtClean="0"/>
-              <a:t>Commit &amp; Tag</a:t>
-            </a:r>
-          </a:p>
-          <a:p>
-            <a:r>
-              <a:rPr lang="de-DE" dirty="0" smtClean="0"/>
-              <a:t>Arbeitsweise 2: </a:t>
-            </a:r>
-            <a:r>
-              <a:rPr lang="de-DE" dirty="0" err="1" smtClean="0"/>
-              <a:t>perform</a:t>
-            </a:r>
-            <a:endParaRPr lang="de-DE" dirty="0" smtClean="0"/>
-          </a:p>
-          <a:p>
-            <a:pPr lvl="1"/>
-            <a:r>
-              <a:rPr lang="de-DE" dirty="0" smtClean="0"/>
-              <a:t>Erneutes bauen in zweiter </a:t>
-            </a:r>
-            <a:r>
-              <a:rPr lang="de-DE" dirty="0" err="1" smtClean="0"/>
-              <a:t>Maven</a:t>
-            </a:r>
-            <a:r>
-              <a:rPr lang="de-DE" dirty="0" smtClean="0"/>
-              <a:t> Instanz</a:t>
-            </a:r>
-          </a:p>
-          <a:p>
-            <a:pPr lvl="1"/>
-            <a:r>
-              <a:rPr lang="de-DE" dirty="0" smtClean="0"/>
-              <a:t>Push</a:t>
-            </a:r>
-          </a:p>
-          <a:p>
-            <a:r>
-              <a:rPr lang="de-DE" dirty="0" smtClean="0"/>
-              <a:t>Nachteil:</a:t>
-            </a:r>
-          </a:p>
-          <a:p>
-            <a:pPr lvl="1"/>
-            <a:r>
-              <a:rPr lang="de-DE" dirty="0" smtClean="0"/>
-              <a:t>Zwei Phasen mit temporären Dateien dazwischen</a:t>
-            </a:r>
-            <a:endParaRPr lang="de-DE" dirty="0" smtClean="0"/>
-          </a:p>
-          <a:p>
-            <a:pPr lvl="1"/>
-            <a:r>
-              <a:rPr lang="de-DE" dirty="0" smtClean="0"/>
-              <a:t>Nicht </a:t>
-            </a:r>
-            <a:r>
-              <a:rPr lang="de-DE" dirty="0" err="1" smtClean="0"/>
               <a:t>Git</a:t>
             </a:r>
             <a:r>
               <a:rPr lang="de-DE" dirty="0" smtClean="0"/>
-              <a:t>-Flow kompatibel</a:t>
-            </a:r>
-            <a:endParaRPr lang="de-DE" dirty="0" smtClean="0"/>
-          </a:p>
-          <a:p>
+              <a:t> log ...</a:t>
+            </a:r>
+          </a:p>
+          <a:p>
+            <a:r>
+              <a:rPr lang="de-DE" dirty="0" smtClean="0"/>
+              <a:t>First-Parent Historie</a:t>
+            </a:r>
             <a:endParaRPr lang="de-DE" dirty="0"/>
           </a:p>
         </p:txBody>
@@ -3428,7 +3248,7 @@
     </p:spTree>
     <p:extLst>
       <p:ext uri="{BB962C8B-B14F-4D97-AF65-F5344CB8AC3E}">
-        <p14:creationId xmlns:p14="http://schemas.microsoft.com/office/powerpoint/2010/main" val="2352616168"/>
+        <p14:creationId xmlns:p14="http://schemas.microsoft.com/office/powerpoint/2010/main" val="2011758629"/>
       </p:ext>
     </p:extLst>
   </p:cSld>
@@ -3472,11 +3292,7 @@
           <a:p>
             <a:r>
               <a:rPr lang="de-DE" dirty="0" smtClean="0"/>
-              <a:t>MAVEN </a:t>
-            </a:r>
-            <a:r>
-              <a:rPr lang="de-DE" dirty="0" err="1" smtClean="0"/>
-              <a:t>jgit-flow</a:t>
+              <a:t>GIT FLOW: BUGFIXES BACKPORT</a:t>
             </a:r>
             <a:endParaRPr lang="de-DE" dirty="0"/>
           </a:p>
@@ -3500,29 +3316,8 @@
           <a:lstStyle/>
           <a:p>
             <a:r>
-              <a:rPr lang="de-DE" dirty="0">
-                <a:hlinkClick r:id="rId2"/>
-              </a:rPr>
-              <a:t>https://bitbucket.org/atlassian/jgit-flow/wiki/</a:t>
-            </a:r>
-            <a:r>
-              <a:rPr lang="de-DE" dirty="0" smtClean="0">
-                <a:hlinkClick r:id="rId2"/>
-              </a:rPr>
-              <a:t>Home</a:t>
-            </a:r>
-            <a:endParaRPr lang="de-DE" dirty="0" smtClean="0"/>
-          </a:p>
-          <a:p>
-            <a:r>
-              <a:rPr lang="de-DE" dirty="0" smtClean="0"/>
-              <a:t>Konfiguration im POM</a:t>
-            </a:r>
-          </a:p>
-          <a:p>
-            <a:r>
-              <a:rPr lang="de-DE" dirty="0" smtClean="0"/>
-              <a:t>Release</a:t>
+              <a:rPr lang="de-DE" dirty="0" smtClean="0"/>
+              <a:t>Cherry Pick</a:t>
             </a:r>
             <a:endParaRPr lang="de-DE" dirty="0"/>
           </a:p>
@@ -3531,7 +3326,7 @@
     </p:spTree>
     <p:extLst>
       <p:ext uri="{BB962C8B-B14F-4D97-AF65-F5344CB8AC3E}">
-        <p14:creationId xmlns:p14="http://schemas.microsoft.com/office/powerpoint/2010/main" val="3892127042"/>
+        <p14:creationId xmlns:p14="http://schemas.microsoft.com/office/powerpoint/2010/main" val="943146039"/>
       </p:ext>
     </p:extLst>
   </p:cSld>
@@ -3570,12 +3365,14 @@
         </p:nvSpPr>
         <p:spPr/>
         <p:txBody>
-          <a:bodyPr/>
+          <a:bodyPr>
+            <a:normAutofit/>
+          </a:bodyPr>
           <a:lstStyle/>
           <a:p>
             <a:r>
               <a:rPr lang="de-DE" dirty="0" smtClean="0"/>
-              <a:t>GIT APIS: JGIT</a:t>
+              <a:t>BRANCH STRATEGIE: PRODUKT / PROJEKT</a:t>
             </a:r>
             <a:endParaRPr lang="de-DE" dirty="0"/>
           </a:p>
@@ -3594,105 +3391,112 @@
         <p:spPr/>
         <p:txBody>
           <a:bodyPr>
-            <a:normAutofit/>
+            <a:normAutofit fontScale="92500" lnSpcReduction="20000"/>
           </a:bodyPr>
           <a:lstStyle/>
           <a:p>
             <a:r>
               <a:rPr lang="de-DE" dirty="0" err="1" smtClean="0"/>
-              <a:t>Porcelaine</a:t>
-            </a:r>
-            <a:r>
-              <a:rPr lang="de-DE" dirty="0" smtClean="0"/>
-              <a:t> API</a:t>
-            </a:r>
+              <a:t>GitFlow</a:t>
+            </a:r>
+            <a:r>
+              <a:rPr lang="de-DE" dirty="0" smtClean="0"/>
+              <a:t> eignet sich gut dafür, wenn man ein Produkt (oder auch ein Projekt) in genau einer Version verwendet. </a:t>
+            </a:r>
+            <a:r>
+              <a:rPr lang="de-DE" dirty="0" smtClean="0"/>
+              <a:t>Man hat immer ein Release in Produktion, für das man </a:t>
+            </a:r>
+            <a:r>
+              <a:rPr lang="de-DE" dirty="0" err="1" smtClean="0"/>
+              <a:t>Bugfixes</a:t>
+            </a:r>
+            <a:r>
+              <a:rPr lang="de-DE" dirty="0" smtClean="0"/>
+              <a:t> macht. Parallel dazu gibt es nur die Weiterentwicklung auf dem </a:t>
+            </a:r>
+            <a:r>
+              <a:rPr lang="de-DE" dirty="0" err="1" smtClean="0"/>
+              <a:t>develop-Branch</a:t>
+            </a:r>
+            <a:r>
+              <a:rPr lang="de-DE" dirty="0" smtClean="0"/>
+              <a:t> die zum nächsten Release führt</a:t>
+            </a:r>
+          </a:p>
+          <a:p>
+            <a:r>
+              <a:rPr lang="de-DE" dirty="0" smtClean="0"/>
+              <a:t>Für Produkte, die in mehreren Versionen gepflegt werden sollen, mehrere Release-</a:t>
+            </a:r>
+            <a:r>
+              <a:rPr lang="de-DE" dirty="0" err="1" smtClean="0"/>
+              <a:t>Branches</a:t>
+            </a:r>
+            <a:r>
+              <a:rPr lang="de-DE" dirty="0" smtClean="0"/>
+              <a:t> z.B. bei </a:t>
+            </a:r>
+            <a:r>
+              <a:rPr lang="de-DE" dirty="0" err="1" smtClean="0"/>
+              <a:t>Atlassian</a:t>
+            </a:r>
+            <a:endParaRPr lang="de-DE" dirty="0" smtClean="0"/>
           </a:p>
           <a:p>
             <a:pPr lvl="1"/>
             <a:r>
-              <a:rPr lang="de-DE" dirty="0">
-                <a:hlinkClick r:id="rId2"/>
-              </a:rPr>
-              <a:t>https://speakerdeck.com/alblue/embedding-jgit-into-java-</a:t>
-            </a:r>
-            <a:r>
-              <a:rPr lang="de-DE" dirty="0" smtClean="0">
-                <a:hlinkClick r:id="rId2"/>
-              </a:rPr>
-              <a:t>applications</a:t>
-            </a:r>
-            <a:endParaRPr lang="de-DE" dirty="0" smtClean="0"/>
-          </a:p>
-          <a:p>
-            <a:pPr lvl="1"/>
-            <a:r>
-              <a:rPr lang="de-DE" dirty="0">
-                <a:hlinkClick r:id="rId3"/>
-              </a:rPr>
-              <a:t>http://alblue.bandlem.com/2013/11/embedding-</a:t>
-            </a:r>
-            <a:r>
-              <a:rPr lang="de-DE" dirty="0" smtClean="0">
-                <a:hlinkClick r:id="rId3"/>
-              </a:rPr>
-              <a:t>jgit.html</a:t>
-            </a:r>
-            <a:endParaRPr lang="de-DE" dirty="0" smtClean="0"/>
-          </a:p>
-          <a:p>
-            <a:r>
-              <a:rPr lang="de-DE" dirty="0" err="1" smtClean="0"/>
-              <a:t>Git</a:t>
-            </a:r>
-            <a:r>
-              <a:rPr lang="de-DE" dirty="0" smtClean="0"/>
-              <a:t> Flow </a:t>
-            </a:r>
-            <a:r>
-              <a:rPr lang="de-DE" dirty="0" err="1" smtClean="0"/>
-              <a:t>Api</a:t>
-            </a:r>
-            <a:r>
-              <a:rPr lang="de-DE" dirty="0" smtClean="0"/>
-              <a:t> von </a:t>
-            </a:r>
-            <a:r>
-              <a:rPr lang="de-DE" dirty="0" err="1" smtClean="0"/>
-              <a:t>Atlassian</a:t>
-            </a:r>
-            <a:endParaRPr lang="de-DE" dirty="0" smtClean="0"/>
-          </a:p>
-          <a:p>
-            <a:pPr lvl="1"/>
-            <a:r>
-              <a:rPr lang="de-DE" dirty="0">
-                <a:hlinkClick r:id="rId4"/>
-              </a:rPr>
-              <a:t>https://bitbucket.org/atlassian/jgit-</a:t>
-            </a:r>
-            <a:r>
-              <a:rPr lang="de-DE" dirty="0" smtClean="0">
-                <a:hlinkClick r:id="rId4"/>
-              </a:rPr>
-              <a:t>flow</a:t>
-            </a:r>
-            <a:endParaRPr lang="de-DE" dirty="0" smtClean="0"/>
-          </a:p>
-          <a:p>
-            <a:pPr lvl="1"/>
-            <a:endParaRPr lang="de-DE" dirty="0"/>
-          </a:p>
-          <a:p>
-            <a:endParaRPr lang="de-DE" dirty="0" smtClean="0"/>
-          </a:p>
-          <a:p>
-            <a:pPr lvl="1"/>
-            <a:endParaRPr lang="de-DE" dirty="0"/>
-          </a:p>
-          <a:p>
-            <a:endParaRPr lang="de-DE" dirty="0"/>
-          </a:p>
-          <a:p>
+              <a:rPr lang="de-DE" dirty="0"/>
+              <a:t>http://</a:t>
+            </a:r>
+            <a:r>
+              <a:rPr lang="de-DE" dirty="0" err="1"/>
+              <a:t>blogs.atlassian.com</a:t>
+            </a:r>
+            <a:r>
+              <a:rPr lang="de-DE" dirty="0"/>
+              <a:t>/2013/10/</a:t>
+            </a:r>
+            <a:r>
+              <a:rPr lang="de-DE" dirty="0" err="1"/>
+              <a:t>inside</a:t>
+            </a:r>
+            <a:r>
+              <a:rPr lang="de-DE" dirty="0"/>
+              <a:t>-</a:t>
+            </a:r>
+            <a:r>
+              <a:rPr lang="de-DE" dirty="0" err="1"/>
+              <a:t>atlassian</a:t>
+            </a:r>
+            <a:r>
+              <a:rPr lang="de-DE" dirty="0"/>
+              <a:t>-feature-</a:t>
+            </a:r>
+            <a:r>
+              <a:rPr lang="de-DE" dirty="0" err="1"/>
+              <a:t>branching</a:t>
+            </a:r>
+            <a:r>
+              <a:rPr lang="de-DE" dirty="0"/>
+              <a:t>-on-</a:t>
+            </a:r>
+            <a:r>
+              <a:rPr lang="de-DE" dirty="0" err="1"/>
+              <a:t>the</a:t>
+            </a:r>
+            <a:r>
+              <a:rPr lang="de-DE" dirty="0"/>
+              <a:t>-</a:t>
+            </a:r>
+            <a:r>
+              <a:rPr lang="de-DE" dirty="0" err="1"/>
+              <a:t>stash</a:t>
+            </a:r>
+            <a:r>
+              <a:rPr lang="de-DE" dirty="0"/>
+              <a:t>-team/</a:t>
+            </a:r>
             <a:endParaRPr lang="de-DE" dirty="0"/>
           </a:p>
         </p:txBody>
@@ -3700,7 +3504,7 @@
     </p:spTree>
     <p:extLst>
       <p:ext uri="{BB962C8B-B14F-4D97-AF65-F5344CB8AC3E}">
-        <p14:creationId xmlns:p14="http://schemas.microsoft.com/office/powerpoint/2010/main" val="2711603374"/>
+        <p14:creationId xmlns:p14="http://schemas.microsoft.com/office/powerpoint/2010/main" val="858207475"/>
       </p:ext>
     </p:extLst>
   </p:cSld>
@@ -4216,7 +4020,7 @@
           <a:p>
             <a:r>
               <a:rPr lang="de-DE" dirty="0" smtClean="0"/>
-              <a:t>GIT APIS: JGIT / GROOVY</a:t>
+              <a:t>BRANCH STRATEGIE: ALTERNATIVEN</a:t>
             </a:r>
             <a:endParaRPr lang="de-DE" dirty="0"/>
           </a:p>
@@ -4240,20 +4044,106 @@
           <a:lstStyle/>
           <a:p>
             <a:r>
-              <a:rPr lang="de-DE" dirty="0">
-                <a:hlinkClick r:id="rId2"/>
-              </a:rPr>
-              <a:t>https://github.com/ajoberstar/</a:t>
-            </a:r>
-            <a:r>
-              <a:rPr lang="de-DE" dirty="0" smtClean="0">
-                <a:hlinkClick r:id="rId2"/>
-              </a:rPr>
-              <a:t>grgit</a:t>
+              <a:rPr lang="de-DE" dirty="0" err="1" smtClean="0"/>
+              <a:t>GitHub</a:t>
+            </a:r>
+            <a:r>
+              <a:rPr lang="de-DE" dirty="0" smtClean="0"/>
+              <a:t> Klone/</a:t>
+            </a:r>
+            <a:r>
+              <a:rPr lang="de-DE" dirty="0" err="1" smtClean="0"/>
+              <a:t>Pullrequest</a:t>
+            </a:r>
+            <a:r>
+              <a:rPr lang="de-DE" dirty="0" smtClean="0"/>
+              <a:t>-Workflow – für </a:t>
+            </a:r>
+            <a:r>
+              <a:rPr lang="de-DE" dirty="0" err="1" smtClean="0"/>
+              <a:t>Contributor</a:t>
             </a:r>
             <a:endParaRPr lang="de-DE" dirty="0" smtClean="0"/>
           </a:p>
           <a:p>
+            <a:pPr lvl="1"/>
+            <a:r>
+              <a:rPr lang="de-DE" dirty="0" smtClean="0"/>
+              <a:t>„Privaten“ Klon erzeugen</a:t>
+            </a:r>
+          </a:p>
+          <a:p>
+            <a:pPr lvl="1"/>
+            <a:r>
+              <a:rPr lang="de-DE" dirty="0" smtClean="0"/>
+              <a:t>Änderungen auf einem Topic-</a:t>
+            </a:r>
+            <a:r>
+              <a:rPr lang="de-DE" dirty="0" err="1" smtClean="0"/>
+              <a:t>Branch</a:t>
+            </a:r>
+            <a:r>
+              <a:rPr lang="de-DE" dirty="0" smtClean="0"/>
+              <a:t> machen</a:t>
+            </a:r>
+          </a:p>
+          <a:p>
+            <a:pPr lvl="1"/>
+            <a:r>
+              <a:rPr lang="de-DE" dirty="0" smtClean="0"/>
+              <a:t>Änderungen ins private </a:t>
+            </a:r>
+            <a:r>
+              <a:rPr lang="de-DE" dirty="0" err="1" smtClean="0"/>
+              <a:t>Repo</a:t>
+            </a:r>
+            <a:r>
+              <a:rPr lang="de-DE" dirty="0" smtClean="0"/>
+              <a:t> auf </a:t>
+            </a:r>
+            <a:r>
+              <a:rPr lang="de-DE" dirty="0" err="1" smtClean="0"/>
+              <a:t>GitHub</a:t>
+            </a:r>
+            <a:r>
+              <a:rPr lang="de-DE" dirty="0" smtClean="0"/>
+              <a:t> pushen</a:t>
+            </a:r>
+          </a:p>
+          <a:p>
+            <a:pPr lvl="1"/>
+            <a:r>
+              <a:rPr lang="de-DE" dirty="0" err="1" smtClean="0"/>
+              <a:t>Pullrequest</a:t>
+            </a:r>
+            <a:r>
+              <a:rPr lang="de-DE" dirty="0" smtClean="0"/>
+              <a:t> in „ursprüngliches“ </a:t>
+            </a:r>
+            <a:r>
+              <a:rPr lang="de-DE" dirty="0" err="1" smtClean="0"/>
+              <a:t>Repo</a:t>
+            </a:r>
+            <a:endParaRPr lang="de-DE" dirty="0" smtClean="0"/>
+          </a:p>
+          <a:p>
+            <a:pPr marL="0" indent="0">
+              <a:buNone/>
+            </a:pPr>
+            <a:endParaRPr lang="de-DE" dirty="0"/>
+          </a:p>
+          <a:p>
+            <a:pPr marL="0" indent="0">
+              <a:buNone/>
+            </a:pPr>
+            <a:r>
+              <a:rPr lang="de-DE" dirty="0" smtClean="0"/>
+              <a:t>Manueller Abgleich zwischen den </a:t>
+            </a:r>
+            <a:r>
+              <a:rPr lang="de-DE" dirty="0" err="1" smtClean="0"/>
+              <a:t>Repos</a:t>
+            </a:r>
             <a:endParaRPr lang="de-DE" dirty="0"/>
           </a:p>
         </p:txBody>
@@ -4261,7 +4151,7 @@
     </p:spTree>
     <p:extLst>
       <p:ext uri="{BB962C8B-B14F-4D97-AF65-F5344CB8AC3E}">
-        <p14:creationId xmlns:p14="http://schemas.microsoft.com/office/powerpoint/2010/main" val="1028248972"/>
+        <p14:creationId xmlns:p14="http://schemas.microsoft.com/office/powerpoint/2010/main" val="273835580"/>
       </p:ext>
     </p:extLst>
   </p:cSld>
@@ -4305,7 +4195,7 @@
           <a:p>
             <a:r>
               <a:rPr lang="de-DE" dirty="0" smtClean="0"/>
-              <a:t>VIELEN DANK!</a:t>
+              <a:t>ALTERNATIVE: GITHUB KLONE</a:t>
             </a:r>
             <a:endParaRPr lang="de-DE" dirty="0"/>
           </a:p>
@@ -4321,64 +4211,1800 @@
             <p:ph sz="quarter" idx="10"/>
           </p:nvPr>
         </p:nvSpPr>
-        <p:spPr>
-          <a:xfrm>
-            <a:off x="2304727" y="3046069"/>
-            <a:ext cx="4534547" cy="742043"/>
-          </a:xfrm>
-        </p:spPr>
+        <p:spPr/>
         <p:txBody>
           <a:bodyPr>
-            <a:noAutofit/>
+            <a:normAutofit fontScale="40000" lnSpcReduction="20000"/>
           </a:bodyPr>
           <a:lstStyle/>
           <a:p>
-            <a:pPr marL="0" indent="0" algn="ctr">
+            <a:r>
+              <a:rPr lang="de-DE" dirty="0" smtClean="0">
+                <a:hlinkClick r:id="rId2"/>
+              </a:rPr>
+              <a:t>Forking Workflow, Triangular Workflow, Integration Manager Workflow</a:t>
+            </a:r>
+            <a:endParaRPr lang="de-DE" dirty="0">
+              <a:hlinkClick r:id="rId2"/>
+            </a:endParaRPr>
+          </a:p>
+          <a:p>
+            <a:endParaRPr lang="de-DE" dirty="0" smtClean="0">
+              <a:hlinkClick r:id="rId2"/>
+            </a:endParaRPr>
+          </a:p>
+          <a:p>
+            <a:endParaRPr lang="de-DE" dirty="0" smtClean="0">
+              <a:hlinkClick r:id="rId2"/>
+            </a:endParaRPr>
+          </a:p>
+          <a:p>
+            <a:r>
+              <a:rPr lang="de-DE" dirty="0">
+                <a:hlinkClick r:id="rId2"/>
+              </a:rPr>
+              <a:t>http://git-scm.com/book/en/Distributed-Git-Distributed-Workflows#Integration-Manager-Workflow</a:t>
+            </a:r>
+            <a:endParaRPr lang="de-DE" dirty="0" smtClean="0">
+              <a:hlinkClick r:id="rId2"/>
+            </a:endParaRPr>
+          </a:p>
+          <a:p>
+            <a:r>
+              <a:rPr lang="de-DE" dirty="0" smtClean="0">
+                <a:hlinkClick r:id="rId2"/>
+              </a:rPr>
+              <a:t>https</a:t>
+            </a:r>
+            <a:r>
+              <a:rPr lang="de-DE" dirty="0">
+                <a:hlinkClick r:id="rId2"/>
+              </a:rPr>
+              <a:t>://www.sociomantic.com/blog/2014/05/git-triangular-workflow/#.</a:t>
+            </a:r>
+            <a:r>
+              <a:rPr lang="de-DE" dirty="0" smtClean="0">
+                <a:hlinkClick r:id="rId2"/>
+              </a:rPr>
+              <a:t>VCEg7yt_v0A</a:t>
+            </a:r>
+            <a:endParaRPr lang="de-DE" dirty="0" smtClean="0"/>
+          </a:p>
+          <a:p>
+            <a:r>
+              <a:rPr lang="de-DE" dirty="0">
+                <a:hlinkClick r:id="rId3"/>
+              </a:rPr>
+              <a:t>https://github.com/sociomantic/git-</a:t>
+            </a:r>
+            <a:r>
+              <a:rPr lang="de-DE" dirty="0" smtClean="0">
+                <a:hlinkClick r:id="rId3"/>
+              </a:rPr>
+              <a:t>hub</a:t>
+            </a:r>
+            <a:endParaRPr lang="de-DE" dirty="0" smtClean="0"/>
+          </a:p>
+          <a:p>
+            <a:r>
+              <a:rPr lang="de-DE" dirty="0">
+                <a:hlinkClick r:id="rId4"/>
+              </a:rPr>
+              <a:t>https://www.atlassian.com/de/git/workflows#!workflow-</a:t>
+            </a:r>
+            <a:r>
+              <a:rPr lang="de-DE" dirty="0" smtClean="0">
+                <a:hlinkClick r:id="rId4"/>
+              </a:rPr>
+              <a:t>forking</a:t>
+            </a:r>
+            <a:endParaRPr lang="de-DE" dirty="0" smtClean="0"/>
+          </a:p>
+          <a:p>
+            <a:r>
+              <a:rPr lang="de-DE" dirty="0" smtClean="0"/>
+              <a:t>Vorteil: nur „echte“ Projekt-Mitglieder haben direkten Zugriff auf das </a:t>
+            </a:r>
+            <a:r>
+              <a:rPr lang="de-DE" dirty="0" err="1" smtClean="0"/>
+              <a:t>Repo</a:t>
+            </a:r>
+            <a:endParaRPr lang="de-DE" dirty="0" smtClean="0"/>
+          </a:p>
+          <a:p>
+            <a:endParaRPr lang="de-DE" dirty="0"/>
+          </a:p>
+          <a:p>
+            <a:r>
+              <a:rPr lang="de-DE" dirty="0" smtClean="0"/>
+              <a:t>Workflow f</a:t>
+            </a:r>
+            <a:r>
+              <a:rPr lang="de-DE" dirty="0" smtClean="0"/>
+              <a:t>ür </a:t>
+            </a:r>
+            <a:r>
+              <a:rPr lang="de-DE" dirty="0" err="1" smtClean="0"/>
+              <a:t>Contributor</a:t>
+            </a:r>
+            <a:endParaRPr lang="de-DE" dirty="0" smtClean="0"/>
+          </a:p>
+          <a:p>
+            <a:pPr lvl="1"/>
+            <a:r>
+              <a:rPr lang="de-DE" dirty="0" smtClean="0"/>
+              <a:t>„Privaten“ Klon erzeugen (</a:t>
+            </a:r>
+            <a:r>
+              <a:rPr lang="de-DE" dirty="0" err="1" smtClean="0"/>
+              <a:t>origin</a:t>
+            </a:r>
+            <a:r>
+              <a:rPr lang="de-DE" dirty="0" smtClean="0"/>
+              <a:t>)</a:t>
+            </a:r>
+          </a:p>
+          <a:p>
+            <a:pPr lvl="1"/>
+            <a:r>
+              <a:rPr lang="de-DE" dirty="0" smtClean="0"/>
+              <a:t>Änderungen auf einem Topic-</a:t>
+            </a:r>
+            <a:r>
+              <a:rPr lang="de-DE" dirty="0" err="1" smtClean="0"/>
+              <a:t>Branch</a:t>
+            </a:r>
+            <a:r>
+              <a:rPr lang="de-DE" dirty="0" smtClean="0"/>
+              <a:t> machen</a:t>
+            </a:r>
+          </a:p>
+          <a:p>
+            <a:pPr lvl="1"/>
+            <a:r>
+              <a:rPr lang="de-DE" dirty="0" smtClean="0"/>
+              <a:t>Änderungen ins private </a:t>
+            </a:r>
+            <a:r>
+              <a:rPr lang="de-DE" dirty="0" err="1" smtClean="0"/>
+              <a:t>Repo</a:t>
+            </a:r>
+            <a:r>
+              <a:rPr lang="de-DE" dirty="0" smtClean="0"/>
+              <a:t> auf </a:t>
+            </a:r>
+            <a:r>
+              <a:rPr lang="de-DE" dirty="0" err="1" smtClean="0"/>
+              <a:t>GitHub</a:t>
+            </a:r>
+            <a:r>
+              <a:rPr lang="de-DE" dirty="0" smtClean="0"/>
+              <a:t> pushen</a:t>
+            </a:r>
+          </a:p>
+          <a:p>
+            <a:pPr lvl="1"/>
+            <a:r>
+              <a:rPr lang="de-DE" dirty="0" err="1" smtClean="0"/>
+              <a:t>Pullrequest</a:t>
+            </a:r>
+            <a:r>
+              <a:rPr lang="de-DE" dirty="0" smtClean="0"/>
+              <a:t> in „ursprüngliches“ </a:t>
+            </a:r>
+            <a:r>
+              <a:rPr lang="de-DE" dirty="0" err="1" smtClean="0"/>
+              <a:t>Repo</a:t>
+            </a:r>
+            <a:r>
+              <a:rPr lang="de-DE" dirty="0" smtClean="0"/>
+              <a:t> (</a:t>
+            </a:r>
+            <a:r>
+              <a:rPr lang="de-DE" dirty="0" err="1" smtClean="0"/>
+              <a:t>upstream</a:t>
+            </a:r>
+            <a:r>
+              <a:rPr lang="de-DE" dirty="0" smtClean="0"/>
+              <a:t>) </a:t>
+            </a:r>
+            <a:r>
+              <a:rPr lang="de-DE" dirty="0" err="1" smtClean="0"/>
+              <a:t>erzuegen</a:t>
+            </a:r>
+            <a:endParaRPr lang="de-DE" dirty="0" smtClean="0"/>
+          </a:p>
+          <a:p>
+            <a:pPr lvl="1"/>
+            <a:r>
+              <a:rPr lang="de-DE" dirty="0"/>
+              <a:t>Manueller Abgleich zwischen den </a:t>
+            </a:r>
+            <a:r>
+              <a:rPr lang="de-DE" dirty="0" err="1" smtClean="0"/>
+              <a:t>Repos</a:t>
+            </a:r>
+            <a:endParaRPr lang="de-DE" dirty="0" smtClean="0"/>
+          </a:p>
+          <a:p>
+            <a:pPr lvl="2"/>
+            <a:r>
+              <a:rPr lang="de-DE" dirty="0" err="1" smtClean="0"/>
+              <a:t>Git</a:t>
+            </a:r>
+            <a:r>
+              <a:rPr lang="de-DE" dirty="0" smtClean="0"/>
+              <a:t> pull </a:t>
+            </a:r>
+            <a:r>
+              <a:rPr lang="de-DE" dirty="0" err="1" smtClean="0"/>
+              <a:t>origin</a:t>
+            </a:r>
+            <a:endParaRPr lang="de-DE" dirty="0" smtClean="0"/>
+          </a:p>
+          <a:p>
+            <a:pPr lvl="2"/>
+            <a:r>
+              <a:rPr lang="de-DE" dirty="0" err="1" smtClean="0"/>
+              <a:t>Ggf</a:t>
+            </a:r>
+            <a:r>
+              <a:rPr lang="de-DE" dirty="0" smtClean="0"/>
+              <a:t> </a:t>
+            </a:r>
+            <a:r>
+              <a:rPr lang="de-DE" dirty="0" err="1" smtClean="0"/>
+              <a:t>git</a:t>
+            </a:r>
+            <a:r>
+              <a:rPr lang="de-DE" dirty="0" smtClean="0"/>
+              <a:t> </a:t>
+            </a:r>
+            <a:r>
+              <a:rPr lang="de-DE" dirty="0" err="1" smtClean="0"/>
+              <a:t>merge</a:t>
+            </a:r>
+            <a:r>
+              <a:rPr lang="de-DE" dirty="0" smtClean="0"/>
+              <a:t> </a:t>
+            </a:r>
+            <a:r>
+              <a:rPr lang="de-DE" dirty="0" err="1" smtClean="0"/>
+              <a:t>master</a:t>
+            </a:r>
+            <a:endParaRPr lang="de-DE" dirty="0"/>
+          </a:p>
+          <a:p>
+            <a:pPr marL="457200" lvl="1" indent="0">
               <a:buNone/>
             </a:pPr>
-            <a:r>
-              <a:rPr lang="de-DE" sz="4400" spc="30" dirty="0" smtClean="0">
-                <a:ln>
-                  <a:solidFill>
-                    <a:srgbClr val="984807"/>
-                  </a:solidFill>
-                </a:ln>
-                <a:solidFill>
-                  <a:srgbClr val="984807"/>
-                </a:solidFill>
-              </a:rPr>
-              <a:t>Fragen ?</a:t>
-            </a:r>
-            <a:endParaRPr lang="de-DE" sz="4400" spc="30" dirty="0">
-              <a:ln>
-                <a:solidFill>
-                  <a:srgbClr val="984807"/>
-                </a:solidFill>
-              </a:ln>
-              <a:solidFill>
-                <a:srgbClr val="984807"/>
-              </a:solidFill>
-            </a:endParaRPr>
+            <a:endParaRPr lang="de-DE" dirty="0" smtClean="0"/>
+          </a:p>
+          <a:p>
+            <a:r>
+              <a:rPr lang="de-DE" dirty="0" smtClean="0"/>
+              <a:t>Workflow für </a:t>
+            </a:r>
+            <a:r>
+              <a:rPr lang="de-DE" dirty="0" err="1" smtClean="0"/>
+              <a:t>Maintainer</a:t>
+            </a:r>
+            <a:endParaRPr lang="de-DE" dirty="0" smtClean="0"/>
+          </a:p>
+          <a:p>
+            <a:pPr lvl="1"/>
+            <a:r>
+              <a:rPr lang="de-DE" dirty="0" err="1" smtClean="0"/>
+              <a:t>Pullrequest</a:t>
+            </a:r>
+            <a:r>
+              <a:rPr lang="de-DE" dirty="0" smtClean="0"/>
+              <a:t> </a:t>
+            </a:r>
+            <a:r>
+              <a:rPr lang="de-DE" dirty="0" err="1" smtClean="0"/>
+              <a:t>review</a:t>
+            </a:r>
+            <a:endParaRPr lang="de-DE" dirty="0"/>
+          </a:p>
+          <a:p>
+            <a:pPr lvl="1"/>
+            <a:r>
+              <a:rPr lang="de-DE" dirty="0" smtClean="0"/>
+              <a:t>Lokales Review (</a:t>
+            </a:r>
+            <a:r>
+              <a:rPr lang="de-DE" dirty="0" err="1" smtClean="0"/>
+              <a:t>fetch</a:t>
+            </a:r>
+            <a:r>
+              <a:rPr lang="de-DE" dirty="0" smtClean="0"/>
+              <a:t> des </a:t>
+            </a:r>
+            <a:r>
+              <a:rPr lang="de-DE" dirty="0" err="1" smtClean="0"/>
+              <a:t>Branches</a:t>
+            </a:r>
+            <a:r>
+              <a:rPr lang="de-DE" dirty="0" smtClean="0"/>
+              <a:t> aus dem </a:t>
+            </a:r>
+            <a:r>
+              <a:rPr lang="de-DE" dirty="0" err="1" smtClean="0"/>
+              <a:t>mantainer</a:t>
+            </a:r>
+            <a:r>
+              <a:rPr lang="de-DE" dirty="0" smtClean="0"/>
+              <a:t> </a:t>
+            </a:r>
+            <a:r>
+              <a:rPr lang="de-DE" dirty="0" err="1" smtClean="0"/>
+              <a:t>repo</a:t>
+            </a:r>
+            <a:r>
+              <a:rPr lang="de-DE" dirty="0" smtClean="0"/>
+              <a:t>)</a:t>
+            </a:r>
+          </a:p>
+          <a:p>
+            <a:pPr lvl="2"/>
+            <a:r>
+              <a:rPr lang="de-DE" dirty="0" smtClean="0"/>
+              <a:t>Zwingend notwendig bei </a:t>
+            </a:r>
+            <a:r>
+              <a:rPr lang="de-DE" dirty="0" err="1" smtClean="0"/>
+              <a:t>Merge</a:t>
+            </a:r>
+            <a:r>
+              <a:rPr lang="de-DE" dirty="0" smtClean="0"/>
+              <a:t>-Konflikten</a:t>
+            </a:r>
+          </a:p>
+          <a:p>
+            <a:pPr lvl="1"/>
+            <a:r>
+              <a:rPr lang="de-DE" dirty="0" smtClean="0"/>
+              <a:t>Guidelines für </a:t>
+            </a:r>
+            <a:r>
+              <a:rPr lang="de-DE" dirty="0" err="1" smtClean="0"/>
+              <a:t>Pullrequests</a:t>
+            </a:r>
+            <a:r>
+              <a:rPr lang="de-DE" dirty="0" smtClean="0"/>
+              <a:t>: ggf. </a:t>
+            </a:r>
+            <a:r>
+              <a:rPr lang="de-DE" dirty="0" err="1" smtClean="0"/>
+              <a:t>rebase</a:t>
+            </a:r>
+            <a:r>
+              <a:rPr lang="de-DE" dirty="0" smtClean="0"/>
+              <a:t>/</a:t>
+            </a:r>
+            <a:r>
+              <a:rPr lang="de-DE" dirty="0" err="1" smtClean="0"/>
+              <a:t>squash</a:t>
+            </a:r>
+            <a:r>
+              <a:rPr lang="de-DE" dirty="0" smtClean="0"/>
+              <a:t>, push –f erforderlich</a:t>
+            </a:r>
+          </a:p>
+          <a:p>
+            <a:r>
+              <a:rPr lang="de-DE" dirty="0" smtClean="0"/>
+              <a:t>Beispiel und guter Guide </a:t>
+            </a:r>
+            <a:r>
+              <a:rPr lang="de-DE" dirty="0" err="1" smtClean="0"/>
+              <a:t>bndtools</a:t>
+            </a:r>
+            <a:r>
+              <a:rPr lang="de-DE" dirty="0" smtClean="0"/>
+              <a:t>:</a:t>
+            </a:r>
+          </a:p>
+          <a:p>
+            <a:pPr lvl="1"/>
+            <a:r>
+              <a:rPr lang="de-DE" dirty="0"/>
+              <a:t>https://</a:t>
+            </a:r>
+            <a:r>
+              <a:rPr lang="de-DE" dirty="0" err="1"/>
+              <a:t>github.com</a:t>
+            </a:r>
+            <a:r>
+              <a:rPr lang="de-DE" dirty="0"/>
+              <a:t>/</a:t>
+            </a:r>
+            <a:r>
+              <a:rPr lang="de-DE" dirty="0" err="1"/>
+              <a:t>bndtools</a:t>
+            </a:r>
+            <a:r>
+              <a:rPr lang="de-DE" dirty="0"/>
+              <a:t>/</a:t>
+            </a:r>
+            <a:r>
+              <a:rPr lang="de-DE" dirty="0" err="1"/>
+              <a:t>bndtools</a:t>
+            </a:r>
+            <a:r>
+              <a:rPr lang="de-DE" dirty="0"/>
+              <a:t>/</a:t>
+            </a:r>
+            <a:r>
+              <a:rPr lang="de-DE" dirty="0" err="1"/>
+              <a:t>blob</a:t>
+            </a:r>
+            <a:r>
+              <a:rPr lang="de-DE" dirty="0"/>
+              <a:t>/</a:t>
+            </a:r>
+            <a:r>
+              <a:rPr lang="de-DE" dirty="0" err="1"/>
+              <a:t>master</a:t>
+            </a:r>
+            <a:r>
+              <a:rPr lang="de-DE" dirty="0"/>
+              <a:t>/</a:t>
+            </a:r>
+            <a:r>
+              <a:rPr lang="de-DE" dirty="0" err="1"/>
+              <a:t>CONTRIBUTING.md</a:t>
+            </a:r>
+            <a:endParaRPr lang="de-DE" dirty="0"/>
           </a:p>
         </p:txBody>
       </p:sp>
     </p:spTree>
     <p:extLst>
       <p:ext uri="{BB962C8B-B14F-4D97-AF65-F5344CB8AC3E}">
-        <p14:creationId xmlns:p14="http://schemas.microsoft.com/office/powerpoint/2010/main" val="1995836235"/>
+        <p14:creationId xmlns:p14="http://schemas.microsoft.com/office/powerpoint/2010/main" val="3930140188"/>
       </p:ext>
     </p:extLst>
   </p:cSld>
   <p:clrMapOvr>
     <a:masterClrMapping/>
   </p:clrMapOvr>
-  <p:timing>
-    <p:tnLst>
-      <p:par>
-        <p:cTn xmlns:p14="http://schemas.microsoft.com/office/powerpoint/2010/main" id="1" dur="indefinite" restart="never" nodeType="tmRoot"/>
-      </p:par>
-    </p:tnLst>
-  </p:timing>
+</p:sld>
+</file>
+
+<file path=ppt/slides/slide22.xml><?xml version="1.0" encoding="utf-8"?>
+<p:sld xmlns:a="http://schemas.openxmlformats.org/drawingml/2006/main" xmlns:r="http://schemas.openxmlformats.org/officeDocument/2006/relationships" xmlns:p="http://schemas.openxmlformats.org/presentationml/2006/main">
+  <p:cSld>
+    <p:spTree>
+      <p:nvGrpSpPr>
+        <p:cNvPr id="1" name=""/>
+        <p:cNvGrpSpPr/>
+        <p:nvPr/>
+      </p:nvGrpSpPr>
+      <p:grpSpPr>
+        <a:xfrm>
+          <a:off x="0" y="0"/>
+          <a:ext cx="0" cy="0"/>
+          <a:chOff x="0" y="0"/>
+          <a:chExt cx="0" cy="0"/>
+        </a:xfrm>
+      </p:grpSpPr>
+      <p:sp>
+        <p:nvSpPr>
+          <p:cNvPr id="2" name="Titel 1"/>
+          <p:cNvSpPr>
+            <a:spLocks noGrp="1"/>
+          </p:cNvSpPr>
+          <p:nvPr>
+            <p:ph type="title"/>
+          </p:nvPr>
+        </p:nvSpPr>
+        <p:spPr/>
+        <p:txBody>
+          <a:bodyPr/>
+          <a:lstStyle/>
+          <a:p>
+            <a:r>
+              <a:rPr lang="de-DE" dirty="0" smtClean="0"/>
+              <a:t>EXKURS: LINUX BRANCH MODELL</a:t>
+            </a:r>
+            <a:endParaRPr lang="de-DE" dirty="0"/>
+          </a:p>
+        </p:txBody>
+      </p:sp>
+      <p:sp>
+        <p:nvSpPr>
+          <p:cNvPr id="3" name="Inhaltsplatzhalter 2"/>
+          <p:cNvSpPr>
+            <a:spLocks noGrp="1"/>
+          </p:cNvSpPr>
+          <p:nvPr>
+            <p:ph sz="quarter" idx="10"/>
+          </p:nvPr>
+        </p:nvSpPr>
+        <p:spPr/>
+        <p:txBody>
+          <a:bodyPr>
+            <a:normAutofit/>
+          </a:bodyPr>
+          <a:lstStyle/>
+          <a:p>
+            <a:r>
+              <a:rPr lang="de-DE" dirty="0"/>
+              <a:t>http://</a:t>
+            </a:r>
+            <a:r>
+              <a:rPr lang="de-DE" dirty="0" err="1"/>
+              <a:t>git-scm.com</a:t>
+            </a:r>
+            <a:r>
+              <a:rPr lang="de-DE" dirty="0"/>
+              <a:t>/</a:t>
+            </a:r>
+            <a:r>
+              <a:rPr lang="de-DE" dirty="0" err="1"/>
+              <a:t>book</a:t>
+            </a:r>
+            <a:r>
+              <a:rPr lang="de-DE" dirty="0"/>
+              <a:t>/en/Distributed-Git-Distributed-Workflows#Dictator-and-Lieutenants-Workflow</a:t>
+            </a:r>
+            <a:endParaRPr lang="de-DE" dirty="0"/>
+          </a:p>
+        </p:txBody>
+      </p:sp>
+    </p:spTree>
+    <p:extLst>
+      <p:ext uri="{BB962C8B-B14F-4D97-AF65-F5344CB8AC3E}">
+        <p14:creationId xmlns:p14="http://schemas.microsoft.com/office/powerpoint/2010/main" val="758519847"/>
+      </p:ext>
+    </p:extLst>
+  </p:cSld>
+  <p:clrMapOvr>
+    <a:masterClrMapping/>
+  </p:clrMapOvr>
+</p:sld>
+</file>
+
+<file path=ppt/slides/slide23.xml><?xml version="1.0" encoding="utf-8"?>
+<p:sld xmlns:a="http://schemas.openxmlformats.org/drawingml/2006/main" xmlns:r="http://schemas.openxmlformats.org/officeDocument/2006/relationships" xmlns:p="http://schemas.openxmlformats.org/presentationml/2006/main">
+  <p:cSld>
+    <p:spTree>
+      <p:nvGrpSpPr>
+        <p:cNvPr id="1" name=""/>
+        <p:cNvGrpSpPr/>
+        <p:nvPr/>
+      </p:nvGrpSpPr>
+      <p:grpSpPr>
+        <a:xfrm>
+          <a:off x="0" y="0"/>
+          <a:ext cx="0" cy="0"/>
+          <a:chOff x="0" y="0"/>
+          <a:chExt cx="0" cy="0"/>
+        </a:xfrm>
+      </p:grpSpPr>
+      <p:sp>
+        <p:nvSpPr>
+          <p:cNvPr id="2" name="Titel 1"/>
+          <p:cNvSpPr>
+            <a:spLocks noGrp="1"/>
+          </p:cNvSpPr>
+          <p:nvPr>
+            <p:ph type="title"/>
+          </p:nvPr>
+        </p:nvSpPr>
+        <p:spPr/>
+        <p:txBody>
+          <a:bodyPr/>
+          <a:lstStyle/>
+          <a:p>
+            <a:r>
+              <a:rPr lang="de-DE" dirty="0" smtClean="0"/>
+              <a:t>Submodules und </a:t>
+            </a:r>
+            <a:r>
+              <a:rPr lang="de-DE" dirty="0" err="1" smtClean="0"/>
+              <a:t>subtrees</a:t>
+            </a:r>
+            <a:endParaRPr lang="de-DE" dirty="0"/>
+          </a:p>
+        </p:txBody>
+      </p:sp>
+      <p:sp>
+        <p:nvSpPr>
+          <p:cNvPr id="3" name="Inhaltsplatzhalter 2"/>
+          <p:cNvSpPr>
+            <a:spLocks noGrp="1"/>
+          </p:cNvSpPr>
+          <p:nvPr>
+            <p:ph sz="quarter" idx="10"/>
+          </p:nvPr>
+        </p:nvSpPr>
+        <p:spPr/>
+        <p:txBody>
+          <a:bodyPr>
+            <a:normAutofit fontScale="70000" lnSpcReduction="20000"/>
+          </a:bodyPr>
+          <a:lstStyle/>
+          <a:p>
+            <a:r>
+              <a:rPr lang="de-DE" dirty="0"/>
+              <a:t>Wie verwenden Sie Submodules oder </a:t>
+            </a:r>
+            <a:r>
+              <a:rPr lang="de-DE" dirty="0" err="1"/>
+              <a:t>Subtrees</a:t>
+            </a:r>
+            <a:r>
+              <a:rPr lang="de-DE" dirty="0"/>
+              <a:t> dazu, andere Projekte einzubinden? [Rene]</a:t>
+            </a:r>
+          </a:p>
+          <a:p>
+            <a:r>
+              <a:rPr lang="de-DE" dirty="0"/>
+              <a:t>In Java eher selten die Notwendigkeit, </a:t>
+            </a:r>
+            <a:r>
+              <a:rPr lang="de-DE" dirty="0" err="1"/>
+              <a:t>Sourcen</a:t>
+            </a:r>
+            <a:r>
+              <a:rPr lang="de-DE" dirty="0"/>
+              <a:t> aus anderen Projekten einzubinden </a:t>
+            </a:r>
+            <a:r>
+              <a:rPr lang="de-DE" dirty="0" err="1"/>
+              <a:t>bzw</a:t>
+            </a:r>
+            <a:r>
+              <a:rPr lang="de-DE" dirty="0"/>
+              <a:t> wird über andere Tools erledigt (</a:t>
+            </a:r>
+            <a:r>
+              <a:rPr lang="de-DE" dirty="0" err="1"/>
+              <a:t>Maven</a:t>
+            </a:r>
+            <a:r>
+              <a:rPr lang="de-DE" dirty="0"/>
+              <a:t> z.B.)</a:t>
+            </a:r>
+          </a:p>
+          <a:p>
+            <a:r>
+              <a:rPr lang="de-DE" dirty="0"/>
+              <a:t>Historisch wo kommt das her? In der Praxis eher in C/C++ relevant.</a:t>
+            </a:r>
+          </a:p>
+          <a:p>
+            <a:r>
+              <a:rPr lang="de-DE" dirty="0"/>
+              <a:t>Große </a:t>
+            </a:r>
+            <a:r>
+              <a:rPr lang="de-DE" dirty="0" err="1"/>
+              <a:t>Repositories</a:t>
+            </a:r>
+            <a:r>
+              <a:rPr lang="de-DE" dirty="0"/>
+              <a:t> aufteilen, weil sie sonst zu langsam werden</a:t>
+            </a:r>
+          </a:p>
+          <a:p>
+            <a:r>
+              <a:rPr lang="de-DE" dirty="0"/>
+              <a:t>Submodule &lt;&gt; </a:t>
+            </a:r>
+            <a:r>
+              <a:rPr lang="de-DE" dirty="0" err="1"/>
+              <a:t>Subtrees</a:t>
+            </a:r>
+            <a:endParaRPr lang="de-DE" dirty="0"/>
+          </a:p>
+          <a:p>
+            <a:r>
+              <a:rPr lang="de-DE" dirty="0" err="1"/>
+              <a:t>Branching</a:t>
+            </a:r>
+            <a:r>
+              <a:rPr lang="de-DE" dirty="0"/>
+              <a:t>, Update auf neueste Version, Arbeiten</a:t>
+            </a:r>
+          </a:p>
+          <a:p>
+            <a:r>
+              <a:rPr lang="de-DE" dirty="0"/>
+              <a:t>(Write-</a:t>
+            </a:r>
+            <a:r>
+              <a:rPr lang="de-DE" dirty="0" err="1"/>
+              <a:t>Tree</a:t>
+            </a:r>
+            <a:r>
+              <a:rPr lang="de-DE" dirty="0"/>
+              <a:t> -&gt; Experte)</a:t>
+            </a:r>
+          </a:p>
+          <a:p>
+            <a:r>
+              <a:rPr lang="de-DE" dirty="0"/>
+              <a:t>Praxis-Beispiel: Bootstrap Repository in Java Webanwendung einbinden [Nils]</a:t>
+            </a:r>
+          </a:p>
+          <a:p>
+            <a:r>
+              <a:rPr lang="de-DE" dirty="0"/>
+              <a:t> - Zwei "äußere" </a:t>
+            </a:r>
+            <a:r>
+              <a:rPr lang="de-DE" dirty="0" err="1"/>
+              <a:t>Repositories</a:t>
+            </a:r>
+            <a:r>
+              <a:rPr lang="de-DE" dirty="0"/>
+              <a:t>, zeigen auf </a:t>
+            </a:r>
+            <a:r>
+              <a:rPr lang="de-DE" dirty="0" err="1"/>
+              <a:t>selbes</a:t>
+            </a:r>
+            <a:r>
+              <a:rPr lang="de-DE" dirty="0"/>
+              <a:t> Bootstrap-Repository</a:t>
+            </a:r>
+          </a:p>
+          <a:p>
+            <a:r>
+              <a:rPr lang="de-DE" dirty="0"/>
+              <a:t>Übung: jeweils mit </a:t>
+            </a:r>
+            <a:r>
+              <a:rPr lang="de-DE" dirty="0" err="1"/>
+              <a:t>subtree</a:t>
+            </a:r>
+            <a:r>
+              <a:rPr lang="de-DE" dirty="0"/>
+              <a:t> und </a:t>
+            </a:r>
+            <a:r>
+              <a:rPr lang="de-DE" dirty="0" err="1"/>
+              <a:t>submodule</a:t>
+            </a:r>
+            <a:r>
+              <a:rPr lang="de-DE" dirty="0"/>
+              <a:t> im "eingebunden" </a:t>
+            </a:r>
+            <a:r>
+              <a:rPr lang="de-DE" dirty="0" err="1"/>
+              <a:t>repository</a:t>
+            </a:r>
+            <a:r>
+              <a:rPr lang="de-DE" dirty="0"/>
+              <a:t> Änderung machen und </a:t>
+            </a:r>
+            <a:r>
+              <a:rPr lang="de-DE" dirty="0" err="1"/>
+              <a:t>committen</a:t>
+            </a:r>
+            <a:endParaRPr lang="de-DE" dirty="0"/>
+          </a:p>
+          <a:p>
+            <a:endParaRPr lang="de-DE" dirty="0"/>
+          </a:p>
+          <a:p>
+            <a:endParaRPr lang="de-DE" dirty="0"/>
+          </a:p>
+        </p:txBody>
+      </p:sp>
+    </p:spTree>
+    <p:extLst>
+      <p:ext uri="{BB962C8B-B14F-4D97-AF65-F5344CB8AC3E}">
+        <p14:creationId xmlns:p14="http://schemas.microsoft.com/office/powerpoint/2010/main" val="730839351"/>
+      </p:ext>
+    </p:extLst>
+  </p:cSld>
+  <p:clrMapOvr>
+    <a:masterClrMapping/>
+  </p:clrMapOvr>
+</p:sld>
+</file>
+
+<file path=ppt/slides/slide24.xml><?xml version="1.0" encoding="utf-8"?>
+<p:sld xmlns:a="http://schemas.openxmlformats.org/drawingml/2006/main" xmlns:r="http://schemas.openxmlformats.org/officeDocument/2006/relationships" xmlns:p="http://schemas.openxmlformats.org/presentationml/2006/main">
+  <p:cSld>
+    <p:spTree>
+      <p:nvGrpSpPr>
+        <p:cNvPr id="1" name=""/>
+        <p:cNvGrpSpPr/>
+        <p:nvPr/>
+      </p:nvGrpSpPr>
+      <p:grpSpPr>
+        <a:xfrm>
+          <a:off x="0" y="0"/>
+          <a:ext cx="0" cy="0"/>
+          <a:chOff x="0" y="0"/>
+          <a:chExt cx="0" cy="0"/>
+        </a:xfrm>
+      </p:grpSpPr>
+      <p:sp>
+        <p:nvSpPr>
+          <p:cNvPr id="2" name="Titel 1"/>
+          <p:cNvSpPr>
+            <a:spLocks noGrp="1"/>
+          </p:cNvSpPr>
+          <p:nvPr>
+            <p:ph type="title"/>
+          </p:nvPr>
+        </p:nvSpPr>
+        <p:spPr/>
+        <p:txBody>
+          <a:bodyPr/>
+          <a:lstStyle/>
+          <a:p>
+            <a:r>
+              <a:rPr lang="de-DE" dirty="0" smtClean="0"/>
+              <a:t>SUBTREES / SUBMODULES</a:t>
+            </a:r>
+            <a:endParaRPr lang="de-DE" dirty="0"/>
+          </a:p>
+        </p:txBody>
+      </p:sp>
+      <p:sp>
+        <p:nvSpPr>
+          <p:cNvPr id="3" name="Inhaltsplatzhalter 2"/>
+          <p:cNvSpPr>
+            <a:spLocks noGrp="1"/>
+          </p:cNvSpPr>
+          <p:nvPr>
+            <p:ph sz="quarter" idx="10"/>
+          </p:nvPr>
+        </p:nvSpPr>
+        <p:spPr/>
+        <p:txBody>
+          <a:bodyPr/>
+          <a:lstStyle/>
+          <a:p>
+            <a:r>
+              <a:rPr lang="de-DE" dirty="0" smtClean="0"/>
+              <a:t>Beschreibung ... </a:t>
+            </a:r>
+          </a:p>
+          <a:p>
+            <a:r>
+              <a:rPr lang="de-DE" dirty="0" smtClean="0"/>
+              <a:t>Vorteil</a:t>
+            </a:r>
+          </a:p>
+          <a:p>
+            <a:r>
+              <a:rPr lang="de-DE" dirty="0" smtClean="0"/>
+              <a:t>Nachteil</a:t>
+            </a:r>
+          </a:p>
+          <a:p>
+            <a:r>
+              <a:rPr lang="de-DE" dirty="0" smtClean="0"/>
+              <a:t>Besonders </a:t>
+            </a:r>
+            <a:r>
+              <a:rPr lang="de-DE" dirty="0" err="1" smtClean="0"/>
+              <a:t>geignet</a:t>
+            </a:r>
+            <a:r>
+              <a:rPr lang="de-DE" dirty="0" smtClean="0"/>
+              <a:t> für...</a:t>
+            </a:r>
+          </a:p>
+          <a:p>
+            <a:endParaRPr lang="de-DE" dirty="0"/>
+          </a:p>
+        </p:txBody>
+      </p:sp>
+    </p:spTree>
+    <p:extLst>
+      <p:ext uri="{BB962C8B-B14F-4D97-AF65-F5344CB8AC3E}">
+        <p14:creationId xmlns:p14="http://schemas.microsoft.com/office/powerpoint/2010/main" val="4139349894"/>
+      </p:ext>
+    </p:extLst>
+  </p:cSld>
+  <p:clrMapOvr>
+    <a:masterClrMapping/>
+  </p:clrMapOvr>
+</p:sld>
+</file>
+
+<file path=ppt/slides/slide25.xml><?xml version="1.0" encoding="utf-8"?>
+<p:sld xmlns:a="http://schemas.openxmlformats.org/drawingml/2006/main" xmlns:r="http://schemas.openxmlformats.org/officeDocument/2006/relationships" xmlns:p="http://schemas.openxmlformats.org/presentationml/2006/main">
+  <p:cSld>
+    <p:spTree>
+      <p:nvGrpSpPr>
+        <p:cNvPr id="1" name=""/>
+        <p:cNvGrpSpPr/>
+        <p:nvPr/>
+      </p:nvGrpSpPr>
+      <p:grpSpPr>
+        <a:xfrm>
+          <a:off x="0" y="0"/>
+          <a:ext cx="0" cy="0"/>
+          <a:chOff x="0" y="0"/>
+          <a:chExt cx="0" cy="0"/>
+        </a:xfrm>
+      </p:grpSpPr>
+      <p:sp>
+        <p:nvSpPr>
+          <p:cNvPr id="2" name="Titel 1"/>
+          <p:cNvSpPr>
+            <a:spLocks noGrp="1"/>
+          </p:cNvSpPr>
+          <p:nvPr>
+            <p:ph type="title"/>
+          </p:nvPr>
+        </p:nvSpPr>
+        <p:spPr/>
+        <p:txBody>
+          <a:bodyPr/>
+          <a:lstStyle/>
+          <a:p>
+            <a:r>
+              <a:rPr lang="de-DE" dirty="0" smtClean="0"/>
+              <a:t>SUBTREES / SUBMODULES</a:t>
+            </a:r>
+            <a:endParaRPr lang="de-DE" dirty="0"/>
+          </a:p>
+        </p:txBody>
+      </p:sp>
+      <p:sp>
+        <p:nvSpPr>
+          <p:cNvPr id="3" name="Inhaltsplatzhalter 2"/>
+          <p:cNvSpPr>
+            <a:spLocks noGrp="1"/>
+          </p:cNvSpPr>
+          <p:nvPr>
+            <p:ph sz="quarter" idx="10"/>
+          </p:nvPr>
+        </p:nvSpPr>
+        <p:spPr/>
+        <p:txBody>
+          <a:bodyPr>
+            <a:normAutofit fontScale="85000" lnSpcReduction="20000"/>
+          </a:bodyPr>
+          <a:lstStyle/>
+          <a:p>
+            <a:pPr marL="0" indent="0">
+              <a:buNone/>
+            </a:pPr>
+            <a:r>
+              <a:rPr lang="de-DE" dirty="0" smtClean="0"/>
+              <a:t>Jeweils für </a:t>
+            </a:r>
+            <a:r>
+              <a:rPr lang="de-DE" dirty="0" err="1" smtClean="0"/>
+              <a:t>Subtree</a:t>
+            </a:r>
+            <a:r>
+              <a:rPr lang="de-DE" dirty="0" smtClean="0"/>
+              <a:t> und Submodule:</a:t>
+            </a:r>
+          </a:p>
+          <a:p>
+            <a:r>
+              <a:rPr lang="de-DE" dirty="0" err="1" smtClean="0"/>
+              <a:t>Use</a:t>
+            </a:r>
+            <a:r>
+              <a:rPr lang="de-DE" dirty="0" smtClean="0"/>
+              <a:t>-Case 1: </a:t>
+            </a:r>
+            <a:r>
+              <a:rPr lang="de-DE" dirty="0" err="1" smtClean="0"/>
+              <a:t>Initiales</a:t>
+            </a:r>
+            <a:r>
+              <a:rPr lang="de-DE" dirty="0" smtClean="0"/>
+              <a:t> Hinzufügen des </a:t>
+            </a:r>
+            <a:r>
+              <a:rPr lang="de-DE" dirty="0" err="1" smtClean="0"/>
+              <a:t>Subrepos</a:t>
+            </a:r>
+            <a:endParaRPr lang="de-DE" dirty="0" smtClean="0"/>
+          </a:p>
+          <a:p>
+            <a:r>
+              <a:rPr lang="de-DE" dirty="0" err="1" smtClean="0"/>
+              <a:t>Use</a:t>
+            </a:r>
+            <a:r>
+              <a:rPr lang="de-DE" dirty="0" smtClean="0"/>
+              <a:t>-Case 2: Klonen einen </a:t>
+            </a:r>
+            <a:r>
+              <a:rPr lang="de-DE" dirty="0" err="1" smtClean="0"/>
+              <a:t>Repositories</a:t>
+            </a:r>
+            <a:r>
+              <a:rPr lang="de-DE" dirty="0" smtClean="0"/>
+              <a:t>, das ein </a:t>
+            </a:r>
+            <a:r>
+              <a:rPr lang="de-DE" dirty="0" err="1" smtClean="0"/>
+              <a:t>Subrepo</a:t>
+            </a:r>
+            <a:r>
+              <a:rPr lang="de-DE" dirty="0" smtClean="0"/>
+              <a:t> enthält</a:t>
+            </a:r>
+          </a:p>
+          <a:p>
+            <a:r>
+              <a:rPr lang="de-DE" dirty="0" err="1" smtClean="0"/>
+              <a:t>Use</a:t>
+            </a:r>
+            <a:r>
+              <a:rPr lang="de-DE" dirty="0" smtClean="0"/>
+              <a:t>-Case 3: Aktualisieren eines </a:t>
+            </a:r>
+            <a:r>
+              <a:rPr lang="de-DE" dirty="0" err="1" smtClean="0"/>
+              <a:t>Repositories</a:t>
+            </a:r>
+            <a:r>
+              <a:rPr lang="de-DE" dirty="0" smtClean="0"/>
+              <a:t>, das ein </a:t>
+            </a:r>
+            <a:r>
+              <a:rPr lang="de-DE" dirty="0" err="1" smtClean="0"/>
+              <a:t>Subrepo</a:t>
+            </a:r>
+            <a:r>
+              <a:rPr lang="de-DE" dirty="0" smtClean="0"/>
+              <a:t> enthält</a:t>
+            </a:r>
+          </a:p>
+          <a:p>
+            <a:r>
+              <a:rPr lang="de-DE" dirty="0" err="1" smtClean="0"/>
+              <a:t>Use</a:t>
+            </a:r>
+            <a:r>
+              <a:rPr lang="de-DE" dirty="0" smtClean="0"/>
+              <a:t>-Case 4: Änderungen im eingebunden </a:t>
+            </a:r>
+            <a:r>
+              <a:rPr lang="de-DE" dirty="0" err="1" smtClean="0"/>
+              <a:t>Subrepo</a:t>
+            </a:r>
+            <a:r>
+              <a:rPr lang="de-DE" dirty="0" smtClean="0"/>
+              <a:t> durchführen, Änderungen im </a:t>
+            </a:r>
+            <a:r>
+              <a:rPr lang="de-DE" dirty="0" err="1" smtClean="0"/>
+              <a:t>Hauptrepo</a:t>
+            </a:r>
+            <a:r>
+              <a:rPr lang="de-DE" dirty="0" smtClean="0"/>
+              <a:t> </a:t>
+            </a:r>
+            <a:r>
+              <a:rPr lang="de-DE" dirty="0" err="1" smtClean="0"/>
+              <a:t>committen</a:t>
+            </a:r>
+            <a:r>
+              <a:rPr lang="de-DE" dirty="0" smtClean="0"/>
+              <a:t>, Änderungen des </a:t>
+            </a:r>
+            <a:r>
+              <a:rPr lang="de-DE" dirty="0" err="1" smtClean="0"/>
+              <a:t>subrepos</a:t>
+            </a:r>
+            <a:r>
+              <a:rPr lang="de-DE" dirty="0" smtClean="0"/>
+              <a:t> pushen</a:t>
+            </a:r>
+          </a:p>
+          <a:p>
+            <a:r>
+              <a:rPr lang="de-DE" dirty="0" err="1" smtClean="0"/>
+              <a:t>Use</a:t>
+            </a:r>
+            <a:r>
+              <a:rPr lang="de-DE" dirty="0" smtClean="0"/>
+              <a:t>-Case 5: Änderungen im </a:t>
+            </a:r>
+            <a:r>
+              <a:rPr lang="de-DE" dirty="0" err="1" smtClean="0"/>
+              <a:t>Subrepo</a:t>
+            </a:r>
+            <a:r>
+              <a:rPr lang="de-DE" dirty="0" smtClean="0"/>
+              <a:t> (von außerhalb) in das Master-</a:t>
+            </a:r>
+            <a:r>
+              <a:rPr lang="de-DE" dirty="0" err="1" smtClean="0"/>
+              <a:t>Repo</a:t>
+            </a:r>
+            <a:r>
+              <a:rPr lang="de-DE" dirty="0" smtClean="0"/>
+              <a:t> holen =&gt; </a:t>
+            </a:r>
+            <a:r>
+              <a:rPr lang="de-DE" dirty="0" err="1" smtClean="0"/>
+              <a:t>Eingebundens</a:t>
+            </a:r>
+            <a:r>
+              <a:rPr lang="de-DE" dirty="0" smtClean="0"/>
+              <a:t> sub-</a:t>
+            </a:r>
+            <a:r>
+              <a:rPr lang="de-DE" dirty="0" err="1" smtClean="0"/>
+              <a:t>repo</a:t>
+            </a:r>
+            <a:r>
+              <a:rPr lang="de-DE" dirty="0" smtClean="0"/>
+              <a:t> aktualisieren</a:t>
+            </a:r>
+          </a:p>
+          <a:p>
+            <a:r>
+              <a:rPr lang="de-DE" dirty="0" err="1" smtClean="0"/>
+              <a:t>Use</a:t>
+            </a:r>
+            <a:r>
+              <a:rPr lang="de-DE" dirty="0" smtClean="0"/>
+              <a:t>-Case 6: Entfernen des </a:t>
+            </a:r>
+            <a:r>
+              <a:rPr lang="de-DE" dirty="0" err="1" smtClean="0"/>
+              <a:t>Subrepos</a:t>
+            </a:r>
+            <a:endParaRPr lang="de-DE" dirty="0" smtClean="0"/>
+          </a:p>
+          <a:p>
+            <a:endParaRPr lang="de-DE" dirty="0"/>
+          </a:p>
+        </p:txBody>
+      </p:sp>
+    </p:spTree>
+    <p:extLst>
+      <p:ext uri="{BB962C8B-B14F-4D97-AF65-F5344CB8AC3E}">
+        <p14:creationId xmlns:p14="http://schemas.microsoft.com/office/powerpoint/2010/main" val="3797507830"/>
+      </p:ext>
+    </p:extLst>
+  </p:cSld>
+  <p:clrMapOvr>
+    <a:masterClrMapping/>
+  </p:clrMapOvr>
+</p:sld>
+</file>
+
+<file path=ppt/slides/slide26.xml><?xml version="1.0" encoding="utf-8"?>
+<p:sld xmlns:a="http://schemas.openxmlformats.org/drawingml/2006/main" xmlns:r="http://schemas.openxmlformats.org/officeDocument/2006/relationships" xmlns:p="http://schemas.openxmlformats.org/presentationml/2006/main">
+  <p:cSld>
+    <p:spTree>
+      <p:nvGrpSpPr>
+        <p:cNvPr id="1" name=""/>
+        <p:cNvGrpSpPr/>
+        <p:nvPr/>
+      </p:nvGrpSpPr>
+      <p:grpSpPr>
+        <a:xfrm>
+          <a:off x="0" y="0"/>
+          <a:ext cx="0" cy="0"/>
+          <a:chOff x="0" y="0"/>
+          <a:chExt cx="0" cy="0"/>
+        </a:xfrm>
+      </p:grpSpPr>
+      <p:sp>
+        <p:nvSpPr>
+          <p:cNvPr id="2" name="Titel 1"/>
+          <p:cNvSpPr>
+            <a:spLocks noGrp="1"/>
+          </p:cNvSpPr>
+          <p:nvPr>
+            <p:ph type="title"/>
+          </p:nvPr>
+        </p:nvSpPr>
+        <p:spPr/>
+        <p:txBody>
+          <a:bodyPr/>
+          <a:lstStyle/>
+          <a:p>
+            <a:r>
+              <a:rPr lang="de-DE" dirty="0" smtClean="0"/>
+              <a:t>MAVEN...</a:t>
+            </a:r>
+            <a:endParaRPr lang="de-DE" dirty="0"/>
+          </a:p>
+        </p:txBody>
+      </p:sp>
+      <p:sp>
+        <p:nvSpPr>
+          <p:cNvPr id="3" name="Inhaltsplatzhalter 2"/>
+          <p:cNvSpPr>
+            <a:spLocks noGrp="1"/>
+          </p:cNvSpPr>
+          <p:nvPr>
+            <p:ph sz="quarter" idx="10"/>
+          </p:nvPr>
+        </p:nvSpPr>
+        <p:spPr/>
+        <p:txBody>
+          <a:bodyPr>
+            <a:normAutofit fontScale="70000" lnSpcReduction="20000"/>
+          </a:bodyPr>
+          <a:lstStyle/>
+          <a:p>
+            <a:r>
+              <a:rPr lang="de-DE" dirty="0" err="1" smtClean="0"/>
+              <a:t>Maven</a:t>
+            </a:r>
+            <a:r>
+              <a:rPr lang="de-DE" dirty="0" smtClean="0"/>
+              <a:t>-release-</a:t>
+            </a:r>
+            <a:r>
+              <a:rPr lang="de-DE" dirty="0" err="1" smtClean="0"/>
+              <a:t>plugin</a:t>
+            </a:r>
+            <a:endParaRPr lang="de-DE" dirty="0" smtClean="0"/>
+          </a:p>
+          <a:p>
+            <a:pPr lvl="1"/>
+            <a:r>
+              <a:rPr lang="de-DE" dirty="0" smtClean="0"/>
+              <a:t>Konfiguration 1: Hinzufügen des </a:t>
+            </a:r>
+            <a:r>
+              <a:rPr lang="de-DE" dirty="0" err="1" smtClean="0"/>
+              <a:t>Plug-ins</a:t>
+            </a:r>
+            <a:r>
+              <a:rPr lang="de-DE" dirty="0" smtClean="0"/>
+              <a:t> zum </a:t>
+            </a:r>
+            <a:r>
+              <a:rPr lang="de-DE" dirty="0" err="1" smtClean="0"/>
+              <a:t>Pom</a:t>
+            </a:r>
+            <a:endParaRPr lang="de-DE" dirty="0" smtClean="0"/>
+          </a:p>
+          <a:p>
+            <a:pPr lvl="1"/>
+            <a:r>
+              <a:rPr lang="de-DE" dirty="0" smtClean="0"/>
+              <a:t>Voraussetzungen: </a:t>
+            </a:r>
+            <a:r>
+              <a:rPr lang="de-DE" dirty="0" err="1" smtClean="0"/>
+              <a:t>scm</a:t>
+            </a:r>
+            <a:r>
+              <a:rPr lang="de-DE" dirty="0" smtClean="0"/>
+              <a:t> &amp; </a:t>
+            </a:r>
+            <a:r>
+              <a:rPr lang="de-DE" dirty="0" err="1" smtClean="0"/>
+              <a:t>distributionManagement</a:t>
+            </a:r>
+            <a:endParaRPr lang="de-DE" dirty="0" smtClean="0"/>
+          </a:p>
+          <a:p>
+            <a:pPr lvl="1"/>
+            <a:r>
+              <a:rPr lang="de-DE" dirty="0" smtClean="0"/>
+              <a:t>Konfiguration, z.B. tag-name</a:t>
+            </a:r>
+          </a:p>
+          <a:p>
+            <a:r>
+              <a:rPr lang="de-DE" dirty="0" smtClean="0"/>
+              <a:t>Arbeitsweise 1: </a:t>
+            </a:r>
+            <a:r>
+              <a:rPr lang="de-DE" dirty="0" err="1" smtClean="0"/>
+              <a:t>prepare</a:t>
+            </a:r>
+            <a:endParaRPr lang="de-DE" dirty="0" smtClean="0"/>
+          </a:p>
+          <a:p>
+            <a:pPr lvl="1"/>
+            <a:r>
+              <a:rPr lang="de-DE" dirty="0" smtClean="0"/>
+              <a:t>Workspace „clean“?</a:t>
+            </a:r>
+          </a:p>
+          <a:p>
+            <a:pPr lvl="1"/>
+            <a:r>
+              <a:rPr lang="de-DE" dirty="0" smtClean="0"/>
+              <a:t>SNAPSHOT =&gt; reale Version</a:t>
+            </a:r>
+          </a:p>
+          <a:p>
+            <a:pPr lvl="1"/>
+            <a:r>
+              <a:rPr lang="de-DE" dirty="0" err="1" smtClean="0"/>
+              <a:t>Compile</a:t>
+            </a:r>
+            <a:r>
+              <a:rPr lang="de-DE" dirty="0" smtClean="0"/>
+              <a:t>, Test (vor </a:t>
+            </a:r>
+            <a:r>
+              <a:rPr lang="de-DE" dirty="0" err="1" smtClean="0"/>
+              <a:t>commit</a:t>
+            </a:r>
+            <a:r>
+              <a:rPr lang="de-DE" dirty="0" smtClean="0"/>
+              <a:t> &amp; Tag???)</a:t>
+            </a:r>
+          </a:p>
+          <a:p>
+            <a:pPr lvl="1"/>
+            <a:r>
+              <a:rPr lang="de-DE" dirty="0" smtClean="0"/>
+              <a:t>Commit &amp; Tag</a:t>
+            </a:r>
+          </a:p>
+          <a:p>
+            <a:r>
+              <a:rPr lang="de-DE" dirty="0" smtClean="0"/>
+              <a:t>Arbeitsweise 2: </a:t>
+            </a:r>
+            <a:r>
+              <a:rPr lang="de-DE" dirty="0" err="1" smtClean="0"/>
+              <a:t>perform</a:t>
+            </a:r>
+            <a:endParaRPr lang="de-DE" dirty="0" smtClean="0"/>
+          </a:p>
+          <a:p>
+            <a:pPr lvl="1"/>
+            <a:r>
+              <a:rPr lang="de-DE" dirty="0" smtClean="0"/>
+              <a:t>Erneutes bauen in zweiter </a:t>
+            </a:r>
+            <a:r>
+              <a:rPr lang="de-DE" dirty="0" err="1" smtClean="0"/>
+              <a:t>Maven</a:t>
+            </a:r>
+            <a:r>
+              <a:rPr lang="de-DE" dirty="0" smtClean="0"/>
+              <a:t> Instanz</a:t>
+            </a:r>
+          </a:p>
+          <a:p>
+            <a:pPr lvl="1"/>
+            <a:r>
+              <a:rPr lang="de-DE" dirty="0" smtClean="0"/>
+              <a:t>Push</a:t>
+            </a:r>
+          </a:p>
+          <a:p>
+            <a:r>
+              <a:rPr lang="de-DE" dirty="0" smtClean="0"/>
+              <a:t>Nachteil:</a:t>
+            </a:r>
+          </a:p>
+          <a:p>
+            <a:pPr lvl="1"/>
+            <a:r>
+              <a:rPr lang="de-DE" dirty="0" smtClean="0"/>
+              <a:t>Zwei Phasen mit temporären Dateien </a:t>
+            </a:r>
+            <a:r>
+              <a:rPr lang="de-DE" dirty="0" smtClean="0"/>
+              <a:t>dazwischen</a:t>
+            </a:r>
+          </a:p>
+          <a:p>
+            <a:pPr lvl="1"/>
+            <a:r>
+              <a:rPr lang="de-DE" dirty="0" smtClean="0"/>
+              <a:t>Zweimal </a:t>
+            </a:r>
+            <a:r>
+              <a:rPr lang="de-DE" dirty="0" err="1" smtClean="0"/>
+              <a:t>compilieren</a:t>
+            </a:r>
+            <a:r>
+              <a:rPr lang="de-DE" dirty="0" smtClean="0"/>
+              <a:t> und testen</a:t>
+            </a:r>
+            <a:endParaRPr lang="de-DE" dirty="0" smtClean="0"/>
+          </a:p>
+          <a:p>
+            <a:pPr lvl="1"/>
+            <a:r>
+              <a:rPr lang="de-DE" dirty="0" smtClean="0"/>
+              <a:t>Nicht </a:t>
+            </a:r>
+            <a:r>
+              <a:rPr lang="de-DE" dirty="0" err="1" smtClean="0"/>
+              <a:t>Git</a:t>
+            </a:r>
+            <a:r>
+              <a:rPr lang="de-DE" dirty="0" smtClean="0"/>
+              <a:t>-Flow kompatibel</a:t>
+            </a:r>
+          </a:p>
+          <a:p>
+            <a:endParaRPr lang="de-DE" dirty="0"/>
+          </a:p>
+        </p:txBody>
+      </p:sp>
+    </p:spTree>
+    <p:extLst>
+      <p:ext uri="{BB962C8B-B14F-4D97-AF65-F5344CB8AC3E}">
+        <p14:creationId xmlns:p14="http://schemas.microsoft.com/office/powerpoint/2010/main" val="2352616168"/>
+      </p:ext>
+    </p:extLst>
+  </p:cSld>
+  <p:clrMapOvr>
+    <a:masterClrMapping/>
+  </p:clrMapOvr>
+</p:sld>
+</file>
+
+<file path=ppt/slides/slide27.xml><?xml version="1.0" encoding="utf-8"?>
+<p:sld xmlns:a="http://schemas.openxmlformats.org/drawingml/2006/main" xmlns:r="http://schemas.openxmlformats.org/officeDocument/2006/relationships" xmlns:p="http://schemas.openxmlformats.org/presentationml/2006/main">
+  <p:cSld>
+    <p:spTree>
+      <p:nvGrpSpPr>
+        <p:cNvPr id="1" name=""/>
+        <p:cNvGrpSpPr/>
+        <p:nvPr/>
+      </p:nvGrpSpPr>
+      <p:grpSpPr>
+        <a:xfrm>
+          <a:off x="0" y="0"/>
+          <a:ext cx="0" cy="0"/>
+          <a:chOff x="0" y="0"/>
+          <a:chExt cx="0" cy="0"/>
+        </a:xfrm>
+      </p:grpSpPr>
+      <p:sp>
+        <p:nvSpPr>
+          <p:cNvPr id="2" name="Titel 1"/>
+          <p:cNvSpPr>
+            <a:spLocks noGrp="1"/>
+          </p:cNvSpPr>
+          <p:nvPr>
+            <p:ph type="title"/>
+          </p:nvPr>
+        </p:nvSpPr>
+        <p:spPr/>
+        <p:txBody>
+          <a:bodyPr/>
+          <a:lstStyle/>
+          <a:p>
+            <a:r>
+              <a:rPr lang="de-DE" dirty="0" smtClean="0"/>
+              <a:t>MAVEN </a:t>
+            </a:r>
+            <a:r>
+              <a:rPr lang="de-DE" dirty="0" err="1" smtClean="0"/>
+              <a:t>jgit-flow</a:t>
+            </a:r>
+            <a:endParaRPr lang="de-DE" dirty="0"/>
+          </a:p>
+        </p:txBody>
+      </p:sp>
+      <p:sp>
+        <p:nvSpPr>
+          <p:cNvPr id="3" name="Inhaltsplatzhalter 2"/>
+          <p:cNvSpPr>
+            <a:spLocks noGrp="1"/>
+          </p:cNvSpPr>
+          <p:nvPr>
+            <p:ph sz="quarter" idx="10"/>
+          </p:nvPr>
+        </p:nvSpPr>
+        <p:spPr/>
+        <p:txBody>
+          <a:bodyPr>
+            <a:normAutofit/>
+          </a:bodyPr>
+          <a:lstStyle/>
+          <a:p>
+            <a:r>
+              <a:rPr lang="de-DE" dirty="0">
+                <a:hlinkClick r:id="rId2"/>
+              </a:rPr>
+              <a:t>https://bitbucket.org/atlassian/jgit-flow/wiki/</a:t>
+            </a:r>
+            <a:r>
+              <a:rPr lang="de-DE" dirty="0" smtClean="0">
+                <a:hlinkClick r:id="rId2"/>
+              </a:rPr>
+              <a:t>Home</a:t>
+            </a:r>
+            <a:endParaRPr lang="de-DE" dirty="0" smtClean="0"/>
+          </a:p>
+          <a:p>
+            <a:r>
+              <a:rPr lang="de-DE" dirty="0" smtClean="0"/>
+              <a:t>Konfiguration im POM</a:t>
+            </a:r>
+          </a:p>
+          <a:p>
+            <a:r>
+              <a:rPr lang="de-DE" dirty="0" smtClean="0"/>
+              <a:t>Release</a:t>
+            </a:r>
+            <a:endParaRPr lang="de-DE" dirty="0"/>
+          </a:p>
+        </p:txBody>
+      </p:sp>
+    </p:spTree>
+    <p:extLst>
+      <p:ext uri="{BB962C8B-B14F-4D97-AF65-F5344CB8AC3E}">
+        <p14:creationId xmlns:p14="http://schemas.microsoft.com/office/powerpoint/2010/main" val="3892127042"/>
+      </p:ext>
+    </p:extLst>
+  </p:cSld>
+  <p:clrMapOvr>
+    <a:masterClrMapping/>
+  </p:clrMapOvr>
+</p:sld>
+</file>
+
+<file path=ppt/slides/slide28.xml><?xml version="1.0" encoding="utf-8"?>
+<p:sld xmlns:a="http://schemas.openxmlformats.org/drawingml/2006/main" xmlns:r="http://schemas.openxmlformats.org/officeDocument/2006/relationships" xmlns:p="http://schemas.openxmlformats.org/presentationml/2006/main">
+  <p:cSld>
+    <p:spTree>
+      <p:nvGrpSpPr>
+        <p:cNvPr id="1" name=""/>
+        <p:cNvGrpSpPr/>
+        <p:nvPr/>
+      </p:nvGrpSpPr>
+      <p:grpSpPr>
+        <a:xfrm>
+          <a:off x="0" y="0"/>
+          <a:ext cx="0" cy="0"/>
+          <a:chOff x="0" y="0"/>
+          <a:chExt cx="0" cy="0"/>
+        </a:xfrm>
+      </p:grpSpPr>
+      <p:sp>
+        <p:nvSpPr>
+          <p:cNvPr id="2" name="Titel 1"/>
+          <p:cNvSpPr>
+            <a:spLocks noGrp="1"/>
+          </p:cNvSpPr>
+          <p:nvPr>
+            <p:ph type="title"/>
+          </p:nvPr>
+        </p:nvSpPr>
+        <p:spPr/>
+        <p:txBody>
+          <a:bodyPr/>
+          <a:lstStyle/>
+          <a:p>
+            <a:r>
+              <a:rPr lang="de-DE" dirty="0" smtClean="0"/>
+              <a:t>GIT APIS: JGIT</a:t>
+            </a:r>
+            <a:endParaRPr lang="de-DE" dirty="0"/>
+          </a:p>
+        </p:txBody>
+      </p:sp>
+      <p:sp>
+        <p:nvSpPr>
+          <p:cNvPr id="3" name="Inhaltsplatzhalter 2"/>
+          <p:cNvSpPr>
+            <a:spLocks noGrp="1"/>
+          </p:cNvSpPr>
+          <p:nvPr>
+            <p:ph sz="quarter" idx="10"/>
+          </p:nvPr>
+        </p:nvSpPr>
+        <p:spPr/>
+        <p:txBody>
+          <a:bodyPr>
+            <a:normAutofit/>
+          </a:bodyPr>
+          <a:lstStyle/>
+          <a:p>
+            <a:r>
+              <a:rPr lang="de-DE" dirty="0" err="1" smtClean="0"/>
+              <a:t>Porcelaine</a:t>
+            </a:r>
+            <a:r>
+              <a:rPr lang="de-DE" dirty="0" smtClean="0"/>
+              <a:t> API</a:t>
+            </a:r>
+          </a:p>
+          <a:p>
+            <a:pPr lvl="1"/>
+            <a:r>
+              <a:rPr lang="de-DE" dirty="0">
+                <a:hlinkClick r:id="rId2"/>
+              </a:rPr>
+              <a:t>https://speakerdeck.com/alblue/embedding-jgit-into-java-</a:t>
+            </a:r>
+            <a:r>
+              <a:rPr lang="de-DE" dirty="0" smtClean="0">
+                <a:hlinkClick r:id="rId2"/>
+              </a:rPr>
+              <a:t>applications</a:t>
+            </a:r>
+            <a:endParaRPr lang="de-DE" dirty="0" smtClean="0"/>
+          </a:p>
+          <a:p>
+            <a:pPr lvl="1"/>
+            <a:r>
+              <a:rPr lang="de-DE" dirty="0">
+                <a:hlinkClick r:id="rId3"/>
+              </a:rPr>
+              <a:t>http://alblue.bandlem.com/2013/11/embedding-</a:t>
+            </a:r>
+            <a:r>
+              <a:rPr lang="de-DE" dirty="0" smtClean="0">
+                <a:hlinkClick r:id="rId3"/>
+              </a:rPr>
+              <a:t>jgit.html</a:t>
+            </a:r>
+            <a:endParaRPr lang="de-DE" dirty="0" smtClean="0"/>
+          </a:p>
+          <a:p>
+            <a:r>
+              <a:rPr lang="de-DE" dirty="0" err="1" smtClean="0"/>
+              <a:t>Git</a:t>
+            </a:r>
+            <a:r>
+              <a:rPr lang="de-DE" dirty="0" smtClean="0"/>
+              <a:t> Flow </a:t>
+            </a:r>
+            <a:r>
+              <a:rPr lang="de-DE" dirty="0" err="1" smtClean="0"/>
+              <a:t>Api</a:t>
+            </a:r>
+            <a:r>
+              <a:rPr lang="de-DE" dirty="0" smtClean="0"/>
+              <a:t> von </a:t>
+            </a:r>
+            <a:r>
+              <a:rPr lang="de-DE" dirty="0" err="1" smtClean="0"/>
+              <a:t>Atlassian</a:t>
+            </a:r>
+            <a:endParaRPr lang="de-DE" dirty="0" smtClean="0"/>
+          </a:p>
+          <a:p>
+            <a:pPr lvl="1"/>
+            <a:r>
+              <a:rPr lang="de-DE" dirty="0">
+                <a:hlinkClick r:id="rId4"/>
+              </a:rPr>
+              <a:t>https://bitbucket.org/atlassian/jgit-</a:t>
+            </a:r>
+            <a:r>
+              <a:rPr lang="de-DE" dirty="0" smtClean="0">
+                <a:hlinkClick r:id="rId4"/>
+              </a:rPr>
+              <a:t>flow</a:t>
+            </a:r>
+            <a:endParaRPr lang="de-DE" dirty="0" smtClean="0"/>
+          </a:p>
+          <a:p>
+            <a:pPr lvl="1"/>
+            <a:endParaRPr lang="de-DE" dirty="0"/>
+          </a:p>
+          <a:p>
+            <a:endParaRPr lang="de-DE" dirty="0" smtClean="0"/>
+          </a:p>
+          <a:p>
+            <a:pPr lvl="1"/>
+            <a:endParaRPr lang="de-DE" dirty="0"/>
+          </a:p>
+          <a:p>
+            <a:endParaRPr lang="de-DE" dirty="0"/>
+          </a:p>
+          <a:p>
+            <a:endParaRPr lang="de-DE" dirty="0"/>
+          </a:p>
+        </p:txBody>
+      </p:sp>
+    </p:spTree>
+    <p:extLst>
+      <p:ext uri="{BB962C8B-B14F-4D97-AF65-F5344CB8AC3E}">
+        <p14:creationId xmlns:p14="http://schemas.microsoft.com/office/powerpoint/2010/main" val="2711603374"/>
+      </p:ext>
+    </p:extLst>
+  </p:cSld>
+  <p:clrMapOvr>
+    <a:masterClrMapping/>
+  </p:clrMapOvr>
+</p:sld>
+</file>
+
+<file path=ppt/slides/slide29.xml><?xml version="1.0" encoding="utf-8"?>
+<p:sld xmlns:a="http://schemas.openxmlformats.org/drawingml/2006/main" xmlns:r="http://schemas.openxmlformats.org/officeDocument/2006/relationships" xmlns:p="http://schemas.openxmlformats.org/presentationml/2006/main">
+  <p:cSld>
+    <p:spTree>
+      <p:nvGrpSpPr>
+        <p:cNvPr id="1" name=""/>
+        <p:cNvGrpSpPr/>
+        <p:nvPr/>
+      </p:nvGrpSpPr>
+      <p:grpSpPr>
+        <a:xfrm>
+          <a:off x="0" y="0"/>
+          <a:ext cx="0" cy="0"/>
+          <a:chOff x="0" y="0"/>
+          <a:chExt cx="0" cy="0"/>
+        </a:xfrm>
+      </p:grpSpPr>
+      <p:sp>
+        <p:nvSpPr>
+          <p:cNvPr id="2" name="Titel 1"/>
+          <p:cNvSpPr>
+            <a:spLocks noGrp="1"/>
+          </p:cNvSpPr>
+          <p:nvPr>
+            <p:ph type="title"/>
+          </p:nvPr>
+        </p:nvSpPr>
+        <p:spPr/>
+        <p:txBody>
+          <a:bodyPr/>
+          <a:lstStyle/>
+          <a:p>
+            <a:r>
+              <a:rPr lang="de-DE" dirty="0" smtClean="0"/>
+              <a:t>GIT APIS: JGIT / GROOVY</a:t>
+            </a:r>
+            <a:endParaRPr lang="de-DE" dirty="0"/>
+          </a:p>
+        </p:txBody>
+      </p:sp>
+      <p:sp>
+        <p:nvSpPr>
+          <p:cNvPr id="3" name="Inhaltsplatzhalter 2"/>
+          <p:cNvSpPr>
+            <a:spLocks noGrp="1"/>
+          </p:cNvSpPr>
+          <p:nvPr>
+            <p:ph sz="quarter" idx="10"/>
+          </p:nvPr>
+        </p:nvSpPr>
+        <p:spPr/>
+        <p:txBody>
+          <a:bodyPr>
+            <a:normAutofit/>
+          </a:bodyPr>
+          <a:lstStyle/>
+          <a:p>
+            <a:r>
+              <a:rPr lang="de-DE" dirty="0">
+                <a:hlinkClick r:id="rId2"/>
+              </a:rPr>
+              <a:t>https://github.com/ajoberstar/</a:t>
+            </a:r>
+            <a:r>
+              <a:rPr lang="de-DE" dirty="0" smtClean="0">
+                <a:hlinkClick r:id="rId2"/>
+              </a:rPr>
+              <a:t>grgit</a:t>
+            </a:r>
+            <a:endParaRPr lang="de-DE" dirty="0" smtClean="0"/>
+          </a:p>
+          <a:p>
+            <a:endParaRPr lang="de-DE" dirty="0"/>
+          </a:p>
+        </p:txBody>
+      </p:sp>
+    </p:spTree>
+    <p:extLst>
+      <p:ext uri="{BB962C8B-B14F-4D97-AF65-F5344CB8AC3E}">
+        <p14:creationId xmlns:p14="http://schemas.microsoft.com/office/powerpoint/2010/main" val="1028248972"/>
+      </p:ext>
+    </p:extLst>
+  </p:cSld>
+  <p:clrMapOvr>
+    <a:masterClrMapping/>
+  </p:clrMapOvr>
 </p:sld>
 </file>
 
@@ -4762,6 +6388,117 @@
 </p:sld>
 </file>
 
+<file path=ppt/slides/slide30.xml><?xml version="1.0" encoding="utf-8"?>
+<p:sld xmlns:a="http://schemas.openxmlformats.org/drawingml/2006/main" xmlns:r="http://schemas.openxmlformats.org/officeDocument/2006/relationships" xmlns:p="http://schemas.openxmlformats.org/presentationml/2006/main">
+  <p:cSld>
+    <p:spTree>
+      <p:nvGrpSpPr>
+        <p:cNvPr id="1" name=""/>
+        <p:cNvGrpSpPr/>
+        <p:nvPr/>
+      </p:nvGrpSpPr>
+      <p:grpSpPr>
+        <a:xfrm>
+          <a:off x="0" y="0"/>
+          <a:ext cx="0" cy="0"/>
+          <a:chOff x="0" y="0"/>
+          <a:chExt cx="0" cy="0"/>
+        </a:xfrm>
+      </p:grpSpPr>
+      <p:sp>
+        <p:nvSpPr>
+          <p:cNvPr id="2" name="Titel 1"/>
+          <p:cNvSpPr>
+            <a:spLocks noGrp="1"/>
+          </p:cNvSpPr>
+          <p:nvPr>
+            <p:ph type="title"/>
+          </p:nvPr>
+        </p:nvSpPr>
+        <p:spPr/>
+        <p:txBody>
+          <a:bodyPr/>
+          <a:lstStyle/>
+          <a:p>
+            <a:r>
+              <a:rPr lang="de-DE" dirty="0" smtClean="0"/>
+              <a:t>VIELEN DANK!</a:t>
+            </a:r>
+            <a:endParaRPr lang="de-DE" dirty="0"/>
+          </a:p>
+        </p:txBody>
+      </p:sp>
+      <p:sp>
+        <p:nvSpPr>
+          <p:cNvPr id="3" name="Inhaltsplatzhalter 2"/>
+          <p:cNvSpPr>
+            <a:spLocks noGrp="1"/>
+          </p:cNvSpPr>
+          <p:nvPr>
+            <p:ph sz="quarter" idx="10"/>
+          </p:nvPr>
+        </p:nvSpPr>
+        <p:spPr>
+          <a:xfrm>
+            <a:off x="2304727" y="3046069"/>
+            <a:ext cx="4534547" cy="742043"/>
+          </a:xfrm>
+        </p:spPr>
+        <p:txBody>
+          <a:bodyPr>
+            <a:noAutofit/>
+          </a:bodyPr>
+          <a:lstStyle/>
+          <a:p>
+            <a:pPr marL="0" indent="0" algn="ctr">
+              <a:buNone/>
+            </a:pPr>
+            <a:r>
+              <a:rPr lang="de-DE" sz="4400" spc="30" dirty="0" smtClean="0">
+                <a:ln>
+                  <a:solidFill>
+                    <a:srgbClr val="984807"/>
+                  </a:solidFill>
+                </a:ln>
+                <a:solidFill>
+                  <a:srgbClr val="984807"/>
+                </a:solidFill>
+              </a:rPr>
+              <a:t>Fragen ?</a:t>
+            </a:r>
+            <a:endParaRPr lang="de-DE" sz="4400" spc="30" dirty="0">
+              <a:ln>
+                <a:solidFill>
+                  <a:srgbClr val="984807"/>
+                </a:solidFill>
+              </a:ln>
+              <a:solidFill>
+                <a:srgbClr val="984807"/>
+              </a:solidFill>
+            </a:endParaRPr>
+          </a:p>
+        </p:txBody>
+      </p:sp>
+    </p:spTree>
+    <p:extLst>
+      <p:ext uri="{BB962C8B-B14F-4D97-AF65-F5344CB8AC3E}">
+        <p14:creationId xmlns:p14="http://schemas.microsoft.com/office/powerpoint/2010/main" val="1995836235"/>
+      </p:ext>
+    </p:extLst>
+  </p:cSld>
+  <p:clrMapOvr>
+    <a:masterClrMapping/>
+  </p:clrMapOvr>
+  <p:timing>
+    <p:tnLst>
+      <p:par>
+        <p:cTn xmlns:p14="http://schemas.microsoft.com/office/powerpoint/2010/main" id="1" dur="indefinite" restart="never" nodeType="tmRoot"/>
+      </p:par>
+    </p:tnLst>
+  </p:timing>
+</p:sld>
+</file>
+
 <file path=ppt/slides/slide4.xml><?xml version="1.0" encoding="utf-8"?>
 <p:sld xmlns:a="http://schemas.openxmlformats.org/drawingml/2006/main" xmlns:r="http://schemas.openxmlformats.org/officeDocument/2006/relationships" xmlns:p="http://schemas.openxmlformats.org/presentationml/2006/main">
   <p:cSld>
@@ -5003,11 +6740,7 @@
           <a:p>
             <a:r>
               <a:rPr lang="de-DE" dirty="0" smtClean="0"/>
-              <a:t>GIT INTERNAS: </a:t>
-            </a:r>
-            <a:r>
-              <a:rPr lang="de-DE" dirty="0" smtClean="0"/>
-              <a:t>MERGES 1</a:t>
+              <a:t>GIT INTERNAS: MERGES 1</a:t>
             </a:r>
             <a:endParaRPr lang="de-DE" dirty="0"/>
           </a:p>
@@ -5101,7 +6834,6 @@
               <a:rPr lang="de-DE" dirty="0" smtClean="0"/>
               <a:t>-ff</a:t>
             </a:r>
-            <a:endParaRPr lang="de-DE" dirty="0" smtClean="0"/>
           </a:p>
           <a:p>
             <a:r>
@@ -5249,11 +6981,7 @@
           <a:p>
             <a:r>
               <a:rPr lang="de-DE" dirty="0" smtClean="0"/>
-              <a:t>GIT INTERNAS: </a:t>
-            </a:r>
-            <a:r>
-              <a:rPr lang="de-DE" dirty="0" smtClean="0"/>
-              <a:t>MERGES 2 - KONFLIKTE</a:t>
+              <a:t>GIT INTERNAS: MERGES-BASE</a:t>
             </a:r>
             <a:endParaRPr lang="de-DE" dirty="0"/>
           </a:p>
@@ -5276,90 +7004,62 @@
           </a:bodyPr>
           <a:lstStyle/>
           <a:p>
-            <a:pPr lvl="1"/>
-            <a:r>
-              <a:rPr lang="de-DE" dirty="0" err="1" smtClean="0"/>
-              <a:t>merge.conflictstyle</a:t>
+            <a:r>
+              <a:rPr lang="de-DE" dirty="0" err="1" smtClean="0"/>
+              <a:t>Git</a:t>
             </a:r>
             <a:r>
               <a:rPr lang="de-DE" dirty="0" smtClean="0"/>
               <a:t> </a:t>
             </a:r>
             <a:r>
-              <a:rPr lang="de-DE" dirty="0"/>
-              <a:t>diff3</a:t>
-            </a:r>
-          </a:p>
-          <a:p>
-            <a:r>
-              <a:rPr lang="de-DE" dirty="0" err="1" smtClean="0"/>
-              <a:t>ls</a:t>
-            </a:r>
-            <a:r>
-              <a:rPr lang="de-DE" dirty="0"/>
-              <a:t>-files --stage -&gt; nach </a:t>
-            </a:r>
-            <a:r>
-              <a:rPr lang="de-DE" dirty="0" err="1"/>
-              <a:t>Merge</a:t>
-            </a:r>
-            <a:r>
-              <a:rPr lang="de-DE" dirty="0"/>
-              <a:t> Konflikt-&gt;Stages erklären</a:t>
-            </a:r>
-          </a:p>
-          <a:p>
-            <a:r>
-              <a:rPr lang="de-DE" dirty="0" err="1" smtClean="0"/>
-              <a:t>checkout</a:t>
-            </a:r>
-            <a:r>
-              <a:rPr lang="de-DE" dirty="0" smtClean="0"/>
+              <a:rPr lang="de-DE" dirty="0" err="1" smtClean="0"/>
+              <a:t>merge</a:t>
+            </a:r>
+            <a:r>
+              <a:rPr lang="de-DE" dirty="0" smtClean="0"/>
+              <a:t>-base</a:t>
+            </a:r>
+          </a:p>
+          <a:p>
+            <a:r>
+              <a:rPr lang="de-DE" dirty="0" smtClean="0"/>
+              <a:t>Wo startet ein </a:t>
+            </a:r>
+            <a:r>
+              <a:rPr lang="de-DE" dirty="0" err="1" smtClean="0"/>
+              <a:t>Branch</a:t>
+            </a:r>
+            <a:endParaRPr lang="de-DE" dirty="0" smtClean="0"/>
+          </a:p>
+          <a:p>
+            <a:r>
+              <a:rPr lang="de-DE" dirty="0" err="1" smtClean="0"/>
+              <a:t>Git</a:t>
+            </a:r>
+            <a:r>
+              <a:rPr lang="de-DE" dirty="0"/>
               <a:t> </a:t>
             </a:r>
             <a:r>
-              <a:rPr lang="de-DE" dirty="0"/>
-              <a:t>--</a:t>
-            </a:r>
-            <a:r>
-              <a:rPr lang="de-DE" dirty="0" err="1"/>
-              <a:t>theirs</a:t>
-            </a:r>
-            <a:r>
-              <a:rPr lang="de-DE" dirty="0"/>
-              <a:t>, --</a:t>
-            </a:r>
-            <a:r>
-              <a:rPr lang="de-DE" dirty="0" err="1"/>
-              <a:t>ours</a:t>
-            </a:r>
-            <a:endParaRPr lang="de-DE" dirty="0"/>
-          </a:p>
-          <a:p>
-            <a:r>
-              <a:rPr lang="de-DE" dirty="0" err="1" smtClean="0"/>
-              <a:t>checkout</a:t>
-            </a:r>
-            <a:r>
-              <a:rPr lang="de-DE" dirty="0" smtClean="0"/>
-              <a:t> </a:t>
-            </a:r>
-            <a:r>
-              <a:rPr lang="de-DE" dirty="0"/>
-              <a:t>-m FILE -&gt; nochmal mit dem </a:t>
-            </a:r>
-            <a:r>
-              <a:rPr lang="de-DE" dirty="0" err="1"/>
-              <a:t>Merge</a:t>
-            </a:r>
-            <a:r>
-              <a:rPr lang="de-DE" dirty="0"/>
-              <a:t> </a:t>
-            </a:r>
-            <a:r>
-              <a:rPr lang="de-DE" dirty="0" smtClean="0"/>
-              <a:t>beginnen</a:t>
-            </a:r>
+              <a:rPr lang="de-DE" dirty="0" err="1" smtClean="0"/>
+              <a:t>merge</a:t>
+            </a:r>
+            <a:r>
+              <a:rPr lang="de-DE" dirty="0" smtClean="0"/>
+              <a:t>-base </a:t>
+            </a:r>
+            <a:r>
+              <a:rPr lang="de-DE" dirty="0" err="1" smtClean="0"/>
+              <a:t>master</a:t>
+            </a:r>
+            <a:r>
+              <a:rPr lang="de-DE" dirty="0" smtClean="0"/>
+              <a:t> HEAD</a:t>
+            </a:r>
+          </a:p>
+          <a:p>
+            <a:endParaRPr lang="de-DE" dirty="0"/>
           </a:p>
           <a:p>
             <a:r>
@@ -5368,15 +7068,15 @@
             </a:r>
             <a:r>
               <a:rPr lang="de-DE" dirty="0" smtClean="0"/>
-              <a:t> </a:t>
-            </a:r>
-            <a:r>
-              <a:rPr lang="de-DE" dirty="0" err="1" smtClean="0"/>
-              <a:t>merge</a:t>
-            </a:r>
-            <a:r>
-              <a:rPr lang="de-DE" dirty="0" smtClean="0"/>
-              <a:t>-tool</a:t>
+              <a:t> tag --points-</a:t>
+            </a:r>
+            <a:r>
+              <a:rPr lang="de-DE" dirty="0" err="1" smtClean="0"/>
+              <a:t>at</a:t>
+            </a:r>
+            <a:r>
+              <a:rPr lang="de-DE" dirty="0" smtClean="0"/>
+              <a:t> COMMIT</a:t>
             </a:r>
             <a:endParaRPr lang="de-DE" dirty="0"/>
           </a:p>
@@ -5385,7 +7085,7 @@
     </p:spTree>
     <p:extLst>
       <p:ext uri="{BB962C8B-B14F-4D97-AF65-F5344CB8AC3E}">
-        <p14:creationId xmlns:p14="http://schemas.microsoft.com/office/powerpoint/2010/main" val="1731843747"/>
+        <p14:creationId xmlns:p14="http://schemas.microsoft.com/office/powerpoint/2010/main" val="3457323000"/>
       </p:ext>
     </p:extLst>
   </p:cSld>
@@ -5429,11 +7129,11 @@
           <a:p>
             <a:r>
               <a:rPr lang="de-DE" dirty="0" smtClean="0"/>
-              <a:t>GIT INTERNAS: </a:t>
-            </a:r>
-            <a:r>
-              <a:rPr lang="de-DE" dirty="0" smtClean="0"/>
-              <a:t>MERGES 2</a:t>
+              <a:t>GIT INTERNAS: MERGES</a:t>
+            </a:r>
+            <a:r>
+              <a:rPr lang="de-DE" dirty="0" smtClean="0"/>
+              <a:t>-FILE</a:t>
             </a:r>
             <a:endParaRPr lang="de-DE" dirty="0"/>
           </a:p>
@@ -5451,132 +7151,32 @@
         </p:nvSpPr>
         <p:spPr/>
         <p:txBody>
-          <a:bodyPr/>
+          <a:bodyPr>
+            <a:normAutofit/>
+          </a:bodyPr>
           <a:lstStyle/>
           <a:p>
             <a:r>
+              <a:rPr lang="de-DE" dirty="0" smtClean="0"/>
+              <a:t>Anwendungsfall?</a:t>
+            </a:r>
+          </a:p>
+          <a:p>
+            <a:r>
+              <a:rPr lang="de-DE" dirty="0" err="1" smtClean="0"/>
+              <a:t>git</a:t>
+            </a:r>
+            <a:r>
+              <a:rPr lang="de-DE" dirty="0"/>
+              <a:t> </a:t>
+            </a:r>
+            <a:r>
               <a:rPr lang="de-DE" dirty="0" err="1" smtClean="0"/>
               <a:t>merge</a:t>
             </a:r>
             <a:r>
-              <a:rPr lang="de-DE" dirty="0"/>
-              <a:t>, </a:t>
-            </a:r>
-            <a:r>
-              <a:rPr lang="de-DE" dirty="0" err="1"/>
-              <a:t>merge</a:t>
-            </a:r>
-            <a:r>
-              <a:rPr lang="de-DE" dirty="0"/>
-              <a:t>-base, </a:t>
-            </a:r>
-            <a:r>
-              <a:rPr lang="de-DE" dirty="0" err="1"/>
-              <a:t>merge</a:t>
-            </a:r>
-            <a:r>
-              <a:rPr lang="de-DE" dirty="0"/>
-              <a:t>-file</a:t>
-            </a:r>
-          </a:p>
-          <a:p>
-            <a:pPr lvl="1"/>
-            <a:r>
-              <a:rPr lang="de-DE" dirty="0" err="1" smtClean="0"/>
-              <a:t>merge.conflictstyle</a:t>
-            </a:r>
-            <a:r>
-              <a:rPr lang="de-DE" dirty="0" smtClean="0"/>
-              <a:t> </a:t>
-            </a:r>
-            <a:r>
-              <a:rPr lang="de-DE" dirty="0"/>
-              <a:t>diff3</a:t>
-            </a:r>
-          </a:p>
-          <a:p>
-            <a:r>
-              <a:rPr lang="de-DE" dirty="0" err="1" smtClean="0"/>
-              <a:t>ls</a:t>
-            </a:r>
-            <a:r>
-              <a:rPr lang="de-DE" dirty="0"/>
-              <a:t>-files --stage -&gt; nach </a:t>
-            </a:r>
-            <a:r>
-              <a:rPr lang="de-DE" dirty="0" err="1"/>
-              <a:t>Merge</a:t>
-            </a:r>
-            <a:r>
-              <a:rPr lang="de-DE" dirty="0"/>
-              <a:t> Konflikt-&gt;Stages erklären</a:t>
-            </a:r>
-          </a:p>
-          <a:p>
-            <a:r>
-              <a:rPr lang="de-DE" dirty="0" err="1" smtClean="0"/>
-              <a:t>checkout</a:t>
-            </a:r>
-            <a:r>
-              <a:rPr lang="de-DE" dirty="0" smtClean="0"/>
-              <a:t> </a:t>
-            </a:r>
-            <a:r>
-              <a:rPr lang="de-DE" dirty="0"/>
-              <a:t>--</a:t>
-            </a:r>
-            <a:r>
-              <a:rPr lang="de-DE" dirty="0" err="1"/>
-              <a:t>theirs</a:t>
-            </a:r>
-            <a:r>
-              <a:rPr lang="de-DE" dirty="0"/>
-              <a:t>, --</a:t>
-            </a:r>
-            <a:r>
-              <a:rPr lang="de-DE" dirty="0" err="1"/>
-              <a:t>ours</a:t>
-            </a:r>
-            <a:endParaRPr lang="de-DE" dirty="0"/>
-          </a:p>
-          <a:p>
-            <a:r>
-              <a:rPr lang="de-DE" dirty="0" err="1" smtClean="0"/>
-              <a:t>checkout</a:t>
-            </a:r>
-            <a:r>
-              <a:rPr lang="de-DE" dirty="0" smtClean="0"/>
-              <a:t> </a:t>
-            </a:r>
-            <a:r>
-              <a:rPr lang="de-DE" dirty="0"/>
-              <a:t>-m FILE -&gt; nochmal mit dem </a:t>
-            </a:r>
-            <a:r>
-              <a:rPr lang="de-DE" dirty="0" err="1"/>
-              <a:t>Merge</a:t>
-            </a:r>
-            <a:r>
-              <a:rPr lang="de-DE" dirty="0"/>
-              <a:t> </a:t>
-            </a:r>
-            <a:r>
-              <a:rPr lang="de-DE" dirty="0" smtClean="0"/>
-              <a:t>beginnen</a:t>
-            </a:r>
-          </a:p>
-          <a:p>
-            <a:r>
-              <a:rPr lang="de-DE" dirty="0" smtClean="0"/>
-              <a:t>First-</a:t>
-            </a:r>
-            <a:r>
-              <a:rPr lang="de-DE" dirty="0" err="1" smtClean="0"/>
-              <a:t>parent</a:t>
-            </a:r>
-            <a:r>
-              <a:rPr lang="de-DE" dirty="0" smtClean="0"/>
-              <a:t> Historie!!!!!</a:t>
+              <a:rPr lang="de-DE" dirty="0" smtClean="0"/>
+              <a:t>-file </a:t>
             </a:r>
             <a:endParaRPr lang="de-DE" dirty="0"/>
           </a:p>
@@ -5585,7 +7185,7 @@
     </p:spTree>
     <p:extLst>
       <p:ext uri="{BB962C8B-B14F-4D97-AF65-F5344CB8AC3E}">
-        <p14:creationId xmlns:p14="http://schemas.microsoft.com/office/powerpoint/2010/main" val="20708688"/>
+        <p14:creationId xmlns:p14="http://schemas.microsoft.com/office/powerpoint/2010/main" val="1739032604"/>
       </p:ext>
     </p:extLst>
   </p:cSld>
@@ -5629,11 +7229,7 @@
           <a:p>
             <a:r>
               <a:rPr lang="de-DE" dirty="0" smtClean="0"/>
-              <a:t>GIT INTERNAS: </a:t>
-            </a:r>
-            <a:r>
-              <a:rPr lang="de-DE" dirty="0" smtClean="0"/>
-              <a:t>MERGES 3</a:t>
+              <a:t>GIT INTERNAS: MERGES 2 - KONFLIKTE</a:t>
             </a:r>
             <a:endParaRPr lang="de-DE" dirty="0"/>
           </a:p>
@@ -5651,34 +7247,10 @@
         </p:nvSpPr>
         <p:spPr/>
         <p:txBody>
-          <a:bodyPr/>
+          <a:bodyPr>
+            <a:normAutofit/>
+          </a:bodyPr>
           <a:lstStyle/>
-          <a:p>
-            <a:r>
-              <a:rPr lang="de-DE" dirty="0" err="1" smtClean="0"/>
-              <a:t>merge</a:t>
-            </a:r>
-            <a:r>
-              <a:rPr lang="de-DE" dirty="0"/>
-              <a:t>, </a:t>
-            </a:r>
-            <a:r>
-              <a:rPr lang="de-DE" dirty="0" err="1"/>
-              <a:t>merge</a:t>
-            </a:r>
-            <a:r>
-              <a:rPr lang="de-DE" dirty="0"/>
-              <a:t>-base, </a:t>
-            </a:r>
-            <a:r>
-              <a:rPr lang="de-DE" dirty="0" err="1"/>
-              <a:t>merge</a:t>
-            </a:r>
-            <a:r>
-              <a:rPr lang="de-DE" dirty="0"/>
-              <a:t>-file</a:t>
-            </a:r>
-          </a:p>
           <a:p>
             <a:pPr lvl="1"/>
             <a:r>
@@ -5767,16 +7339,20 @@
           </a:p>
           <a:p>
             <a:r>
-              <a:rPr lang="de-DE" dirty="0" smtClean="0"/>
-              <a:t>First-</a:t>
-            </a:r>
-            <a:r>
-              <a:rPr lang="de-DE" dirty="0" err="1" smtClean="0"/>
-              <a:t>parent</a:t>
-            </a:r>
-            <a:r>
-              <a:rPr lang="de-DE" dirty="0" smtClean="0"/>
-              <a:t> Historie!!!!!</a:t>
+              <a:rPr lang="de-DE" dirty="0" err="1" smtClean="0"/>
+              <a:t>Git</a:t>
+            </a:r>
+            <a:r>
+              <a:rPr lang="de-DE" dirty="0" smtClean="0"/>
+              <a:t> </a:t>
+            </a:r>
+            <a:r>
+              <a:rPr lang="de-DE" dirty="0" err="1" smtClean="0"/>
+              <a:t>merge</a:t>
+            </a:r>
+            <a:r>
+              <a:rPr lang="de-DE" dirty="0" smtClean="0"/>
+              <a:t>-tool</a:t>
             </a:r>
             <a:endParaRPr lang="de-DE" dirty="0"/>
           </a:p>
@@ -5785,7 +7361,7 @@
     </p:spTree>
     <p:extLst>
       <p:ext uri="{BB962C8B-B14F-4D97-AF65-F5344CB8AC3E}">
-        <p14:creationId xmlns:p14="http://schemas.microsoft.com/office/powerpoint/2010/main" val="20708688"/>
+        <p14:creationId xmlns:p14="http://schemas.microsoft.com/office/powerpoint/2010/main" val="1731843747"/>
       </p:ext>
     </p:extLst>
   </p:cSld>
@@ -5848,7 +7424,7 @@
         <p:spPr/>
         <p:txBody>
           <a:bodyPr>
-            <a:normAutofit fontScale="85000" lnSpcReduction="20000"/>
+            <a:normAutofit fontScale="77500" lnSpcReduction="20000"/>
           </a:bodyPr>
           <a:lstStyle/>
           <a:p>
@@ -6035,6 +7611,25 @@
             <a:r>
               <a:rPr lang="de-DE" dirty="0" smtClean="0"/>
               <a:t>!</a:t>
+            </a:r>
+          </a:p>
+          <a:p>
+            <a:pPr lvl="1"/>
+            <a:r>
+              <a:rPr lang="de-DE" dirty="0" err="1" smtClean="0"/>
+              <a:t>GitHub</a:t>
+            </a:r>
+            <a:r>
+              <a:rPr lang="de-DE" dirty="0" smtClean="0"/>
+              <a:t> </a:t>
+            </a:r>
+            <a:r>
+              <a:rPr lang="de-DE" dirty="0" err="1" smtClean="0"/>
+              <a:t>Fork</a:t>
+            </a:r>
+            <a:r>
+              <a:rPr lang="de-DE" dirty="0" smtClean="0"/>
+              <a:t> Workflow</a:t>
             </a:r>
             <a:endParaRPr lang="de-DE" dirty="0"/>
           </a:p>

--- a/folien/WJax-Powerworkshop-Nils.pptx
+++ b/folien/WJax-Powerworkshop-Nils.pptx
@@ -5,10 +5,10 @@
     <p:sldMasterId id="2147483660" r:id="rId1"/>
   </p:sldMasterIdLst>
   <p:notesMasterIdLst>
-    <p:notesMasterId r:id="rId32"/>
+    <p:notesMasterId r:id="rId35"/>
   </p:notesMasterIdLst>
   <p:handoutMasterIdLst>
-    <p:handoutMasterId r:id="rId33"/>
+    <p:handoutMasterId r:id="rId36"/>
   </p:handoutMasterIdLst>
   <p:sldIdLst>
     <p:sldId id="261" r:id="rId2"/>
@@ -21,26 +21,29 @@
     <p:sldId id="336" r:id="rId9"/>
     <p:sldId id="321" r:id="rId10"/>
     <p:sldId id="322" r:id="rId11"/>
-    <p:sldId id="328" r:id="rId12"/>
-    <p:sldId id="329" r:id="rId13"/>
-    <p:sldId id="340" r:id="rId14"/>
-    <p:sldId id="341" r:id="rId15"/>
-    <p:sldId id="339" r:id="rId16"/>
-    <p:sldId id="330" r:id="rId17"/>
-    <p:sldId id="345" r:id="rId18"/>
-    <p:sldId id="346" r:id="rId19"/>
-    <p:sldId id="342" r:id="rId20"/>
-    <p:sldId id="344" r:id="rId21"/>
-    <p:sldId id="347" r:id="rId22"/>
-    <p:sldId id="343" r:id="rId23"/>
-    <p:sldId id="323" r:id="rId24"/>
-    <p:sldId id="326" r:id="rId25"/>
-    <p:sldId id="327" r:id="rId26"/>
-    <p:sldId id="331" r:id="rId27"/>
-    <p:sldId id="332" r:id="rId28"/>
-    <p:sldId id="324" r:id="rId29"/>
-    <p:sldId id="325" r:id="rId30"/>
-    <p:sldId id="319" r:id="rId31"/>
+    <p:sldId id="349" r:id="rId12"/>
+    <p:sldId id="350" r:id="rId13"/>
+    <p:sldId id="348" r:id="rId14"/>
+    <p:sldId id="328" r:id="rId15"/>
+    <p:sldId id="329" r:id="rId16"/>
+    <p:sldId id="340" r:id="rId17"/>
+    <p:sldId id="341" r:id="rId18"/>
+    <p:sldId id="339" r:id="rId19"/>
+    <p:sldId id="330" r:id="rId20"/>
+    <p:sldId id="345" r:id="rId21"/>
+    <p:sldId id="346" r:id="rId22"/>
+    <p:sldId id="342" r:id="rId23"/>
+    <p:sldId id="344" r:id="rId24"/>
+    <p:sldId id="347" r:id="rId25"/>
+    <p:sldId id="343" r:id="rId26"/>
+    <p:sldId id="323" r:id="rId27"/>
+    <p:sldId id="326" r:id="rId28"/>
+    <p:sldId id="327" r:id="rId29"/>
+    <p:sldId id="331" r:id="rId30"/>
+    <p:sldId id="332" r:id="rId31"/>
+    <p:sldId id="324" r:id="rId32"/>
+    <p:sldId id="325" r:id="rId33"/>
+    <p:sldId id="319" r:id="rId34"/>
   </p:sldIdLst>
   <p:sldSz cx="9144000" cy="6858000" type="screen4x3"/>
   <p:notesSz cx="6858000" cy="9144000"/>
@@ -1997,13 +2000,2698 @@
         <p:spPr/>
         <p:txBody>
           <a:bodyPr>
-            <a:normAutofit fontScale="90000"/>
+            <a:normAutofit/>
           </a:bodyPr>
           <a:lstStyle/>
           <a:p>
             <a:r>
               <a:rPr lang="de-DE" dirty="0" smtClean="0"/>
-              <a:t>BRANCHSTRATEGIE: ENTWICKLUNGSPROZESS</a:t>
+              <a:t>GIT INTERNAS: PUSH.DEFAULT</a:t>
+            </a:r>
+            <a:endParaRPr lang="de-DE" dirty="0"/>
+          </a:p>
+        </p:txBody>
+      </p:sp>
+      <p:sp>
+        <p:nvSpPr>
+          <p:cNvPr id="3" name="Inhaltsplatzhalter 2"/>
+          <p:cNvSpPr>
+            <a:spLocks noGrp="1"/>
+          </p:cNvSpPr>
+          <p:nvPr>
+            <p:ph sz="quarter" idx="10"/>
+          </p:nvPr>
+        </p:nvSpPr>
+        <p:spPr/>
+        <p:txBody>
+          <a:bodyPr>
+            <a:normAutofit fontScale="32500" lnSpcReduction="20000"/>
+          </a:bodyPr>
+          <a:lstStyle/>
+          <a:p>
+            <a:pPr marL="0" indent="0">
+              <a:buNone/>
+            </a:pPr>
+            <a:r>
+              <a:rPr lang="de-DE" dirty="0" err="1"/>
+              <a:t>push.default</a:t>
+            </a:r>
+            <a:endParaRPr lang="de-DE" dirty="0"/>
+          </a:p>
+          <a:p>
+            <a:pPr marL="0" indent="0">
+              <a:buNone/>
+            </a:pPr>
+            <a:r>
+              <a:rPr lang="de-DE" dirty="0" err="1"/>
+              <a:t>Defines</a:t>
+            </a:r>
+            <a:r>
+              <a:rPr lang="de-DE" dirty="0"/>
+              <a:t> </a:t>
+            </a:r>
+            <a:r>
+              <a:rPr lang="de-DE" dirty="0" err="1"/>
+              <a:t>the</a:t>
+            </a:r>
+            <a:r>
+              <a:rPr lang="de-DE" dirty="0"/>
+              <a:t> </a:t>
+            </a:r>
+            <a:r>
+              <a:rPr lang="de-DE" dirty="0" err="1"/>
+              <a:t>action</a:t>
+            </a:r>
+            <a:r>
+              <a:rPr lang="de-DE" dirty="0"/>
+              <a:t> </a:t>
+            </a:r>
+            <a:r>
+              <a:rPr lang="de-DE" dirty="0" err="1"/>
+              <a:t>git</a:t>
+            </a:r>
+            <a:r>
+              <a:rPr lang="de-DE" dirty="0"/>
+              <a:t> push </a:t>
+            </a:r>
+            <a:r>
+              <a:rPr lang="de-DE" dirty="0" err="1"/>
+              <a:t>should</a:t>
+            </a:r>
+            <a:r>
+              <a:rPr lang="de-DE" dirty="0"/>
+              <a:t> </a:t>
+            </a:r>
+            <a:r>
+              <a:rPr lang="de-DE" dirty="0" err="1"/>
+              <a:t>take</a:t>
+            </a:r>
+            <a:r>
+              <a:rPr lang="de-DE" dirty="0"/>
+              <a:t> </a:t>
+            </a:r>
+            <a:r>
+              <a:rPr lang="de-DE" dirty="0" err="1"/>
+              <a:t>if</a:t>
+            </a:r>
+            <a:r>
+              <a:rPr lang="de-DE" dirty="0"/>
+              <a:t> </a:t>
+            </a:r>
+            <a:r>
+              <a:rPr lang="de-DE" dirty="0" err="1"/>
+              <a:t>no</a:t>
+            </a:r>
+            <a:r>
+              <a:rPr lang="de-DE" dirty="0"/>
+              <a:t> </a:t>
+            </a:r>
+            <a:r>
+              <a:rPr lang="de-DE" dirty="0" err="1"/>
+              <a:t>refspec</a:t>
+            </a:r>
+            <a:r>
+              <a:rPr lang="de-DE" dirty="0"/>
+              <a:t> </a:t>
+            </a:r>
+            <a:r>
+              <a:rPr lang="de-DE" dirty="0" err="1"/>
+              <a:t>is</a:t>
+            </a:r>
+            <a:r>
+              <a:rPr lang="de-DE" dirty="0"/>
+              <a:t> </a:t>
+            </a:r>
+            <a:r>
+              <a:rPr lang="de-DE" dirty="0" err="1"/>
+              <a:t>explicitly</a:t>
+            </a:r>
+            <a:r>
+              <a:rPr lang="de-DE" dirty="0"/>
+              <a:t> </a:t>
+            </a:r>
+            <a:r>
+              <a:rPr lang="de-DE" dirty="0" err="1"/>
+              <a:t>given</a:t>
+            </a:r>
+            <a:r>
+              <a:rPr lang="de-DE" dirty="0"/>
+              <a:t>. Different </a:t>
+            </a:r>
+            <a:r>
+              <a:rPr lang="de-DE" dirty="0" err="1"/>
+              <a:t>values</a:t>
+            </a:r>
+            <a:r>
+              <a:rPr lang="de-DE" dirty="0"/>
+              <a:t> </a:t>
+            </a:r>
+            <a:r>
+              <a:rPr lang="de-DE" dirty="0" err="1"/>
+              <a:t>are</a:t>
+            </a:r>
+            <a:r>
+              <a:rPr lang="de-DE" dirty="0"/>
+              <a:t> well-</a:t>
+            </a:r>
+            <a:r>
+              <a:rPr lang="de-DE" dirty="0" err="1"/>
+              <a:t>suited</a:t>
+            </a:r>
+            <a:r>
+              <a:rPr lang="de-DE" dirty="0"/>
+              <a:t> </a:t>
+            </a:r>
+            <a:r>
+              <a:rPr lang="de-DE" dirty="0" err="1"/>
+              <a:t>for</a:t>
+            </a:r>
+            <a:r>
+              <a:rPr lang="de-DE" dirty="0"/>
+              <a:t> </a:t>
+            </a:r>
+            <a:r>
+              <a:rPr lang="de-DE" dirty="0" err="1"/>
+              <a:t>specific</a:t>
+            </a:r>
+            <a:r>
+              <a:rPr lang="de-DE" dirty="0"/>
+              <a:t> </a:t>
+            </a:r>
+            <a:r>
+              <a:rPr lang="de-DE" dirty="0" err="1"/>
+              <a:t>workflows</a:t>
+            </a:r>
+            <a:r>
+              <a:rPr lang="de-DE" dirty="0"/>
+              <a:t>; </a:t>
+            </a:r>
+            <a:r>
+              <a:rPr lang="de-DE" dirty="0" err="1"/>
+              <a:t>for</a:t>
+            </a:r>
+            <a:r>
+              <a:rPr lang="de-DE" dirty="0"/>
+              <a:t> </a:t>
+            </a:r>
+            <a:r>
+              <a:rPr lang="de-DE" dirty="0" err="1"/>
+              <a:t>instance</a:t>
+            </a:r>
+            <a:r>
+              <a:rPr lang="de-DE" dirty="0"/>
+              <a:t>, in a </a:t>
+            </a:r>
+            <a:r>
+              <a:rPr lang="de-DE" dirty="0" err="1"/>
+              <a:t>purely</a:t>
+            </a:r>
+            <a:r>
+              <a:rPr lang="de-DE" dirty="0"/>
+              <a:t> </a:t>
+            </a:r>
+            <a:r>
+              <a:rPr lang="de-DE" dirty="0" err="1"/>
+              <a:t>central</a:t>
+            </a:r>
+            <a:r>
+              <a:rPr lang="de-DE" dirty="0"/>
+              <a:t> </a:t>
+            </a:r>
+            <a:r>
+              <a:rPr lang="de-DE" dirty="0" err="1"/>
+              <a:t>workflow</a:t>
+            </a:r>
+            <a:r>
+              <a:rPr lang="de-DE" dirty="0"/>
+              <a:t> (i.e. </a:t>
+            </a:r>
+            <a:r>
+              <a:rPr lang="de-DE" dirty="0" err="1"/>
+              <a:t>the</a:t>
+            </a:r>
+            <a:r>
+              <a:rPr lang="de-DE" dirty="0"/>
+              <a:t> </a:t>
+            </a:r>
+            <a:r>
+              <a:rPr lang="de-DE" dirty="0" err="1"/>
+              <a:t>fetch</a:t>
+            </a:r>
+            <a:r>
+              <a:rPr lang="de-DE" dirty="0"/>
+              <a:t> </a:t>
+            </a:r>
+            <a:r>
+              <a:rPr lang="de-DE" dirty="0" err="1"/>
+              <a:t>source</a:t>
+            </a:r>
+            <a:r>
+              <a:rPr lang="de-DE" dirty="0"/>
+              <a:t> </a:t>
+            </a:r>
+            <a:r>
+              <a:rPr lang="de-DE" dirty="0" err="1"/>
+              <a:t>is</a:t>
+            </a:r>
+            <a:r>
+              <a:rPr lang="de-DE" dirty="0"/>
+              <a:t> </a:t>
+            </a:r>
+            <a:r>
+              <a:rPr lang="de-DE" dirty="0" err="1"/>
+              <a:t>equal</a:t>
+            </a:r>
+            <a:r>
+              <a:rPr lang="de-DE" dirty="0"/>
+              <a:t> </a:t>
+            </a:r>
+            <a:r>
+              <a:rPr lang="de-DE" dirty="0" err="1"/>
+              <a:t>to</a:t>
+            </a:r>
+            <a:r>
+              <a:rPr lang="de-DE" dirty="0"/>
+              <a:t> </a:t>
+            </a:r>
+            <a:r>
+              <a:rPr lang="de-DE" dirty="0" err="1"/>
+              <a:t>the</a:t>
+            </a:r>
+            <a:r>
+              <a:rPr lang="de-DE" dirty="0"/>
+              <a:t> push </a:t>
+            </a:r>
+            <a:r>
+              <a:rPr lang="de-DE" dirty="0" err="1"/>
+              <a:t>destination</a:t>
+            </a:r>
+            <a:r>
+              <a:rPr lang="de-DE" dirty="0"/>
+              <a:t>), </a:t>
+            </a:r>
+            <a:r>
+              <a:rPr lang="de-DE" dirty="0" err="1"/>
+              <a:t>upstream</a:t>
+            </a:r>
+            <a:r>
+              <a:rPr lang="de-DE" dirty="0"/>
+              <a:t> </a:t>
+            </a:r>
+            <a:r>
+              <a:rPr lang="de-DE" dirty="0" err="1"/>
+              <a:t>is</a:t>
+            </a:r>
+            <a:r>
+              <a:rPr lang="de-DE" dirty="0"/>
+              <a:t> </a:t>
+            </a:r>
+            <a:r>
+              <a:rPr lang="de-DE" dirty="0" err="1"/>
+              <a:t>probably</a:t>
+            </a:r>
+            <a:r>
+              <a:rPr lang="de-DE" dirty="0"/>
+              <a:t> </a:t>
+            </a:r>
+            <a:r>
+              <a:rPr lang="de-DE" dirty="0" err="1"/>
+              <a:t>what</a:t>
+            </a:r>
+            <a:r>
+              <a:rPr lang="de-DE" dirty="0"/>
+              <a:t> </a:t>
+            </a:r>
+            <a:r>
+              <a:rPr lang="de-DE" dirty="0" err="1"/>
+              <a:t>you</a:t>
+            </a:r>
+            <a:r>
+              <a:rPr lang="de-DE" dirty="0"/>
+              <a:t> </a:t>
+            </a:r>
+            <a:r>
+              <a:rPr lang="de-DE" dirty="0" err="1"/>
+              <a:t>want</a:t>
+            </a:r>
+            <a:r>
+              <a:rPr lang="de-DE" dirty="0"/>
+              <a:t>. </a:t>
+            </a:r>
+            <a:r>
+              <a:rPr lang="de-DE" dirty="0" err="1"/>
+              <a:t>Possible</a:t>
+            </a:r>
+            <a:r>
+              <a:rPr lang="de-DE" dirty="0"/>
+              <a:t> </a:t>
+            </a:r>
+            <a:r>
+              <a:rPr lang="de-DE" dirty="0" err="1"/>
+              <a:t>values</a:t>
+            </a:r>
+            <a:r>
+              <a:rPr lang="de-DE" dirty="0"/>
+              <a:t> </a:t>
+            </a:r>
+            <a:r>
+              <a:rPr lang="de-DE" dirty="0" err="1"/>
+              <a:t>are</a:t>
+            </a:r>
+            <a:r>
+              <a:rPr lang="de-DE" dirty="0"/>
+              <a:t>:</a:t>
+            </a:r>
+          </a:p>
+          <a:p>
+            <a:pPr marL="0" indent="0">
+              <a:buNone/>
+            </a:pPr>
+            <a:endParaRPr lang="de-DE" dirty="0"/>
+          </a:p>
+          <a:p>
+            <a:pPr marL="0" indent="0">
+              <a:buNone/>
+            </a:pPr>
+            <a:r>
+              <a:rPr lang="de-DE" dirty="0" err="1"/>
+              <a:t>nothing</a:t>
+            </a:r>
+            <a:r>
+              <a:rPr lang="de-DE" dirty="0"/>
+              <a:t> - do not push </a:t>
+            </a:r>
+            <a:r>
+              <a:rPr lang="de-DE" dirty="0" err="1"/>
+              <a:t>anything</a:t>
+            </a:r>
+            <a:r>
+              <a:rPr lang="de-DE" dirty="0"/>
+              <a:t> (</a:t>
+            </a:r>
+            <a:r>
+              <a:rPr lang="de-DE" dirty="0" err="1"/>
+              <a:t>error</a:t>
+            </a:r>
+            <a:r>
+              <a:rPr lang="de-DE" dirty="0"/>
+              <a:t> out) </a:t>
+            </a:r>
+            <a:r>
+              <a:rPr lang="de-DE" dirty="0" err="1"/>
+              <a:t>unless</a:t>
+            </a:r>
+            <a:r>
+              <a:rPr lang="de-DE" dirty="0"/>
+              <a:t> a </a:t>
+            </a:r>
+            <a:r>
+              <a:rPr lang="de-DE" dirty="0" err="1"/>
+              <a:t>refspec</a:t>
+            </a:r>
+            <a:r>
+              <a:rPr lang="de-DE" dirty="0"/>
+              <a:t> </a:t>
+            </a:r>
+            <a:r>
+              <a:rPr lang="de-DE" dirty="0" err="1"/>
+              <a:t>is</a:t>
+            </a:r>
+            <a:r>
+              <a:rPr lang="de-DE" dirty="0"/>
+              <a:t> </a:t>
+            </a:r>
+            <a:r>
+              <a:rPr lang="de-DE" dirty="0" err="1"/>
+              <a:t>explicitly</a:t>
+            </a:r>
+            <a:r>
+              <a:rPr lang="de-DE" dirty="0"/>
+              <a:t> </a:t>
+            </a:r>
+            <a:r>
+              <a:rPr lang="de-DE" dirty="0" err="1"/>
+              <a:t>given</a:t>
+            </a:r>
+            <a:r>
+              <a:rPr lang="de-DE" dirty="0"/>
+              <a:t>. This </a:t>
+            </a:r>
+            <a:r>
+              <a:rPr lang="de-DE" dirty="0" err="1"/>
+              <a:t>is</a:t>
+            </a:r>
+            <a:r>
+              <a:rPr lang="de-DE" dirty="0"/>
+              <a:t> </a:t>
+            </a:r>
+            <a:r>
+              <a:rPr lang="de-DE" dirty="0" err="1"/>
+              <a:t>primarily</a:t>
+            </a:r>
+            <a:r>
+              <a:rPr lang="de-DE" dirty="0"/>
+              <a:t> </a:t>
+            </a:r>
+            <a:r>
+              <a:rPr lang="de-DE" dirty="0" err="1"/>
+              <a:t>meant</a:t>
+            </a:r>
+            <a:r>
+              <a:rPr lang="de-DE" dirty="0"/>
+              <a:t> </a:t>
+            </a:r>
+            <a:r>
+              <a:rPr lang="de-DE" dirty="0" err="1"/>
+              <a:t>for</a:t>
+            </a:r>
+            <a:r>
+              <a:rPr lang="de-DE" dirty="0"/>
+              <a:t> </a:t>
+            </a:r>
+            <a:r>
+              <a:rPr lang="de-DE" dirty="0" err="1"/>
+              <a:t>people</a:t>
+            </a:r>
+            <a:r>
+              <a:rPr lang="de-DE" dirty="0"/>
+              <a:t> </a:t>
+            </a:r>
+            <a:r>
+              <a:rPr lang="de-DE" dirty="0" err="1"/>
+              <a:t>who</a:t>
+            </a:r>
+            <a:r>
+              <a:rPr lang="de-DE" dirty="0"/>
+              <a:t> </a:t>
+            </a:r>
+            <a:r>
+              <a:rPr lang="de-DE" dirty="0" err="1"/>
+              <a:t>want</a:t>
+            </a:r>
+            <a:r>
+              <a:rPr lang="de-DE" dirty="0"/>
+              <a:t> </a:t>
+            </a:r>
+            <a:r>
+              <a:rPr lang="de-DE" dirty="0" err="1"/>
+              <a:t>to</a:t>
+            </a:r>
+            <a:r>
+              <a:rPr lang="de-DE" dirty="0"/>
+              <a:t> </a:t>
+            </a:r>
+            <a:r>
+              <a:rPr lang="de-DE" dirty="0" err="1"/>
+              <a:t>avoid</a:t>
+            </a:r>
+            <a:r>
+              <a:rPr lang="de-DE" dirty="0"/>
+              <a:t> </a:t>
+            </a:r>
+            <a:r>
+              <a:rPr lang="de-DE" dirty="0" err="1"/>
+              <a:t>mistakes</a:t>
+            </a:r>
+            <a:r>
+              <a:rPr lang="de-DE" dirty="0"/>
+              <a:t> </a:t>
+            </a:r>
+            <a:r>
+              <a:rPr lang="de-DE" dirty="0" err="1"/>
+              <a:t>by</a:t>
+            </a:r>
+            <a:r>
+              <a:rPr lang="de-DE" dirty="0"/>
+              <a:t> </a:t>
+            </a:r>
+            <a:r>
+              <a:rPr lang="de-DE" dirty="0" err="1"/>
+              <a:t>always</a:t>
+            </a:r>
+            <a:r>
+              <a:rPr lang="de-DE" dirty="0"/>
+              <a:t> </a:t>
+            </a:r>
+            <a:r>
+              <a:rPr lang="de-DE" dirty="0" err="1"/>
+              <a:t>being</a:t>
+            </a:r>
+            <a:r>
+              <a:rPr lang="de-DE" dirty="0"/>
+              <a:t> explicit.</a:t>
+            </a:r>
+          </a:p>
+          <a:p>
+            <a:pPr marL="0" indent="0">
+              <a:buNone/>
+            </a:pPr>
+            <a:endParaRPr lang="de-DE" dirty="0"/>
+          </a:p>
+          <a:p>
+            <a:pPr marL="0" indent="0">
+              <a:buNone/>
+            </a:pPr>
+            <a:r>
+              <a:rPr lang="de-DE" dirty="0" err="1"/>
+              <a:t>current</a:t>
+            </a:r>
+            <a:r>
+              <a:rPr lang="de-DE" dirty="0"/>
+              <a:t> - push </a:t>
+            </a:r>
+            <a:r>
+              <a:rPr lang="de-DE" dirty="0" err="1"/>
+              <a:t>the</a:t>
+            </a:r>
+            <a:r>
+              <a:rPr lang="de-DE" dirty="0"/>
+              <a:t> </a:t>
+            </a:r>
+            <a:r>
+              <a:rPr lang="de-DE" dirty="0" err="1"/>
+              <a:t>current</a:t>
+            </a:r>
+            <a:r>
+              <a:rPr lang="de-DE" dirty="0"/>
+              <a:t> </a:t>
+            </a:r>
+            <a:r>
+              <a:rPr lang="de-DE" dirty="0" err="1"/>
+              <a:t>branch</a:t>
+            </a:r>
+            <a:r>
+              <a:rPr lang="de-DE" dirty="0"/>
+              <a:t> </a:t>
+            </a:r>
+            <a:r>
+              <a:rPr lang="de-DE" dirty="0" err="1"/>
+              <a:t>to</a:t>
+            </a:r>
+            <a:r>
+              <a:rPr lang="de-DE" dirty="0"/>
+              <a:t> update a </a:t>
+            </a:r>
+            <a:r>
+              <a:rPr lang="de-DE" dirty="0" err="1"/>
+              <a:t>branch</a:t>
+            </a:r>
+            <a:r>
+              <a:rPr lang="de-DE" dirty="0"/>
+              <a:t> </a:t>
+            </a:r>
+            <a:r>
+              <a:rPr lang="de-DE" dirty="0" err="1"/>
+              <a:t>with</a:t>
+            </a:r>
+            <a:r>
+              <a:rPr lang="de-DE" dirty="0"/>
+              <a:t> </a:t>
+            </a:r>
+            <a:r>
+              <a:rPr lang="de-DE" dirty="0" err="1"/>
+              <a:t>the</a:t>
+            </a:r>
+            <a:r>
+              <a:rPr lang="de-DE" dirty="0"/>
+              <a:t> same </a:t>
+            </a:r>
+            <a:r>
+              <a:rPr lang="de-DE" dirty="0" err="1"/>
+              <a:t>name</a:t>
+            </a:r>
+            <a:r>
+              <a:rPr lang="de-DE" dirty="0"/>
+              <a:t> on </a:t>
+            </a:r>
+            <a:r>
+              <a:rPr lang="de-DE" dirty="0" err="1"/>
+              <a:t>the</a:t>
+            </a:r>
+            <a:r>
+              <a:rPr lang="de-DE" dirty="0"/>
+              <a:t> </a:t>
+            </a:r>
+            <a:r>
+              <a:rPr lang="de-DE" dirty="0" err="1"/>
+              <a:t>receiving</a:t>
+            </a:r>
+            <a:r>
+              <a:rPr lang="de-DE" dirty="0"/>
+              <a:t> end. Works in </a:t>
+            </a:r>
+            <a:r>
+              <a:rPr lang="de-DE" dirty="0" err="1"/>
+              <a:t>both</a:t>
+            </a:r>
+            <a:r>
+              <a:rPr lang="de-DE" dirty="0"/>
+              <a:t> </a:t>
+            </a:r>
+            <a:r>
+              <a:rPr lang="de-DE" dirty="0" err="1"/>
+              <a:t>central</a:t>
+            </a:r>
+            <a:r>
+              <a:rPr lang="de-DE" dirty="0"/>
+              <a:t> </a:t>
+            </a:r>
+            <a:r>
+              <a:rPr lang="de-DE" dirty="0" err="1"/>
+              <a:t>and</a:t>
+            </a:r>
+            <a:r>
+              <a:rPr lang="de-DE" dirty="0"/>
+              <a:t> non-</a:t>
+            </a:r>
+            <a:r>
+              <a:rPr lang="de-DE" dirty="0" err="1"/>
+              <a:t>central</a:t>
+            </a:r>
+            <a:r>
+              <a:rPr lang="de-DE" dirty="0"/>
+              <a:t> </a:t>
+            </a:r>
+            <a:r>
+              <a:rPr lang="de-DE" dirty="0" err="1"/>
+              <a:t>workflows</a:t>
+            </a:r>
+            <a:r>
+              <a:rPr lang="de-DE" dirty="0"/>
+              <a:t>.</a:t>
+            </a:r>
+          </a:p>
+          <a:p>
+            <a:pPr marL="0" indent="0">
+              <a:buNone/>
+            </a:pPr>
+            <a:endParaRPr lang="de-DE" dirty="0"/>
+          </a:p>
+          <a:p>
+            <a:pPr marL="0" indent="0">
+              <a:buNone/>
+            </a:pPr>
+            <a:r>
+              <a:rPr lang="de-DE" dirty="0" err="1"/>
+              <a:t>upstream</a:t>
+            </a:r>
+            <a:r>
+              <a:rPr lang="de-DE" dirty="0"/>
+              <a:t> - push </a:t>
+            </a:r>
+            <a:r>
+              <a:rPr lang="de-DE" dirty="0" err="1"/>
+              <a:t>the</a:t>
+            </a:r>
+            <a:r>
+              <a:rPr lang="de-DE" dirty="0"/>
+              <a:t> </a:t>
+            </a:r>
+            <a:r>
+              <a:rPr lang="de-DE" dirty="0" err="1"/>
+              <a:t>current</a:t>
+            </a:r>
+            <a:r>
+              <a:rPr lang="de-DE" dirty="0"/>
+              <a:t> </a:t>
+            </a:r>
+            <a:r>
+              <a:rPr lang="de-DE" dirty="0" err="1"/>
+              <a:t>branch</a:t>
+            </a:r>
+            <a:r>
+              <a:rPr lang="de-DE" dirty="0"/>
+              <a:t> back </a:t>
+            </a:r>
+            <a:r>
+              <a:rPr lang="de-DE" dirty="0" err="1"/>
+              <a:t>to</a:t>
+            </a:r>
+            <a:r>
+              <a:rPr lang="de-DE" dirty="0"/>
+              <a:t> </a:t>
+            </a:r>
+            <a:r>
+              <a:rPr lang="de-DE" dirty="0" err="1"/>
+              <a:t>the</a:t>
+            </a:r>
+            <a:r>
+              <a:rPr lang="de-DE" dirty="0"/>
+              <a:t> </a:t>
+            </a:r>
+            <a:r>
+              <a:rPr lang="de-DE" dirty="0" err="1"/>
+              <a:t>branch</a:t>
+            </a:r>
+            <a:r>
+              <a:rPr lang="de-DE" dirty="0"/>
+              <a:t> </a:t>
+            </a:r>
+            <a:r>
+              <a:rPr lang="de-DE" dirty="0" err="1"/>
+              <a:t>whose</a:t>
+            </a:r>
+            <a:r>
+              <a:rPr lang="de-DE" dirty="0"/>
+              <a:t> </a:t>
+            </a:r>
+            <a:r>
+              <a:rPr lang="de-DE" dirty="0" err="1"/>
+              <a:t>changes</a:t>
+            </a:r>
+            <a:r>
+              <a:rPr lang="de-DE" dirty="0"/>
+              <a:t> </a:t>
+            </a:r>
+            <a:r>
+              <a:rPr lang="de-DE" dirty="0" err="1"/>
+              <a:t>are</a:t>
+            </a:r>
+            <a:r>
+              <a:rPr lang="de-DE" dirty="0"/>
+              <a:t> </a:t>
+            </a:r>
+            <a:r>
+              <a:rPr lang="de-DE" dirty="0" err="1"/>
+              <a:t>usually</a:t>
+            </a:r>
+            <a:r>
+              <a:rPr lang="de-DE" dirty="0"/>
+              <a:t> </a:t>
+            </a:r>
+            <a:r>
+              <a:rPr lang="de-DE" dirty="0" err="1"/>
+              <a:t>integrated</a:t>
+            </a:r>
+            <a:r>
+              <a:rPr lang="de-DE" dirty="0"/>
+              <a:t> </a:t>
+            </a:r>
+            <a:r>
+              <a:rPr lang="de-DE" dirty="0" err="1"/>
+              <a:t>into</a:t>
+            </a:r>
+            <a:r>
+              <a:rPr lang="de-DE" dirty="0"/>
+              <a:t> </a:t>
+            </a:r>
+            <a:r>
+              <a:rPr lang="de-DE" dirty="0" err="1"/>
+              <a:t>the</a:t>
+            </a:r>
+            <a:r>
+              <a:rPr lang="de-DE" dirty="0"/>
+              <a:t> </a:t>
+            </a:r>
+            <a:r>
+              <a:rPr lang="de-DE" dirty="0" err="1"/>
+              <a:t>current</a:t>
+            </a:r>
+            <a:r>
+              <a:rPr lang="de-DE" dirty="0"/>
+              <a:t> </a:t>
+            </a:r>
+            <a:r>
+              <a:rPr lang="de-DE" dirty="0" err="1"/>
+              <a:t>branch</a:t>
+            </a:r>
+            <a:r>
+              <a:rPr lang="de-DE" dirty="0"/>
+              <a:t> (</a:t>
+            </a:r>
+            <a:r>
+              <a:rPr lang="de-DE" dirty="0" err="1"/>
+              <a:t>which</a:t>
+            </a:r>
+            <a:r>
+              <a:rPr lang="de-DE" dirty="0"/>
+              <a:t> </a:t>
+            </a:r>
+            <a:r>
+              <a:rPr lang="de-DE" dirty="0" err="1"/>
+              <a:t>is</a:t>
+            </a:r>
+            <a:r>
+              <a:rPr lang="de-DE" dirty="0"/>
+              <a:t> </a:t>
+            </a:r>
+            <a:r>
+              <a:rPr lang="de-DE" dirty="0" err="1"/>
+              <a:t>called</a:t>
+            </a:r>
+            <a:r>
+              <a:rPr lang="de-DE" dirty="0"/>
+              <a:t> @{</a:t>
+            </a:r>
+            <a:r>
+              <a:rPr lang="de-DE" dirty="0" err="1"/>
+              <a:t>upstream</a:t>
+            </a:r>
+            <a:r>
+              <a:rPr lang="de-DE" dirty="0"/>
+              <a:t>}). This </a:t>
+            </a:r>
+            <a:r>
+              <a:rPr lang="de-DE" dirty="0" err="1"/>
+              <a:t>mode</a:t>
+            </a:r>
+            <a:r>
+              <a:rPr lang="de-DE" dirty="0"/>
+              <a:t> </a:t>
+            </a:r>
+            <a:r>
+              <a:rPr lang="de-DE" dirty="0" err="1"/>
+              <a:t>only</a:t>
+            </a:r>
+            <a:r>
+              <a:rPr lang="de-DE" dirty="0"/>
+              <a:t> </a:t>
+            </a:r>
+            <a:r>
+              <a:rPr lang="de-DE" dirty="0" err="1"/>
+              <a:t>makes</a:t>
+            </a:r>
+            <a:r>
+              <a:rPr lang="de-DE" dirty="0"/>
+              <a:t> sense </a:t>
+            </a:r>
+            <a:r>
+              <a:rPr lang="de-DE" dirty="0" err="1"/>
+              <a:t>if</a:t>
+            </a:r>
+            <a:r>
+              <a:rPr lang="de-DE" dirty="0"/>
+              <a:t> </a:t>
+            </a:r>
+            <a:r>
+              <a:rPr lang="de-DE" dirty="0" err="1"/>
+              <a:t>you</a:t>
+            </a:r>
+            <a:r>
+              <a:rPr lang="de-DE" dirty="0"/>
+              <a:t> </a:t>
+            </a:r>
+            <a:r>
+              <a:rPr lang="de-DE" dirty="0" err="1"/>
+              <a:t>are</a:t>
+            </a:r>
+            <a:r>
+              <a:rPr lang="de-DE" dirty="0"/>
+              <a:t> </a:t>
+            </a:r>
+            <a:r>
+              <a:rPr lang="de-DE" dirty="0" err="1"/>
+              <a:t>pushing</a:t>
+            </a:r>
+            <a:r>
+              <a:rPr lang="de-DE" dirty="0"/>
+              <a:t> </a:t>
+            </a:r>
+            <a:r>
+              <a:rPr lang="de-DE" dirty="0" err="1"/>
+              <a:t>to</a:t>
+            </a:r>
+            <a:r>
+              <a:rPr lang="de-DE" dirty="0"/>
+              <a:t> </a:t>
+            </a:r>
+            <a:r>
+              <a:rPr lang="de-DE" dirty="0" err="1"/>
+              <a:t>the</a:t>
+            </a:r>
+            <a:r>
+              <a:rPr lang="de-DE" dirty="0"/>
+              <a:t> same </a:t>
+            </a:r>
+            <a:r>
+              <a:rPr lang="de-DE" dirty="0" err="1"/>
+              <a:t>repository</a:t>
+            </a:r>
+            <a:r>
+              <a:rPr lang="de-DE" dirty="0"/>
+              <a:t> </a:t>
+            </a:r>
+            <a:r>
+              <a:rPr lang="de-DE" dirty="0" err="1"/>
+              <a:t>you</a:t>
+            </a:r>
+            <a:r>
+              <a:rPr lang="de-DE" dirty="0"/>
+              <a:t> </a:t>
+            </a:r>
+            <a:r>
+              <a:rPr lang="de-DE" dirty="0" err="1"/>
+              <a:t>would</a:t>
+            </a:r>
+            <a:r>
+              <a:rPr lang="de-DE" dirty="0"/>
+              <a:t> </a:t>
+            </a:r>
+            <a:r>
+              <a:rPr lang="de-DE" dirty="0" err="1"/>
+              <a:t>normally</a:t>
+            </a:r>
+            <a:r>
+              <a:rPr lang="de-DE" dirty="0"/>
+              <a:t> pull </a:t>
+            </a:r>
+            <a:r>
+              <a:rPr lang="de-DE" dirty="0" err="1"/>
+              <a:t>from</a:t>
+            </a:r>
+            <a:r>
+              <a:rPr lang="de-DE" dirty="0"/>
+              <a:t> (i.e. </a:t>
+            </a:r>
+            <a:r>
+              <a:rPr lang="de-DE" dirty="0" err="1"/>
+              <a:t>central</a:t>
+            </a:r>
+            <a:r>
+              <a:rPr lang="de-DE" dirty="0"/>
+              <a:t> </a:t>
+            </a:r>
+            <a:r>
+              <a:rPr lang="de-DE" dirty="0" err="1"/>
+              <a:t>workflow</a:t>
+            </a:r>
+            <a:r>
+              <a:rPr lang="de-DE" dirty="0"/>
+              <a:t>).</a:t>
+            </a:r>
+          </a:p>
+          <a:p>
+            <a:pPr marL="0" indent="0">
+              <a:buNone/>
+            </a:pPr>
+            <a:endParaRPr lang="de-DE" dirty="0"/>
+          </a:p>
+          <a:p>
+            <a:pPr marL="0" indent="0">
+              <a:buNone/>
+            </a:pPr>
+            <a:r>
+              <a:rPr lang="de-DE" dirty="0"/>
+              <a:t>simple - in </a:t>
+            </a:r>
+            <a:r>
+              <a:rPr lang="de-DE" dirty="0" err="1"/>
+              <a:t>centralized</a:t>
+            </a:r>
+            <a:r>
+              <a:rPr lang="de-DE" dirty="0"/>
+              <a:t> </a:t>
+            </a:r>
+            <a:r>
+              <a:rPr lang="de-DE" dirty="0" err="1"/>
+              <a:t>workflow</a:t>
+            </a:r>
+            <a:r>
+              <a:rPr lang="de-DE" dirty="0"/>
+              <a:t>, </a:t>
+            </a:r>
+            <a:r>
+              <a:rPr lang="de-DE" dirty="0" err="1"/>
+              <a:t>work</a:t>
+            </a:r>
+            <a:r>
+              <a:rPr lang="de-DE" dirty="0"/>
+              <a:t> </a:t>
+            </a:r>
+            <a:r>
+              <a:rPr lang="de-DE" dirty="0" err="1"/>
+              <a:t>like</a:t>
+            </a:r>
+            <a:r>
+              <a:rPr lang="de-DE" dirty="0"/>
+              <a:t> </a:t>
+            </a:r>
+            <a:r>
+              <a:rPr lang="de-DE" dirty="0" err="1"/>
+              <a:t>upstream</a:t>
+            </a:r>
+            <a:r>
+              <a:rPr lang="de-DE" dirty="0"/>
+              <a:t> </a:t>
+            </a:r>
+            <a:r>
+              <a:rPr lang="de-DE" dirty="0" err="1"/>
+              <a:t>with</a:t>
+            </a:r>
+            <a:r>
+              <a:rPr lang="de-DE" dirty="0"/>
+              <a:t> an </a:t>
+            </a:r>
+            <a:r>
+              <a:rPr lang="de-DE" dirty="0" err="1"/>
+              <a:t>added</a:t>
+            </a:r>
+            <a:r>
+              <a:rPr lang="de-DE" dirty="0"/>
+              <a:t> </a:t>
+            </a:r>
+            <a:r>
+              <a:rPr lang="de-DE" dirty="0" err="1"/>
+              <a:t>safety</a:t>
+            </a:r>
+            <a:r>
+              <a:rPr lang="de-DE" dirty="0"/>
+              <a:t> </a:t>
+            </a:r>
+            <a:r>
+              <a:rPr lang="de-DE" dirty="0" err="1"/>
+              <a:t>to</a:t>
+            </a:r>
+            <a:r>
+              <a:rPr lang="de-DE" dirty="0"/>
+              <a:t> </a:t>
+            </a:r>
+            <a:r>
+              <a:rPr lang="de-DE" dirty="0" err="1"/>
+              <a:t>refuse</a:t>
+            </a:r>
+            <a:r>
+              <a:rPr lang="de-DE" dirty="0"/>
+              <a:t> </a:t>
+            </a:r>
+            <a:r>
+              <a:rPr lang="de-DE" dirty="0" err="1"/>
+              <a:t>to</a:t>
+            </a:r>
+            <a:r>
+              <a:rPr lang="de-DE" dirty="0"/>
+              <a:t> push </a:t>
+            </a:r>
+            <a:r>
+              <a:rPr lang="de-DE" dirty="0" err="1"/>
+              <a:t>if</a:t>
+            </a:r>
+            <a:r>
+              <a:rPr lang="de-DE" dirty="0"/>
+              <a:t> </a:t>
+            </a:r>
+            <a:r>
+              <a:rPr lang="de-DE" dirty="0" err="1"/>
+              <a:t>the</a:t>
+            </a:r>
+            <a:r>
+              <a:rPr lang="de-DE" dirty="0"/>
+              <a:t> </a:t>
+            </a:r>
+            <a:r>
+              <a:rPr lang="de-DE" dirty="0" err="1"/>
+              <a:t>upstream</a:t>
+            </a:r>
+            <a:r>
+              <a:rPr lang="de-DE" dirty="0"/>
+              <a:t> </a:t>
+            </a:r>
+            <a:r>
+              <a:rPr lang="de-DE" dirty="0" err="1"/>
+              <a:t>branch’s</a:t>
+            </a:r>
+            <a:r>
+              <a:rPr lang="de-DE" dirty="0"/>
+              <a:t> </a:t>
+            </a:r>
+            <a:r>
+              <a:rPr lang="de-DE" dirty="0" err="1"/>
+              <a:t>name</a:t>
+            </a:r>
+            <a:r>
+              <a:rPr lang="de-DE" dirty="0"/>
+              <a:t> </a:t>
+            </a:r>
+            <a:r>
+              <a:rPr lang="de-DE" dirty="0" err="1"/>
+              <a:t>is</a:t>
+            </a:r>
+            <a:r>
+              <a:rPr lang="de-DE" dirty="0"/>
+              <a:t> different </a:t>
+            </a:r>
+            <a:r>
+              <a:rPr lang="de-DE" dirty="0" err="1"/>
+              <a:t>from</a:t>
+            </a:r>
+            <a:r>
+              <a:rPr lang="de-DE" dirty="0"/>
+              <a:t> </a:t>
+            </a:r>
+            <a:r>
+              <a:rPr lang="de-DE" dirty="0" err="1"/>
+              <a:t>the</a:t>
+            </a:r>
+            <a:r>
+              <a:rPr lang="de-DE" dirty="0"/>
+              <a:t> </a:t>
+            </a:r>
+            <a:r>
+              <a:rPr lang="de-DE" dirty="0" err="1"/>
+              <a:t>local</a:t>
+            </a:r>
+            <a:r>
+              <a:rPr lang="de-DE" dirty="0"/>
+              <a:t> </a:t>
+            </a:r>
+            <a:r>
+              <a:rPr lang="de-DE" dirty="0" err="1"/>
+              <a:t>one</a:t>
+            </a:r>
+            <a:r>
+              <a:rPr lang="de-DE" dirty="0"/>
+              <a:t>.</a:t>
+            </a:r>
+          </a:p>
+          <a:p>
+            <a:pPr marL="0" indent="0">
+              <a:buNone/>
+            </a:pPr>
+            <a:endParaRPr lang="de-DE" dirty="0"/>
+          </a:p>
+          <a:p>
+            <a:pPr marL="0" indent="0">
+              <a:buNone/>
+            </a:pPr>
+            <a:r>
+              <a:rPr lang="de-DE" dirty="0" err="1"/>
+              <a:t>When</a:t>
+            </a:r>
+            <a:r>
+              <a:rPr lang="de-DE" dirty="0"/>
+              <a:t> </a:t>
+            </a:r>
+            <a:r>
+              <a:rPr lang="de-DE" dirty="0" err="1"/>
+              <a:t>pushing</a:t>
+            </a:r>
+            <a:r>
+              <a:rPr lang="de-DE" dirty="0"/>
+              <a:t> </a:t>
+            </a:r>
+            <a:r>
+              <a:rPr lang="de-DE" dirty="0" err="1"/>
+              <a:t>to</a:t>
+            </a:r>
+            <a:r>
+              <a:rPr lang="de-DE" dirty="0"/>
+              <a:t> a remote </a:t>
+            </a:r>
+            <a:r>
+              <a:rPr lang="de-DE" dirty="0" err="1"/>
+              <a:t>that</a:t>
+            </a:r>
+            <a:r>
+              <a:rPr lang="de-DE" dirty="0"/>
+              <a:t> </a:t>
+            </a:r>
+            <a:r>
+              <a:rPr lang="de-DE" dirty="0" err="1"/>
+              <a:t>is</a:t>
+            </a:r>
+            <a:r>
+              <a:rPr lang="de-DE" dirty="0"/>
+              <a:t> different </a:t>
+            </a:r>
+            <a:r>
+              <a:rPr lang="de-DE" dirty="0" err="1"/>
+              <a:t>from</a:t>
+            </a:r>
+            <a:r>
+              <a:rPr lang="de-DE" dirty="0"/>
+              <a:t> </a:t>
+            </a:r>
+            <a:r>
+              <a:rPr lang="de-DE" dirty="0" err="1"/>
+              <a:t>the</a:t>
+            </a:r>
+            <a:r>
+              <a:rPr lang="de-DE" dirty="0"/>
+              <a:t> remote </a:t>
+            </a:r>
+            <a:r>
+              <a:rPr lang="de-DE" dirty="0" err="1"/>
+              <a:t>you</a:t>
+            </a:r>
+            <a:r>
+              <a:rPr lang="de-DE" dirty="0"/>
+              <a:t> </a:t>
+            </a:r>
+            <a:r>
+              <a:rPr lang="de-DE" dirty="0" err="1"/>
+              <a:t>normally</a:t>
+            </a:r>
+            <a:r>
+              <a:rPr lang="de-DE" dirty="0"/>
+              <a:t> pull </a:t>
+            </a:r>
+            <a:r>
+              <a:rPr lang="de-DE" dirty="0" err="1"/>
+              <a:t>from</a:t>
+            </a:r>
+            <a:r>
+              <a:rPr lang="de-DE" dirty="0"/>
+              <a:t>, </a:t>
+            </a:r>
+            <a:r>
+              <a:rPr lang="de-DE" dirty="0" err="1"/>
+              <a:t>work</a:t>
+            </a:r>
+            <a:r>
+              <a:rPr lang="de-DE" dirty="0"/>
+              <a:t> </a:t>
+            </a:r>
+            <a:r>
+              <a:rPr lang="de-DE" dirty="0" err="1"/>
+              <a:t>as</a:t>
+            </a:r>
+            <a:r>
+              <a:rPr lang="de-DE" dirty="0"/>
+              <a:t> </a:t>
+            </a:r>
+            <a:r>
+              <a:rPr lang="de-DE" dirty="0" err="1"/>
+              <a:t>current</a:t>
+            </a:r>
+            <a:r>
+              <a:rPr lang="de-DE" dirty="0"/>
+              <a:t>. This </a:t>
+            </a:r>
+            <a:r>
+              <a:rPr lang="de-DE" dirty="0" err="1"/>
+              <a:t>is</a:t>
+            </a:r>
+            <a:r>
+              <a:rPr lang="de-DE" dirty="0"/>
+              <a:t> </a:t>
+            </a:r>
+            <a:r>
+              <a:rPr lang="de-DE" dirty="0" err="1"/>
+              <a:t>the</a:t>
+            </a:r>
+            <a:r>
+              <a:rPr lang="de-DE" dirty="0"/>
+              <a:t> </a:t>
+            </a:r>
+            <a:r>
+              <a:rPr lang="de-DE" dirty="0" err="1"/>
+              <a:t>safest</a:t>
+            </a:r>
+            <a:r>
+              <a:rPr lang="de-DE" dirty="0"/>
+              <a:t> </a:t>
+            </a:r>
+            <a:r>
+              <a:rPr lang="de-DE" dirty="0" err="1"/>
+              <a:t>option</a:t>
+            </a:r>
+            <a:r>
+              <a:rPr lang="de-DE" dirty="0"/>
+              <a:t> </a:t>
+            </a:r>
+            <a:r>
+              <a:rPr lang="de-DE" dirty="0" err="1"/>
+              <a:t>and</a:t>
+            </a:r>
+            <a:r>
+              <a:rPr lang="de-DE" dirty="0"/>
+              <a:t> </a:t>
+            </a:r>
+            <a:r>
+              <a:rPr lang="de-DE" dirty="0" err="1"/>
+              <a:t>is</a:t>
+            </a:r>
+            <a:r>
+              <a:rPr lang="de-DE" dirty="0"/>
+              <a:t> </a:t>
+            </a:r>
+            <a:r>
+              <a:rPr lang="de-DE" dirty="0" err="1"/>
+              <a:t>suited</a:t>
+            </a:r>
+            <a:r>
+              <a:rPr lang="de-DE" dirty="0"/>
+              <a:t> </a:t>
+            </a:r>
+            <a:r>
+              <a:rPr lang="de-DE" dirty="0" err="1"/>
+              <a:t>for</a:t>
+            </a:r>
+            <a:r>
+              <a:rPr lang="de-DE" dirty="0"/>
+              <a:t> </a:t>
+            </a:r>
+            <a:r>
+              <a:rPr lang="de-DE" dirty="0" err="1"/>
+              <a:t>beginners</a:t>
+            </a:r>
+            <a:r>
+              <a:rPr lang="de-DE" dirty="0"/>
+              <a:t>.</a:t>
+            </a:r>
+          </a:p>
+          <a:p>
+            <a:pPr marL="0" indent="0">
+              <a:buNone/>
+            </a:pPr>
+            <a:endParaRPr lang="de-DE" dirty="0"/>
+          </a:p>
+          <a:p>
+            <a:pPr marL="0" indent="0">
+              <a:buNone/>
+            </a:pPr>
+            <a:r>
+              <a:rPr lang="de-DE" dirty="0"/>
+              <a:t>This </a:t>
+            </a:r>
+            <a:r>
+              <a:rPr lang="de-DE" dirty="0" err="1"/>
+              <a:t>mode</a:t>
+            </a:r>
+            <a:r>
+              <a:rPr lang="de-DE" dirty="0"/>
+              <a:t> </a:t>
+            </a:r>
+            <a:r>
+              <a:rPr lang="de-DE" dirty="0" err="1"/>
+              <a:t>has</a:t>
+            </a:r>
+            <a:r>
+              <a:rPr lang="de-DE" dirty="0"/>
+              <a:t> </a:t>
+            </a:r>
+            <a:r>
+              <a:rPr lang="de-DE" dirty="0" err="1"/>
+              <a:t>become</a:t>
+            </a:r>
+            <a:r>
+              <a:rPr lang="de-DE" dirty="0"/>
+              <a:t> </a:t>
+            </a:r>
+            <a:r>
+              <a:rPr lang="de-DE" dirty="0" err="1"/>
+              <a:t>the</a:t>
+            </a:r>
+            <a:r>
+              <a:rPr lang="de-DE" dirty="0"/>
+              <a:t> </a:t>
+            </a:r>
+            <a:r>
+              <a:rPr lang="de-DE" dirty="0" err="1"/>
+              <a:t>default</a:t>
+            </a:r>
+            <a:r>
+              <a:rPr lang="de-DE" dirty="0"/>
+              <a:t> in </a:t>
+            </a:r>
+            <a:r>
+              <a:rPr lang="de-DE" dirty="0" err="1"/>
+              <a:t>Git</a:t>
+            </a:r>
+            <a:r>
+              <a:rPr lang="de-DE" dirty="0"/>
+              <a:t> 2.0.</a:t>
+            </a:r>
+          </a:p>
+          <a:p>
+            <a:pPr marL="0" indent="0">
+              <a:buNone/>
+            </a:pPr>
+            <a:endParaRPr lang="de-DE" dirty="0"/>
+          </a:p>
+          <a:p>
+            <a:pPr marL="0" indent="0">
+              <a:buNone/>
+            </a:pPr>
+            <a:r>
+              <a:rPr lang="de-DE" dirty="0" err="1"/>
+              <a:t>matching</a:t>
+            </a:r>
+            <a:r>
+              <a:rPr lang="de-DE" dirty="0"/>
+              <a:t> - push all </a:t>
+            </a:r>
+            <a:r>
+              <a:rPr lang="de-DE" dirty="0" err="1"/>
+              <a:t>branches</a:t>
+            </a:r>
+            <a:r>
+              <a:rPr lang="de-DE" dirty="0"/>
+              <a:t> </a:t>
+            </a:r>
+            <a:r>
+              <a:rPr lang="de-DE" dirty="0" err="1"/>
+              <a:t>having</a:t>
+            </a:r>
+            <a:r>
+              <a:rPr lang="de-DE" dirty="0"/>
+              <a:t> </a:t>
+            </a:r>
+            <a:r>
+              <a:rPr lang="de-DE" dirty="0" err="1"/>
+              <a:t>the</a:t>
+            </a:r>
+            <a:r>
+              <a:rPr lang="de-DE" dirty="0"/>
+              <a:t> same </a:t>
+            </a:r>
+            <a:r>
+              <a:rPr lang="de-DE" dirty="0" err="1"/>
+              <a:t>name</a:t>
+            </a:r>
+            <a:r>
+              <a:rPr lang="de-DE" dirty="0"/>
+              <a:t> on </a:t>
+            </a:r>
+            <a:r>
+              <a:rPr lang="de-DE" dirty="0" err="1"/>
+              <a:t>both</a:t>
+            </a:r>
+            <a:r>
+              <a:rPr lang="de-DE" dirty="0"/>
+              <a:t> </a:t>
+            </a:r>
+            <a:r>
+              <a:rPr lang="de-DE" dirty="0" err="1"/>
+              <a:t>ends</a:t>
+            </a:r>
+            <a:r>
+              <a:rPr lang="de-DE" dirty="0"/>
+              <a:t>. This </a:t>
+            </a:r>
+            <a:r>
+              <a:rPr lang="de-DE" dirty="0" err="1"/>
+              <a:t>makes</a:t>
+            </a:r>
+            <a:r>
+              <a:rPr lang="de-DE" dirty="0"/>
+              <a:t> </a:t>
+            </a:r>
+            <a:r>
+              <a:rPr lang="de-DE" dirty="0" err="1"/>
+              <a:t>the</a:t>
+            </a:r>
+            <a:r>
+              <a:rPr lang="de-DE" dirty="0"/>
+              <a:t> </a:t>
+            </a:r>
+            <a:r>
+              <a:rPr lang="de-DE" dirty="0" err="1"/>
+              <a:t>repository</a:t>
+            </a:r>
+            <a:r>
+              <a:rPr lang="de-DE" dirty="0"/>
+              <a:t> </a:t>
+            </a:r>
+            <a:r>
+              <a:rPr lang="de-DE" dirty="0" err="1"/>
+              <a:t>you</a:t>
+            </a:r>
+            <a:r>
+              <a:rPr lang="de-DE" dirty="0"/>
+              <a:t> </a:t>
+            </a:r>
+            <a:r>
+              <a:rPr lang="de-DE" dirty="0" err="1"/>
+              <a:t>are</a:t>
+            </a:r>
+            <a:r>
+              <a:rPr lang="de-DE" dirty="0"/>
+              <a:t> </a:t>
+            </a:r>
+            <a:r>
+              <a:rPr lang="de-DE" dirty="0" err="1"/>
+              <a:t>pushing</a:t>
+            </a:r>
+            <a:r>
+              <a:rPr lang="de-DE" dirty="0"/>
+              <a:t> </a:t>
+            </a:r>
+            <a:r>
+              <a:rPr lang="de-DE" dirty="0" err="1"/>
+              <a:t>to</a:t>
+            </a:r>
+            <a:r>
+              <a:rPr lang="de-DE" dirty="0"/>
+              <a:t> </a:t>
+            </a:r>
+            <a:r>
+              <a:rPr lang="de-DE" dirty="0" err="1"/>
+              <a:t>remember</a:t>
+            </a:r>
+            <a:r>
+              <a:rPr lang="de-DE" dirty="0"/>
+              <a:t> </a:t>
+            </a:r>
+            <a:r>
+              <a:rPr lang="de-DE" dirty="0" err="1"/>
+              <a:t>the</a:t>
+            </a:r>
+            <a:r>
+              <a:rPr lang="de-DE" dirty="0"/>
+              <a:t> </a:t>
+            </a:r>
+            <a:r>
+              <a:rPr lang="de-DE" dirty="0" err="1"/>
+              <a:t>set</a:t>
+            </a:r>
+            <a:r>
+              <a:rPr lang="de-DE" dirty="0"/>
+              <a:t> </a:t>
+            </a:r>
+            <a:r>
+              <a:rPr lang="de-DE" dirty="0" err="1"/>
+              <a:t>of</a:t>
+            </a:r>
+            <a:r>
+              <a:rPr lang="de-DE" dirty="0"/>
+              <a:t> </a:t>
+            </a:r>
+            <a:r>
+              <a:rPr lang="de-DE" dirty="0" err="1"/>
+              <a:t>branches</a:t>
+            </a:r>
+            <a:r>
+              <a:rPr lang="de-DE" dirty="0"/>
+              <a:t> </a:t>
+            </a:r>
+            <a:r>
+              <a:rPr lang="de-DE" dirty="0" err="1"/>
+              <a:t>that</a:t>
+            </a:r>
+            <a:r>
+              <a:rPr lang="de-DE" dirty="0"/>
+              <a:t> will </a:t>
+            </a:r>
+            <a:r>
+              <a:rPr lang="de-DE" dirty="0" err="1"/>
+              <a:t>be</a:t>
+            </a:r>
+            <a:r>
+              <a:rPr lang="de-DE" dirty="0"/>
+              <a:t> </a:t>
+            </a:r>
+            <a:r>
+              <a:rPr lang="de-DE" dirty="0" err="1"/>
+              <a:t>pushed</a:t>
+            </a:r>
+            <a:r>
+              <a:rPr lang="de-DE" dirty="0"/>
+              <a:t> out (e.g. </a:t>
+            </a:r>
+            <a:r>
+              <a:rPr lang="de-DE" dirty="0" err="1"/>
+              <a:t>if</a:t>
+            </a:r>
+            <a:r>
+              <a:rPr lang="de-DE" dirty="0"/>
+              <a:t> </a:t>
+            </a:r>
+            <a:r>
+              <a:rPr lang="de-DE" dirty="0" err="1"/>
+              <a:t>you</a:t>
+            </a:r>
+            <a:r>
+              <a:rPr lang="de-DE" dirty="0"/>
+              <a:t> </a:t>
+            </a:r>
+            <a:r>
+              <a:rPr lang="de-DE" dirty="0" err="1"/>
+              <a:t>always</a:t>
+            </a:r>
+            <a:r>
+              <a:rPr lang="de-DE" dirty="0"/>
+              <a:t> push </a:t>
+            </a:r>
+            <a:r>
+              <a:rPr lang="de-DE" dirty="0" err="1"/>
+              <a:t>maint</a:t>
+            </a:r>
+            <a:r>
+              <a:rPr lang="de-DE" dirty="0"/>
+              <a:t> </a:t>
+            </a:r>
+            <a:r>
+              <a:rPr lang="de-DE" dirty="0" err="1"/>
+              <a:t>and</a:t>
+            </a:r>
+            <a:r>
+              <a:rPr lang="de-DE" dirty="0"/>
+              <a:t> </a:t>
+            </a:r>
+            <a:r>
+              <a:rPr lang="de-DE" dirty="0" err="1"/>
+              <a:t>master</a:t>
+            </a:r>
+            <a:r>
+              <a:rPr lang="de-DE" dirty="0"/>
+              <a:t> </a:t>
+            </a:r>
+            <a:r>
+              <a:rPr lang="de-DE" dirty="0" err="1"/>
+              <a:t>there</a:t>
+            </a:r>
+            <a:r>
+              <a:rPr lang="de-DE" dirty="0"/>
+              <a:t> </a:t>
+            </a:r>
+            <a:r>
+              <a:rPr lang="de-DE" dirty="0" err="1"/>
+              <a:t>and</a:t>
+            </a:r>
+            <a:r>
+              <a:rPr lang="de-DE" dirty="0"/>
+              <a:t> </a:t>
+            </a:r>
+            <a:r>
+              <a:rPr lang="de-DE" dirty="0" err="1"/>
+              <a:t>no</a:t>
+            </a:r>
+            <a:r>
+              <a:rPr lang="de-DE" dirty="0"/>
+              <a:t> </a:t>
+            </a:r>
+            <a:r>
+              <a:rPr lang="de-DE" dirty="0" err="1"/>
+              <a:t>other</a:t>
+            </a:r>
+            <a:r>
+              <a:rPr lang="de-DE" dirty="0"/>
+              <a:t> </a:t>
+            </a:r>
+            <a:r>
+              <a:rPr lang="de-DE" dirty="0" err="1"/>
+              <a:t>branches</a:t>
+            </a:r>
+            <a:r>
+              <a:rPr lang="de-DE" dirty="0"/>
+              <a:t>, </a:t>
+            </a:r>
+            <a:r>
+              <a:rPr lang="de-DE" dirty="0" err="1"/>
+              <a:t>the</a:t>
+            </a:r>
+            <a:r>
+              <a:rPr lang="de-DE" dirty="0"/>
+              <a:t> </a:t>
+            </a:r>
+            <a:r>
+              <a:rPr lang="de-DE" dirty="0" err="1"/>
+              <a:t>repository</a:t>
+            </a:r>
+            <a:r>
+              <a:rPr lang="de-DE" dirty="0"/>
+              <a:t> </a:t>
+            </a:r>
+            <a:r>
+              <a:rPr lang="de-DE" dirty="0" err="1"/>
+              <a:t>you</a:t>
+            </a:r>
+            <a:r>
+              <a:rPr lang="de-DE" dirty="0"/>
+              <a:t> push </a:t>
+            </a:r>
+            <a:r>
+              <a:rPr lang="de-DE" dirty="0" err="1"/>
+              <a:t>to</a:t>
+            </a:r>
+            <a:r>
+              <a:rPr lang="de-DE" dirty="0"/>
+              <a:t> will </a:t>
+            </a:r>
+            <a:r>
+              <a:rPr lang="de-DE" dirty="0" err="1"/>
+              <a:t>have</a:t>
+            </a:r>
+            <a:r>
+              <a:rPr lang="de-DE" dirty="0"/>
+              <a:t> </a:t>
+            </a:r>
+            <a:r>
+              <a:rPr lang="de-DE" dirty="0" err="1"/>
+              <a:t>these</a:t>
+            </a:r>
+            <a:r>
+              <a:rPr lang="de-DE" dirty="0"/>
+              <a:t> </a:t>
+            </a:r>
+            <a:r>
+              <a:rPr lang="de-DE" dirty="0" err="1"/>
+              <a:t>two</a:t>
+            </a:r>
+            <a:r>
+              <a:rPr lang="de-DE" dirty="0"/>
+              <a:t> </a:t>
+            </a:r>
+            <a:r>
+              <a:rPr lang="de-DE" dirty="0" err="1"/>
+              <a:t>branches</a:t>
+            </a:r>
+            <a:r>
+              <a:rPr lang="de-DE" dirty="0"/>
+              <a:t>, </a:t>
+            </a:r>
+            <a:r>
+              <a:rPr lang="de-DE" dirty="0" err="1"/>
+              <a:t>and</a:t>
+            </a:r>
+            <a:r>
+              <a:rPr lang="de-DE" dirty="0"/>
+              <a:t> </a:t>
+            </a:r>
+            <a:r>
+              <a:rPr lang="de-DE" dirty="0" err="1"/>
+              <a:t>your</a:t>
+            </a:r>
+            <a:r>
+              <a:rPr lang="de-DE" dirty="0"/>
+              <a:t> </a:t>
+            </a:r>
+            <a:r>
+              <a:rPr lang="de-DE" dirty="0" err="1"/>
+              <a:t>local</a:t>
+            </a:r>
+            <a:r>
+              <a:rPr lang="de-DE" dirty="0"/>
+              <a:t> </a:t>
+            </a:r>
+            <a:r>
+              <a:rPr lang="de-DE" dirty="0" err="1"/>
+              <a:t>maint</a:t>
+            </a:r>
+            <a:r>
+              <a:rPr lang="de-DE" dirty="0"/>
+              <a:t> </a:t>
+            </a:r>
+            <a:r>
+              <a:rPr lang="de-DE" dirty="0" err="1"/>
+              <a:t>and</a:t>
+            </a:r>
+            <a:r>
+              <a:rPr lang="de-DE" dirty="0"/>
+              <a:t> </a:t>
+            </a:r>
+            <a:r>
+              <a:rPr lang="de-DE" dirty="0" err="1"/>
+              <a:t>master</a:t>
+            </a:r>
+            <a:r>
+              <a:rPr lang="de-DE" dirty="0"/>
+              <a:t> will </a:t>
+            </a:r>
+            <a:r>
+              <a:rPr lang="de-DE" dirty="0" err="1"/>
+              <a:t>be</a:t>
+            </a:r>
+            <a:r>
+              <a:rPr lang="de-DE" dirty="0"/>
+              <a:t> </a:t>
+            </a:r>
+            <a:r>
+              <a:rPr lang="de-DE" dirty="0" err="1"/>
+              <a:t>pushed</a:t>
+            </a:r>
+            <a:r>
+              <a:rPr lang="de-DE" dirty="0"/>
+              <a:t> </a:t>
+            </a:r>
+            <a:r>
+              <a:rPr lang="de-DE" dirty="0" err="1"/>
+              <a:t>there</a:t>
+            </a:r>
+            <a:r>
+              <a:rPr lang="de-DE" dirty="0"/>
+              <a:t>).</a:t>
+            </a:r>
+          </a:p>
+          <a:p>
+            <a:pPr marL="0" indent="0">
+              <a:buNone/>
+            </a:pPr>
+            <a:endParaRPr lang="de-DE" dirty="0"/>
+          </a:p>
+          <a:p>
+            <a:pPr marL="0" indent="0">
+              <a:buNone/>
+            </a:pPr>
+            <a:r>
+              <a:rPr lang="de-DE" dirty="0" err="1"/>
+              <a:t>To</a:t>
+            </a:r>
+            <a:r>
+              <a:rPr lang="de-DE" dirty="0"/>
+              <a:t> </a:t>
+            </a:r>
+            <a:r>
+              <a:rPr lang="de-DE" dirty="0" err="1"/>
+              <a:t>use</a:t>
+            </a:r>
+            <a:r>
+              <a:rPr lang="de-DE" dirty="0"/>
+              <a:t> </a:t>
+            </a:r>
+            <a:r>
+              <a:rPr lang="de-DE" dirty="0" err="1"/>
+              <a:t>this</a:t>
+            </a:r>
+            <a:r>
+              <a:rPr lang="de-DE" dirty="0"/>
+              <a:t> </a:t>
+            </a:r>
+            <a:r>
+              <a:rPr lang="de-DE" dirty="0" err="1"/>
+              <a:t>mode</a:t>
+            </a:r>
+            <a:r>
+              <a:rPr lang="de-DE" dirty="0"/>
+              <a:t> </a:t>
+            </a:r>
+            <a:r>
+              <a:rPr lang="de-DE" dirty="0" err="1"/>
+              <a:t>effectively</a:t>
+            </a:r>
+            <a:r>
+              <a:rPr lang="de-DE" dirty="0"/>
+              <a:t>, </a:t>
+            </a:r>
+            <a:r>
+              <a:rPr lang="de-DE" dirty="0" err="1"/>
+              <a:t>you</a:t>
+            </a:r>
+            <a:r>
+              <a:rPr lang="de-DE" dirty="0"/>
+              <a:t> </a:t>
+            </a:r>
+            <a:r>
+              <a:rPr lang="de-DE" dirty="0" err="1"/>
+              <a:t>have</a:t>
+            </a:r>
+            <a:r>
+              <a:rPr lang="de-DE" dirty="0"/>
+              <a:t> </a:t>
+            </a:r>
+            <a:r>
+              <a:rPr lang="de-DE" dirty="0" err="1"/>
+              <a:t>to</a:t>
+            </a:r>
+            <a:r>
+              <a:rPr lang="de-DE" dirty="0"/>
+              <a:t> </a:t>
+            </a:r>
+            <a:r>
+              <a:rPr lang="de-DE" dirty="0" err="1"/>
+              <a:t>make</a:t>
+            </a:r>
+            <a:r>
+              <a:rPr lang="de-DE" dirty="0"/>
+              <a:t> </a:t>
+            </a:r>
+            <a:r>
+              <a:rPr lang="de-DE" dirty="0" err="1"/>
+              <a:t>sure</a:t>
+            </a:r>
+            <a:r>
+              <a:rPr lang="de-DE" dirty="0"/>
+              <a:t> all </a:t>
+            </a:r>
+            <a:r>
+              <a:rPr lang="de-DE" dirty="0" err="1"/>
+              <a:t>the</a:t>
+            </a:r>
+            <a:r>
+              <a:rPr lang="de-DE" dirty="0"/>
+              <a:t> </a:t>
+            </a:r>
+            <a:r>
+              <a:rPr lang="de-DE" dirty="0" err="1"/>
+              <a:t>branches</a:t>
+            </a:r>
+            <a:r>
+              <a:rPr lang="de-DE" dirty="0"/>
+              <a:t> </a:t>
+            </a:r>
+            <a:r>
+              <a:rPr lang="de-DE" dirty="0" err="1"/>
+              <a:t>you</a:t>
+            </a:r>
+            <a:r>
+              <a:rPr lang="de-DE" dirty="0"/>
+              <a:t> </a:t>
+            </a:r>
+            <a:r>
+              <a:rPr lang="de-DE" dirty="0" err="1"/>
+              <a:t>would</a:t>
+            </a:r>
+            <a:r>
+              <a:rPr lang="de-DE" dirty="0"/>
+              <a:t> push out </a:t>
+            </a:r>
+            <a:r>
+              <a:rPr lang="de-DE" dirty="0" err="1"/>
+              <a:t>are</a:t>
+            </a:r>
+            <a:r>
+              <a:rPr lang="de-DE" dirty="0"/>
+              <a:t> </a:t>
+            </a:r>
+            <a:r>
+              <a:rPr lang="de-DE" dirty="0" err="1"/>
+              <a:t>ready</a:t>
+            </a:r>
+            <a:r>
+              <a:rPr lang="de-DE" dirty="0"/>
+              <a:t> </a:t>
+            </a:r>
+            <a:r>
+              <a:rPr lang="de-DE" dirty="0" err="1"/>
+              <a:t>to</a:t>
+            </a:r>
+            <a:r>
+              <a:rPr lang="de-DE" dirty="0"/>
+              <a:t> </a:t>
+            </a:r>
+            <a:r>
+              <a:rPr lang="de-DE" dirty="0" err="1"/>
+              <a:t>be</a:t>
+            </a:r>
+            <a:r>
+              <a:rPr lang="de-DE" dirty="0"/>
+              <a:t> </a:t>
+            </a:r>
+            <a:r>
+              <a:rPr lang="de-DE" dirty="0" err="1"/>
+              <a:t>pushed</a:t>
+            </a:r>
+            <a:r>
+              <a:rPr lang="de-DE" dirty="0"/>
+              <a:t> out </a:t>
+            </a:r>
+            <a:r>
+              <a:rPr lang="de-DE" dirty="0" err="1"/>
+              <a:t>before</a:t>
+            </a:r>
+            <a:r>
+              <a:rPr lang="de-DE" dirty="0"/>
+              <a:t> </a:t>
+            </a:r>
+            <a:r>
+              <a:rPr lang="de-DE" dirty="0" err="1"/>
+              <a:t>running</a:t>
+            </a:r>
+            <a:r>
+              <a:rPr lang="de-DE" dirty="0"/>
+              <a:t> </a:t>
+            </a:r>
+            <a:r>
+              <a:rPr lang="de-DE" dirty="0" err="1"/>
+              <a:t>git</a:t>
+            </a:r>
+            <a:r>
+              <a:rPr lang="de-DE" dirty="0"/>
+              <a:t> push, </a:t>
+            </a:r>
+            <a:r>
+              <a:rPr lang="de-DE" dirty="0" err="1"/>
+              <a:t>as</a:t>
+            </a:r>
+            <a:r>
+              <a:rPr lang="de-DE" dirty="0"/>
+              <a:t> </a:t>
+            </a:r>
+            <a:r>
+              <a:rPr lang="de-DE" dirty="0" err="1"/>
+              <a:t>the</a:t>
+            </a:r>
+            <a:r>
+              <a:rPr lang="de-DE" dirty="0"/>
+              <a:t> </a:t>
+            </a:r>
+            <a:r>
+              <a:rPr lang="de-DE" dirty="0" err="1"/>
+              <a:t>whole</a:t>
+            </a:r>
+            <a:r>
+              <a:rPr lang="de-DE" dirty="0"/>
+              <a:t> </a:t>
+            </a:r>
+            <a:r>
+              <a:rPr lang="de-DE" dirty="0" err="1"/>
+              <a:t>point</a:t>
+            </a:r>
+            <a:r>
+              <a:rPr lang="de-DE" dirty="0"/>
+              <a:t> </a:t>
+            </a:r>
+            <a:r>
+              <a:rPr lang="de-DE" dirty="0" err="1"/>
+              <a:t>of</a:t>
+            </a:r>
+            <a:r>
+              <a:rPr lang="de-DE" dirty="0"/>
+              <a:t> </a:t>
+            </a:r>
+            <a:r>
+              <a:rPr lang="de-DE" dirty="0" err="1"/>
+              <a:t>this</a:t>
+            </a:r>
+            <a:r>
+              <a:rPr lang="de-DE" dirty="0"/>
+              <a:t> </a:t>
+            </a:r>
+            <a:r>
+              <a:rPr lang="de-DE" dirty="0" err="1"/>
+              <a:t>mode</a:t>
+            </a:r>
+            <a:r>
+              <a:rPr lang="de-DE" dirty="0"/>
+              <a:t> </a:t>
+            </a:r>
+            <a:r>
+              <a:rPr lang="de-DE" dirty="0" err="1"/>
+              <a:t>is</a:t>
+            </a:r>
+            <a:r>
+              <a:rPr lang="de-DE" dirty="0"/>
+              <a:t> </a:t>
+            </a:r>
+            <a:r>
+              <a:rPr lang="de-DE" dirty="0" err="1"/>
+              <a:t>to</a:t>
+            </a:r>
+            <a:r>
+              <a:rPr lang="de-DE" dirty="0"/>
+              <a:t> </a:t>
+            </a:r>
+            <a:r>
+              <a:rPr lang="de-DE" dirty="0" err="1"/>
+              <a:t>allow</a:t>
+            </a:r>
+            <a:r>
+              <a:rPr lang="de-DE" dirty="0"/>
+              <a:t> </a:t>
+            </a:r>
+            <a:r>
+              <a:rPr lang="de-DE" dirty="0" err="1"/>
+              <a:t>you</a:t>
+            </a:r>
+            <a:r>
+              <a:rPr lang="de-DE" dirty="0"/>
+              <a:t> </a:t>
+            </a:r>
+            <a:r>
+              <a:rPr lang="de-DE" dirty="0" err="1"/>
+              <a:t>to</a:t>
+            </a:r>
+            <a:r>
+              <a:rPr lang="de-DE" dirty="0"/>
+              <a:t> push all </a:t>
+            </a:r>
+            <a:r>
+              <a:rPr lang="de-DE" dirty="0" err="1"/>
+              <a:t>of</a:t>
+            </a:r>
+            <a:r>
+              <a:rPr lang="de-DE" dirty="0"/>
+              <a:t> </a:t>
+            </a:r>
+            <a:r>
+              <a:rPr lang="de-DE" dirty="0" err="1"/>
+              <a:t>the</a:t>
+            </a:r>
+            <a:r>
+              <a:rPr lang="de-DE" dirty="0"/>
+              <a:t> </a:t>
+            </a:r>
+            <a:r>
+              <a:rPr lang="de-DE" dirty="0" err="1"/>
+              <a:t>branches</a:t>
+            </a:r>
+            <a:r>
+              <a:rPr lang="de-DE" dirty="0"/>
+              <a:t> in </a:t>
+            </a:r>
+            <a:r>
+              <a:rPr lang="de-DE" dirty="0" err="1"/>
+              <a:t>one</a:t>
+            </a:r>
+            <a:r>
+              <a:rPr lang="de-DE" dirty="0"/>
+              <a:t> </a:t>
+            </a:r>
+            <a:r>
+              <a:rPr lang="de-DE" dirty="0" err="1"/>
+              <a:t>go</a:t>
+            </a:r>
+            <a:r>
+              <a:rPr lang="de-DE" dirty="0"/>
+              <a:t>. </a:t>
+            </a:r>
+            <a:r>
+              <a:rPr lang="de-DE" dirty="0" err="1"/>
+              <a:t>If</a:t>
+            </a:r>
+            <a:r>
+              <a:rPr lang="de-DE" dirty="0"/>
+              <a:t> </a:t>
+            </a:r>
+            <a:r>
+              <a:rPr lang="de-DE" dirty="0" err="1"/>
+              <a:t>you</a:t>
+            </a:r>
+            <a:r>
+              <a:rPr lang="de-DE" dirty="0"/>
+              <a:t> </a:t>
+            </a:r>
+            <a:r>
+              <a:rPr lang="de-DE" dirty="0" err="1"/>
+              <a:t>usually</a:t>
+            </a:r>
+            <a:r>
+              <a:rPr lang="de-DE" dirty="0"/>
+              <a:t> finish </a:t>
+            </a:r>
+            <a:r>
+              <a:rPr lang="de-DE" dirty="0" err="1"/>
+              <a:t>work</a:t>
+            </a:r>
+            <a:r>
+              <a:rPr lang="de-DE" dirty="0"/>
+              <a:t> on </a:t>
+            </a:r>
+            <a:r>
+              <a:rPr lang="de-DE" dirty="0" err="1"/>
+              <a:t>only</a:t>
+            </a:r>
+            <a:r>
+              <a:rPr lang="de-DE" dirty="0"/>
+              <a:t> </a:t>
+            </a:r>
+            <a:r>
+              <a:rPr lang="de-DE" dirty="0" err="1"/>
+              <a:t>one</a:t>
+            </a:r>
+            <a:r>
+              <a:rPr lang="de-DE" dirty="0"/>
+              <a:t> </a:t>
+            </a:r>
+            <a:r>
+              <a:rPr lang="de-DE" dirty="0" err="1"/>
+              <a:t>branch</a:t>
+            </a:r>
+            <a:r>
+              <a:rPr lang="de-DE" dirty="0"/>
+              <a:t> </a:t>
+            </a:r>
+            <a:r>
+              <a:rPr lang="de-DE" dirty="0" err="1"/>
+              <a:t>and</a:t>
+            </a:r>
+            <a:r>
+              <a:rPr lang="de-DE" dirty="0"/>
+              <a:t> push out </a:t>
+            </a:r>
+            <a:r>
+              <a:rPr lang="de-DE" dirty="0" err="1"/>
+              <a:t>the</a:t>
+            </a:r>
+            <a:r>
+              <a:rPr lang="de-DE" dirty="0"/>
+              <a:t> </a:t>
+            </a:r>
+            <a:r>
+              <a:rPr lang="de-DE" dirty="0" err="1"/>
+              <a:t>result</a:t>
+            </a:r>
+            <a:r>
+              <a:rPr lang="de-DE" dirty="0"/>
+              <a:t>, </a:t>
+            </a:r>
+            <a:r>
+              <a:rPr lang="de-DE" dirty="0" err="1"/>
+              <a:t>while</a:t>
+            </a:r>
+            <a:r>
+              <a:rPr lang="de-DE" dirty="0"/>
+              <a:t> </a:t>
+            </a:r>
+            <a:r>
+              <a:rPr lang="de-DE" dirty="0" err="1"/>
+              <a:t>other</a:t>
+            </a:r>
+            <a:r>
+              <a:rPr lang="de-DE" dirty="0"/>
+              <a:t> </a:t>
+            </a:r>
+            <a:r>
+              <a:rPr lang="de-DE" dirty="0" err="1"/>
+              <a:t>branches</a:t>
+            </a:r>
+            <a:r>
+              <a:rPr lang="de-DE" dirty="0"/>
+              <a:t> </a:t>
+            </a:r>
+            <a:r>
+              <a:rPr lang="de-DE" dirty="0" err="1"/>
+              <a:t>are</a:t>
+            </a:r>
+            <a:r>
+              <a:rPr lang="de-DE" dirty="0"/>
+              <a:t> </a:t>
+            </a:r>
+            <a:r>
+              <a:rPr lang="de-DE" dirty="0" err="1"/>
+              <a:t>unfinished</a:t>
+            </a:r>
+            <a:r>
+              <a:rPr lang="de-DE" dirty="0"/>
+              <a:t>, </a:t>
+            </a:r>
+            <a:r>
+              <a:rPr lang="de-DE" dirty="0" err="1"/>
+              <a:t>this</a:t>
+            </a:r>
+            <a:r>
+              <a:rPr lang="de-DE" dirty="0"/>
+              <a:t> </a:t>
+            </a:r>
+            <a:r>
+              <a:rPr lang="de-DE" dirty="0" err="1"/>
+              <a:t>mode</a:t>
+            </a:r>
+            <a:r>
+              <a:rPr lang="de-DE" dirty="0"/>
+              <a:t> </a:t>
+            </a:r>
+            <a:r>
+              <a:rPr lang="de-DE" dirty="0" err="1"/>
+              <a:t>is</a:t>
+            </a:r>
+            <a:r>
+              <a:rPr lang="de-DE" dirty="0"/>
+              <a:t> not </a:t>
+            </a:r>
+            <a:r>
+              <a:rPr lang="de-DE" dirty="0" err="1"/>
+              <a:t>for</a:t>
+            </a:r>
+            <a:r>
+              <a:rPr lang="de-DE" dirty="0"/>
+              <a:t> </a:t>
+            </a:r>
+            <a:r>
+              <a:rPr lang="de-DE" dirty="0" err="1"/>
+              <a:t>you</a:t>
+            </a:r>
+            <a:r>
+              <a:rPr lang="de-DE" dirty="0"/>
+              <a:t>. Also </a:t>
+            </a:r>
+            <a:r>
+              <a:rPr lang="de-DE" dirty="0" err="1"/>
+              <a:t>this</a:t>
+            </a:r>
+            <a:r>
+              <a:rPr lang="de-DE" dirty="0"/>
+              <a:t> </a:t>
+            </a:r>
+            <a:r>
+              <a:rPr lang="de-DE" dirty="0" err="1"/>
+              <a:t>mode</a:t>
+            </a:r>
+            <a:r>
+              <a:rPr lang="de-DE" dirty="0"/>
+              <a:t> </a:t>
+            </a:r>
+            <a:r>
+              <a:rPr lang="de-DE" dirty="0" err="1"/>
+              <a:t>is</a:t>
+            </a:r>
+            <a:r>
+              <a:rPr lang="de-DE" dirty="0"/>
+              <a:t> not </a:t>
+            </a:r>
+            <a:r>
+              <a:rPr lang="de-DE" dirty="0" err="1"/>
+              <a:t>suitable</a:t>
+            </a:r>
+            <a:r>
+              <a:rPr lang="de-DE" dirty="0"/>
+              <a:t> </a:t>
+            </a:r>
+            <a:r>
+              <a:rPr lang="de-DE" dirty="0" err="1"/>
+              <a:t>for</a:t>
+            </a:r>
+            <a:r>
+              <a:rPr lang="de-DE" dirty="0"/>
+              <a:t> </a:t>
+            </a:r>
+            <a:r>
+              <a:rPr lang="de-DE" dirty="0" err="1"/>
+              <a:t>pushing</a:t>
+            </a:r>
+            <a:r>
+              <a:rPr lang="de-DE" dirty="0"/>
+              <a:t> </a:t>
+            </a:r>
+            <a:r>
+              <a:rPr lang="de-DE" dirty="0" err="1"/>
+              <a:t>into</a:t>
+            </a:r>
+            <a:r>
+              <a:rPr lang="de-DE" dirty="0"/>
+              <a:t> a </a:t>
+            </a:r>
+            <a:r>
+              <a:rPr lang="de-DE" dirty="0" err="1"/>
+              <a:t>shared</a:t>
+            </a:r>
+            <a:r>
+              <a:rPr lang="de-DE" dirty="0"/>
+              <a:t> </a:t>
+            </a:r>
+            <a:r>
+              <a:rPr lang="de-DE" dirty="0" err="1"/>
+              <a:t>central</a:t>
+            </a:r>
+            <a:r>
+              <a:rPr lang="de-DE" dirty="0"/>
+              <a:t> </a:t>
+            </a:r>
+            <a:r>
+              <a:rPr lang="de-DE" dirty="0" err="1"/>
+              <a:t>repository</a:t>
+            </a:r>
+            <a:r>
+              <a:rPr lang="de-DE" dirty="0"/>
+              <a:t>, </a:t>
+            </a:r>
+            <a:r>
+              <a:rPr lang="de-DE" dirty="0" err="1"/>
+              <a:t>as</a:t>
+            </a:r>
+            <a:r>
+              <a:rPr lang="de-DE" dirty="0"/>
+              <a:t> </a:t>
+            </a:r>
+            <a:r>
+              <a:rPr lang="de-DE" dirty="0" err="1"/>
+              <a:t>other</a:t>
+            </a:r>
+            <a:r>
+              <a:rPr lang="de-DE" dirty="0"/>
+              <a:t> </a:t>
+            </a:r>
+            <a:r>
+              <a:rPr lang="de-DE" dirty="0" err="1"/>
+              <a:t>people</a:t>
+            </a:r>
+            <a:r>
+              <a:rPr lang="de-DE" dirty="0"/>
+              <a:t> </a:t>
+            </a:r>
+            <a:r>
+              <a:rPr lang="de-DE" dirty="0" err="1"/>
+              <a:t>may</a:t>
+            </a:r>
+            <a:r>
+              <a:rPr lang="de-DE" dirty="0"/>
+              <a:t> </a:t>
+            </a:r>
+            <a:r>
+              <a:rPr lang="de-DE" dirty="0" err="1"/>
+              <a:t>add</a:t>
+            </a:r>
+            <a:r>
+              <a:rPr lang="de-DE" dirty="0"/>
+              <a:t> </a:t>
+            </a:r>
+            <a:r>
+              <a:rPr lang="de-DE" dirty="0" err="1"/>
+              <a:t>new</a:t>
+            </a:r>
+            <a:r>
+              <a:rPr lang="de-DE" dirty="0"/>
+              <a:t> </a:t>
+            </a:r>
+            <a:r>
+              <a:rPr lang="de-DE" dirty="0" err="1"/>
+              <a:t>branches</a:t>
+            </a:r>
+            <a:r>
+              <a:rPr lang="de-DE" dirty="0"/>
+              <a:t> </a:t>
+            </a:r>
+            <a:r>
+              <a:rPr lang="de-DE" dirty="0" err="1"/>
+              <a:t>there</a:t>
+            </a:r>
+            <a:r>
+              <a:rPr lang="de-DE" dirty="0"/>
+              <a:t>, </a:t>
+            </a:r>
+            <a:r>
+              <a:rPr lang="de-DE" dirty="0" err="1"/>
+              <a:t>or</a:t>
+            </a:r>
+            <a:r>
+              <a:rPr lang="de-DE" dirty="0"/>
+              <a:t> update </a:t>
+            </a:r>
+            <a:r>
+              <a:rPr lang="de-DE" dirty="0" err="1"/>
+              <a:t>the</a:t>
+            </a:r>
+            <a:r>
+              <a:rPr lang="de-DE" dirty="0"/>
+              <a:t> </a:t>
+            </a:r>
+            <a:r>
+              <a:rPr lang="de-DE" dirty="0" err="1"/>
+              <a:t>tip</a:t>
+            </a:r>
+            <a:r>
+              <a:rPr lang="de-DE" dirty="0"/>
+              <a:t> </a:t>
+            </a:r>
+            <a:r>
+              <a:rPr lang="de-DE" dirty="0" err="1"/>
+              <a:t>of</a:t>
+            </a:r>
+            <a:r>
+              <a:rPr lang="de-DE" dirty="0"/>
+              <a:t> </a:t>
+            </a:r>
+            <a:r>
+              <a:rPr lang="de-DE" dirty="0" err="1"/>
+              <a:t>existing</a:t>
+            </a:r>
+            <a:r>
+              <a:rPr lang="de-DE" dirty="0"/>
+              <a:t> </a:t>
+            </a:r>
+            <a:r>
+              <a:rPr lang="de-DE" dirty="0" err="1"/>
+              <a:t>branches</a:t>
+            </a:r>
+            <a:r>
+              <a:rPr lang="de-DE" dirty="0"/>
+              <a:t> outside </a:t>
+            </a:r>
+            <a:r>
+              <a:rPr lang="de-DE" dirty="0" err="1"/>
+              <a:t>your</a:t>
+            </a:r>
+            <a:r>
+              <a:rPr lang="de-DE" dirty="0"/>
+              <a:t> </a:t>
+            </a:r>
+            <a:r>
+              <a:rPr lang="de-DE" dirty="0" err="1"/>
+              <a:t>control</a:t>
+            </a:r>
+            <a:r>
+              <a:rPr lang="de-DE" dirty="0"/>
+              <a:t>.</a:t>
+            </a:r>
+          </a:p>
+          <a:p>
+            <a:pPr marL="0" indent="0">
+              <a:buNone/>
+            </a:pPr>
+            <a:endParaRPr lang="de-DE" dirty="0"/>
+          </a:p>
+          <a:p>
+            <a:pPr marL="0" indent="0">
+              <a:buNone/>
+            </a:pPr>
+            <a:r>
+              <a:rPr lang="de-DE" dirty="0"/>
+              <a:t>This </a:t>
+            </a:r>
+            <a:r>
+              <a:rPr lang="de-DE" dirty="0" err="1"/>
+              <a:t>used</a:t>
+            </a:r>
+            <a:r>
+              <a:rPr lang="de-DE" dirty="0"/>
+              <a:t> </a:t>
+            </a:r>
+            <a:r>
+              <a:rPr lang="de-DE" dirty="0" err="1"/>
+              <a:t>to</a:t>
+            </a:r>
+            <a:r>
+              <a:rPr lang="de-DE" dirty="0"/>
+              <a:t> </a:t>
+            </a:r>
+            <a:r>
+              <a:rPr lang="de-DE" dirty="0" err="1"/>
+              <a:t>be</a:t>
+            </a:r>
+            <a:r>
+              <a:rPr lang="de-DE" dirty="0"/>
+              <a:t> </a:t>
+            </a:r>
+            <a:r>
+              <a:rPr lang="de-DE" dirty="0" err="1"/>
+              <a:t>the</a:t>
+            </a:r>
+            <a:r>
+              <a:rPr lang="de-DE" dirty="0"/>
+              <a:t> </a:t>
+            </a:r>
+            <a:r>
+              <a:rPr lang="de-DE" dirty="0" err="1"/>
+              <a:t>default</a:t>
+            </a:r>
+            <a:r>
+              <a:rPr lang="de-DE" dirty="0"/>
+              <a:t>, but not </a:t>
+            </a:r>
+            <a:r>
+              <a:rPr lang="de-DE" dirty="0" err="1"/>
+              <a:t>since</a:t>
+            </a:r>
+            <a:r>
+              <a:rPr lang="de-DE" dirty="0"/>
+              <a:t> </a:t>
+            </a:r>
+            <a:r>
+              <a:rPr lang="de-DE" dirty="0" err="1"/>
+              <a:t>Git</a:t>
+            </a:r>
+            <a:r>
+              <a:rPr lang="de-DE" dirty="0"/>
+              <a:t> 2.0 (simple </a:t>
+            </a:r>
+            <a:r>
+              <a:rPr lang="de-DE" dirty="0" err="1"/>
+              <a:t>is</a:t>
+            </a:r>
+            <a:r>
+              <a:rPr lang="de-DE" dirty="0"/>
+              <a:t> </a:t>
+            </a:r>
+            <a:r>
+              <a:rPr lang="de-DE" dirty="0" err="1"/>
+              <a:t>the</a:t>
+            </a:r>
+            <a:r>
+              <a:rPr lang="de-DE" dirty="0"/>
+              <a:t> </a:t>
+            </a:r>
+            <a:r>
+              <a:rPr lang="de-DE" dirty="0" err="1"/>
+              <a:t>new</a:t>
+            </a:r>
+            <a:r>
+              <a:rPr lang="de-DE" dirty="0"/>
+              <a:t> </a:t>
+            </a:r>
+            <a:r>
+              <a:rPr lang="de-DE" dirty="0" err="1"/>
+              <a:t>default</a:t>
+            </a:r>
+            <a:r>
+              <a:rPr lang="de-DE" dirty="0"/>
+              <a:t>).</a:t>
+            </a:r>
+            <a:endParaRPr lang="de-DE" dirty="0"/>
+          </a:p>
+          <a:p>
+            <a:endParaRPr lang="de-DE" dirty="0"/>
+          </a:p>
+          <a:p>
+            <a:r>
+              <a:rPr lang="de-DE" dirty="0">
+                <a:hlinkClick r:id="rId2"/>
+              </a:rPr>
+              <a:t>http://git-scm.com/docs/git-</a:t>
+            </a:r>
+            <a:r>
+              <a:rPr lang="de-DE" dirty="0" smtClean="0">
+                <a:hlinkClick r:id="rId2"/>
+              </a:rPr>
+              <a:t>config</a:t>
+            </a:r>
+            <a:endParaRPr lang="de-DE" dirty="0" smtClean="0"/>
+          </a:p>
+          <a:p>
+            <a:endParaRPr lang="de-DE" dirty="0"/>
+          </a:p>
+        </p:txBody>
+      </p:sp>
+    </p:spTree>
+    <p:extLst>
+      <p:ext uri="{BB962C8B-B14F-4D97-AF65-F5344CB8AC3E}">
+        <p14:creationId xmlns:p14="http://schemas.microsoft.com/office/powerpoint/2010/main" val="792931025"/>
+      </p:ext>
+    </p:extLst>
+  </p:cSld>
+  <p:clrMapOvr>
+    <a:masterClrMapping/>
+  </p:clrMapOvr>
+</p:sld>
+</file>
+
+<file path=ppt/slides/slide11.xml><?xml version="1.0" encoding="utf-8"?>
+<p:sld xmlns:a="http://schemas.openxmlformats.org/drawingml/2006/main" xmlns:r="http://schemas.openxmlformats.org/officeDocument/2006/relationships" xmlns:p="http://schemas.openxmlformats.org/presentationml/2006/main">
+  <p:cSld>
+    <p:spTree>
+      <p:nvGrpSpPr>
+        <p:cNvPr id="1" name=""/>
+        <p:cNvGrpSpPr/>
+        <p:nvPr/>
+      </p:nvGrpSpPr>
+      <p:grpSpPr>
+        <a:xfrm>
+          <a:off x="0" y="0"/>
+          <a:ext cx="0" cy="0"/>
+          <a:chOff x="0" y="0"/>
+          <a:chExt cx="0" cy="0"/>
+        </a:xfrm>
+      </p:grpSpPr>
+      <p:sp>
+        <p:nvSpPr>
+          <p:cNvPr id="2" name="Titel 1"/>
+          <p:cNvSpPr>
+            <a:spLocks noGrp="1"/>
+          </p:cNvSpPr>
+          <p:nvPr>
+            <p:ph type="title"/>
+          </p:nvPr>
+        </p:nvSpPr>
+        <p:spPr/>
+        <p:txBody>
+          <a:bodyPr>
+            <a:normAutofit/>
+          </a:bodyPr>
+          <a:lstStyle/>
+          <a:p>
+            <a:r>
+              <a:rPr lang="de-DE" dirty="0" smtClean="0"/>
+              <a:t>GIT INTERNAS: PUSH.DEFAULT 2</a:t>
             </a:r>
             <a:endParaRPr lang="de-DE" dirty="0"/>
           </a:p>
@@ -2027,9 +4715,110 @@
           <a:lstStyle/>
           <a:p>
             <a:r>
-              <a:rPr lang="de-DE" dirty="0" smtClean="0"/>
-              <a:t>RENE</a:t>
-            </a:r>
+              <a:rPr lang="de-DE" dirty="0" err="1" smtClean="0"/>
+              <a:t>Push.default</a:t>
+            </a:r>
+            <a:endParaRPr lang="de-DE" dirty="0" smtClean="0"/>
+          </a:p>
+          <a:p>
+            <a:pPr lvl="1"/>
+            <a:r>
+              <a:rPr lang="de-DE" dirty="0" smtClean="0"/>
+              <a:t>Simple: Nur aktueller </a:t>
+            </a:r>
+            <a:r>
+              <a:rPr lang="de-DE" dirty="0" err="1" smtClean="0"/>
+              <a:t>Branch</a:t>
+            </a:r>
+            <a:endParaRPr lang="de-DE" dirty="0" smtClean="0"/>
+          </a:p>
+          <a:p>
+            <a:pPr lvl="1"/>
+            <a:r>
+              <a:rPr lang="de-DE" dirty="0" err="1" smtClean="0"/>
+              <a:t>Matching</a:t>
+            </a:r>
+            <a:r>
+              <a:rPr lang="de-DE" dirty="0" smtClean="0"/>
+              <a:t>: Alle </a:t>
+            </a:r>
+            <a:r>
+              <a:rPr lang="de-DE" dirty="0" err="1" smtClean="0"/>
+              <a:t>Branches</a:t>
+            </a:r>
+            <a:r>
+              <a:rPr lang="de-DE" dirty="0" smtClean="0"/>
+              <a:t>, zu denen es ein Remote-</a:t>
+            </a:r>
+            <a:r>
+              <a:rPr lang="de-DE" dirty="0" err="1" smtClean="0"/>
+              <a:t>Branch</a:t>
+            </a:r>
+            <a:r>
+              <a:rPr lang="de-DE" dirty="0" smtClean="0"/>
+              <a:t> gleichen Namens gibt</a:t>
+            </a:r>
+          </a:p>
+          <a:p>
+            <a:r>
+              <a:rPr lang="de-DE" dirty="0" smtClean="0"/>
+              <a:t>Vor </a:t>
+            </a:r>
+            <a:r>
+              <a:rPr lang="de-DE" dirty="0" err="1" smtClean="0"/>
+              <a:t>git</a:t>
+            </a:r>
+            <a:r>
+              <a:rPr lang="de-DE" dirty="0"/>
+              <a:t> </a:t>
+            </a:r>
+            <a:r>
+              <a:rPr lang="de-DE" dirty="0" smtClean="0"/>
+              <a:t>2.0: war </a:t>
+            </a:r>
+            <a:r>
+              <a:rPr lang="de-DE" dirty="0" err="1" smtClean="0"/>
+              <a:t>matching</a:t>
+            </a:r>
+            <a:r>
+              <a:rPr lang="de-DE" dirty="0" smtClean="0"/>
+              <a:t> der Default,</a:t>
+            </a:r>
+          </a:p>
+          <a:p>
+            <a:r>
+              <a:rPr lang="de-DE" dirty="0" smtClean="0"/>
+              <a:t>Seit 2.0 ist simple der </a:t>
+            </a:r>
+            <a:r>
+              <a:rPr lang="de-DE" dirty="0" err="1" smtClean="0"/>
+              <a:t>default</a:t>
+            </a:r>
+            <a:endParaRPr lang="de-DE" dirty="0" smtClean="0"/>
+          </a:p>
+          <a:p>
+            <a:r>
+              <a:rPr lang="de-DE" dirty="0"/>
+              <a:t>http://</a:t>
+            </a:r>
+            <a:r>
+              <a:rPr lang="de-DE" dirty="0" err="1"/>
+              <a:t>blog.nicoschuele.com</a:t>
+            </a:r>
+            <a:r>
+              <a:rPr lang="de-DE" dirty="0"/>
+              <a:t>/</a:t>
+            </a:r>
+            <a:r>
+              <a:rPr lang="de-DE" dirty="0" err="1"/>
+              <a:t>posts</a:t>
+            </a:r>
+            <a:r>
+              <a:rPr lang="de-DE" dirty="0"/>
+              <a:t>/git-2-0-changes-push-default-to-simple</a:t>
+            </a:r>
+          </a:p>
+          <a:p>
             <a:endParaRPr lang="de-DE" dirty="0"/>
           </a:p>
           <a:p>
@@ -2043,7 +4832,7 @@
     </p:spTree>
     <p:extLst>
       <p:ext uri="{BB962C8B-B14F-4D97-AF65-F5344CB8AC3E}">
-        <p14:creationId xmlns:p14="http://schemas.microsoft.com/office/powerpoint/2010/main" val="792931025"/>
+        <p14:creationId xmlns:p14="http://schemas.microsoft.com/office/powerpoint/2010/main" val="1991730323"/>
       </p:ext>
     </p:extLst>
   </p:cSld>
@@ -2053,7 +4842,219 @@
 </p:sld>
 </file>
 
-<file path=ppt/slides/slide11.xml><?xml version="1.0" encoding="utf-8"?>
+<file path=ppt/slides/slide12.xml><?xml version="1.0" encoding="utf-8"?>
+<p:sld xmlns:a="http://schemas.openxmlformats.org/drawingml/2006/main" xmlns:r="http://schemas.openxmlformats.org/officeDocument/2006/relationships" xmlns:p="http://schemas.openxmlformats.org/presentationml/2006/main">
+  <p:cSld>
+    <p:spTree>
+      <p:nvGrpSpPr>
+        <p:cNvPr id="1" name=""/>
+        <p:cNvGrpSpPr/>
+        <p:nvPr/>
+      </p:nvGrpSpPr>
+      <p:grpSpPr>
+        <a:xfrm>
+          <a:off x="0" y="0"/>
+          <a:ext cx="0" cy="0"/>
+          <a:chOff x="0" y="0"/>
+          <a:chExt cx="0" cy="0"/>
+        </a:xfrm>
+      </p:grpSpPr>
+      <p:sp>
+        <p:nvSpPr>
+          <p:cNvPr id="2" name="Titel 1"/>
+          <p:cNvSpPr>
+            <a:spLocks noGrp="1"/>
+          </p:cNvSpPr>
+          <p:nvPr>
+            <p:ph type="title"/>
+          </p:nvPr>
+        </p:nvSpPr>
+        <p:spPr/>
+        <p:txBody>
+          <a:bodyPr>
+            <a:normAutofit/>
+          </a:bodyPr>
+          <a:lstStyle/>
+          <a:p>
+            <a:r>
+              <a:rPr lang="de-DE" dirty="0" smtClean="0"/>
+              <a:t>GIT INTERNAS: PULL</a:t>
+            </a:r>
+            <a:endParaRPr lang="de-DE" dirty="0"/>
+          </a:p>
+        </p:txBody>
+      </p:sp>
+      <p:sp>
+        <p:nvSpPr>
+          <p:cNvPr id="3" name="Inhaltsplatzhalter 2"/>
+          <p:cNvSpPr>
+            <a:spLocks noGrp="1"/>
+          </p:cNvSpPr>
+          <p:nvPr>
+            <p:ph sz="quarter" idx="10"/>
+          </p:nvPr>
+        </p:nvSpPr>
+        <p:spPr/>
+        <p:txBody>
+          <a:bodyPr>
+            <a:normAutofit/>
+          </a:bodyPr>
+          <a:lstStyle/>
+          <a:p>
+            <a:r>
+              <a:rPr lang="de-DE" dirty="0" smtClean="0"/>
+              <a:t>PULL / FETCH / MERGE</a:t>
+            </a:r>
+          </a:p>
+          <a:p>
+            <a:r>
+              <a:rPr lang="de-DE" dirty="0" smtClean="0"/>
+              <a:t>Pull </a:t>
+            </a:r>
+            <a:r>
+              <a:rPr lang="de-DE" dirty="0" err="1" smtClean="0"/>
+              <a:t>rebase</a:t>
+            </a:r>
+            <a:endParaRPr lang="de-DE" dirty="0" smtClean="0"/>
+          </a:p>
+          <a:p>
+            <a:r>
+              <a:rPr lang="de-DE" dirty="0" smtClean="0"/>
+              <a:t>Pull </a:t>
+            </a:r>
+            <a:r>
+              <a:rPr lang="de-DE" dirty="0" err="1" smtClean="0"/>
+              <a:t>Config</a:t>
+            </a:r>
+            <a:endParaRPr lang="de-DE" dirty="0" smtClean="0"/>
+          </a:p>
+          <a:p>
+            <a:pPr lvl="1"/>
+            <a:r>
+              <a:rPr lang="de-DE" dirty="0" err="1" smtClean="0"/>
+              <a:t>Pull.rebase</a:t>
+            </a:r>
+            <a:endParaRPr lang="de-DE" dirty="0" smtClean="0"/>
+          </a:p>
+          <a:p>
+            <a:pPr lvl="1"/>
+            <a:r>
+              <a:rPr lang="de-DE" dirty="0" err="1" smtClean="0"/>
+              <a:t>Branch.autosetuprebase</a:t>
+            </a:r>
+            <a:endParaRPr lang="de-DE" dirty="0" smtClean="0"/>
+          </a:p>
+          <a:p>
+            <a:endParaRPr lang="de-DE" dirty="0"/>
+          </a:p>
+          <a:p>
+            <a:endParaRPr lang="de-DE" dirty="0"/>
+          </a:p>
+          <a:p>
+            <a:endParaRPr lang="de-DE" dirty="0"/>
+          </a:p>
+        </p:txBody>
+      </p:sp>
+    </p:spTree>
+    <p:extLst>
+      <p:ext uri="{BB962C8B-B14F-4D97-AF65-F5344CB8AC3E}">
+        <p14:creationId xmlns:p14="http://schemas.microsoft.com/office/powerpoint/2010/main" val="1082928923"/>
+      </p:ext>
+    </p:extLst>
+  </p:cSld>
+  <p:clrMapOvr>
+    <a:masterClrMapping/>
+  </p:clrMapOvr>
+</p:sld>
+</file>
+
+<file path=ppt/slides/slide13.xml><?xml version="1.0" encoding="utf-8"?>
+<p:sld xmlns:a="http://schemas.openxmlformats.org/drawingml/2006/main" xmlns:r="http://schemas.openxmlformats.org/officeDocument/2006/relationships" xmlns:p="http://schemas.openxmlformats.org/presentationml/2006/main">
+  <p:cSld>
+    <p:spTree>
+      <p:nvGrpSpPr>
+        <p:cNvPr id="1" name=""/>
+        <p:cNvGrpSpPr/>
+        <p:nvPr/>
+      </p:nvGrpSpPr>
+      <p:grpSpPr>
+        <a:xfrm>
+          <a:off x="0" y="0"/>
+          <a:ext cx="0" cy="0"/>
+          <a:chOff x="0" y="0"/>
+          <a:chExt cx="0" cy="0"/>
+        </a:xfrm>
+      </p:grpSpPr>
+      <p:sp>
+        <p:nvSpPr>
+          <p:cNvPr id="2" name="Titel 1"/>
+          <p:cNvSpPr>
+            <a:spLocks noGrp="1"/>
+          </p:cNvSpPr>
+          <p:nvPr>
+            <p:ph type="title"/>
+          </p:nvPr>
+        </p:nvSpPr>
+        <p:spPr/>
+        <p:txBody>
+          <a:bodyPr>
+            <a:normAutofit fontScale="90000"/>
+          </a:bodyPr>
+          <a:lstStyle/>
+          <a:p>
+            <a:r>
+              <a:rPr lang="de-DE" dirty="0" smtClean="0"/>
+              <a:t>BRANCHSTRATEGIE: ENTWICKLUNGSPROZESS</a:t>
+            </a:r>
+            <a:endParaRPr lang="de-DE" dirty="0"/>
+          </a:p>
+        </p:txBody>
+      </p:sp>
+      <p:sp>
+        <p:nvSpPr>
+          <p:cNvPr id="3" name="Inhaltsplatzhalter 2"/>
+          <p:cNvSpPr>
+            <a:spLocks noGrp="1"/>
+          </p:cNvSpPr>
+          <p:nvPr>
+            <p:ph sz="quarter" idx="10"/>
+          </p:nvPr>
+        </p:nvSpPr>
+        <p:spPr/>
+        <p:txBody>
+          <a:bodyPr>
+            <a:normAutofit/>
+          </a:bodyPr>
+          <a:lstStyle/>
+          <a:p>
+            <a:r>
+              <a:rPr lang="de-DE" dirty="0" smtClean="0"/>
+              <a:t>RENE</a:t>
+            </a:r>
+            <a:endParaRPr lang="de-DE" dirty="0"/>
+          </a:p>
+          <a:p>
+            <a:endParaRPr lang="de-DE" dirty="0"/>
+          </a:p>
+          <a:p>
+            <a:endParaRPr lang="de-DE" dirty="0"/>
+          </a:p>
+        </p:txBody>
+      </p:sp>
+    </p:spTree>
+    <p:extLst>
+      <p:ext uri="{BB962C8B-B14F-4D97-AF65-F5344CB8AC3E}">
+        <p14:creationId xmlns:p14="http://schemas.microsoft.com/office/powerpoint/2010/main" val="1887445126"/>
+      </p:ext>
+    </p:extLst>
+  </p:cSld>
+  <p:clrMapOvr>
+    <a:masterClrMapping/>
+  </p:clrMapOvr>
+</p:sld>
+</file>
+
+<file path=ppt/slides/slide14.xml><?xml version="1.0" encoding="utf-8"?>
 <p:sld xmlns:a="http://schemas.openxmlformats.org/drawingml/2006/main" xmlns:r="http://schemas.openxmlformats.org/officeDocument/2006/relationships" xmlns:p="http://schemas.openxmlformats.org/presentationml/2006/main">
   <p:cSld>
     <p:bg>
@@ -2273,591 +5274,6 @@
     <p:extLst>
       <p:ext uri="{BB962C8B-B14F-4D97-AF65-F5344CB8AC3E}">
         <p14:creationId xmlns:p14="http://schemas.microsoft.com/office/powerpoint/2010/main" val="2415652666"/>
-      </p:ext>
-    </p:extLst>
-  </p:cSld>
-  <p:clrMapOvr>
-    <a:masterClrMapping/>
-  </p:clrMapOvr>
-</p:sld>
-</file>
-
-<file path=ppt/slides/slide12.xml><?xml version="1.0" encoding="utf-8"?>
-<p:sld xmlns:a="http://schemas.openxmlformats.org/drawingml/2006/main" xmlns:r="http://schemas.openxmlformats.org/officeDocument/2006/relationships" xmlns:p="http://schemas.openxmlformats.org/presentationml/2006/main">
-  <p:cSld>
-    <p:spTree>
-      <p:nvGrpSpPr>
-        <p:cNvPr id="1" name=""/>
-        <p:cNvGrpSpPr/>
-        <p:nvPr/>
-      </p:nvGrpSpPr>
-      <p:grpSpPr>
-        <a:xfrm>
-          <a:off x="0" y="0"/>
-          <a:ext cx="0" cy="0"/>
-          <a:chOff x="0" y="0"/>
-          <a:chExt cx="0" cy="0"/>
-        </a:xfrm>
-      </p:grpSpPr>
-      <p:sp>
-        <p:nvSpPr>
-          <p:cNvPr id="2" name="Titel 1"/>
-          <p:cNvSpPr>
-            <a:spLocks noGrp="1"/>
-          </p:cNvSpPr>
-          <p:nvPr>
-            <p:ph type="title"/>
-          </p:nvPr>
-        </p:nvSpPr>
-        <p:spPr/>
-        <p:txBody>
-          <a:bodyPr/>
-          <a:lstStyle/>
-          <a:p>
-            <a:r>
-              <a:rPr lang="de-DE" dirty="0" smtClean="0"/>
-              <a:t>RELEASEPROZESS 1 - BRANCHES</a:t>
-            </a:r>
-            <a:endParaRPr lang="de-DE" dirty="0"/>
-          </a:p>
-        </p:txBody>
-      </p:sp>
-      <p:sp>
-        <p:nvSpPr>
-          <p:cNvPr id="3" name="Inhaltsplatzhalter 2"/>
-          <p:cNvSpPr>
-            <a:spLocks noGrp="1"/>
-          </p:cNvSpPr>
-          <p:nvPr>
-            <p:ph sz="quarter" idx="10"/>
-          </p:nvPr>
-        </p:nvSpPr>
-        <p:spPr/>
-        <p:txBody>
-          <a:bodyPr>
-            <a:normAutofit/>
-          </a:bodyPr>
-          <a:lstStyle/>
-          <a:p>
-            <a:r>
-              <a:rPr lang="de-DE" dirty="0" smtClean="0"/>
-              <a:t>Master: Fertige Releases</a:t>
-            </a:r>
-          </a:p>
-          <a:p>
-            <a:r>
-              <a:rPr lang="de-DE" dirty="0" err="1" smtClean="0"/>
-              <a:t>Develop</a:t>
-            </a:r>
-            <a:r>
-              <a:rPr lang="de-DE" dirty="0" smtClean="0"/>
-              <a:t>: für die Entwicklung</a:t>
-            </a:r>
-          </a:p>
-          <a:p>
-            <a:r>
-              <a:rPr lang="de-DE" dirty="0" smtClean="0"/>
-              <a:t>Auf </a:t>
-            </a:r>
-            <a:r>
-              <a:rPr lang="de-DE" dirty="0" err="1" smtClean="0"/>
-              <a:t>Develop</a:t>
-            </a:r>
-            <a:r>
-              <a:rPr lang="de-DE" dirty="0" smtClean="0"/>
-              <a:t>: </a:t>
-            </a:r>
-            <a:r>
-              <a:rPr lang="de-DE" dirty="0" err="1" smtClean="0"/>
-              <a:t>ggf</a:t>
-            </a:r>
-            <a:r>
-              <a:rPr lang="de-DE" dirty="0" smtClean="0"/>
-              <a:t> Feature-</a:t>
-            </a:r>
-            <a:r>
-              <a:rPr lang="de-DE" dirty="0" err="1" smtClean="0"/>
-              <a:t>Branches</a:t>
-            </a:r>
-            <a:endParaRPr lang="de-DE" dirty="0" smtClean="0"/>
-          </a:p>
-          <a:p>
-            <a:pPr lvl="1"/>
-            <a:r>
-              <a:rPr lang="de-DE" dirty="0" smtClean="0"/>
-              <a:t>Verweis auf vorherigen Abschnitt </a:t>
-            </a:r>
-            <a:r>
-              <a:rPr lang="de-DE" dirty="0" err="1" smtClean="0"/>
-              <a:t>Branches</a:t>
-            </a:r>
-            <a:endParaRPr lang="de-DE" dirty="0" smtClean="0"/>
-          </a:p>
-          <a:p>
-            <a:pPr lvl="1"/>
-            <a:endParaRPr lang="de-DE" dirty="0" smtClean="0"/>
-          </a:p>
-          <a:p>
-            <a:pPr lvl="1"/>
-            <a:endParaRPr lang="de-DE" dirty="0" smtClean="0"/>
-          </a:p>
-          <a:p>
-            <a:pPr lvl="1"/>
-            <a:endParaRPr lang="de-DE" dirty="0"/>
-          </a:p>
-          <a:p>
-            <a:endParaRPr lang="de-DE" dirty="0"/>
-          </a:p>
-        </p:txBody>
-      </p:sp>
-    </p:spTree>
-    <p:extLst>
-      <p:ext uri="{BB962C8B-B14F-4D97-AF65-F5344CB8AC3E}">
-        <p14:creationId xmlns:p14="http://schemas.microsoft.com/office/powerpoint/2010/main" val="1878629940"/>
-      </p:ext>
-    </p:extLst>
-  </p:cSld>
-  <p:clrMapOvr>
-    <a:masterClrMapping/>
-  </p:clrMapOvr>
-</p:sld>
-</file>
-
-<file path=ppt/slides/slide13.xml><?xml version="1.0" encoding="utf-8"?>
-<p:sld xmlns:a="http://schemas.openxmlformats.org/drawingml/2006/main" xmlns:r="http://schemas.openxmlformats.org/officeDocument/2006/relationships" xmlns:p="http://schemas.openxmlformats.org/presentationml/2006/main">
-  <p:cSld>
-    <p:spTree>
-      <p:nvGrpSpPr>
-        <p:cNvPr id="1" name=""/>
-        <p:cNvGrpSpPr/>
-        <p:nvPr/>
-      </p:nvGrpSpPr>
-      <p:grpSpPr>
-        <a:xfrm>
-          <a:off x="0" y="0"/>
-          <a:ext cx="0" cy="0"/>
-          <a:chOff x="0" y="0"/>
-          <a:chExt cx="0" cy="0"/>
-        </a:xfrm>
-      </p:grpSpPr>
-      <p:sp>
-        <p:nvSpPr>
-          <p:cNvPr id="2" name="Titel 1"/>
-          <p:cNvSpPr>
-            <a:spLocks noGrp="1"/>
-          </p:cNvSpPr>
-          <p:nvPr>
-            <p:ph type="title"/>
-          </p:nvPr>
-        </p:nvSpPr>
-        <p:spPr/>
-        <p:txBody>
-          <a:bodyPr/>
-          <a:lstStyle/>
-          <a:p>
-            <a:r>
-              <a:rPr lang="de-DE" dirty="0" smtClean="0"/>
-              <a:t>RELEASEPROZESS 2 – RELEASE ERZEUGEN</a:t>
-            </a:r>
-            <a:endParaRPr lang="de-DE" dirty="0"/>
-          </a:p>
-        </p:txBody>
-      </p:sp>
-      <p:sp>
-        <p:nvSpPr>
-          <p:cNvPr id="3" name="Inhaltsplatzhalter 2"/>
-          <p:cNvSpPr>
-            <a:spLocks noGrp="1"/>
-          </p:cNvSpPr>
-          <p:nvPr>
-            <p:ph sz="quarter" idx="10"/>
-          </p:nvPr>
-        </p:nvSpPr>
-        <p:spPr/>
-        <p:txBody>
-          <a:bodyPr>
-            <a:normAutofit/>
-          </a:bodyPr>
-          <a:lstStyle/>
-          <a:p>
-            <a:r>
-              <a:rPr lang="de-DE" dirty="0" smtClean="0"/>
-              <a:t>Release-</a:t>
-            </a:r>
-            <a:r>
-              <a:rPr lang="de-DE" dirty="0" err="1" smtClean="0"/>
-              <a:t>Branch</a:t>
-            </a:r>
-            <a:r>
-              <a:rPr lang="de-DE" dirty="0" smtClean="0"/>
-              <a:t> erstellen</a:t>
-            </a:r>
-          </a:p>
-          <a:p>
-            <a:r>
-              <a:rPr lang="de-DE" dirty="0" smtClean="0"/>
-              <a:t>Release stabilisieren</a:t>
-            </a:r>
-          </a:p>
-          <a:p>
-            <a:r>
-              <a:rPr lang="de-DE" dirty="0" smtClean="0"/>
-              <a:t>Release-</a:t>
-            </a:r>
-            <a:r>
-              <a:rPr lang="de-DE" dirty="0" err="1" smtClean="0"/>
-              <a:t>Branch</a:t>
-            </a:r>
-            <a:r>
-              <a:rPr lang="de-DE" dirty="0" smtClean="0"/>
-              <a:t> auf </a:t>
-            </a:r>
-            <a:r>
-              <a:rPr lang="de-DE" dirty="0" err="1" smtClean="0"/>
-              <a:t>master</a:t>
-            </a:r>
-            <a:r>
-              <a:rPr lang="de-DE" dirty="0" smtClean="0"/>
-              <a:t> </a:t>
-            </a:r>
-            <a:r>
-              <a:rPr lang="de-DE" dirty="0" err="1" smtClean="0"/>
-              <a:t>mergen</a:t>
-            </a:r>
-            <a:endParaRPr lang="de-DE" dirty="0" smtClean="0"/>
-          </a:p>
-          <a:p>
-            <a:r>
-              <a:rPr lang="de-DE" dirty="0" smtClean="0"/>
-              <a:t>Release-</a:t>
-            </a:r>
-            <a:r>
-              <a:rPr lang="de-DE" dirty="0" err="1" smtClean="0"/>
-              <a:t>Branch</a:t>
-            </a:r>
-            <a:r>
-              <a:rPr lang="de-DE" dirty="0" smtClean="0"/>
-              <a:t> auf </a:t>
-            </a:r>
-            <a:r>
-              <a:rPr lang="de-DE" dirty="0" err="1" smtClean="0"/>
-              <a:t>develop</a:t>
-            </a:r>
-            <a:r>
-              <a:rPr lang="de-DE" dirty="0" smtClean="0"/>
-              <a:t> </a:t>
-            </a:r>
-            <a:r>
-              <a:rPr lang="de-DE" dirty="0" err="1" smtClean="0"/>
-              <a:t>mergen</a:t>
-            </a:r>
-            <a:endParaRPr lang="de-DE" dirty="0" smtClean="0"/>
-          </a:p>
-        </p:txBody>
-      </p:sp>
-    </p:spTree>
-    <p:extLst>
-      <p:ext uri="{BB962C8B-B14F-4D97-AF65-F5344CB8AC3E}">
-        <p14:creationId xmlns:p14="http://schemas.microsoft.com/office/powerpoint/2010/main" val="3216525339"/>
-      </p:ext>
-    </p:extLst>
-  </p:cSld>
-  <p:clrMapOvr>
-    <a:masterClrMapping/>
-  </p:clrMapOvr>
-</p:sld>
-</file>
-
-<file path=ppt/slides/slide14.xml><?xml version="1.0" encoding="utf-8"?>
-<p:sld xmlns:a="http://schemas.openxmlformats.org/drawingml/2006/main" xmlns:r="http://schemas.openxmlformats.org/officeDocument/2006/relationships" xmlns:p="http://schemas.openxmlformats.org/presentationml/2006/main">
-  <p:cSld>
-    <p:spTree>
-      <p:nvGrpSpPr>
-        <p:cNvPr id="1" name=""/>
-        <p:cNvGrpSpPr/>
-        <p:nvPr/>
-      </p:nvGrpSpPr>
-      <p:grpSpPr>
-        <a:xfrm>
-          <a:off x="0" y="0"/>
-          <a:ext cx="0" cy="0"/>
-          <a:chOff x="0" y="0"/>
-          <a:chExt cx="0" cy="0"/>
-        </a:xfrm>
-      </p:grpSpPr>
-      <p:sp>
-        <p:nvSpPr>
-          <p:cNvPr id="2" name="Titel 1"/>
-          <p:cNvSpPr>
-            <a:spLocks noGrp="1"/>
-          </p:cNvSpPr>
-          <p:nvPr>
-            <p:ph type="title"/>
-          </p:nvPr>
-        </p:nvSpPr>
-        <p:spPr/>
-        <p:txBody>
-          <a:bodyPr/>
-          <a:lstStyle/>
-          <a:p>
-            <a:r>
-              <a:rPr lang="de-DE" dirty="0" smtClean="0"/>
-              <a:t>RELEASEPROZESS 3 - HOTFIXES</a:t>
-            </a:r>
-            <a:endParaRPr lang="de-DE" dirty="0"/>
-          </a:p>
-        </p:txBody>
-      </p:sp>
-      <p:sp>
-        <p:nvSpPr>
-          <p:cNvPr id="3" name="Inhaltsplatzhalter 2"/>
-          <p:cNvSpPr>
-            <a:spLocks noGrp="1"/>
-          </p:cNvSpPr>
-          <p:nvPr>
-            <p:ph sz="quarter" idx="10"/>
-          </p:nvPr>
-        </p:nvSpPr>
-        <p:spPr/>
-        <p:txBody>
-          <a:bodyPr>
-            <a:normAutofit fontScale="62500" lnSpcReduction="20000"/>
-          </a:bodyPr>
-          <a:lstStyle/>
-          <a:p>
-            <a:r>
-              <a:rPr lang="de-DE" dirty="0" smtClean="0"/>
-              <a:t>Hotfix-</a:t>
-            </a:r>
-            <a:r>
-              <a:rPr lang="de-DE" dirty="0" err="1" smtClean="0"/>
-              <a:t>Branch</a:t>
-            </a:r>
-            <a:endParaRPr lang="de-DE" dirty="0" smtClean="0"/>
-          </a:p>
-          <a:p>
-            <a:pPr lvl="1"/>
-            <a:r>
-              <a:rPr lang="de-DE" dirty="0" smtClean="0"/>
-              <a:t>Ein Hotfix-</a:t>
-            </a:r>
-            <a:r>
-              <a:rPr lang="de-DE" dirty="0" err="1" smtClean="0"/>
-              <a:t>Branch</a:t>
-            </a:r>
-            <a:r>
-              <a:rPr lang="de-DE" dirty="0" smtClean="0"/>
-              <a:t> ist ein Feature-</a:t>
-            </a:r>
-            <a:r>
-              <a:rPr lang="de-DE" dirty="0" err="1" smtClean="0"/>
-              <a:t>Branch</a:t>
-            </a:r>
-            <a:r>
-              <a:rPr lang="de-DE" dirty="0" smtClean="0"/>
-              <a:t> („</a:t>
-            </a:r>
-            <a:r>
-              <a:rPr lang="de-DE" dirty="0" err="1" smtClean="0"/>
-              <a:t>hotfix</a:t>
-            </a:r>
-            <a:r>
-              <a:rPr lang="de-DE" dirty="0" smtClean="0"/>
-              <a:t>/issue-666“)</a:t>
-            </a:r>
-          </a:p>
-          <a:p>
-            <a:r>
-              <a:rPr lang="de-DE" dirty="0" smtClean="0"/>
-              <a:t>Problem mit zurück </a:t>
-            </a:r>
-            <a:r>
-              <a:rPr lang="de-DE" dirty="0" err="1" smtClean="0"/>
-              <a:t>mergen</a:t>
-            </a:r>
-            <a:r>
-              <a:rPr lang="de-DE" dirty="0" smtClean="0"/>
-              <a:t>, während der Release-</a:t>
-            </a:r>
-            <a:r>
-              <a:rPr lang="de-DE" dirty="0" err="1" smtClean="0"/>
-              <a:t>Branch</a:t>
-            </a:r>
-            <a:r>
-              <a:rPr lang="de-DE" dirty="0" smtClean="0"/>
-              <a:t> aktiv ist:</a:t>
-            </a:r>
-          </a:p>
-          <a:p>
-            <a:pPr lvl="1"/>
-            <a:r>
-              <a:rPr lang="de-DE" dirty="0">
-                <a:hlinkClick r:id="rId2"/>
-              </a:rPr>
-              <a:t>https://github.com/nvie/gitflow/issues/3#issuecomment-</a:t>
-            </a:r>
-            <a:r>
-              <a:rPr lang="de-DE" dirty="0" smtClean="0">
-                <a:hlinkClick r:id="rId2"/>
-              </a:rPr>
-              <a:t>170055</a:t>
-            </a:r>
-            <a:endParaRPr lang="de-DE" dirty="0" smtClean="0"/>
-          </a:p>
-          <a:p>
-            <a:r>
-              <a:rPr lang="de-DE" dirty="0" smtClean="0"/>
-              <a:t>Multiple Hotfixes:</a:t>
-            </a:r>
-          </a:p>
-          <a:p>
-            <a:pPr lvl="1"/>
-            <a:r>
-              <a:rPr lang="de-DE" dirty="0">
-                <a:hlinkClick r:id="rId3"/>
-              </a:rPr>
-              <a:t>http://robandlauren.com/2013/09/18/git-flow-managing-multiple-hotfixes</a:t>
-            </a:r>
-            <a:r>
-              <a:rPr lang="de-DE" dirty="0" smtClean="0">
-                <a:hlinkClick r:id="rId3"/>
-              </a:rPr>
-              <a:t>/</a:t>
-            </a:r>
-            <a:endParaRPr lang="de-DE" dirty="0" smtClean="0"/>
-          </a:p>
-          <a:p>
-            <a:pPr lvl="1"/>
-            <a:r>
-              <a:rPr lang="de-DE" dirty="0">
-                <a:hlinkClick r:id="rId4"/>
-              </a:rPr>
-              <a:t>https://github.com/petervanderdoes/</a:t>
-            </a:r>
-            <a:r>
-              <a:rPr lang="de-DE" dirty="0" smtClean="0">
-                <a:hlinkClick r:id="rId4"/>
-              </a:rPr>
-              <a:t>gitflow</a:t>
-            </a:r>
-            <a:endParaRPr lang="de-DE" dirty="0" smtClean="0"/>
-          </a:p>
-          <a:p>
-            <a:pPr marL="457200" lvl="1" indent="0">
-              <a:buNone/>
-            </a:pPr>
-            <a:endParaRPr lang="de-DE" dirty="0"/>
-          </a:p>
-          <a:p>
-            <a:pPr marL="457200" lvl="1" indent="0">
-              <a:buNone/>
-            </a:pPr>
-            <a:r>
-              <a:rPr lang="de-DE" dirty="0" smtClean="0"/>
-              <a:t>Support </a:t>
-            </a:r>
-            <a:r>
-              <a:rPr lang="de-DE" dirty="0" err="1" smtClean="0"/>
-              <a:t>Branches</a:t>
-            </a:r>
-            <a:r>
-              <a:rPr lang="de-DE" dirty="0" smtClean="0"/>
-              <a:t>:</a:t>
-            </a:r>
-          </a:p>
-          <a:p>
-            <a:pPr marL="457200" lvl="1" indent="0">
-              <a:buNone/>
-            </a:pPr>
-            <a:r>
-              <a:rPr lang="de-DE" dirty="0">
-                <a:hlinkClick r:id="rId5"/>
-              </a:rPr>
-              <a:t>http://www.syntevo.com/smartgit/documentation/6/show?page=git-</a:t>
-            </a:r>
-            <a:r>
-              <a:rPr lang="de-DE" dirty="0" smtClean="0">
-                <a:hlinkClick r:id="rId5"/>
-              </a:rPr>
-              <a:t>flow</a:t>
-            </a:r>
-            <a:endParaRPr lang="de-DE" dirty="0" smtClean="0"/>
-          </a:p>
-          <a:p>
-            <a:pPr marL="457200" lvl="1" indent="0">
-              <a:buNone/>
-            </a:pPr>
-            <a:r>
-              <a:rPr lang="de-DE" dirty="0">
-                <a:hlinkClick r:id="rId6"/>
-              </a:rPr>
-              <a:t>https://groups.google.com/forum/#!topic/gitflow-users/</a:t>
-            </a:r>
-            <a:r>
-              <a:rPr lang="de-DE" dirty="0" smtClean="0">
-                <a:hlinkClick r:id="rId6"/>
-              </a:rPr>
-              <a:t>I9sErOSzYzE</a:t>
-            </a:r>
-            <a:endParaRPr lang="de-DE" dirty="0" smtClean="0"/>
-          </a:p>
-          <a:p>
-            <a:pPr marL="457200" lvl="1" indent="0">
-              <a:buNone/>
-            </a:pPr>
-            <a:endParaRPr lang="de-DE" dirty="0" smtClean="0"/>
-          </a:p>
-          <a:p>
-            <a:pPr lvl="1"/>
-            <a:endParaRPr lang="de-DE" dirty="0"/>
-          </a:p>
-          <a:p>
-            <a:r>
-              <a:rPr lang="de-DE" dirty="0" err="1" smtClean="0"/>
-              <a:t>Scripte</a:t>
-            </a:r>
-            <a:r>
-              <a:rPr lang="de-DE" dirty="0" smtClean="0"/>
-              <a:t>:</a:t>
-            </a:r>
-          </a:p>
-          <a:p>
-            <a:pPr lvl="1"/>
-            <a:r>
-              <a:rPr lang="de-DE" dirty="0"/>
-              <a:t>https://</a:t>
-            </a:r>
-            <a:r>
-              <a:rPr lang="de-DE" dirty="0" err="1"/>
-              <a:t>github.com</a:t>
-            </a:r>
-            <a:r>
-              <a:rPr lang="de-DE" dirty="0"/>
-              <a:t>/</a:t>
-            </a:r>
-            <a:r>
-              <a:rPr lang="de-DE" dirty="0" err="1"/>
-              <a:t>nvie</a:t>
-            </a:r>
-            <a:r>
-              <a:rPr lang="de-DE" dirty="0"/>
-              <a:t>/</a:t>
-            </a:r>
-            <a:r>
-              <a:rPr lang="de-DE" dirty="0" err="1"/>
-              <a:t>gitflow</a:t>
-            </a:r>
-            <a:endParaRPr lang="de-DE" dirty="0"/>
-          </a:p>
-          <a:p>
-            <a:endParaRPr lang="de-DE" dirty="0"/>
-          </a:p>
-        </p:txBody>
-      </p:sp>
-    </p:spTree>
-    <p:extLst>
-      <p:ext uri="{BB962C8B-B14F-4D97-AF65-F5344CB8AC3E}">
-        <p14:creationId xmlns:p14="http://schemas.microsoft.com/office/powerpoint/2010/main" val="2268343042"/>
       </p:ext>
     </p:extLst>
   </p:cSld>
@@ -2901,7 +5317,7 @@
           <a:p>
             <a:r>
               <a:rPr lang="de-DE" dirty="0" smtClean="0"/>
-              <a:t>BRANCHSTRATEGIE: GITFLOW</a:t>
+              <a:t>RELEASEPROZESS 1 - BRANCHES</a:t>
             </a:r>
             <a:endParaRPr lang="de-DE" dirty="0"/>
           </a:p>
@@ -2925,27 +5341,56 @@
           <a:lstStyle/>
           <a:p>
             <a:r>
-              <a:rPr lang="de-DE" dirty="0" err="1" smtClean="0"/>
-              <a:t>Branch</a:t>
-            </a:r>
-            <a:r>
-              <a:rPr lang="de-DE" dirty="0" smtClean="0"/>
-              <a:t> Modell</a:t>
-            </a:r>
+              <a:rPr lang="de-DE" dirty="0" smtClean="0"/>
+              <a:t>Master: Fertige Releases</a:t>
+            </a:r>
+          </a:p>
+          <a:p>
+            <a:r>
+              <a:rPr lang="de-DE" dirty="0" err="1" smtClean="0"/>
+              <a:t>Develop</a:t>
+            </a:r>
+            <a:r>
+              <a:rPr lang="de-DE" dirty="0" smtClean="0"/>
+              <a:t>: für die Entwicklung</a:t>
+            </a:r>
+          </a:p>
+          <a:p>
+            <a:r>
+              <a:rPr lang="de-DE" dirty="0" smtClean="0"/>
+              <a:t>Auf </a:t>
+            </a:r>
+            <a:r>
+              <a:rPr lang="de-DE" dirty="0" err="1" smtClean="0"/>
+              <a:t>Develop</a:t>
+            </a:r>
+            <a:r>
+              <a:rPr lang="de-DE" dirty="0" smtClean="0"/>
+              <a:t>: </a:t>
+            </a:r>
+            <a:r>
+              <a:rPr lang="de-DE" dirty="0" err="1" smtClean="0"/>
+              <a:t>ggf</a:t>
+            </a:r>
+            <a:r>
+              <a:rPr lang="de-DE" dirty="0" smtClean="0"/>
+              <a:t> Feature-</a:t>
+            </a:r>
+            <a:r>
+              <a:rPr lang="de-DE" dirty="0" err="1" smtClean="0"/>
+              <a:t>Branches</a:t>
+            </a:r>
+            <a:endParaRPr lang="de-DE" dirty="0" smtClean="0"/>
           </a:p>
           <a:p>
             <a:pPr lvl="1"/>
             <a:r>
-              <a:rPr lang="de-DE" dirty="0">
-                <a:hlinkClick r:id="rId2"/>
-              </a:rPr>
-              <a:t>http://nvie.com/posts/a-successful-git-branching-model</a:t>
-            </a:r>
-            <a:r>
-              <a:rPr lang="de-DE" dirty="0" smtClean="0">
-                <a:hlinkClick r:id="rId2"/>
-              </a:rPr>
-              <a:t>/</a:t>
+              <a:rPr lang="de-DE" dirty="0" smtClean="0"/>
+              <a:t>Verweis auf vorherigen Abschnitt </a:t>
+            </a:r>
+            <a:r>
+              <a:rPr lang="de-DE" dirty="0" err="1" smtClean="0"/>
+              <a:t>Branches</a:t>
             </a:r>
             <a:endParaRPr lang="de-DE" dirty="0" smtClean="0"/>
           </a:p>
@@ -2959,44 +5404,6 @@
           </a:p>
           <a:p>
             <a:pPr lvl="1"/>
-            <a:endParaRPr lang="de-DE" dirty="0"/>
-          </a:p>
-          <a:p>
-            <a:r>
-              <a:rPr lang="de-DE" dirty="0" err="1" smtClean="0"/>
-              <a:t>Scripte</a:t>
-            </a:r>
-            <a:r>
-              <a:rPr lang="de-DE" dirty="0" smtClean="0"/>
-              <a:t>:</a:t>
-            </a:r>
-          </a:p>
-          <a:p>
-            <a:pPr lvl="1"/>
-            <a:r>
-              <a:rPr lang="de-DE" dirty="0"/>
-              <a:t>https://</a:t>
-            </a:r>
-            <a:r>
-              <a:rPr lang="de-DE" dirty="0" err="1"/>
-              <a:t>github.com</a:t>
-            </a:r>
-            <a:r>
-              <a:rPr lang="de-DE" dirty="0"/>
-              <a:t>/</a:t>
-            </a:r>
-            <a:r>
-              <a:rPr lang="de-DE" dirty="0" err="1"/>
-              <a:t>nvie</a:t>
-            </a:r>
-            <a:r>
-              <a:rPr lang="de-DE" dirty="0"/>
-              <a:t>/</a:t>
-            </a:r>
-            <a:r>
-              <a:rPr lang="de-DE" dirty="0" err="1"/>
-              <a:t>gitflow</a:t>
-            </a:r>
             <a:endParaRPr lang="de-DE" dirty="0"/>
           </a:p>
           <a:p>
@@ -3007,7 +5414,7 @@
     </p:spTree>
     <p:extLst>
       <p:ext uri="{BB962C8B-B14F-4D97-AF65-F5344CB8AC3E}">
-        <p14:creationId xmlns:p14="http://schemas.microsoft.com/office/powerpoint/2010/main" val="44726052"/>
+        <p14:creationId xmlns:p14="http://schemas.microsoft.com/office/powerpoint/2010/main" val="1878629940"/>
       </p:ext>
     </p:extLst>
   </p:cSld>
@@ -3051,7 +5458,7 @@
           <a:p>
             <a:r>
               <a:rPr lang="de-DE" dirty="0" smtClean="0"/>
-              <a:t>GIT FLOW BEISPIEL</a:t>
+              <a:t>RELEASEPROZESS 2 – RELEASE ERZEUGEN</a:t>
             </a:r>
             <a:endParaRPr lang="de-DE" dirty="0"/>
           </a:p>
@@ -3070,97 +5477,89 @@
         <p:spPr/>
         <p:txBody>
           <a:bodyPr>
-            <a:normAutofit fontScale="92500" lnSpcReduction="10000"/>
+            <a:normAutofit/>
           </a:bodyPr>
           <a:lstStyle/>
           <a:p>
             <a:r>
               <a:rPr lang="de-DE" dirty="0" smtClean="0"/>
-              <a:t>Installation</a:t>
-            </a:r>
-          </a:p>
-          <a:p>
-            <a:pPr lvl="1"/>
-            <a:r>
-              <a:rPr lang="de-DE" dirty="0" smtClean="0"/>
-              <a:t>...</a:t>
-            </a:r>
-          </a:p>
-          <a:p>
-            <a:r>
-              <a:rPr lang="de-DE" dirty="0" smtClean="0"/>
-              <a:t>Repository anlegen:</a:t>
-            </a:r>
-          </a:p>
-          <a:p>
-            <a:pPr lvl="1"/>
-            <a:r>
-              <a:rPr lang="de-DE" dirty="0" err="1" smtClean="0"/>
-              <a:t>Git</a:t>
-            </a:r>
-            <a:r>
-              <a:rPr lang="de-DE" dirty="0" smtClean="0"/>
-              <a:t> </a:t>
-            </a:r>
-            <a:r>
-              <a:rPr lang="de-DE" dirty="0" err="1" smtClean="0"/>
-              <a:t>flow</a:t>
-            </a:r>
-            <a:r>
-              <a:rPr lang="de-DE" dirty="0" smtClean="0"/>
-              <a:t> </a:t>
-            </a:r>
-            <a:r>
-              <a:rPr lang="de-DE" dirty="0" err="1" smtClean="0"/>
-              <a:t>init</a:t>
+              <a:t>Release-</a:t>
+            </a:r>
+            <a:r>
+              <a:rPr lang="de-DE" dirty="0" err="1" smtClean="0"/>
+              <a:t>Branch</a:t>
+            </a:r>
+            <a:r>
+              <a:rPr lang="de-DE" dirty="0" smtClean="0"/>
+              <a:t> erstellen</a:t>
+            </a:r>
+          </a:p>
+          <a:p>
+            <a:r>
+              <a:rPr lang="de-DE" dirty="0" smtClean="0"/>
+              <a:t>Release stabilisieren</a:t>
+            </a:r>
+          </a:p>
+          <a:p>
+            <a:r>
+              <a:rPr lang="de-DE" dirty="0" smtClean="0"/>
+              <a:t>Release-</a:t>
+            </a:r>
+            <a:r>
+              <a:rPr lang="de-DE" dirty="0" err="1" smtClean="0"/>
+              <a:t>Branch</a:t>
+            </a:r>
+            <a:r>
+              <a:rPr lang="de-DE" dirty="0" smtClean="0"/>
+              <a:t> auf </a:t>
+            </a:r>
+            <a:r>
+              <a:rPr lang="de-DE" dirty="0" err="1" smtClean="0"/>
+              <a:t>master</a:t>
+            </a:r>
+            <a:r>
+              <a:rPr lang="de-DE" dirty="0" smtClean="0"/>
+              <a:t> </a:t>
+            </a:r>
+            <a:r>
+              <a:rPr lang="de-DE" dirty="0" err="1" smtClean="0"/>
+              <a:t>mergen</a:t>
             </a:r>
             <a:endParaRPr lang="de-DE" dirty="0" smtClean="0"/>
           </a:p>
           <a:p>
             <a:r>
               <a:rPr lang="de-DE" dirty="0" smtClean="0"/>
-              <a:t>Feature starten:</a:t>
-            </a:r>
-          </a:p>
-          <a:p>
-            <a:pPr lvl="1"/>
-            <a:r>
-              <a:rPr lang="de-DE" dirty="0" smtClean="0"/>
-              <a:t>...</a:t>
-            </a:r>
-          </a:p>
-          <a:p>
-            <a:r>
-              <a:rPr lang="de-DE" dirty="0" smtClean="0"/>
-              <a:t>Feature beenden:</a:t>
-            </a:r>
-          </a:p>
-          <a:p>
-            <a:pPr lvl="1"/>
-            <a:r>
-              <a:rPr lang="de-DE" dirty="0" smtClean="0"/>
-              <a:t>...</a:t>
-            </a:r>
-          </a:p>
-          <a:p>
-            <a:r>
-              <a:rPr lang="de-DE" dirty="0" smtClean="0"/>
-              <a:t>Release starten</a:t>
-            </a:r>
-          </a:p>
-          <a:p>
-            <a:r>
-              <a:rPr lang="de-DE" dirty="0" smtClean="0"/>
-              <a:t>Release beenden</a:t>
-            </a:r>
-            <a:endParaRPr lang="de-DE" dirty="0"/>
+              <a:t>Release-</a:t>
+            </a:r>
+            <a:r>
+              <a:rPr lang="de-DE" dirty="0" err="1" smtClean="0"/>
+              <a:t>Branch</a:t>
+            </a:r>
+            <a:r>
+              <a:rPr lang="de-DE" dirty="0" smtClean="0"/>
+              <a:t> auf </a:t>
+            </a:r>
+            <a:r>
+              <a:rPr lang="de-DE" dirty="0" err="1" smtClean="0"/>
+              <a:t>develop</a:t>
+            </a:r>
+            <a:r>
+              <a:rPr lang="de-DE" dirty="0" smtClean="0"/>
+              <a:t> </a:t>
+            </a:r>
+            <a:r>
+              <a:rPr lang="de-DE" dirty="0" err="1" smtClean="0"/>
+              <a:t>mergen</a:t>
+            </a:r>
+            <a:endParaRPr lang="de-DE" dirty="0" smtClean="0"/>
           </a:p>
         </p:txBody>
       </p:sp>
     </p:spTree>
     <p:extLst>
       <p:ext uri="{BB962C8B-B14F-4D97-AF65-F5344CB8AC3E}">
-        <p14:creationId xmlns:p14="http://schemas.microsoft.com/office/powerpoint/2010/main" val="498316739"/>
+        <p14:creationId xmlns:p14="http://schemas.microsoft.com/office/powerpoint/2010/main" val="3216525339"/>
       </p:ext>
     </p:extLst>
   </p:cSld>
@@ -3204,7 +5603,7 @@
           <a:p>
             <a:r>
               <a:rPr lang="de-DE" dirty="0" smtClean="0"/>
-              <a:t>GIT FLOW: CHANGE LOG ERZEUGEN</a:t>
+              <a:t>RELEASEPROZESS 3 - HOTFIXES</a:t>
             </a:r>
             <a:endParaRPr lang="de-DE" dirty="0"/>
           </a:p>
@@ -3223,24 +5622,235 @@
         <p:spPr/>
         <p:txBody>
           <a:bodyPr>
-            <a:normAutofit/>
+            <a:normAutofit fontScale="62500" lnSpcReduction="20000"/>
           </a:bodyPr>
           <a:lstStyle/>
           <a:p>
             <a:r>
-              <a:rPr lang="de-DE" dirty="0" err="1" smtClean="0"/>
-              <a:t>Git</a:t>
-            </a:r>
-            <a:r>
-              <a:rPr lang="de-DE" dirty="0" smtClean="0"/>
-              <a:t> log ...</a:t>
-            </a:r>
-          </a:p>
-          <a:p>
-            <a:r>
-              <a:rPr lang="de-DE" dirty="0" smtClean="0"/>
-              <a:t>First-Parent Historie</a:t>
-            </a:r>
+              <a:rPr lang="de-DE" dirty="0" smtClean="0"/>
+              <a:t>Hotfix-</a:t>
+            </a:r>
+            <a:r>
+              <a:rPr lang="de-DE" dirty="0" err="1" smtClean="0"/>
+              <a:t>Branch</a:t>
+            </a:r>
+            <a:endParaRPr lang="de-DE" dirty="0" smtClean="0"/>
+          </a:p>
+          <a:p>
+            <a:pPr lvl="1"/>
+            <a:r>
+              <a:rPr lang="de-DE" dirty="0" smtClean="0"/>
+              <a:t>Ein Hotfix-</a:t>
+            </a:r>
+            <a:r>
+              <a:rPr lang="de-DE" dirty="0" err="1" smtClean="0"/>
+              <a:t>Branch</a:t>
+            </a:r>
+            <a:r>
+              <a:rPr lang="de-DE" dirty="0" smtClean="0"/>
+              <a:t> ist ein Feature-</a:t>
+            </a:r>
+            <a:r>
+              <a:rPr lang="de-DE" dirty="0" err="1" smtClean="0"/>
+              <a:t>Branch</a:t>
+            </a:r>
+            <a:r>
+              <a:rPr lang="de-DE" dirty="0" smtClean="0"/>
+              <a:t> („</a:t>
+            </a:r>
+            <a:r>
+              <a:rPr lang="de-DE" dirty="0" err="1" smtClean="0"/>
+              <a:t>hotfix</a:t>
+            </a:r>
+            <a:r>
+              <a:rPr lang="de-DE" dirty="0" smtClean="0"/>
+              <a:t>/issue-666“)</a:t>
+            </a:r>
+          </a:p>
+          <a:p>
+            <a:r>
+              <a:rPr lang="de-DE" dirty="0" smtClean="0"/>
+              <a:t>Problem mit zurück </a:t>
+            </a:r>
+            <a:r>
+              <a:rPr lang="de-DE" dirty="0" err="1" smtClean="0"/>
+              <a:t>mergen</a:t>
+            </a:r>
+            <a:r>
+              <a:rPr lang="de-DE" dirty="0" smtClean="0"/>
+              <a:t>, während der Release-</a:t>
+            </a:r>
+            <a:r>
+              <a:rPr lang="de-DE" dirty="0" err="1" smtClean="0"/>
+              <a:t>Branch</a:t>
+            </a:r>
+            <a:r>
+              <a:rPr lang="de-DE" dirty="0" smtClean="0"/>
+              <a:t> aktiv ist:</a:t>
+            </a:r>
+          </a:p>
+          <a:p>
+            <a:pPr lvl="1"/>
+            <a:r>
+              <a:rPr lang="de-DE" dirty="0">
+                <a:hlinkClick r:id="rId2"/>
+              </a:rPr>
+              <a:t>https://github.com/nvie/gitflow/issues/3#issuecomment-</a:t>
+            </a:r>
+            <a:r>
+              <a:rPr lang="de-DE" dirty="0" smtClean="0">
+                <a:hlinkClick r:id="rId2"/>
+              </a:rPr>
+              <a:t>170055</a:t>
+            </a:r>
+            <a:endParaRPr lang="de-DE" dirty="0" smtClean="0"/>
+          </a:p>
+          <a:p>
+            <a:r>
+              <a:rPr lang="de-DE" dirty="0" smtClean="0"/>
+              <a:t>Multiple Hotfixes:</a:t>
+            </a:r>
+          </a:p>
+          <a:p>
+            <a:pPr lvl="1"/>
+            <a:r>
+              <a:rPr lang="de-DE" dirty="0">
+                <a:hlinkClick r:id="rId3"/>
+              </a:rPr>
+              <a:t>http://robandlauren.com/2013/09/18/git-flow-managing-multiple-hotfixes</a:t>
+            </a:r>
+            <a:r>
+              <a:rPr lang="de-DE" dirty="0" smtClean="0">
+                <a:hlinkClick r:id="rId3"/>
+              </a:rPr>
+              <a:t>/</a:t>
+            </a:r>
+            <a:endParaRPr lang="de-DE" dirty="0" smtClean="0"/>
+          </a:p>
+          <a:p>
+            <a:pPr lvl="1"/>
+            <a:r>
+              <a:rPr lang="de-DE" dirty="0">
+                <a:hlinkClick r:id="rId4"/>
+              </a:rPr>
+              <a:t>https://github.com/petervanderdoes/</a:t>
+            </a:r>
+            <a:r>
+              <a:rPr lang="de-DE" dirty="0" smtClean="0">
+                <a:hlinkClick r:id="rId4"/>
+              </a:rPr>
+              <a:t>gitflow</a:t>
+            </a:r>
+            <a:endParaRPr lang="de-DE" dirty="0" smtClean="0"/>
+          </a:p>
+          <a:p>
+            <a:pPr marL="457200" lvl="1" indent="0">
+              <a:buNone/>
+            </a:pPr>
+            <a:endParaRPr lang="de-DE" dirty="0"/>
+          </a:p>
+          <a:p>
+            <a:pPr marL="457200" lvl="1" indent="0">
+              <a:buNone/>
+            </a:pPr>
+            <a:r>
+              <a:rPr lang="de-DE" dirty="0" smtClean="0"/>
+              <a:t>Support </a:t>
+            </a:r>
+            <a:r>
+              <a:rPr lang="de-DE" dirty="0" err="1" smtClean="0"/>
+              <a:t>Branches</a:t>
+            </a:r>
+            <a:r>
+              <a:rPr lang="de-DE" dirty="0" smtClean="0"/>
+              <a:t>:</a:t>
+            </a:r>
+          </a:p>
+          <a:p>
+            <a:pPr marL="457200" lvl="1" indent="0">
+              <a:buNone/>
+            </a:pPr>
+            <a:r>
+              <a:rPr lang="de-DE" dirty="0">
+                <a:hlinkClick r:id="rId5"/>
+              </a:rPr>
+              <a:t>http://www.syntevo.com/smartgit/documentation/6/show?page=git-</a:t>
+            </a:r>
+            <a:r>
+              <a:rPr lang="de-DE" dirty="0" smtClean="0">
+                <a:hlinkClick r:id="rId5"/>
+              </a:rPr>
+              <a:t>flow</a:t>
+            </a:r>
+            <a:endParaRPr lang="de-DE" dirty="0" smtClean="0"/>
+          </a:p>
+          <a:p>
+            <a:pPr marL="457200" lvl="1" indent="0">
+              <a:buNone/>
+            </a:pPr>
+            <a:r>
+              <a:rPr lang="de-DE" dirty="0">
+                <a:hlinkClick r:id="rId6"/>
+              </a:rPr>
+              <a:t>https://groups.google.com/forum/#!topic/gitflow-users/</a:t>
+            </a:r>
+            <a:r>
+              <a:rPr lang="de-DE" dirty="0" smtClean="0">
+                <a:hlinkClick r:id="rId6"/>
+              </a:rPr>
+              <a:t>I9sErOSzYzE</a:t>
+            </a:r>
+            <a:endParaRPr lang="de-DE" dirty="0" smtClean="0"/>
+          </a:p>
+          <a:p>
+            <a:pPr marL="457200" lvl="1" indent="0">
+              <a:buNone/>
+            </a:pPr>
+            <a:endParaRPr lang="de-DE" dirty="0" smtClean="0"/>
+          </a:p>
+          <a:p>
+            <a:pPr lvl="1"/>
+            <a:endParaRPr lang="de-DE" dirty="0"/>
+          </a:p>
+          <a:p>
+            <a:r>
+              <a:rPr lang="de-DE" dirty="0" err="1" smtClean="0"/>
+              <a:t>Scripte</a:t>
+            </a:r>
+            <a:r>
+              <a:rPr lang="de-DE" dirty="0" smtClean="0"/>
+              <a:t>:</a:t>
+            </a:r>
+          </a:p>
+          <a:p>
+            <a:pPr lvl="1"/>
+            <a:r>
+              <a:rPr lang="de-DE" dirty="0"/>
+              <a:t>https://</a:t>
+            </a:r>
+            <a:r>
+              <a:rPr lang="de-DE" dirty="0" err="1"/>
+              <a:t>github.com</a:t>
+            </a:r>
+            <a:r>
+              <a:rPr lang="de-DE" dirty="0"/>
+              <a:t>/</a:t>
+            </a:r>
+            <a:r>
+              <a:rPr lang="de-DE" dirty="0" err="1"/>
+              <a:t>nvie</a:t>
+            </a:r>
+            <a:r>
+              <a:rPr lang="de-DE" dirty="0"/>
+              <a:t>/</a:t>
+            </a:r>
+            <a:r>
+              <a:rPr lang="de-DE" dirty="0" err="1"/>
+              <a:t>gitflow</a:t>
+            </a:r>
+            <a:endParaRPr lang="de-DE" dirty="0"/>
+          </a:p>
+          <a:p>
             <a:endParaRPr lang="de-DE" dirty="0"/>
           </a:p>
         </p:txBody>
@@ -3248,7 +5858,7 @@
     </p:spTree>
     <p:extLst>
       <p:ext uri="{BB962C8B-B14F-4D97-AF65-F5344CB8AC3E}">
-        <p14:creationId xmlns:p14="http://schemas.microsoft.com/office/powerpoint/2010/main" val="2011758629"/>
+        <p14:creationId xmlns:p14="http://schemas.microsoft.com/office/powerpoint/2010/main" val="2268343042"/>
       </p:ext>
     </p:extLst>
   </p:cSld>
@@ -3292,7 +5902,7 @@
           <a:p>
             <a:r>
               <a:rPr lang="de-DE" dirty="0" smtClean="0"/>
-              <a:t>GIT FLOW: BUGFIXES BACKPORT</a:t>
+              <a:t>BRANCHSTRATEGIE: GITFLOW</a:t>
             </a:r>
             <a:endParaRPr lang="de-DE" dirty="0"/>
           </a:p>
@@ -3316,9 +5926,81 @@
           <a:lstStyle/>
           <a:p>
             <a:r>
-              <a:rPr lang="de-DE" dirty="0" smtClean="0"/>
-              <a:t>Cherry Pick</a:t>
-            </a:r>
+              <a:rPr lang="de-DE" dirty="0" err="1" smtClean="0"/>
+              <a:t>Branch</a:t>
+            </a:r>
+            <a:r>
+              <a:rPr lang="de-DE" dirty="0" smtClean="0"/>
+              <a:t> Modell</a:t>
+            </a:r>
+          </a:p>
+          <a:p>
+            <a:pPr lvl="1"/>
+            <a:r>
+              <a:rPr lang="de-DE" dirty="0">
+                <a:hlinkClick r:id="rId2"/>
+              </a:rPr>
+              <a:t>http://nvie.com/posts/a-successful-git-branching-model</a:t>
+            </a:r>
+            <a:r>
+              <a:rPr lang="de-DE" dirty="0" smtClean="0">
+                <a:hlinkClick r:id="rId2"/>
+              </a:rPr>
+              <a:t>/</a:t>
+            </a:r>
+            <a:endParaRPr lang="de-DE" dirty="0" smtClean="0"/>
+          </a:p>
+          <a:p>
+            <a:pPr lvl="1"/>
+            <a:endParaRPr lang="de-DE" dirty="0" smtClean="0"/>
+          </a:p>
+          <a:p>
+            <a:pPr lvl="1"/>
+            <a:endParaRPr lang="de-DE" dirty="0" smtClean="0"/>
+          </a:p>
+          <a:p>
+            <a:pPr lvl="1"/>
+            <a:endParaRPr lang="de-DE" dirty="0"/>
+          </a:p>
+          <a:p>
+            <a:r>
+              <a:rPr lang="de-DE" dirty="0" err="1" smtClean="0"/>
+              <a:t>Scripte</a:t>
+            </a:r>
+            <a:r>
+              <a:rPr lang="de-DE" dirty="0" smtClean="0"/>
+              <a:t>:</a:t>
+            </a:r>
+          </a:p>
+          <a:p>
+            <a:pPr lvl="1"/>
+            <a:r>
+              <a:rPr lang="de-DE" dirty="0"/>
+              <a:t>https://</a:t>
+            </a:r>
+            <a:r>
+              <a:rPr lang="de-DE" dirty="0" err="1"/>
+              <a:t>github.com</a:t>
+            </a:r>
+            <a:r>
+              <a:rPr lang="de-DE" dirty="0"/>
+              <a:t>/</a:t>
+            </a:r>
+            <a:r>
+              <a:rPr lang="de-DE" dirty="0" err="1"/>
+              <a:t>nvie</a:t>
+            </a:r>
+            <a:r>
+              <a:rPr lang="de-DE" dirty="0"/>
+              <a:t>/</a:t>
+            </a:r>
+            <a:r>
+              <a:rPr lang="de-DE" dirty="0" err="1"/>
+              <a:t>gitflow</a:t>
+            </a:r>
+            <a:endParaRPr lang="de-DE" dirty="0"/>
+          </a:p>
+          <a:p>
             <a:endParaRPr lang="de-DE" dirty="0"/>
           </a:p>
         </p:txBody>
@@ -3326,7 +6008,7 @@
     </p:spTree>
     <p:extLst>
       <p:ext uri="{BB962C8B-B14F-4D97-AF65-F5344CB8AC3E}">
-        <p14:creationId xmlns:p14="http://schemas.microsoft.com/office/powerpoint/2010/main" val="943146039"/>
+        <p14:creationId xmlns:p14="http://schemas.microsoft.com/office/powerpoint/2010/main" val="44726052"/>
       </p:ext>
     </p:extLst>
   </p:cSld>
@@ -3365,14 +6047,12 @@
         </p:nvSpPr>
         <p:spPr/>
         <p:txBody>
-          <a:bodyPr>
-            <a:normAutofit/>
-          </a:bodyPr>
+          <a:bodyPr/>
           <a:lstStyle/>
           <a:p>
             <a:r>
               <a:rPr lang="de-DE" dirty="0" smtClean="0"/>
-              <a:t>BRANCH STRATEGIE: PRODUKT / PROJEKT</a:t>
+              <a:t>GIT FLOW BEISPIEL</a:t>
             </a:r>
             <a:endParaRPr lang="de-DE" dirty="0"/>
           </a:p>
@@ -3391,111 +6071,88 @@
         <p:spPr/>
         <p:txBody>
           <a:bodyPr>
-            <a:normAutofit fontScale="92500" lnSpcReduction="20000"/>
+            <a:normAutofit fontScale="92500" lnSpcReduction="10000"/>
           </a:bodyPr>
           <a:lstStyle/>
           <a:p>
             <a:r>
-              <a:rPr lang="de-DE" dirty="0" err="1" smtClean="0"/>
-              <a:t>GitFlow</a:t>
-            </a:r>
-            <a:r>
-              <a:rPr lang="de-DE" dirty="0" smtClean="0"/>
-              <a:t> eignet sich gut dafür, wenn man ein Produkt (oder auch ein Projekt) in genau einer Version verwendet. </a:t>
-            </a:r>
-            <a:r>
-              <a:rPr lang="de-DE" dirty="0" smtClean="0"/>
-              <a:t>Man hat immer ein Release in Produktion, für das man </a:t>
-            </a:r>
-            <a:r>
-              <a:rPr lang="de-DE" dirty="0" err="1" smtClean="0"/>
-              <a:t>Bugfixes</a:t>
-            </a:r>
-            <a:r>
-              <a:rPr lang="de-DE" dirty="0" smtClean="0"/>
-              <a:t> macht. Parallel dazu gibt es nur die Weiterentwicklung auf dem </a:t>
-            </a:r>
-            <a:r>
-              <a:rPr lang="de-DE" dirty="0" err="1" smtClean="0"/>
-              <a:t>develop-Branch</a:t>
-            </a:r>
-            <a:r>
-              <a:rPr lang="de-DE" dirty="0" smtClean="0"/>
-              <a:t> die zum nächsten Release führt</a:t>
-            </a:r>
-          </a:p>
-          <a:p>
-            <a:r>
-              <a:rPr lang="de-DE" dirty="0" smtClean="0"/>
-              <a:t>Für Produkte, die in mehreren Versionen gepflegt werden sollen, mehrere Release-</a:t>
-            </a:r>
-            <a:r>
-              <a:rPr lang="de-DE" dirty="0" err="1" smtClean="0"/>
-              <a:t>Branches</a:t>
-            </a:r>
-            <a:r>
-              <a:rPr lang="de-DE" dirty="0" smtClean="0"/>
-              <a:t> z.B. bei </a:t>
-            </a:r>
-            <a:r>
-              <a:rPr lang="de-DE" dirty="0" err="1" smtClean="0"/>
-              <a:t>Atlassian</a:t>
+              <a:rPr lang="de-DE" dirty="0" smtClean="0"/>
+              <a:t>Installation</a:t>
+            </a:r>
+          </a:p>
+          <a:p>
+            <a:pPr lvl="1"/>
+            <a:r>
+              <a:rPr lang="de-DE" dirty="0" smtClean="0"/>
+              <a:t>...</a:t>
+            </a:r>
+          </a:p>
+          <a:p>
+            <a:r>
+              <a:rPr lang="de-DE" dirty="0" smtClean="0"/>
+              <a:t>Repository anlegen:</a:t>
+            </a:r>
+          </a:p>
+          <a:p>
+            <a:pPr lvl="1"/>
+            <a:r>
+              <a:rPr lang="de-DE" dirty="0" err="1" smtClean="0"/>
+              <a:t>Git</a:t>
+            </a:r>
+            <a:r>
+              <a:rPr lang="de-DE" dirty="0" smtClean="0"/>
+              <a:t> </a:t>
+            </a:r>
+            <a:r>
+              <a:rPr lang="de-DE" dirty="0" err="1" smtClean="0"/>
+              <a:t>flow</a:t>
+            </a:r>
+            <a:r>
+              <a:rPr lang="de-DE" dirty="0" smtClean="0"/>
+              <a:t> </a:t>
+            </a:r>
+            <a:r>
+              <a:rPr lang="de-DE" dirty="0" err="1" smtClean="0"/>
+              <a:t>init</a:t>
             </a:r>
             <a:endParaRPr lang="de-DE" dirty="0" smtClean="0"/>
           </a:p>
           <a:p>
+            <a:r>
+              <a:rPr lang="de-DE" dirty="0" smtClean="0"/>
+              <a:t>Feature starten:</a:t>
+            </a:r>
+          </a:p>
+          <a:p>
             <a:pPr lvl="1"/>
             <a:r>
-              <a:rPr lang="de-DE" dirty="0"/>
-              <a:t>http://</a:t>
-            </a:r>
-            <a:r>
-              <a:rPr lang="de-DE" dirty="0" err="1"/>
-              <a:t>blogs.atlassian.com</a:t>
-            </a:r>
-            <a:r>
-              <a:rPr lang="de-DE" dirty="0"/>
-              <a:t>/2013/10/</a:t>
-            </a:r>
-            <a:r>
-              <a:rPr lang="de-DE" dirty="0" err="1"/>
-              <a:t>inside</a:t>
-            </a:r>
-            <a:r>
-              <a:rPr lang="de-DE" dirty="0"/>
-              <a:t>-</a:t>
-            </a:r>
-            <a:r>
-              <a:rPr lang="de-DE" dirty="0" err="1"/>
-              <a:t>atlassian</a:t>
-            </a:r>
-            <a:r>
-              <a:rPr lang="de-DE" dirty="0"/>
-              <a:t>-feature-</a:t>
-            </a:r>
-            <a:r>
-              <a:rPr lang="de-DE" dirty="0" err="1"/>
-              <a:t>branching</a:t>
-            </a:r>
-            <a:r>
-              <a:rPr lang="de-DE" dirty="0"/>
-              <a:t>-on-</a:t>
-            </a:r>
-            <a:r>
-              <a:rPr lang="de-DE" dirty="0" err="1"/>
-              <a:t>the</a:t>
-            </a:r>
-            <a:r>
-              <a:rPr lang="de-DE" dirty="0"/>
-              <a:t>-</a:t>
-            </a:r>
-            <a:r>
-              <a:rPr lang="de-DE" dirty="0" err="1"/>
-              <a:t>stash</a:t>
-            </a:r>
-            <a:r>
-              <a:rPr lang="de-DE" dirty="0"/>
-              <a:t>-team/</a:t>
+              <a:rPr lang="de-DE" dirty="0" smtClean="0"/>
+              <a:t>...</a:t>
+            </a:r>
+          </a:p>
+          <a:p>
+            <a:r>
+              <a:rPr lang="de-DE" dirty="0" smtClean="0"/>
+              <a:t>Feature beenden:</a:t>
+            </a:r>
+          </a:p>
+          <a:p>
+            <a:pPr lvl="1"/>
+            <a:r>
+              <a:rPr lang="de-DE" dirty="0" smtClean="0"/>
+              <a:t>...</a:t>
+            </a:r>
+          </a:p>
+          <a:p>
+            <a:r>
+              <a:rPr lang="de-DE" dirty="0" smtClean="0"/>
+              <a:t>Release starten</a:t>
+            </a:r>
+          </a:p>
+          <a:p>
+            <a:r>
+              <a:rPr lang="de-DE" dirty="0" smtClean="0"/>
+              <a:t>Release beenden</a:t>
             </a:r>
             <a:endParaRPr lang="de-DE" dirty="0"/>
           </a:p>
@@ -3504,7 +6161,7 @@
     </p:spTree>
     <p:extLst>
       <p:ext uri="{BB962C8B-B14F-4D97-AF65-F5344CB8AC3E}">
-        <p14:creationId xmlns:p14="http://schemas.microsoft.com/office/powerpoint/2010/main" val="858207475"/>
+        <p14:creationId xmlns:p14="http://schemas.microsoft.com/office/powerpoint/2010/main" val="498316739"/>
       </p:ext>
     </p:extLst>
   </p:cSld>
@@ -4020,7 +6677,7 @@
           <a:p>
             <a:r>
               <a:rPr lang="de-DE" dirty="0" smtClean="0"/>
-              <a:t>BRANCH STRATEGIE: ALTERNATIVEN</a:t>
+              <a:t>GIT FLOW: CHANGE LOG ERZEUGEN</a:t>
             </a:r>
             <a:endParaRPr lang="de-DE" dirty="0"/>
           </a:p>
@@ -4045,104 +6702,17 @@
           <a:p>
             <a:r>
               <a:rPr lang="de-DE" dirty="0" err="1" smtClean="0"/>
-              <a:t>GitHub</a:t>
-            </a:r>
-            <a:r>
-              <a:rPr lang="de-DE" dirty="0" smtClean="0"/>
-              <a:t> Klone/</a:t>
-            </a:r>
-            <a:r>
-              <a:rPr lang="de-DE" dirty="0" err="1" smtClean="0"/>
-              <a:t>Pullrequest</a:t>
-            </a:r>
-            <a:r>
-              <a:rPr lang="de-DE" dirty="0" smtClean="0"/>
-              <a:t>-Workflow – für </a:t>
-            </a:r>
-            <a:r>
-              <a:rPr lang="de-DE" dirty="0" err="1" smtClean="0"/>
-              <a:t>Contributor</a:t>
-            </a:r>
-            <a:endParaRPr lang="de-DE" dirty="0" smtClean="0"/>
-          </a:p>
-          <a:p>
-            <a:pPr lvl="1"/>
-            <a:r>
-              <a:rPr lang="de-DE" dirty="0" smtClean="0"/>
-              <a:t>„Privaten“ Klon erzeugen</a:t>
-            </a:r>
-          </a:p>
-          <a:p>
-            <a:pPr lvl="1"/>
-            <a:r>
-              <a:rPr lang="de-DE" dirty="0" smtClean="0"/>
-              <a:t>Änderungen auf einem Topic-</a:t>
-            </a:r>
-            <a:r>
-              <a:rPr lang="de-DE" dirty="0" err="1" smtClean="0"/>
-              <a:t>Branch</a:t>
-            </a:r>
-            <a:r>
-              <a:rPr lang="de-DE" dirty="0" smtClean="0"/>
-              <a:t> machen</a:t>
-            </a:r>
-          </a:p>
-          <a:p>
-            <a:pPr lvl="1"/>
-            <a:r>
-              <a:rPr lang="de-DE" dirty="0" smtClean="0"/>
-              <a:t>Änderungen ins private </a:t>
-            </a:r>
-            <a:r>
-              <a:rPr lang="de-DE" dirty="0" err="1" smtClean="0"/>
-              <a:t>Repo</a:t>
-            </a:r>
-            <a:r>
-              <a:rPr lang="de-DE" dirty="0" smtClean="0"/>
-              <a:t> auf </a:t>
-            </a:r>
-            <a:r>
-              <a:rPr lang="de-DE" dirty="0" err="1" smtClean="0"/>
-              <a:t>GitHub</a:t>
-            </a:r>
-            <a:r>
-              <a:rPr lang="de-DE" dirty="0" smtClean="0"/>
-              <a:t> pushen</a:t>
-            </a:r>
-          </a:p>
-          <a:p>
-            <a:pPr lvl="1"/>
-            <a:r>
-              <a:rPr lang="de-DE" dirty="0" err="1" smtClean="0"/>
-              <a:t>Pullrequest</a:t>
-            </a:r>
-            <a:r>
-              <a:rPr lang="de-DE" dirty="0" smtClean="0"/>
-              <a:t> in „ursprüngliches“ </a:t>
-            </a:r>
-            <a:r>
-              <a:rPr lang="de-DE" dirty="0" err="1" smtClean="0"/>
-              <a:t>Repo</a:t>
-            </a:r>
-            <a:endParaRPr lang="de-DE" dirty="0" smtClean="0"/>
-          </a:p>
-          <a:p>
-            <a:pPr marL="0" indent="0">
-              <a:buNone/>
-            </a:pPr>
-            <a:endParaRPr lang="de-DE" dirty="0"/>
-          </a:p>
-          <a:p>
-            <a:pPr marL="0" indent="0">
-              <a:buNone/>
-            </a:pPr>
-            <a:r>
-              <a:rPr lang="de-DE" dirty="0" smtClean="0"/>
-              <a:t>Manueller Abgleich zwischen den </a:t>
-            </a:r>
-            <a:r>
-              <a:rPr lang="de-DE" dirty="0" err="1" smtClean="0"/>
-              <a:t>Repos</a:t>
+              <a:t>Git</a:t>
+            </a:r>
+            <a:r>
+              <a:rPr lang="de-DE" dirty="0" smtClean="0"/>
+              <a:t> log ...</a:t>
+            </a:r>
+          </a:p>
+          <a:p>
+            <a:r>
+              <a:rPr lang="de-DE" dirty="0" smtClean="0"/>
+              <a:t>First-Parent Historie</a:t>
             </a:r>
             <a:endParaRPr lang="de-DE" dirty="0"/>
           </a:p>
@@ -4151,7 +6721,7 @@
     </p:spTree>
     <p:extLst>
       <p:ext uri="{BB962C8B-B14F-4D97-AF65-F5344CB8AC3E}">
-        <p14:creationId xmlns:p14="http://schemas.microsoft.com/office/powerpoint/2010/main" val="273835580"/>
+        <p14:creationId xmlns:p14="http://schemas.microsoft.com/office/powerpoint/2010/main" val="2011758629"/>
       </p:ext>
     </p:extLst>
   </p:cSld>
@@ -4195,7 +6765,7 @@
           <a:p>
             <a:r>
               <a:rPr lang="de-DE" dirty="0" smtClean="0"/>
-              <a:t>ALTERNATIVE: GITHUB KLONE</a:t>
+              <a:t>GIT FLOW: BUGFIXES BACKPORT</a:t>
             </a:r>
             <a:endParaRPr lang="de-DE" dirty="0"/>
           </a:p>
@@ -4214,447 +6784,13 @@
         <p:spPr/>
         <p:txBody>
           <a:bodyPr>
-            <a:normAutofit fontScale="40000" lnSpcReduction="20000"/>
+            <a:normAutofit/>
           </a:bodyPr>
           <a:lstStyle/>
           <a:p>
             <a:r>
-              <a:rPr lang="de-DE" dirty="0" smtClean="0">
-                <a:hlinkClick r:id="rId2"/>
-              </a:rPr>
-              <a:t>Forking Workflow, Triangular Workflow, Integration Manager Workflow</a:t>
-            </a:r>
-            <a:endParaRPr lang="de-DE" dirty="0">
-              <a:hlinkClick r:id="rId2"/>
-            </a:endParaRPr>
-          </a:p>
-          <a:p>
-            <a:endParaRPr lang="de-DE" dirty="0" smtClean="0">
-              <a:hlinkClick r:id="rId2"/>
-            </a:endParaRPr>
-          </a:p>
-          <a:p>
-            <a:endParaRPr lang="de-DE" dirty="0" smtClean="0">
-              <a:hlinkClick r:id="rId2"/>
-            </a:endParaRPr>
-          </a:p>
-          <a:p>
-            <a:r>
-              <a:rPr lang="de-DE" dirty="0">
-                <a:hlinkClick r:id="rId2"/>
-              </a:rPr>
-              <a:t>http://git-scm.com/book/en/Distributed-Git-Distributed-Workflows#Integration-Manager-Workflow</a:t>
-            </a:r>
-            <a:endParaRPr lang="de-DE" dirty="0" smtClean="0">
-              <a:hlinkClick r:id="rId2"/>
-            </a:endParaRPr>
-          </a:p>
-          <a:p>
-            <a:r>
-              <a:rPr lang="de-DE" dirty="0" smtClean="0">
-                <a:hlinkClick r:id="rId2"/>
-              </a:rPr>
-              <a:t>https</a:t>
-            </a:r>
-            <a:r>
-              <a:rPr lang="de-DE" dirty="0">
-                <a:hlinkClick r:id="rId2"/>
-              </a:rPr>
-              <a:t>://www.sociomantic.com/blog/2014/05/git-triangular-workflow/#.</a:t>
-            </a:r>
-            <a:r>
-              <a:rPr lang="de-DE" dirty="0" smtClean="0">
-                <a:hlinkClick r:id="rId2"/>
-              </a:rPr>
-              <a:t>VCEg7yt_v0A</a:t>
-            </a:r>
-            <a:endParaRPr lang="de-DE" dirty="0" smtClean="0"/>
-          </a:p>
-          <a:p>
-            <a:r>
-              <a:rPr lang="de-DE" dirty="0">
-                <a:hlinkClick r:id="rId3"/>
-              </a:rPr>
-              <a:t>https://github.com/sociomantic/git-</a:t>
-            </a:r>
-            <a:r>
-              <a:rPr lang="de-DE" dirty="0" smtClean="0">
-                <a:hlinkClick r:id="rId3"/>
-              </a:rPr>
-              <a:t>hub</a:t>
-            </a:r>
-            <a:endParaRPr lang="de-DE" dirty="0" smtClean="0"/>
-          </a:p>
-          <a:p>
-            <a:r>
-              <a:rPr lang="de-DE" dirty="0">
-                <a:hlinkClick r:id="rId4"/>
-              </a:rPr>
-              <a:t>https://www.atlassian.com/de/git/workflows#!workflow-</a:t>
-            </a:r>
-            <a:r>
-              <a:rPr lang="de-DE" dirty="0" smtClean="0">
-                <a:hlinkClick r:id="rId4"/>
-              </a:rPr>
-              <a:t>forking</a:t>
-            </a:r>
-            <a:endParaRPr lang="de-DE" dirty="0" smtClean="0"/>
-          </a:p>
-          <a:p>
-            <a:r>
-              <a:rPr lang="de-DE" dirty="0" smtClean="0"/>
-              <a:t>Vorteil: nur „echte“ Projekt-Mitglieder haben direkten Zugriff auf das </a:t>
-            </a:r>
-            <a:r>
-              <a:rPr lang="de-DE" dirty="0" err="1" smtClean="0"/>
-              <a:t>Repo</a:t>
-            </a:r>
-            <a:endParaRPr lang="de-DE" dirty="0" smtClean="0"/>
-          </a:p>
-          <a:p>
-            <a:endParaRPr lang="de-DE" dirty="0"/>
-          </a:p>
-          <a:p>
-            <a:r>
-              <a:rPr lang="de-DE" dirty="0" smtClean="0"/>
-              <a:t>Workflow f</a:t>
-            </a:r>
-            <a:r>
-              <a:rPr lang="de-DE" dirty="0" smtClean="0"/>
-              <a:t>ür </a:t>
-            </a:r>
-            <a:r>
-              <a:rPr lang="de-DE" dirty="0" err="1" smtClean="0"/>
-              <a:t>Contributor</a:t>
-            </a:r>
-            <a:endParaRPr lang="de-DE" dirty="0" smtClean="0"/>
-          </a:p>
-          <a:p>
-            <a:pPr lvl="1"/>
-            <a:r>
-              <a:rPr lang="de-DE" dirty="0" smtClean="0"/>
-              <a:t>„Privaten“ Klon erzeugen (</a:t>
-            </a:r>
-            <a:r>
-              <a:rPr lang="de-DE" dirty="0" err="1" smtClean="0"/>
-              <a:t>origin</a:t>
-            </a:r>
-            <a:r>
-              <a:rPr lang="de-DE" dirty="0" smtClean="0"/>
-              <a:t>)</a:t>
-            </a:r>
-          </a:p>
-          <a:p>
-            <a:pPr lvl="1"/>
-            <a:r>
-              <a:rPr lang="de-DE" dirty="0" smtClean="0"/>
-              <a:t>Änderungen auf einem Topic-</a:t>
-            </a:r>
-            <a:r>
-              <a:rPr lang="de-DE" dirty="0" err="1" smtClean="0"/>
-              <a:t>Branch</a:t>
-            </a:r>
-            <a:r>
-              <a:rPr lang="de-DE" dirty="0" smtClean="0"/>
-              <a:t> machen</a:t>
-            </a:r>
-          </a:p>
-          <a:p>
-            <a:pPr lvl="1"/>
-            <a:r>
-              <a:rPr lang="de-DE" dirty="0" smtClean="0"/>
-              <a:t>Änderungen ins private </a:t>
-            </a:r>
-            <a:r>
-              <a:rPr lang="de-DE" dirty="0" err="1" smtClean="0"/>
-              <a:t>Repo</a:t>
-            </a:r>
-            <a:r>
-              <a:rPr lang="de-DE" dirty="0" smtClean="0"/>
-              <a:t> auf </a:t>
-            </a:r>
-            <a:r>
-              <a:rPr lang="de-DE" dirty="0" err="1" smtClean="0"/>
-              <a:t>GitHub</a:t>
-            </a:r>
-            <a:r>
-              <a:rPr lang="de-DE" dirty="0" smtClean="0"/>
-              <a:t> pushen</a:t>
-            </a:r>
-          </a:p>
-          <a:p>
-            <a:pPr lvl="1"/>
-            <a:r>
-              <a:rPr lang="de-DE" dirty="0" err="1" smtClean="0"/>
-              <a:t>Pullrequest</a:t>
-            </a:r>
-            <a:r>
-              <a:rPr lang="de-DE" dirty="0" smtClean="0"/>
-              <a:t> in „ursprüngliches“ </a:t>
-            </a:r>
-            <a:r>
-              <a:rPr lang="de-DE" dirty="0" err="1" smtClean="0"/>
-              <a:t>Repo</a:t>
-            </a:r>
-            <a:r>
-              <a:rPr lang="de-DE" dirty="0" smtClean="0"/>
-              <a:t> (</a:t>
-            </a:r>
-            <a:r>
-              <a:rPr lang="de-DE" dirty="0" err="1" smtClean="0"/>
-              <a:t>upstream</a:t>
-            </a:r>
-            <a:r>
-              <a:rPr lang="de-DE" dirty="0" smtClean="0"/>
-              <a:t>) </a:t>
-            </a:r>
-            <a:r>
-              <a:rPr lang="de-DE" dirty="0" err="1" smtClean="0"/>
-              <a:t>erzuegen</a:t>
-            </a:r>
-            <a:endParaRPr lang="de-DE" dirty="0" smtClean="0"/>
-          </a:p>
-          <a:p>
-            <a:pPr lvl="1"/>
-            <a:r>
-              <a:rPr lang="de-DE" dirty="0"/>
-              <a:t>Manueller Abgleich zwischen den </a:t>
-            </a:r>
-            <a:r>
-              <a:rPr lang="de-DE" dirty="0" err="1" smtClean="0"/>
-              <a:t>Repos</a:t>
-            </a:r>
-            <a:endParaRPr lang="de-DE" dirty="0" smtClean="0"/>
-          </a:p>
-          <a:p>
-            <a:pPr lvl="2"/>
-            <a:r>
-              <a:rPr lang="de-DE" dirty="0" err="1" smtClean="0"/>
-              <a:t>Git</a:t>
-            </a:r>
-            <a:r>
-              <a:rPr lang="de-DE" dirty="0" smtClean="0"/>
-              <a:t> pull </a:t>
-            </a:r>
-            <a:r>
-              <a:rPr lang="de-DE" dirty="0" err="1" smtClean="0"/>
-              <a:t>origin</a:t>
-            </a:r>
-            <a:endParaRPr lang="de-DE" dirty="0" smtClean="0"/>
-          </a:p>
-          <a:p>
-            <a:pPr lvl="2"/>
-            <a:r>
-              <a:rPr lang="de-DE" dirty="0" err="1" smtClean="0"/>
-              <a:t>Ggf</a:t>
-            </a:r>
-            <a:r>
-              <a:rPr lang="de-DE" dirty="0" smtClean="0"/>
-              <a:t> </a:t>
-            </a:r>
-            <a:r>
-              <a:rPr lang="de-DE" dirty="0" err="1" smtClean="0"/>
-              <a:t>git</a:t>
-            </a:r>
-            <a:r>
-              <a:rPr lang="de-DE" dirty="0" smtClean="0"/>
-              <a:t> </a:t>
-            </a:r>
-            <a:r>
-              <a:rPr lang="de-DE" dirty="0" err="1" smtClean="0"/>
-              <a:t>merge</a:t>
-            </a:r>
-            <a:r>
-              <a:rPr lang="de-DE" dirty="0" smtClean="0"/>
-              <a:t> </a:t>
-            </a:r>
-            <a:r>
-              <a:rPr lang="de-DE" dirty="0" err="1" smtClean="0"/>
-              <a:t>master</a:t>
-            </a:r>
-            <a:endParaRPr lang="de-DE" dirty="0"/>
-          </a:p>
-          <a:p>
-            <a:pPr marL="457200" lvl="1" indent="0">
-              <a:buNone/>
-            </a:pPr>
-            <a:endParaRPr lang="de-DE" dirty="0" smtClean="0"/>
-          </a:p>
-          <a:p>
-            <a:r>
-              <a:rPr lang="de-DE" dirty="0" smtClean="0"/>
-              <a:t>Workflow für </a:t>
-            </a:r>
-            <a:r>
-              <a:rPr lang="de-DE" dirty="0" err="1" smtClean="0"/>
-              <a:t>Maintainer</a:t>
-            </a:r>
-            <a:endParaRPr lang="de-DE" dirty="0" smtClean="0"/>
-          </a:p>
-          <a:p>
-            <a:pPr lvl="1"/>
-            <a:r>
-              <a:rPr lang="de-DE" dirty="0" err="1" smtClean="0"/>
-              <a:t>Pullrequest</a:t>
-            </a:r>
-            <a:r>
-              <a:rPr lang="de-DE" dirty="0" smtClean="0"/>
-              <a:t> </a:t>
-            </a:r>
-            <a:r>
-              <a:rPr lang="de-DE" dirty="0" err="1" smtClean="0"/>
-              <a:t>review</a:t>
-            </a:r>
-            <a:endParaRPr lang="de-DE" dirty="0"/>
-          </a:p>
-          <a:p>
-            <a:pPr lvl="1"/>
-            <a:r>
-              <a:rPr lang="de-DE" dirty="0" smtClean="0"/>
-              <a:t>Lokales Review (</a:t>
-            </a:r>
-            <a:r>
-              <a:rPr lang="de-DE" dirty="0" err="1" smtClean="0"/>
-              <a:t>fetch</a:t>
-            </a:r>
-            <a:r>
-              <a:rPr lang="de-DE" dirty="0" smtClean="0"/>
-              <a:t> des </a:t>
-            </a:r>
-            <a:r>
-              <a:rPr lang="de-DE" dirty="0" err="1" smtClean="0"/>
-              <a:t>Branches</a:t>
-            </a:r>
-            <a:r>
-              <a:rPr lang="de-DE" dirty="0" smtClean="0"/>
-              <a:t> aus dem </a:t>
-            </a:r>
-            <a:r>
-              <a:rPr lang="de-DE" dirty="0" err="1" smtClean="0"/>
-              <a:t>mantainer</a:t>
-            </a:r>
-            <a:r>
-              <a:rPr lang="de-DE" dirty="0" smtClean="0"/>
-              <a:t> </a:t>
-            </a:r>
-            <a:r>
-              <a:rPr lang="de-DE" dirty="0" err="1" smtClean="0"/>
-              <a:t>repo</a:t>
-            </a:r>
-            <a:r>
-              <a:rPr lang="de-DE" dirty="0" smtClean="0"/>
-              <a:t>)</a:t>
-            </a:r>
-          </a:p>
-          <a:p>
-            <a:pPr lvl="2"/>
-            <a:r>
-              <a:rPr lang="de-DE" dirty="0" smtClean="0"/>
-              <a:t>Zwingend notwendig bei </a:t>
-            </a:r>
-            <a:r>
-              <a:rPr lang="de-DE" dirty="0" err="1" smtClean="0"/>
-              <a:t>Merge</a:t>
-            </a:r>
-            <a:r>
-              <a:rPr lang="de-DE" dirty="0" smtClean="0"/>
-              <a:t>-Konflikten</a:t>
-            </a:r>
-          </a:p>
-          <a:p>
-            <a:pPr lvl="1"/>
-            <a:r>
-              <a:rPr lang="de-DE" dirty="0" smtClean="0"/>
-              <a:t>Guidelines für </a:t>
-            </a:r>
-            <a:r>
-              <a:rPr lang="de-DE" dirty="0" err="1" smtClean="0"/>
-              <a:t>Pullrequests</a:t>
-            </a:r>
-            <a:r>
-              <a:rPr lang="de-DE" dirty="0" smtClean="0"/>
-              <a:t>: ggf. </a:t>
-            </a:r>
-            <a:r>
-              <a:rPr lang="de-DE" dirty="0" err="1" smtClean="0"/>
-              <a:t>rebase</a:t>
-            </a:r>
-            <a:r>
-              <a:rPr lang="de-DE" dirty="0" smtClean="0"/>
-              <a:t>/</a:t>
-            </a:r>
-            <a:r>
-              <a:rPr lang="de-DE" dirty="0" err="1" smtClean="0"/>
-              <a:t>squash</a:t>
-            </a:r>
-            <a:r>
-              <a:rPr lang="de-DE" dirty="0" smtClean="0"/>
-              <a:t>, push –f erforderlich</a:t>
-            </a:r>
-          </a:p>
-          <a:p>
-            <a:r>
-              <a:rPr lang="de-DE" dirty="0" smtClean="0"/>
-              <a:t>Beispiel und guter Guide </a:t>
-            </a:r>
-            <a:r>
-              <a:rPr lang="de-DE" dirty="0" err="1" smtClean="0"/>
-              <a:t>bndtools</a:t>
-            </a:r>
-            <a:r>
-              <a:rPr lang="de-DE" dirty="0" smtClean="0"/>
-              <a:t>:</a:t>
-            </a:r>
-          </a:p>
-          <a:p>
-            <a:pPr lvl="1"/>
-            <a:r>
-              <a:rPr lang="de-DE" dirty="0"/>
-              <a:t>https://</a:t>
-            </a:r>
-            <a:r>
-              <a:rPr lang="de-DE" dirty="0" err="1"/>
-              <a:t>github.com</a:t>
-            </a:r>
-            <a:r>
-              <a:rPr lang="de-DE" dirty="0"/>
-              <a:t>/</a:t>
-            </a:r>
-            <a:r>
-              <a:rPr lang="de-DE" dirty="0" err="1"/>
-              <a:t>bndtools</a:t>
-            </a:r>
-            <a:r>
-              <a:rPr lang="de-DE" dirty="0"/>
-              <a:t>/</a:t>
-            </a:r>
-            <a:r>
-              <a:rPr lang="de-DE" dirty="0" err="1"/>
-              <a:t>bndtools</a:t>
-            </a:r>
-            <a:r>
-              <a:rPr lang="de-DE" dirty="0"/>
-              <a:t>/</a:t>
-            </a:r>
-            <a:r>
-              <a:rPr lang="de-DE" dirty="0" err="1"/>
-              <a:t>blob</a:t>
-            </a:r>
-            <a:r>
-              <a:rPr lang="de-DE" dirty="0"/>
-              <a:t>/</a:t>
-            </a:r>
-            <a:r>
-              <a:rPr lang="de-DE" dirty="0" err="1"/>
-              <a:t>master</a:t>
-            </a:r>
-            <a:r>
-              <a:rPr lang="de-DE" dirty="0"/>
-              <a:t>/</a:t>
-            </a:r>
-            <a:r>
-              <a:rPr lang="de-DE" dirty="0" err="1"/>
-              <a:t>CONTRIBUTING.md</a:t>
+              <a:rPr lang="de-DE" dirty="0" smtClean="0"/>
+              <a:t>Cherry Pick</a:t>
             </a:r>
             <a:endParaRPr lang="de-DE" dirty="0"/>
           </a:p>
@@ -4663,7 +6799,7 @@
     </p:spTree>
     <p:extLst>
       <p:ext uri="{BB962C8B-B14F-4D97-AF65-F5344CB8AC3E}">
-        <p14:creationId xmlns:p14="http://schemas.microsoft.com/office/powerpoint/2010/main" val="3930140188"/>
+        <p14:creationId xmlns:p14="http://schemas.microsoft.com/office/powerpoint/2010/main" val="943146039"/>
       </p:ext>
     </p:extLst>
   </p:cSld>
@@ -4702,12 +6838,14 @@
         </p:nvSpPr>
         <p:spPr/>
         <p:txBody>
-          <a:bodyPr/>
+          <a:bodyPr>
+            <a:normAutofit/>
+          </a:bodyPr>
           <a:lstStyle/>
           <a:p>
             <a:r>
               <a:rPr lang="de-DE" dirty="0" smtClean="0"/>
-              <a:t>EXKURS: LINUX BRANCH MODELL</a:t>
+              <a:t>BRANCH STRATEGIE: PRODUKT / PROJEKT</a:t>
             </a:r>
             <a:endParaRPr lang="de-DE" dirty="0"/>
           </a:p>
@@ -4726,38 +6864,115 @@
         <p:spPr/>
         <p:txBody>
           <a:bodyPr>
-            <a:normAutofit/>
+            <a:normAutofit fontScale="92500" lnSpcReduction="20000"/>
           </a:bodyPr>
           <a:lstStyle/>
           <a:p>
             <a:r>
+              <a:rPr lang="de-DE" dirty="0" err="1" smtClean="0"/>
+              <a:t>GitFlow</a:t>
+            </a:r>
+            <a:r>
+              <a:rPr lang="de-DE" dirty="0" smtClean="0"/>
+              <a:t> eignet sich gut dafür, wenn man ein Produkt (oder auch ein Projekt) in genau einer Version verwendet. Man hat immer ein Release in Produktion, für das man </a:t>
+            </a:r>
+            <a:r>
+              <a:rPr lang="de-DE" dirty="0" err="1" smtClean="0"/>
+              <a:t>Bugfixes</a:t>
+            </a:r>
+            <a:r>
+              <a:rPr lang="de-DE" dirty="0" smtClean="0"/>
+              <a:t> macht. Parallel dazu gibt es nur die Weiterentwicklung auf dem </a:t>
+            </a:r>
+            <a:r>
+              <a:rPr lang="de-DE" dirty="0" err="1" smtClean="0"/>
+              <a:t>develop-Branch</a:t>
+            </a:r>
+            <a:r>
+              <a:rPr lang="de-DE" dirty="0" smtClean="0"/>
+              <a:t> die zum nächsten Release führt</a:t>
+            </a:r>
+          </a:p>
+          <a:p>
+            <a:r>
+              <a:rPr lang="de-DE" dirty="0" smtClean="0"/>
+              <a:t>Für Produkte, die in mehreren Versionen gepflegt werden sollen, mehrere Release-</a:t>
+            </a:r>
+            <a:r>
+              <a:rPr lang="de-DE" dirty="0" err="1" smtClean="0"/>
+              <a:t>Branches</a:t>
+            </a:r>
+            <a:r>
+              <a:rPr lang="de-DE" dirty="0" smtClean="0"/>
+              <a:t> z.B. bei </a:t>
+            </a:r>
+            <a:r>
+              <a:rPr lang="de-DE" dirty="0" err="1" smtClean="0"/>
+              <a:t>Atlassian</a:t>
+            </a:r>
+            <a:endParaRPr lang="de-DE" dirty="0" smtClean="0"/>
+          </a:p>
+          <a:p>
+            <a:pPr lvl="1"/>
+            <a:r>
               <a:rPr lang="de-DE" dirty="0"/>
               <a:t>http://</a:t>
             </a:r>
             <a:r>
               <a:rPr lang="de-DE" dirty="0" err="1"/>
-              <a:t>git-scm.com</a:t>
-            </a:r>
-            <a:r>
-              <a:rPr lang="de-DE" dirty="0"/>
-              <a:t>/</a:t>
-            </a:r>
-            <a:r>
-              <a:rPr lang="de-DE" dirty="0" err="1"/>
-              <a:t>book</a:t>
-            </a:r>
-            <a:r>
-              <a:rPr lang="de-DE" dirty="0"/>
-              <a:t>/en/Distributed-Git-Distributed-Workflows#Dictator-and-Lieutenants-Workflow</a:t>
-            </a:r>
-            <a:endParaRPr lang="de-DE" dirty="0"/>
+              <a:t>blogs.atlassian.com</a:t>
+            </a:r>
+            <a:r>
+              <a:rPr lang="de-DE" dirty="0"/>
+              <a:t>/2013/10/</a:t>
+            </a:r>
+            <a:r>
+              <a:rPr lang="de-DE" dirty="0" err="1"/>
+              <a:t>inside</a:t>
+            </a:r>
+            <a:r>
+              <a:rPr lang="de-DE" dirty="0"/>
+              <a:t>-</a:t>
+            </a:r>
+            <a:r>
+              <a:rPr lang="de-DE" dirty="0" err="1"/>
+              <a:t>atlassian</a:t>
+            </a:r>
+            <a:r>
+              <a:rPr lang="de-DE" dirty="0"/>
+              <a:t>-feature-</a:t>
+            </a:r>
+            <a:r>
+              <a:rPr lang="de-DE" dirty="0" err="1"/>
+              <a:t>branching</a:t>
+            </a:r>
+            <a:r>
+              <a:rPr lang="de-DE" dirty="0"/>
+              <a:t>-on-</a:t>
+            </a:r>
+            <a:r>
+              <a:rPr lang="de-DE" dirty="0" err="1"/>
+              <a:t>the</a:t>
+            </a:r>
+            <a:r>
+              <a:rPr lang="de-DE" dirty="0"/>
+              <a:t>-</a:t>
+            </a:r>
+            <a:r>
+              <a:rPr lang="de-DE" dirty="0" err="1"/>
+              <a:t>stash</a:t>
+            </a:r>
+            <a:r>
+              <a:rPr lang="de-DE" dirty="0"/>
+              <a:t>-team/</a:t>
+            </a:r>
           </a:p>
         </p:txBody>
       </p:sp>
     </p:spTree>
     <p:extLst>
       <p:ext uri="{BB962C8B-B14F-4D97-AF65-F5344CB8AC3E}">
-        <p14:creationId xmlns:p14="http://schemas.microsoft.com/office/powerpoint/2010/main" val="758519847"/>
+        <p14:creationId xmlns:p14="http://schemas.microsoft.com/office/powerpoint/2010/main" val="858207475"/>
       </p:ext>
     </p:extLst>
   </p:cSld>
@@ -4801,11 +7016,7 @@
           <a:p>
             <a:r>
               <a:rPr lang="de-DE" dirty="0" smtClean="0"/>
-              <a:t>Submodules und </a:t>
-            </a:r>
-            <a:r>
-              <a:rPr lang="de-DE" dirty="0" err="1" smtClean="0"/>
-              <a:t>subtrees</a:t>
+              <a:t>BRANCH STRATEGIE: ALTERNATIVEN</a:t>
             </a:r>
             <a:endParaRPr lang="de-DE" dirty="0"/>
           </a:p>
@@ -4824,175 +7035,111 @@
         <p:spPr/>
         <p:txBody>
           <a:bodyPr>
-            <a:normAutofit fontScale="70000" lnSpcReduction="20000"/>
+            <a:normAutofit/>
           </a:bodyPr>
           <a:lstStyle/>
           <a:p>
             <a:r>
-              <a:rPr lang="de-DE" dirty="0"/>
-              <a:t>Wie verwenden Sie Submodules oder </a:t>
-            </a:r>
-            <a:r>
-              <a:rPr lang="de-DE" dirty="0" err="1"/>
-              <a:t>Subtrees</a:t>
-            </a:r>
-            <a:r>
-              <a:rPr lang="de-DE" dirty="0"/>
-              <a:t> dazu, andere Projekte einzubinden? [Rene]</a:t>
-            </a:r>
-          </a:p>
-          <a:p>
-            <a:r>
-              <a:rPr lang="de-DE" dirty="0"/>
-              <a:t>In Java eher selten die Notwendigkeit, </a:t>
-            </a:r>
-            <a:r>
-              <a:rPr lang="de-DE" dirty="0" err="1"/>
-              <a:t>Sourcen</a:t>
-            </a:r>
-            <a:r>
-              <a:rPr lang="de-DE" dirty="0"/>
-              <a:t> aus anderen Projekten einzubinden </a:t>
-            </a:r>
-            <a:r>
-              <a:rPr lang="de-DE" dirty="0" err="1"/>
-              <a:t>bzw</a:t>
-            </a:r>
-            <a:r>
-              <a:rPr lang="de-DE" dirty="0"/>
-              <a:t> wird über andere Tools erledigt (</a:t>
-            </a:r>
-            <a:r>
-              <a:rPr lang="de-DE" dirty="0" err="1"/>
-              <a:t>Maven</a:t>
-            </a:r>
-            <a:r>
-              <a:rPr lang="de-DE" dirty="0"/>
-              <a:t> z.B.)</a:t>
-            </a:r>
-          </a:p>
-          <a:p>
-            <a:r>
-              <a:rPr lang="de-DE" dirty="0"/>
-              <a:t>Historisch wo kommt das her? In der Praxis eher in C/C++ relevant.</a:t>
-            </a:r>
-          </a:p>
-          <a:p>
-            <a:r>
-              <a:rPr lang="de-DE" dirty="0"/>
-              <a:t>Große </a:t>
-            </a:r>
-            <a:r>
-              <a:rPr lang="de-DE" dirty="0" err="1"/>
-              <a:t>Repositories</a:t>
-            </a:r>
-            <a:r>
-              <a:rPr lang="de-DE" dirty="0"/>
-              <a:t> aufteilen, weil sie sonst zu langsam werden</a:t>
-            </a:r>
-          </a:p>
-          <a:p>
-            <a:r>
-              <a:rPr lang="de-DE" dirty="0"/>
-              <a:t>Submodule &lt;&gt; </a:t>
-            </a:r>
-            <a:r>
-              <a:rPr lang="de-DE" dirty="0" err="1"/>
-              <a:t>Subtrees</a:t>
-            </a:r>
+              <a:rPr lang="de-DE" dirty="0" err="1" smtClean="0"/>
+              <a:t>GitHub</a:t>
+            </a:r>
+            <a:r>
+              <a:rPr lang="de-DE" dirty="0" smtClean="0"/>
+              <a:t> Klone/</a:t>
+            </a:r>
+            <a:r>
+              <a:rPr lang="de-DE" dirty="0" err="1" smtClean="0"/>
+              <a:t>Pullrequest</a:t>
+            </a:r>
+            <a:r>
+              <a:rPr lang="de-DE" dirty="0" smtClean="0"/>
+              <a:t>-Workflow – für </a:t>
+            </a:r>
+            <a:r>
+              <a:rPr lang="de-DE" dirty="0" err="1" smtClean="0"/>
+              <a:t>Contributor</a:t>
+            </a:r>
+            <a:endParaRPr lang="de-DE" dirty="0" smtClean="0"/>
+          </a:p>
+          <a:p>
+            <a:pPr lvl="1"/>
+            <a:r>
+              <a:rPr lang="de-DE" dirty="0" smtClean="0"/>
+              <a:t>„Privaten“ Klon erzeugen</a:t>
+            </a:r>
+          </a:p>
+          <a:p>
+            <a:pPr lvl="1"/>
+            <a:r>
+              <a:rPr lang="de-DE" dirty="0" smtClean="0"/>
+              <a:t>Änderungen auf einem Topic-</a:t>
+            </a:r>
+            <a:r>
+              <a:rPr lang="de-DE" dirty="0" err="1" smtClean="0"/>
+              <a:t>Branch</a:t>
+            </a:r>
+            <a:r>
+              <a:rPr lang="de-DE" dirty="0" smtClean="0"/>
+              <a:t> machen</a:t>
+            </a:r>
+          </a:p>
+          <a:p>
+            <a:pPr lvl="1"/>
+            <a:r>
+              <a:rPr lang="de-DE" dirty="0" smtClean="0"/>
+              <a:t>Änderungen ins private </a:t>
+            </a:r>
+            <a:r>
+              <a:rPr lang="de-DE" dirty="0" err="1" smtClean="0"/>
+              <a:t>Repo</a:t>
+            </a:r>
+            <a:r>
+              <a:rPr lang="de-DE" dirty="0" smtClean="0"/>
+              <a:t> auf </a:t>
+            </a:r>
+            <a:r>
+              <a:rPr lang="de-DE" dirty="0" err="1" smtClean="0"/>
+              <a:t>GitHub</a:t>
+            </a:r>
+            <a:r>
+              <a:rPr lang="de-DE" dirty="0" smtClean="0"/>
+              <a:t> pushen</a:t>
+            </a:r>
+          </a:p>
+          <a:p>
+            <a:pPr lvl="1"/>
+            <a:r>
+              <a:rPr lang="de-DE" dirty="0" err="1" smtClean="0"/>
+              <a:t>Pullrequest</a:t>
+            </a:r>
+            <a:r>
+              <a:rPr lang="de-DE" dirty="0" smtClean="0"/>
+              <a:t> in „ursprüngliches“ </a:t>
+            </a:r>
+            <a:r>
+              <a:rPr lang="de-DE" dirty="0" err="1" smtClean="0"/>
+              <a:t>Repo</a:t>
+            </a:r>
+            <a:endParaRPr lang="de-DE" dirty="0" smtClean="0"/>
+          </a:p>
+          <a:p>
+            <a:pPr marL="0" indent="0">
+              <a:buNone/>
+            </a:pPr>
             <a:endParaRPr lang="de-DE" dirty="0"/>
           </a:p>
           <a:p>
-            <a:r>
-              <a:rPr lang="de-DE" dirty="0" err="1"/>
-              <a:t>Branching</a:t>
-            </a:r>
-            <a:r>
-              <a:rPr lang="de-DE" dirty="0"/>
-              <a:t>, Update auf neueste Version, Arbeiten</a:t>
-            </a:r>
-          </a:p>
-          <a:p>
-            <a:r>
-              <a:rPr lang="de-DE" dirty="0"/>
-              <a:t>(Write-</a:t>
-            </a:r>
-            <a:r>
-              <a:rPr lang="de-DE" dirty="0" err="1"/>
-              <a:t>Tree</a:t>
-            </a:r>
-            <a:r>
-              <a:rPr lang="de-DE" dirty="0"/>
-              <a:t> -&gt; Experte)</a:t>
-            </a:r>
-          </a:p>
-          <a:p>
-            <a:r>
-              <a:rPr lang="de-DE" dirty="0"/>
-              <a:t>Praxis-Beispiel: Bootstrap Repository in Java Webanwendung einbinden [Nils]</a:t>
-            </a:r>
-          </a:p>
-          <a:p>
-            <a:r>
-              <a:rPr lang="de-DE" dirty="0"/>
-              <a:t> - Zwei "äußere" </a:t>
-            </a:r>
-            <a:r>
-              <a:rPr lang="de-DE" dirty="0" err="1"/>
-              <a:t>Repositories</a:t>
-            </a:r>
-            <a:r>
-              <a:rPr lang="de-DE" dirty="0"/>
-              <a:t>, zeigen auf </a:t>
-            </a:r>
-            <a:r>
-              <a:rPr lang="de-DE" dirty="0" err="1"/>
-              <a:t>selbes</a:t>
-            </a:r>
-            <a:r>
-              <a:rPr lang="de-DE" dirty="0"/>
-              <a:t> Bootstrap-Repository</a:t>
-            </a:r>
-          </a:p>
-          <a:p>
-            <a:r>
-              <a:rPr lang="de-DE" dirty="0"/>
-              <a:t>Übung: jeweils mit </a:t>
-            </a:r>
-            <a:r>
-              <a:rPr lang="de-DE" dirty="0" err="1"/>
-              <a:t>subtree</a:t>
-            </a:r>
-            <a:r>
-              <a:rPr lang="de-DE" dirty="0"/>
-              <a:t> und </a:t>
-            </a:r>
-            <a:r>
-              <a:rPr lang="de-DE" dirty="0" err="1"/>
-              <a:t>submodule</a:t>
-            </a:r>
-            <a:r>
-              <a:rPr lang="de-DE" dirty="0"/>
-              <a:t> im "eingebunden" </a:t>
-            </a:r>
-            <a:r>
-              <a:rPr lang="de-DE" dirty="0" err="1"/>
-              <a:t>repository</a:t>
-            </a:r>
-            <a:r>
-              <a:rPr lang="de-DE" dirty="0"/>
-              <a:t> Änderung machen und </a:t>
-            </a:r>
-            <a:r>
-              <a:rPr lang="de-DE" dirty="0" err="1"/>
-              <a:t>committen</a:t>
-            </a:r>
-            <a:endParaRPr lang="de-DE" dirty="0"/>
-          </a:p>
-          <a:p>
-            <a:endParaRPr lang="de-DE" dirty="0"/>
-          </a:p>
-          <a:p>
+            <a:pPr marL="0" indent="0">
+              <a:buNone/>
+            </a:pPr>
+            <a:r>
+              <a:rPr lang="de-DE" dirty="0" smtClean="0"/>
+              <a:t>Manueller Abgleich zwischen den </a:t>
+            </a:r>
+            <a:r>
+              <a:rPr lang="de-DE" dirty="0" err="1" smtClean="0"/>
+              <a:t>Repos</a:t>
+            </a:r>
             <a:endParaRPr lang="de-DE" dirty="0"/>
           </a:p>
         </p:txBody>
@@ -5000,7 +7147,7 @@
     </p:spTree>
     <p:extLst>
       <p:ext uri="{BB962C8B-B14F-4D97-AF65-F5344CB8AC3E}">
-        <p14:creationId xmlns:p14="http://schemas.microsoft.com/office/powerpoint/2010/main" val="730839351"/>
+        <p14:creationId xmlns:p14="http://schemas.microsoft.com/office/powerpoint/2010/main" val="273835580"/>
       </p:ext>
     </p:extLst>
   </p:cSld>
@@ -5044,7 +7191,7 @@
           <a:p>
             <a:r>
               <a:rPr lang="de-DE" dirty="0" smtClean="0"/>
-              <a:t>SUBTREES / SUBMODULES</a:t>
+              <a:t>ALTERNATIVE: GITHUB KLONE</a:t>
             </a:r>
             <a:endParaRPr lang="de-DE" dirty="0"/>
           </a:p>
@@ -5062,41 +7209,445 @@
         </p:nvSpPr>
         <p:spPr/>
         <p:txBody>
-          <a:bodyPr/>
+          <a:bodyPr>
+            <a:normAutofit fontScale="40000" lnSpcReduction="20000"/>
+          </a:bodyPr>
           <a:lstStyle/>
           <a:p>
             <a:r>
-              <a:rPr lang="de-DE" dirty="0" smtClean="0"/>
-              <a:t>Beschreibung ... </a:t>
-            </a:r>
-          </a:p>
-          <a:p>
-            <a:r>
-              <a:rPr lang="de-DE" dirty="0" smtClean="0"/>
-              <a:t>Vorteil</a:t>
-            </a:r>
-          </a:p>
-          <a:p>
-            <a:r>
-              <a:rPr lang="de-DE" dirty="0" smtClean="0"/>
-              <a:t>Nachteil</a:t>
-            </a:r>
-          </a:p>
-          <a:p>
-            <a:r>
-              <a:rPr lang="de-DE" dirty="0" smtClean="0"/>
-              <a:t>Besonders </a:t>
-            </a:r>
-            <a:r>
-              <a:rPr lang="de-DE" dirty="0" err="1" smtClean="0"/>
-              <a:t>geignet</a:t>
-            </a:r>
-            <a:r>
-              <a:rPr lang="de-DE" dirty="0" smtClean="0"/>
-              <a:t> für...</a:t>
-            </a:r>
-          </a:p>
-          <a:p>
+              <a:rPr lang="de-DE" dirty="0" smtClean="0">
+                <a:hlinkClick r:id="rId2"/>
+              </a:rPr>
+              <a:t>Forking Workflow, Triangular Workflow, Integration Manager Workflow</a:t>
+            </a:r>
+            <a:endParaRPr lang="de-DE" dirty="0">
+              <a:hlinkClick r:id="rId2"/>
+            </a:endParaRPr>
+          </a:p>
+          <a:p>
+            <a:endParaRPr lang="de-DE" dirty="0" smtClean="0">
+              <a:hlinkClick r:id="rId2"/>
+            </a:endParaRPr>
+          </a:p>
+          <a:p>
+            <a:endParaRPr lang="de-DE" dirty="0" smtClean="0">
+              <a:hlinkClick r:id="rId2"/>
+            </a:endParaRPr>
+          </a:p>
+          <a:p>
+            <a:r>
+              <a:rPr lang="de-DE" dirty="0">
+                <a:hlinkClick r:id="rId2"/>
+              </a:rPr>
+              <a:t>http://git-scm.com/book/en/Distributed-Git-Distributed-Workflows#Integration-Manager-Workflow</a:t>
+            </a:r>
+            <a:endParaRPr lang="de-DE" dirty="0" smtClean="0">
+              <a:hlinkClick r:id="rId2"/>
+            </a:endParaRPr>
+          </a:p>
+          <a:p>
+            <a:r>
+              <a:rPr lang="de-DE" dirty="0" smtClean="0">
+                <a:hlinkClick r:id="rId2"/>
+              </a:rPr>
+              <a:t>https</a:t>
+            </a:r>
+            <a:r>
+              <a:rPr lang="de-DE" dirty="0">
+                <a:hlinkClick r:id="rId2"/>
+              </a:rPr>
+              <a:t>://www.sociomantic.com/blog/2014/05/git-triangular-workflow/#.</a:t>
+            </a:r>
+            <a:r>
+              <a:rPr lang="de-DE" dirty="0" smtClean="0">
+                <a:hlinkClick r:id="rId2"/>
+              </a:rPr>
+              <a:t>VCEg7yt_v0A</a:t>
+            </a:r>
+            <a:endParaRPr lang="de-DE" dirty="0" smtClean="0"/>
+          </a:p>
+          <a:p>
+            <a:r>
+              <a:rPr lang="de-DE" dirty="0">
+                <a:hlinkClick r:id="rId3"/>
+              </a:rPr>
+              <a:t>https://github.com/sociomantic/git-</a:t>
+            </a:r>
+            <a:r>
+              <a:rPr lang="de-DE" dirty="0" smtClean="0">
+                <a:hlinkClick r:id="rId3"/>
+              </a:rPr>
+              <a:t>hub</a:t>
+            </a:r>
+            <a:endParaRPr lang="de-DE" dirty="0" smtClean="0"/>
+          </a:p>
+          <a:p>
+            <a:r>
+              <a:rPr lang="de-DE" dirty="0">
+                <a:hlinkClick r:id="rId4"/>
+              </a:rPr>
+              <a:t>https://www.atlassian.com/de/git/workflows#!workflow-</a:t>
+            </a:r>
+            <a:r>
+              <a:rPr lang="de-DE" dirty="0" smtClean="0">
+                <a:hlinkClick r:id="rId4"/>
+              </a:rPr>
+              <a:t>forking</a:t>
+            </a:r>
+            <a:endParaRPr lang="de-DE" dirty="0" smtClean="0"/>
+          </a:p>
+          <a:p>
+            <a:r>
+              <a:rPr lang="de-DE" dirty="0" smtClean="0"/>
+              <a:t>Vorteil: nur „echte“ Projekt-Mitglieder haben direkten Zugriff auf das </a:t>
+            </a:r>
+            <a:r>
+              <a:rPr lang="de-DE" dirty="0" err="1" smtClean="0"/>
+              <a:t>Repo</a:t>
+            </a:r>
+            <a:endParaRPr lang="de-DE" dirty="0" smtClean="0"/>
+          </a:p>
+          <a:p>
+            <a:endParaRPr lang="de-DE" dirty="0"/>
+          </a:p>
+          <a:p>
+            <a:r>
+              <a:rPr lang="de-DE" dirty="0" smtClean="0"/>
+              <a:t>Workflow für </a:t>
+            </a:r>
+            <a:r>
+              <a:rPr lang="de-DE" dirty="0" err="1" smtClean="0"/>
+              <a:t>Contributor</a:t>
+            </a:r>
+            <a:endParaRPr lang="de-DE" dirty="0" smtClean="0"/>
+          </a:p>
+          <a:p>
+            <a:pPr lvl="1"/>
+            <a:r>
+              <a:rPr lang="de-DE" dirty="0" smtClean="0"/>
+              <a:t>„Privaten“ Klon erzeugen (</a:t>
+            </a:r>
+            <a:r>
+              <a:rPr lang="de-DE" dirty="0" err="1" smtClean="0"/>
+              <a:t>origin</a:t>
+            </a:r>
+            <a:r>
+              <a:rPr lang="de-DE" dirty="0" smtClean="0"/>
+              <a:t>)</a:t>
+            </a:r>
+          </a:p>
+          <a:p>
+            <a:pPr lvl="1"/>
+            <a:r>
+              <a:rPr lang="de-DE" dirty="0" smtClean="0"/>
+              <a:t>Änderungen auf einem Topic-</a:t>
+            </a:r>
+            <a:r>
+              <a:rPr lang="de-DE" dirty="0" err="1" smtClean="0"/>
+              <a:t>Branch</a:t>
+            </a:r>
+            <a:r>
+              <a:rPr lang="de-DE" dirty="0" smtClean="0"/>
+              <a:t> machen</a:t>
+            </a:r>
+          </a:p>
+          <a:p>
+            <a:pPr lvl="1"/>
+            <a:r>
+              <a:rPr lang="de-DE" dirty="0" smtClean="0"/>
+              <a:t>Änderungen ins private </a:t>
+            </a:r>
+            <a:r>
+              <a:rPr lang="de-DE" dirty="0" err="1" smtClean="0"/>
+              <a:t>Repo</a:t>
+            </a:r>
+            <a:r>
+              <a:rPr lang="de-DE" dirty="0" smtClean="0"/>
+              <a:t> auf </a:t>
+            </a:r>
+            <a:r>
+              <a:rPr lang="de-DE" dirty="0" err="1" smtClean="0"/>
+              <a:t>GitHub</a:t>
+            </a:r>
+            <a:r>
+              <a:rPr lang="de-DE" dirty="0" smtClean="0"/>
+              <a:t> pushen</a:t>
+            </a:r>
+          </a:p>
+          <a:p>
+            <a:pPr lvl="1"/>
+            <a:r>
+              <a:rPr lang="de-DE" dirty="0" err="1" smtClean="0"/>
+              <a:t>Pullrequest</a:t>
+            </a:r>
+            <a:r>
+              <a:rPr lang="de-DE" dirty="0" smtClean="0"/>
+              <a:t> in „ursprüngliches“ </a:t>
+            </a:r>
+            <a:r>
+              <a:rPr lang="de-DE" dirty="0" err="1" smtClean="0"/>
+              <a:t>Repo</a:t>
+            </a:r>
+            <a:r>
+              <a:rPr lang="de-DE" dirty="0" smtClean="0"/>
+              <a:t> (</a:t>
+            </a:r>
+            <a:r>
+              <a:rPr lang="de-DE" dirty="0" err="1" smtClean="0"/>
+              <a:t>upstream</a:t>
+            </a:r>
+            <a:r>
+              <a:rPr lang="de-DE" dirty="0" smtClean="0"/>
+              <a:t>) </a:t>
+            </a:r>
+            <a:r>
+              <a:rPr lang="de-DE" dirty="0" err="1" smtClean="0"/>
+              <a:t>erzuegen</a:t>
+            </a:r>
+            <a:endParaRPr lang="de-DE" dirty="0" smtClean="0"/>
+          </a:p>
+          <a:p>
+            <a:pPr lvl="1"/>
+            <a:r>
+              <a:rPr lang="de-DE" dirty="0"/>
+              <a:t>Manueller Abgleich zwischen den </a:t>
+            </a:r>
+            <a:r>
+              <a:rPr lang="de-DE" dirty="0" err="1" smtClean="0"/>
+              <a:t>Repos</a:t>
+            </a:r>
+            <a:endParaRPr lang="de-DE" dirty="0" smtClean="0"/>
+          </a:p>
+          <a:p>
+            <a:pPr lvl="2"/>
+            <a:r>
+              <a:rPr lang="de-DE" dirty="0" err="1" smtClean="0"/>
+              <a:t>Git</a:t>
+            </a:r>
+            <a:r>
+              <a:rPr lang="de-DE" dirty="0" smtClean="0"/>
+              <a:t> pull </a:t>
+            </a:r>
+            <a:r>
+              <a:rPr lang="de-DE" dirty="0" err="1" smtClean="0"/>
+              <a:t>origin</a:t>
+            </a:r>
+            <a:endParaRPr lang="de-DE" dirty="0" smtClean="0"/>
+          </a:p>
+          <a:p>
+            <a:pPr lvl="2"/>
+            <a:r>
+              <a:rPr lang="de-DE" dirty="0" err="1" smtClean="0"/>
+              <a:t>Ggf</a:t>
+            </a:r>
+            <a:r>
+              <a:rPr lang="de-DE" dirty="0" smtClean="0"/>
+              <a:t> </a:t>
+            </a:r>
+            <a:r>
+              <a:rPr lang="de-DE" dirty="0" err="1" smtClean="0"/>
+              <a:t>git</a:t>
+            </a:r>
+            <a:r>
+              <a:rPr lang="de-DE" dirty="0" smtClean="0"/>
+              <a:t> </a:t>
+            </a:r>
+            <a:r>
+              <a:rPr lang="de-DE" dirty="0" err="1" smtClean="0"/>
+              <a:t>merge</a:t>
+            </a:r>
+            <a:r>
+              <a:rPr lang="de-DE" dirty="0" smtClean="0"/>
+              <a:t> </a:t>
+            </a:r>
+            <a:r>
+              <a:rPr lang="de-DE" dirty="0" err="1" smtClean="0"/>
+              <a:t>master</a:t>
+            </a:r>
+            <a:endParaRPr lang="de-DE" dirty="0"/>
+          </a:p>
+          <a:p>
+            <a:pPr marL="457200" lvl="1" indent="0">
+              <a:buNone/>
+            </a:pPr>
+            <a:endParaRPr lang="de-DE" dirty="0" smtClean="0"/>
+          </a:p>
+          <a:p>
+            <a:r>
+              <a:rPr lang="de-DE" dirty="0" smtClean="0"/>
+              <a:t>Workflow für </a:t>
+            </a:r>
+            <a:r>
+              <a:rPr lang="de-DE" dirty="0" err="1" smtClean="0"/>
+              <a:t>Maintainer</a:t>
+            </a:r>
+            <a:endParaRPr lang="de-DE" dirty="0" smtClean="0"/>
+          </a:p>
+          <a:p>
+            <a:pPr lvl="1"/>
+            <a:r>
+              <a:rPr lang="de-DE" dirty="0" err="1" smtClean="0"/>
+              <a:t>Pullrequest</a:t>
+            </a:r>
+            <a:r>
+              <a:rPr lang="de-DE" dirty="0" smtClean="0"/>
+              <a:t> </a:t>
+            </a:r>
+            <a:r>
+              <a:rPr lang="de-DE" dirty="0" err="1" smtClean="0"/>
+              <a:t>review</a:t>
+            </a:r>
+            <a:endParaRPr lang="de-DE" dirty="0"/>
+          </a:p>
+          <a:p>
+            <a:pPr lvl="1"/>
+            <a:r>
+              <a:rPr lang="de-DE" dirty="0" smtClean="0"/>
+              <a:t>Lokales Review (</a:t>
+            </a:r>
+            <a:r>
+              <a:rPr lang="de-DE" dirty="0" err="1" smtClean="0"/>
+              <a:t>fetch</a:t>
+            </a:r>
+            <a:r>
+              <a:rPr lang="de-DE" dirty="0" smtClean="0"/>
+              <a:t> des </a:t>
+            </a:r>
+            <a:r>
+              <a:rPr lang="de-DE" dirty="0" err="1" smtClean="0"/>
+              <a:t>Branches</a:t>
+            </a:r>
+            <a:r>
+              <a:rPr lang="de-DE" dirty="0" smtClean="0"/>
+              <a:t> aus dem </a:t>
+            </a:r>
+            <a:r>
+              <a:rPr lang="de-DE" dirty="0" err="1" smtClean="0"/>
+              <a:t>mantainer</a:t>
+            </a:r>
+            <a:r>
+              <a:rPr lang="de-DE" dirty="0" smtClean="0"/>
+              <a:t> </a:t>
+            </a:r>
+            <a:r>
+              <a:rPr lang="de-DE" dirty="0" err="1" smtClean="0"/>
+              <a:t>repo</a:t>
+            </a:r>
+            <a:r>
+              <a:rPr lang="de-DE" dirty="0" smtClean="0"/>
+              <a:t>)</a:t>
+            </a:r>
+          </a:p>
+          <a:p>
+            <a:pPr lvl="2"/>
+            <a:r>
+              <a:rPr lang="de-DE" dirty="0" smtClean="0"/>
+              <a:t>Zwingend notwendig bei </a:t>
+            </a:r>
+            <a:r>
+              <a:rPr lang="de-DE" dirty="0" err="1" smtClean="0"/>
+              <a:t>Merge</a:t>
+            </a:r>
+            <a:r>
+              <a:rPr lang="de-DE" dirty="0" smtClean="0"/>
+              <a:t>-Konflikten</a:t>
+            </a:r>
+          </a:p>
+          <a:p>
+            <a:pPr lvl="1"/>
+            <a:r>
+              <a:rPr lang="de-DE" dirty="0" smtClean="0"/>
+              <a:t>Guidelines für </a:t>
+            </a:r>
+            <a:r>
+              <a:rPr lang="de-DE" dirty="0" err="1" smtClean="0"/>
+              <a:t>Pullrequests</a:t>
+            </a:r>
+            <a:r>
+              <a:rPr lang="de-DE" dirty="0" smtClean="0"/>
+              <a:t>: ggf. </a:t>
+            </a:r>
+            <a:r>
+              <a:rPr lang="de-DE" dirty="0" err="1" smtClean="0"/>
+              <a:t>rebase</a:t>
+            </a:r>
+            <a:r>
+              <a:rPr lang="de-DE" dirty="0" smtClean="0"/>
+              <a:t>/</a:t>
+            </a:r>
+            <a:r>
+              <a:rPr lang="de-DE" dirty="0" err="1" smtClean="0"/>
+              <a:t>squash</a:t>
+            </a:r>
+            <a:r>
+              <a:rPr lang="de-DE" dirty="0" smtClean="0"/>
+              <a:t>, push –f erforderlich</a:t>
+            </a:r>
+          </a:p>
+          <a:p>
+            <a:r>
+              <a:rPr lang="de-DE" dirty="0" smtClean="0"/>
+              <a:t>Beispiel und guter Guide </a:t>
+            </a:r>
+            <a:r>
+              <a:rPr lang="de-DE" dirty="0" err="1" smtClean="0"/>
+              <a:t>bndtools</a:t>
+            </a:r>
+            <a:r>
+              <a:rPr lang="de-DE" dirty="0" smtClean="0"/>
+              <a:t>:</a:t>
+            </a:r>
+          </a:p>
+          <a:p>
+            <a:pPr lvl="1"/>
+            <a:r>
+              <a:rPr lang="de-DE" dirty="0"/>
+              <a:t>https://</a:t>
+            </a:r>
+            <a:r>
+              <a:rPr lang="de-DE" dirty="0" err="1"/>
+              <a:t>github.com</a:t>
+            </a:r>
+            <a:r>
+              <a:rPr lang="de-DE" dirty="0"/>
+              <a:t>/</a:t>
+            </a:r>
+            <a:r>
+              <a:rPr lang="de-DE" dirty="0" err="1"/>
+              <a:t>bndtools</a:t>
+            </a:r>
+            <a:r>
+              <a:rPr lang="de-DE" dirty="0"/>
+              <a:t>/</a:t>
+            </a:r>
+            <a:r>
+              <a:rPr lang="de-DE" dirty="0" err="1"/>
+              <a:t>bndtools</a:t>
+            </a:r>
+            <a:r>
+              <a:rPr lang="de-DE" dirty="0"/>
+              <a:t>/</a:t>
+            </a:r>
+            <a:r>
+              <a:rPr lang="de-DE" dirty="0" err="1"/>
+              <a:t>blob</a:t>
+            </a:r>
+            <a:r>
+              <a:rPr lang="de-DE" dirty="0"/>
+              <a:t>/</a:t>
+            </a:r>
+            <a:r>
+              <a:rPr lang="de-DE" dirty="0" err="1"/>
+              <a:t>master</a:t>
+            </a:r>
+            <a:r>
+              <a:rPr lang="de-DE" dirty="0"/>
+              <a:t>/</a:t>
+            </a:r>
+            <a:r>
+              <a:rPr lang="de-DE" dirty="0" err="1"/>
+              <a:t>CONTRIBUTING.md</a:t>
+            </a:r>
             <a:endParaRPr lang="de-DE" dirty="0"/>
           </a:p>
         </p:txBody>
@@ -5104,7 +7655,7 @@
     </p:spTree>
     <p:extLst>
       <p:ext uri="{BB962C8B-B14F-4D97-AF65-F5344CB8AC3E}">
-        <p14:creationId xmlns:p14="http://schemas.microsoft.com/office/powerpoint/2010/main" val="4139349894"/>
+        <p14:creationId xmlns:p14="http://schemas.microsoft.com/office/powerpoint/2010/main" val="3930140188"/>
       </p:ext>
     </p:extLst>
   </p:cSld>
@@ -5148,7 +7699,7 @@
           <a:p>
             <a:r>
               <a:rPr lang="de-DE" dirty="0" smtClean="0"/>
-              <a:t>SUBTREES / SUBMODULES</a:t>
+              <a:t>EXKURS: LINUX BRANCH MODELL</a:t>
             </a:r>
             <a:endParaRPr lang="de-DE" dirty="0"/>
           </a:p>
@@ -5167,209 +7718,37 @@
         <p:spPr/>
         <p:txBody>
           <a:bodyPr>
-            <a:normAutofit fontScale="85000" lnSpcReduction="20000"/>
+            <a:normAutofit/>
           </a:bodyPr>
           <a:lstStyle/>
           <a:p>
-            <a:pPr marL="0" indent="0">
-              <a:buNone/>
-            </a:pPr>
-            <a:r>
-              <a:rPr lang="de-DE" dirty="0" smtClean="0"/>
-              <a:t>Jeweils für </a:t>
-            </a:r>
-            <a:r>
-              <a:rPr lang="de-DE" dirty="0" err="1" smtClean="0"/>
-              <a:t>Subtree</a:t>
-            </a:r>
-            <a:r>
-              <a:rPr lang="de-DE" dirty="0" smtClean="0"/>
-              <a:t> und Submodule:</a:t>
-            </a:r>
-          </a:p>
-          <a:p>
-            <a:r>
-              <a:rPr lang="de-DE" dirty="0" err="1" smtClean="0"/>
-              <a:t>Use</a:t>
-            </a:r>
-            <a:r>
-              <a:rPr lang="de-DE" dirty="0" smtClean="0"/>
-              <a:t>-Case 1: </a:t>
-            </a:r>
-            <a:r>
-              <a:rPr lang="de-DE" dirty="0" err="1" smtClean="0"/>
-              <a:t>Initiales</a:t>
-            </a:r>
-            <a:r>
-              <a:rPr lang="de-DE" dirty="0" smtClean="0"/>
-              <a:t> Hinzufügen des </a:t>
-            </a:r>
-            <a:r>
-              <a:rPr lang="de-DE" dirty="0" err="1" smtClean="0"/>
-              <a:t>Subrepos</a:t>
-            </a:r>
-            <a:endParaRPr lang="de-DE" dirty="0" smtClean="0"/>
-          </a:p>
-          <a:p>
-            <a:r>
-              <a:rPr lang="de-DE" dirty="0" err="1" smtClean="0"/>
-              <a:t>Use</a:t>
-            </a:r>
-            <a:r>
-              <a:rPr lang="de-DE" dirty="0" smtClean="0"/>
-              <a:t>-Case 2: Klonen einen </a:t>
-            </a:r>
-            <a:r>
-              <a:rPr lang="de-DE" dirty="0" err="1" smtClean="0"/>
-              <a:t>Repositories</a:t>
-            </a:r>
-            <a:r>
-              <a:rPr lang="de-DE" dirty="0" smtClean="0"/>
-              <a:t>, das ein </a:t>
-            </a:r>
-            <a:r>
-              <a:rPr lang="de-DE" dirty="0" err="1" smtClean="0"/>
-              <a:t>Subrepo</a:t>
-            </a:r>
-            <a:r>
-              <a:rPr lang="de-DE" dirty="0" smtClean="0"/>
-              <a:t> enthält</a:t>
-            </a:r>
-          </a:p>
-          <a:p>
-            <a:r>
-              <a:rPr lang="de-DE" dirty="0" err="1" smtClean="0"/>
-              <a:t>Use</a:t>
-            </a:r>
-            <a:r>
-              <a:rPr lang="de-DE" dirty="0" smtClean="0"/>
-              <a:t>-Case 3: Aktualisieren eines </a:t>
-            </a:r>
-            <a:r>
-              <a:rPr lang="de-DE" dirty="0" err="1" smtClean="0"/>
-              <a:t>Repositories</a:t>
-            </a:r>
-            <a:r>
-              <a:rPr lang="de-DE" dirty="0" smtClean="0"/>
-              <a:t>, das ein </a:t>
-            </a:r>
-            <a:r>
-              <a:rPr lang="de-DE" dirty="0" err="1" smtClean="0"/>
-              <a:t>Subrepo</a:t>
-            </a:r>
-            <a:r>
-              <a:rPr lang="de-DE" dirty="0" smtClean="0"/>
-              <a:t> enthält</a:t>
-            </a:r>
-          </a:p>
-          <a:p>
-            <a:r>
-              <a:rPr lang="de-DE" dirty="0" err="1" smtClean="0"/>
-              <a:t>Use</a:t>
-            </a:r>
-            <a:r>
-              <a:rPr lang="de-DE" dirty="0" smtClean="0"/>
-              <a:t>-Case 4: Änderungen im eingebunden </a:t>
-            </a:r>
-            <a:r>
-              <a:rPr lang="de-DE" dirty="0" err="1" smtClean="0"/>
-              <a:t>Subrepo</a:t>
-            </a:r>
-            <a:r>
-              <a:rPr lang="de-DE" dirty="0" smtClean="0"/>
-              <a:t> durchführen, Änderungen im </a:t>
-            </a:r>
-            <a:r>
-              <a:rPr lang="de-DE" dirty="0" err="1" smtClean="0"/>
-              <a:t>Hauptrepo</a:t>
-            </a:r>
-            <a:r>
-              <a:rPr lang="de-DE" dirty="0" smtClean="0"/>
-              <a:t> </a:t>
-            </a:r>
-            <a:r>
-              <a:rPr lang="de-DE" dirty="0" err="1" smtClean="0"/>
-              <a:t>committen</a:t>
-            </a:r>
-            <a:r>
-              <a:rPr lang="de-DE" dirty="0" smtClean="0"/>
-              <a:t>, Änderungen des </a:t>
-            </a:r>
-            <a:r>
-              <a:rPr lang="de-DE" dirty="0" err="1" smtClean="0"/>
-              <a:t>subrepos</a:t>
-            </a:r>
-            <a:r>
-              <a:rPr lang="de-DE" dirty="0" smtClean="0"/>
-              <a:t> pushen</a:t>
-            </a:r>
-          </a:p>
-          <a:p>
-            <a:r>
-              <a:rPr lang="de-DE" dirty="0" err="1" smtClean="0"/>
-              <a:t>Use</a:t>
-            </a:r>
-            <a:r>
-              <a:rPr lang="de-DE" dirty="0" smtClean="0"/>
-              <a:t>-Case 5: Änderungen im </a:t>
-            </a:r>
-            <a:r>
-              <a:rPr lang="de-DE" dirty="0" err="1" smtClean="0"/>
-              <a:t>Subrepo</a:t>
-            </a:r>
-            <a:r>
-              <a:rPr lang="de-DE" dirty="0" smtClean="0"/>
-              <a:t> (von außerhalb) in das Master-</a:t>
-            </a:r>
-            <a:r>
-              <a:rPr lang="de-DE" dirty="0" err="1" smtClean="0"/>
-              <a:t>Repo</a:t>
-            </a:r>
-            <a:r>
-              <a:rPr lang="de-DE" dirty="0" smtClean="0"/>
-              <a:t> holen =&gt; </a:t>
-            </a:r>
-            <a:r>
-              <a:rPr lang="de-DE" dirty="0" err="1" smtClean="0"/>
-              <a:t>Eingebundens</a:t>
-            </a:r>
-            <a:r>
-              <a:rPr lang="de-DE" dirty="0" smtClean="0"/>
-              <a:t> sub-</a:t>
-            </a:r>
-            <a:r>
-              <a:rPr lang="de-DE" dirty="0" err="1" smtClean="0"/>
-              <a:t>repo</a:t>
-            </a:r>
-            <a:r>
-              <a:rPr lang="de-DE" dirty="0" smtClean="0"/>
-              <a:t> aktualisieren</a:t>
-            </a:r>
-          </a:p>
-          <a:p>
-            <a:r>
-              <a:rPr lang="de-DE" dirty="0" err="1" smtClean="0"/>
-              <a:t>Use</a:t>
-            </a:r>
-            <a:r>
-              <a:rPr lang="de-DE" dirty="0" smtClean="0"/>
-              <a:t>-Case 6: Entfernen des </a:t>
-            </a:r>
-            <a:r>
-              <a:rPr lang="de-DE" dirty="0" err="1" smtClean="0"/>
-              <a:t>Subrepos</a:t>
-            </a:r>
-            <a:endParaRPr lang="de-DE" dirty="0" smtClean="0"/>
-          </a:p>
-          <a:p>
-            <a:endParaRPr lang="de-DE" dirty="0"/>
+            <a:r>
+              <a:rPr lang="de-DE" dirty="0"/>
+              <a:t>http://</a:t>
+            </a:r>
+            <a:r>
+              <a:rPr lang="de-DE" dirty="0" err="1"/>
+              <a:t>git-scm.com</a:t>
+            </a:r>
+            <a:r>
+              <a:rPr lang="de-DE" dirty="0"/>
+              <a:t>/</a:t>
+            </a:r>
+            <a:r>
+              <a:rPr lang="de-DE" dirty="0" err="1"/>
+              <a:t>book</a:t>
+            </a:r>
+            <a:r>
+              <a:rPr lang="de-DE" dirty="0"/>
+              <a:t>/en/Distributed-Git-Distributed-Workflows#Dictator-and-Lieutenants-Workflow</a:t>
+            </a:r>
           </a:p>
         </p:txBody>
       </p:sp>
     </p:spTree>
     <p:extLst>
       <p:ext uri="{BB962C8B-B14F-4D97-AF65-F5344CB8AC3E}">
-        <p14:creationId xmlns:p14="http://schemas.microsoft.com/office/powerpoint/2010/main" val="3797507830"/>
+        <p14:creationId xmlns:p14="http://schemas.microsoft.com/office/powerpoint/2010/main" val="758519847"/>
       </p:ext>
     </p:extLst>
   </p:cSld>
@@ -5413,7 +7792,11 @@
           <a:p>
             <a:r>
               <a:rPr lang="de-DE" dirty="0" smtClean="0"/>
-              <a:t>MAVEN...</a:t>
+              <a:t>Submodules und </a:t>
+            </a:r>
+            <a:r>
+              <a:rPr lang="de-DE" dirty="0" err="1" smtClean="0"/>
+              <a:t>subtrees</a:t>
             </a:r>
             <a:endParaRPr lang="de-DE" dirty="0"/>
           </a:p>
@@ -5437,197 +7820,168 @@
           <a:lstStyle/>
           <a:p>
             <a:r>
-              <a:rPr lang="de-DE" dirty="0" err="1" smtClean="0"/>
+              <a:rPr lang="de-DE" dirty="0"/>
+              <a:t>Wie verwenden Sie Submodules oder </a:t>
+            </a:r>
+            <a:r>
+              <a:rPr lang="de-DE" dirty="0" err="1"/>
+              <a:t>Subtrees</a:t>
+            </a:r>
+            <a:r>
+              <a:rPr lang="de-DE" dirty="0"/>
+              <a:t> dazu, andere Projekte einzubinden? [Rene]</a:t>
+            </a:r>
+          </a:p>
+          <a:p>
+            <a:r>
+              <a:rPr lang="de-DE" dirty="0"/>
+              <a:t>In Java eher selten die Notwendigkeit, </a:t>
+            </a:r>
+            <a:r>
+              <a:rPr lang="de-DE" dirty="0" err="1"/>
+              <a:t>Sourcen</a:t>
+            </a:r>
+            <a:r>
+              <a:rPr lang="de-DE" dirty="0"/>
+              <a:t> aus anderen Projekten einzubinden </a:t>
+            </a:r>
+            <a:r>
+              <a:rPr lang="de-DE" dirty="0" err="1"/>
+              <a:t>bzw</a:t>
+            </a:r>
+            <a:r>
+              <a:rPr lang="de-DE" dirty="0"/>
+              <a:t> wird über andere Tools erledigt (</a:t>
+            </a:r>
+            <a:r>
+              <a:rPr lang="de-DE" dirty="0" err="1"/>
               <a:t>Maven</a:t>
             </a:r>
             <a:r>
-              <a:rPr lang="de-DE" dirty="0" smtClean="0"/>
-              <a:t>-release-</a:t>
-            </a:r>
-            <a:r>
-              <a:rPr lang="de-DE" dirty="0" err="1" smtClean="0"/>
-              <a:t>plugin</a:t>
-            </a:r>
-            <a:endParaRPr lang="de-DE" dirty="0" smtClean="0"/>
-          </a:p>
-          <a:p>
-            <a:pPr lvl="1"/>
-            <a:r>
-              <a:rPr lang="de-DE" dirty="0" smtClean="0"/>
-              <a:t>Konfiguration 1: Hinzufügen des </a:t>
-            </a:r>
-            <a:r>
-              <a:rPr lang="de-DE" dirty="0" err="1" smtClean="0"/>
-              <a:t>Plug-ins</a:t>
-            </a:r>
-            <a:r>
-              <a:rPr lang="de-DE" dirty="0" smtClean="0"/>
-              <a:t> zum </a:t>
-            </a:r>
-            <a:r>
-              <a:rPr lang="de-DE" dirty="0" err="1" smtClean="0"/>
-              <a:t>Pom</a:t>
-            </a:r>
-            <a:endParaRPr lang="de-DE" dirty="0" smtClean="0"/>
-          </a:p>
-          <a:p>
-            <a:pPr lvl="1"/>
-            <a:r>
-              <a:rPr lang="de-DE" dirty="0" smtClean="0"/>
-              <a:t>Voraussetzungen: </a:t>
-            </a:r>
-            <a:r>
-              <a:rPr lang="de-DE" dirty="0" err="1" smtClean="0"/>
-              <a:t>scm</a:t>
-            </a:r>
-            <a:r>
-              <a:rPr lang="de-DE" dirty="0" smtClean="0"/>
-              <a:t> &amp; </a:t>
-            </a:r>
-            <a:r>
-              <a:rPr lang="de-DE" dirty="0" err="1" smtClean="0"/>
-              <a:t>distributionManagement</a:t>
-            </a:r>
-            <a:endParaRPr lang="de-DE" dirty="0" smtClean="0"/>
-          </a:p>
-          <a:p>
-            <a:pPr lvl="1"/>
-            <a:r>
-              <a:rPr lang="de-DE" dirty="0" smtClean="0"/>
-              <a:t>Konfiguration, z.B. tag-name</a:t>
-            </a:r>
-          </a:p>
-          <a:p>
-            <a:r>
-              <a:rPr lang="de-DE" dirty="0" smtClean="0"/>
-              <a:t>Arbeitsweise 1: </a:t>
-            </a:r>
-            <a:r>
-              <a:rPr lang="de-DE" dirty="0" err="1" smtClean="0"/>
-              <a:t>prepare</a:t>
-            </a:r>
-            <a:endParaRPr lang="de-DE" dirty="0" smtClean="0"/>
-          </a:p>
-          <a:p>
-            <a:pPr lvl="1"/>
-            <a:r>
-              <a:rPr lang="de-DE" dirty="0" smtClean="0"/>
-              <a:t>Workspace „clean“?</a:t>
-            </a:r>
-          </a:p>
-          <a:p>
-            <a:pPr lvl="1"/>
-            <a:r>
-              <a:rPr lang="de-DE" dirty="0" smtClean="0"/>
-              <a:t>SNAPSHOT =&gt; reale Version</a:t>
-            </a:r>
-          </a:p>
-          <a:p>
-            <a:pPr lvl="1"/>
-            <a:r>
-              <a:rPr lang="de-DE" dirty="0" err="1" smtClean="0"/>
-              <a:t>Compile</a:t>
-            </a:r>
-            <a:r>
-              <a:rPr lang="de-DE" dirty="0" smtClean="0"/>
-              <a:t>, Test (vor </a:t>
-            </a:r>
-            <a:r>
-              <a:rPr lang="de-DE" dirty="0" err="1" smtClean="0"/>
-              <a:t>commit</a:t>
-            </a:r>
-            <a:r>
-              <a:rPr lang="de-DE" dirty="0" smtClean="0"/>
-              <a:t> &amp; Tag???)</a:t>
-            </a:r>
-          </a:p>
-          <a:p>
-            <a:pPr lvl="1"/>
-            <a:r>
-              <a:rPr lang="de-DE" dirty="0" smtClean="0"/>
-              <a:t>Commit &amp; Tag</a:t>
-            </a:r>
-          </a:p>
-          <a:p>
-            <a:r>
-              <a:rPr lang="de-DE" dirty="0" smtClean="0"/>
-              <a:t>Arbeitsweise 2: </a:t>
-            </a:r>
-            <a:r>
-              <a:rPr lang="de-DE" dirty="0" err="1" smtClean="0"/>
-              <a:t>perform</a:t>
-            </a:r>
-            <a:endParaRPr lang="de-DE" dirty="0" smtClean="0"/>
-          </a:p>
-          <a:p>
-            <a:pPr lvl="1"/>
-            <a:r>
-              <a:rPr lang="de-DE" dirty="0" smtClean="0"/>
-              <a:t>Erneutes bauen in zweiter </a:t>
-            </a:r>
-            <a:r>
-              <a:rPr lang="de-DE" dirty="0" err="1" smtClean="0"/>
-              <a:t>Maven</a:t>
-            </a:r>
-            <a:r>
-              <a:rPr lang="de-DE" dirty="0" smtClean="0"/>
-              <a:t> Instanz</a:t>
-            </a:r>
-          </a:p>
-          <a:p>
-            <a:pPr lvl="1"/>
-            <a:r>
-              <a:rPr lang="de-DE" dirty="0" smtClean="0"/>
-              <a:t>Push</a:t>
-            </a:r>
-          </a:p>
-          <a:p>
-            <a:r>
-              <a:rPr lang="de-DE" dirty="0" smtClean="0"/>
-              <a:t>Nachteil:</a:t>
-            </a:r>
-          </a:p>
-          <a:p>
-            <a:pPr lvl="1"/>
-            <a:r>
-              <a:rPr lang="de-DE" dirty="0" smtClean="0"/>
-              <a:t>Zwei Phasen mit temporären Dateien </a:t>
-            </a:r>
-            <a:r>
-              <a:rPr lang="de-DE" dirty="0" smtClean="0"/>
-              <a:t>dazwischen</a:t>
-            </a:r>
-          </a:p>
-          <a:p>
-            <a:pPr lvl="1"/>
-            <a:r>
-              <a:rPr lang="de-DE" dirty="0" smtClean="0"/>
-              <a:t>Zweimal </a:t>
-            </a:r>
-            <a:r>
-              <a:rPr lang="de-DE" dirty="0" err="1" smtClean="0"/>
-              <a:t>compilieren</a:t>
-            </a:r>
-            <a:r>
-              <a:rPr lang="de-DE" dirty="0" smtClean="0"/>
-              <a:t> und testen</a:t>
-            </a:r>
-            <a:endParaRPr lang="de-DE" dirty="0" smtClean="0"/>
-          </a:p>
-          <a:p>
-            <a:pPr lvl="1"/>
-            <a:r>
-              <a:rPr lang="de-DE" dirty="0" smtClean="0"/>
-              <a:t>Nicht </a:t>
-            </a:r>
-            <a:r>
-              <a:rPr lang="de-DE" dirty="0" err="1" smtClean="0"/>
-              <a:t>Git</a:t>
-            </a:r>
-            <a:r>
-              <a:rPr lang="de-DE" dirty="0" smtClean="0"/>
-              <a:t>-Flow kompatibel</a:t>
-            </a:r>
+              <a:rPr lang="de-DE" dirty="0"/>
+              <a:t> z.B.)</a:t>
+            </a:r>
+          </a:p>
+          <a:p>
+            <a:r>
+              <a:rPr lang="de-DE" dirty="0"/>
+              <a:t>Historisch wo kommt das her? In der Praxis eher in C/C++ relevant.</a:t>
+            </a:r>
+          </a:p>
+          <a:p>
+            <a:r>
+              <a:rPr lang="de-DE" dirty="0"/>
+              <a:t>Große </a:t>
+            </a:r>
+            <a:r>
+              <a:rPr lang="de-DE" dirty="0" err="1"/>
+              <a:t>Repositories</a:t>
+            </a:r>
+            <a:r>
+              <a:rPr lang="de-DE" dirty="0"/>
+              <a:t> aufteilen, weil sie sonst zu langsam werden</a:t>
+            </a:r>
+          </a:p>
+          <a:p>
+            <a:r>
+              <a:rPr lang="de-DE" dirty="0"/>
+              <a:t>Submodule &lt;&gt; </a:t>
+            </a:r>
+            <a:r>
+              <a:rPr lang="de-DE" dirty="0" err="1"/>
+              <a:t>Subtrees</a:t>
+            </a:r>
+            <a:endParaRPr lang="de-DE" dirty="0"/>
+          </a:p>
+          <a:p>
+            <a:r>
+              <a:rPr lang="de-DE" dirty="0" err="1"/>
+              <a:t>Branching</a:t>
+            </a:r>
+            <a:r>
+              <a:rPr lang="de-DE" dirty="0"/>
+              <a:t>, Update auf neueste Version, Arbeiten</a:t>
+            </a:r>
+          </a:p>
+          <a:p>
+            <a:r>
+              <a:rPr lang="de-DE" dirty="0"/>
+              <a:t>(Write-</a:t>
+            </a:r>
+            <a:r>
+              <a:rPr lang="de-DE" dirty="0" err="1"/>
+              <a:t>Tree</a:t>
+            </a:r>
+            <a:r>
+              <a:rPr lang="de-DE" dirty="0"/>
+              <a:t> -&gt; Experte)</a:t>
+            </a:r>
+          </a:p>
+          <a:p>
+            <a:r>
+              <a:rPr lang="de-DE" dirty="0"/>
+              <a:t>Praxis-Beispiel: Bootstrap Repository in Java Webanwendung einbinden [Nils]</a:t>
+            </a:r>
+          </a:p>
+          <a:p>
+            <a:r>
+              <a:rPr lang="de-DE" dirty="0"/>
+              <a:t> - Zwei "äußere" </a:t>
+            </a:r>
+            <a:r>
+              <a:rPr lang="de-DE" dirty="0" err="1"/>
+              <a:t>Repositories</a:t>
+            </a:r>
+            <a:r>
+              <a:rPr lang="de-DE" dirty="0"/>
+              <a:t>, zeigen auf </a:t>
+            </a:r>
+            <a:r>
+              <a:rPr lang="de-DE" dirty="0" err="1"/>
+              <a:t>selbes</a:t>
+            </a:r>
+            <a:r>
+              <a:rPr lang="de-DE" dirty="0"/>
+              <a:t> Bootstrap-Repository</a:t>
+            </a:r>
+          </a:p>
+          <a:p>
+            <a:r>
+              <a:rPr lang="de-DE" dirty="0"/>
+              <a:t>Übung: jeweils mit </a:t>
+            </a:r>
+            <a:r>
+              <a:rPr lang="de-DE" dirty="0" err="1"/>
+              <a:t>subtree</a:t>
+            </a:r>
+            <a:r>
+              <a:rPr lang="de-DE" dirty="0"/>
+              <a:t> und </a:t>
+            </a:r>
+            <a:r>
+              <a:rPr lang="de-DE" dirty="0" err="1"/>
+              <a:t>submodule</a:t>
+            </a:r>
+            <a:r>
+              <a:rPr lang="de-DE" dirty="0"/>
+              <a:t> im "eingebunden" </a:t>
+            </a:r>
+            <a:r>
+              <a:rPr lang="de-DE" dirty="0" err="1"/>
+              <a:t>repository</a:t>
+            </a:r>
+            <a:r>
+              <a:rPr lang="de-DE" dirty="0"/>
+              <a:t> Änderung machen und </a:t>
+            </a:r>
+            <a:r>
+              <a:rPr lang="de-DE" dirty="0" err="1"/>
+              <a:t>committen</a:t>
+            </a:r>
+            <a:endParaRPr lang="de-DE" dirty="0"/>
+          </a:p>
+          <a:p>
+            <a:endParaRPr lang="de-DE" dirty="0"/>
           </a:p>
           <a:p>
             <a:endParaRPr lang="de-DE" dirty="0"/>
@@ -5637,7 +7991,7 @@
     </p:spTree>
     <p:extLst>
       <p:ext uri="{BB962C8B-B14F-4D97-AF65-F5344CB8AC3E}">
-        <p14:creationId xmlns:p14="http://schemas.microsoft.com/office/powerpoint/2010/main" val="2352616168"/>
+        <p14:creationId xmlns:p14="http://schemas.microsoft.com/office/powerpoint/2010/main" val="730839351"/>
       </p:ext>
     </p:extLst>
   </p:cSld>
@@ -5681,11 +8035,7 @@
           <a:p>
             <a:r>
               <a:rPr lang="de-DE" dirty="0" smtClean="0"/>
-              <a:t>MAVEN </a:t>
-            </a:r>
-            <a:r>
-              <a:rPr lang="de-DE" dirty="0" err="1" smtClean="0"/>
-              <a:t>jgit-flow</a:t>
+              <a:t>SUBTREES / SUBMODULES</a:t>
             </a:r>
             <a:endParaRPr lang="de-DE" dirty="0"/>
           </a:p>
@@ -5703,36 +8053,41 @@
         </p:nvSpPr>
         <p:spPr/>
         <p:txBody>
-          <a:bodyPr>
-            <a:normAutofit/>
-          </a:bodyPr>
+          <a:bodyPr/>
           <a:lstStyle/>
           <a:p>
             <a:r>
-              <a:rPr lang="de-DE" dirty="0">
-                <a:hlinkClick r:id="rId2"/>
-              </a:rPr>
-              <a:t>https://bitbucket.org/atlassian/jgit-flow/wiki/</a:t>
-            </a:r>
-            <a:r>
-              <a:rPr lang="de-DE" dirty="0" smtClean="0">
-                <a:hlinkClick r:id="rId2"/>
-              </a:rPr>
-              <a:t>Home</a:t>
-            </a:r>
-            <a:endParaRPr lang="de-DE" dirty="0" smtClean="0"/>
-          </a:p>
-          <a:p>
-            <a:r>
-              <a:rPr lang="de-DE" dirty="0" smtClean="0"/>
-              <a:t>Konfiguration im POM</a:t>
-            </a:r>
-          </a:p>
-          <a:p>
-            <a:r>
-              <a:rPr lang="de-DE" dirty="0" smtClean="0"/>
-              <a:t>Release</a:t>
-            </a:r>
+              <a:rPr lang="de-DE" dirty="0" smtClean="0"/>
+              <a:t>Beschreibung ... </a:t>
+            </a:r>
+          </a:p>
+          <a:p>
+            <a:r>
+              <a:rPr lang="de-DE" dirty="0" smtClean="0"/>
+              <a:t>Vorteil</a:t>
+            </a:r>
+          </a:p>
+          <a:p>
+            <a:r>
+              <a:rPr lang="de-DE" dirty="0" smtClean="0"/>
+              <a:t>Nachteil</a:t>
+            </a:r>
+          </a:p>
+          <a:p>
+            <a:r>
+              <a:rPr lang="de-DE" dirty="0" smtClean="0"/>
+              <a:t>Besonders </a:t>
+            </a:r>
+            <a:r>
+              <a:rPr lang="de-DE" dirty="0" err="1" smtClean="0"/>
+              <a:t>geignet</a:t>
+            </a:r>
+            <a:r>
+              <a:rPr lang="de-DE" dirty="0" smtClean="0"/>
+              <a:t> für...</a:t>
+            </a:r>
+          </a:p>
+          <a:p>
             <a:endParaRPr lang="de-DE" dirty="0"/>
           </a:p>
         </p:txBody>
@@ -5740,7 +8095,7 @@
     </p:spTree>
     <p:extLst>
       <p:ext uri="{BB962C8B-B14F-4D97-AF65-F5344CB8AC3E}">
-        <p14:creationId xmlns:p14="http://schemas.microsoft.com/office/powerpoint/2010/main" val="3892127042"/>
+        <p14:creationId xmlns:p14="http://schemas.microsoft.com/office/powerpoint/2010/main" val="4139349894"/>
       </p:ext>
     </p:extLst>
   </p:cSld>
@@ -5784,7 +8139,7 @@
           <a:p>
             <a:r>
               <a:rPr lang="de-DE" dirty="0" smtClean="0"/>
-              <a:t>GIT APIS: JGIT</a:t>
+              <a:t>SUBTREES / SUBMODULES</a:t>
             </a:r>
             <a:endParaRPr lang="de-DE" dirty="0"/>
           </a:p>
@@ -5803,103 +8158,199 @@
         <p:spPr/>
         <p:txBody>
           <a:bodyPr>
-            <a:normAutofit/>
+            <a:normAutofit fontScale="85000" lnSpcReduction="20000"/>
           </a:bodyPr>
           <a:lstStyle/>
           <a:p>
-            <a:r>
-              <a:rPr lang="de-DE" dirty="0" err="1" smtClean="0"/>
-              <a:t>Porcelaine</a:t>
-            </a:r>
-            <a:r>
-              <a:rPr lang="de-DE" dirty="0" smtClean="0"/>
-              <a:t> API</a:t>
-            </a:r>
-          </a:p>
-          <a:p>
-            <a:pPr lvl="1"/>
-            <a:r>
-              <a:rPr lang="de-DE" dirty="0">
-                <a:hlinkClick r:id="rId2"/>
-              </a:rPr>
-              <a:t>https://speakerdeck.com/alblue/embedding-jgit-into-java-</a:t>
-            </a:r>
-            <a:r>
-              <a:rPr lang="de-DE" dirty="0" smtClean="0">
-                <a:hlinkClick r:id="rId2"/>
-              </a:rPr>
-              <a:t>applications</a:t>
+            <a:pPr marL="0" indent="0">
+              <a:buNone/>
+            </a:pPr>
+            <a:r>
+              <a:rPr lang="de-DE" dirty="0" smtClean="0"/>
+              <a:t>Jeweils für </a:t>
+            </a:r>
+            <a:r>
+              <a:rPr lang="de-DE" dirty="0" err="1" smtClean="0"/>
+              <a:t>Subtree</a:t>
+            </a:r>
+            <a:r>
+              <a:rPr lang="de-DE" dirty="0" smtClean="0"/>
+              <a:t> und Submodule:</a:t>
+            </a:r>
+          </a:p>
+          <a:p>
+            <a:r>
+              <a:rPr lang="de-DE" dirty="0" err="1" smtClean="0"/>
+              <a:t>Use</a:t>
+            </a:r>
+            <a:r>
+              <a:rPr lang="de-DE" dirty="0" smtClean="0"/>
+              <a:t>-Case 1: </a:t>
+            </a:r>
+            <a:r>
+              <a:rPr lang="de-DE" dirty="0" err="1" smtClean="0"/>
+              <a:t>Initiales</a:t>
+            </a:r>
+            <a:r>
+              <a:rPr lang="de-DE" dirty="0" smtClean="0"/>
+              <a:t> Hinzufügen des </a:t>
+            </a:r>
+            <a:r>
+              <a:rPr lang="de-DE" dirty="0" err="1" smtClean="0"/>
+              <a:t>Subrepos</a:t>
             </a:r>
             <a:endParaRPr lang="de-DE" dirty="0" smtClean="0"/>
           </a:p>
           <a:p>
-            <a:pPr lvl="1"/>
-            <a:r>
-              <a:rPr lang="de-DE" dirty="0">
-                <a:hlinkClick r:id="rId3"/>
-              </a:rPr>
-              <a:t>http://alblue.bandlem.com/2013/11/embedding-</a:t>
-            </a:r>
-            <a:r>
-              <a:rPr lang="de-DE" dirty="0" smtClean="0">
-                <a:hlinkClick r:id="rId3"/>
-              </a:rPr>
-              <a:t>jgit.html</a:t>
+            <a:r>
+              <a:rPr lang="de-DE" dirty="0" err="1" smtClean="0"/>
+              <a:t>Use</a:t>
+            </a:r>
+            <a:r>
+              <a:rPr lang="de-DE" dirty="0" smtClean="0"/>
+              <a:t>-Case 2: Klonen einen </a:t>
+            </a:r>
+            <a:r>
+              <a:rPr lang="de-DE" dirty="0" err="1" smtClean="0"/>
+              <a:t>Repositories</a:t>
+            </a:r>
+            <a:r>
+              <a:rPr lang="de-DE" dirty="0" smtClean="0"/>
+              <a:t>, das ein </a:t>
+            </a:r>
+            <a:r>
+              <a:rPr lang="de-DE" dirty="0" err="1" smtClean="0"/>
+              <a:t>Subrepo</a:t>
+            </a:r>
+            <a:r>
+              <a:rPr lang="de-DE" dirty="0" smtClean="0"/>
+              <a:t> enthält</a:t>
+            </a:r>
+          </a:p>
+          <a:p>
+            <a:r>
+              <a:rPr lang="de-DE" dirty="0" err="1" smtClean="0"/>
+              <a:t>Use</a:t>
+            </a:r>
+            <a:r>
+              <a:rPr lang="de-DE" dirty="0" smtClean="0"/>
+              <a:t>-Case 3: Aktualisieren eines </a:t>
+            </a:r>
+            <a:r>
+              <a:rPr lang="de-DE" dirty="0" err="1" smtClean="0"/>
+              <a:t>Repositories</a:t>
+            </a:r>
+            <a:r>
+              <a:rPr lang="de-DE" dirty="0" smtClean="0"/>
+              <a:t>, das ein </a:t>
+            </a:r>
+            <a:r>
+              <a:rPr lang="de-DE" dirty="0" err="1" smtClean="0"/>
+              <a:t>Subrepo</a:t>
+            </a:r>
+            <a:r>
+              <a:rPr lang="de-DE" dirty="0" smtClean="0"/>
+              <a:t> enthält</a:t>
+            </a:r>
+          </a:p>
+          <a:p>
+            <a:r>
+              <a:rPr lang="de-DE" dirty="0" err="1" smtClean="0"/>
+              <a:t>Use</a:t>
+            </a:r>
+            <a:r>
+              <a:rPr lang="de-DE" dirty="0" smtClean="0"/>
+              <a:t>-Case 4: Änderungen im eingebunden </a:t>
+            </a:r>
+            <a:r>
+              <a:rPr lang="de-DE" dirty="0" err="1" smtClean="0"/>
+              <a:t>Subrepo</a:t>
+            </a:r>
+            <a:r>
+              <a:rPr lang="de-DE" dirty="0" smtClean="0"/>
+              <a:t> durchführen, Änderungen im </a:t>
+            </a:r>
+            <a:r>
+              <a:rPr lang="de-DE" dirty="0" err="1" smtClean="0"/>
+              <a:t>Hauptrepo</a:t>
+            </a:r>
+            <a:r>
+              <a:rPr lang="de-DE" dirty="0" smtClean="0"/>
+              <a:t> </a:t>
+            </a:r>
+            <a:r>
+              <a:rPr lang="de-DE" dirty="0" err="1" smtClean="0"/>
+              <a:t>committen</a:t>
+            </a:r>
+            <a:r>
+              <a:rPr lang="de-DE" dirty="0" smtClean="0"/>
+              <a:t>, Änderungen des </a:t>
+            </a:r>
+            <a:r>
+              <a:rPr lang="de-DE" dirty="0" err="1" smtClean="0"/>
+              <a:t>subrepos</a:t>
+            </a:r>
+            <a:r>
+              <a:rPr lang="de-DE" dirty="0" smtClean="0"/>
+              <a:t> pushen</a:t>
+            </a:r>
+          </a:p>
+          <a:p>
+            <a:r>
+              <a:rPr lang="de-DE" dirty="0" err="1" smtClean="0"/>
+              <a:t>Use</a:t>
+            </a:r>
+            <a:r>
+              <a:rPr lang="de-DE" dirty="0" smtClean="0"/>
+              <a:t>-Case 5: Änderungen im </a:t>
+            </a:r>
+            <a:r>
+              <a:rPr lang="de-DE" dirty="0" err="1" smtClean="0"/>
+              <a:t>Subrepo</a:t>
+            </a:r>
+            <a:r>
+              <a:rPr lang="de-DE" dirty="0" smtClean="0"/>
+              <a:t> (von außerhalb) in das Master-</a:t>
+            </a:r>
+            <a:r>
+              <a:rPr lang="de-DE" dirty="0" err="1" smtClean="0"/>
+              <a:t>Repo</a:t>
+            </a:r>
+            <a:r>
+              <a:rPr lang="de-DE" dirty="0" smtClean="0"/>
+              <a:t> holen =&gt; </a:t>
+            </a:r>
+            <a:r>
+              <a:rPr lang="de-DE" dirty="0" err="1" smtClean="0"/>
+              <a:t>Eingebundens</a:t>
+            </a:r>
+            <a:r>
+              <a:rPr lang="de-DE" dirty="0" smtClean="0"/>
+              <a:t> sub-</a:t>
+            </a:r>
+            <a:r>
+              <a:rPr lang="de-DE" dirty="0" err="1" smtClean="0"/>
+              <a:t>repo</a:t>
+            </a:r>
+            <a:r>
+              <a:rPr lang="de-DE" dirty="0" smtClean="0"/>
+              <a:t> aktualisieren</a:t>
+            </a:r>
+          </a:p>
+          <a:p>
+            <a:r>
+              <a:rPr lang="de-DE" dirty="0" err="1" smtClean="0"/>
+              <a:t>Use</a:t>
+            </a:r>
+            <a:r>
+              <a:rPr lang="de-DE" dirty="0" smtClean="0"/>
+              <a:t>-Case 6: Entfernen des </a:t>
+            </a:r>
+            <a:r>
+              <a:rPr lang="de-DE" dirty="0" err="1" smtClean="0"/>
+              <a:t>Subrepos</a:t>
             </a:r>
             <a:endParaRPr lang="de-DE" dirty="0" smtClean="0"/>
-          </a:p>
-          <a:p>
-            <a:r>
-              <a:rPr lang="de-DE" dirty="0" err="1" smtClean="0"/>
-              <a:t>Git</a:t>
-            </a:r>
-            <a:r>
-              <a:rPr lang="de-DE" dirty="0" smtClean="0"/>
-              <a:t> Flow </a:t>
-            </a:r>
-            <a:r>
-              <a:rPr lang="de-DE" dirty="0" err="1" smtClean="0"/>
-              <a:t>Api</a:t>
-            </a:r>
-            <a:r>
-              <a:rPr lang="de-DE" dirty="0" smtClean="0"/>
-              <a:t> von </a:t>
-            </a:r>
-            <a:r>
-              <a:rPr lang="de-DE" dirty="0" err="1" smtClean="0"/>
-              <a:t>Atlassian</a:t>
-            </a:r>
-            <a:endParaRPr lang="de-DE" dirty="0" smtClean="0"/>
-          </a:p>
-          <a:p>
-            <a:pPr lvl="1"/>
-            <a:r>
-              <a:rPr lang="de-DE" dirty="0">
-                <a:hlinkClick r:id="rId4"/>
-              </a:rPr>
-              <a:t>https://bitbucket.org/atlassian/jgit-</a:t>
-            </a:r>
-            <a:r>
-              <a:rPr lang="de-DE" dirty="0" smtClean="0">
-                <a:hlinkClick r:id="rId4"/>
-              </a:rPr>
-              <a:t>flow</a:t>
-            </a:r>
-            <a:endParaRPr lang="de-DE" dirty="0" smtClean="0"/>
-          </a:p>
-          <a:p>
-            <a:pPr lvl="1"/>
-            <a:endParaRPr lang="de-DE" dirty="0"/>
-          </a:p>
-          <a:p>
-            <a:endParaRPr lang="de-DE" dirty="0" smtClean="0"/>
-          </a:p>
-          <a:p>
-            <a:pPr lvl="1"/>
-            <a:endParaRPr lang="de-DE" dirty="0"/>
-          </a:p>
-          <a:p>
-            <a:endParaRPr lang="de-DE" dirty="0"/>
           </a:p>
           <a:p>
             <a:endParaRPr lang="de-DE" dirty="0"/>
@@ -5909,7 +8360,7 @@
     </p:spTree>
     <p:extLst>
       <p:ext uri="{BB962C8B-B14F-4D97-AF65-F5344CB8AC3E}">
-        <p14:creationId xmlns:p14="http://schemas.microsoft.com/office/powerpoint/2010/main" val="2711603374"/>
+        <p14:creationId xmlns:p14="http://schemas.microsoft.com/office/powerpoint/2010/main" val="3797507830"/>
       </p:ext>
     </p:extLst>
   </p:cSld>
@@ -5953,7 +8404,7 @@
           <a:p>
             <a:r>
               <a:rPr lang="de-DE" dirty="0" smtClean="0"/>
-              <a:t>GIT APIS: JGIT / GROOVY</a:t>
+              <a:t>MAVEN...</a:t>
             </a:r>
             <a:endParaRPr lang="de-DE" dirty="0"/>
           </a:p>
@@ -5972,23 +8423,197 @@
         <p:spPr/>
         <p:txBody>
           <a:bodyPr>
-            <a:normAutofit/>
+            <a:normAutofit fontScale="70000" lnSpcReduction="20000"/>
           </a:bodyPr>
           <a:lstStyle/>
           <a:p>
             <a:r>
-              <a:rPr lang="de-DE" dirty="0">
-                <a:hlinkClick r:id="rId2"/>
-              </a:rPr>
-              <a:t>https://github.com/ajoberstar/</a:t>
-            </a:r>
-            <a:r>
-              <a:rPr lang="de-DE" dirty="0" smtClean="0">
-                <a:hlinkClick r:id="rId2"/>
-              </a:rPr>
-              <a:t>grgit</a:t>
+              <a:rPr lang="de-DE" dirty="0" err="1" smtClean="0"/>
+              <a:t>Maven</a:t>
+            </a:r>
+            <a:r>
+              <a:rPr lang="de-DE" dirty="0" smtClean="0"/>
+              <a:t>-release-</a:t>
+            </a:r>
+            <a:r>
+              <a:rPr lang="de-DE" dirty="0" err="1" smtClean="0"/>
+              <a:t>plugin</a:t>
             </a:r>
             <a:endParaRPr lang="de-DE" dirty="0" smtClean="0"/>
+          </a:p>
+          <a:p>
+            <a:pPr lvl="1"/>
+            <a:r>
+              <a:rPr lang="de-DE" dirty="0" smtClean="0"/>
+              <a:t>Konfiguration 1: Hinzufügen des </a:t>
+            </a:r>
+            <a:r>
+              <a:rPr lang="de-DE" dirty="0" err="1" smtClean="0"/>
+              <a:t>Plug-ins</a:t>
+            </a:r>
+            <a:r>
+              <a:rPr lang="de-DE" dirty="0" smtClean="0"/>
+              <a:t> zum </a:t>
+            </a:r>
+            <a:r>
+              <a:rPr lang="de-DE" dirty="0" err="1" smtClean="0"/>
+              <a:t>Pom</a:t>
+            </a:r>
+            <a:endParaRPr lang="de-DE" dirty="0" smtClean="0"/>
+          </a:p>
+          <a:p>
+            <a:pPr lvl="1"/>
+            <a:r>
+              <a:rPr lang="de-DE" dirty="0" smtClean="0"/>
+              <a:t>Voraussetzungen: </a:t>
+            </a:r>
+            <a:r>
+              <a:rPr lang="de-DE" dirty="0" err="1" smtClean="0"/>
+              <a:t>scm</a:t>
+            </a:r>
+            <a:r>
+              <a:rPr lang="de-DE" dirty="0" smtClean="0"/>
+              <a:t> &amp; </a:t>
+            </a:r>
+            <a:r>
+              <a:rPr lang="de-DE" dirty="0" err="1" smtClean="0"/>
+              <a:t>distributionManagement</a:t>
+            </a:r>
+            <a:endParaRPr lang="de-DE" dirty="0" smtClean="0"/>
+          </a:p>
+          <a:p>
+            <a:pPr lvl="1"/>
+            <a:r>
+              <a:rPr lang="de-DE" dirty="0" smtClean="0"/>
+              <a:t>Konfiguration, z.B. tag-name</a:t>
+            </a:r>
+          </a:p>
+          <a:p>
+            <a:r>
+              <a:rPr lang="de-DE" dirty="0" smtClean="0"/>
+              <a:t>Arbeitsweise 1: </a:t>
+            </a:r>
+            <a:r>
+              <a:rPr lang="de-DE" dirty="0" err="1" smtClean="0"/>
+              <a:t>prepare</a:t>
+            </a:r>
+            <a:endParaRPr lang="de-DE" dirty="0" smtClean="0"/>
+          </a:p>
+          <a:p>
+            <a:pPr lvl="1"/>
+            <a:r>
+              <a:rPr lang="de-DE" dirty="0" smtClean="0"/>
+              <a:t>Workspace „clean“?</a:t>
+            </a:r>
+          </a:p>
+          <a:p>
+            <a:pPr lvl="1"/>
+            <a:r>
+              <a:rPr lang="de-DE" dirty="0" smtClean="0"/>
+              <a:t>SNAPSHOT =&gt; reale Version</a:t>
+            </a:r>
+          </a:p>
+          <a:p>
+            <a:pPr lvl="1"/>
+            <a:r>
+              <a:rPr lang="de-DE" dirty="0" err="1" smtClean="0"/>
+              <a:t>Compile</a:t>
+            </a:r>
+            <a:r>
+              <a:rPr lang="de-DE" dirty="0" smtClean="0"/>
+              <a:t>, Test (vor </a:t>
+            </a:r>
+            <a:r>
+              <a:rPr lang="de-DE" dirty="0" err="1" smtClean="0"/>
+              <a:t>commit</a:t>
+            </a:r>
+            <a:r>
+              <a:rPr lang="de-DE" dirty="0" smtClean="0"/>
+              <a:t> &amp; Tag???)</a:t>
+            </a:r>
+          </a:p>
+          <a:p>
+            <a:pPr lvl="1"/>
+            <a:r>
+              <a:rPr lang="de-DE" dirty="0" smtClean="0"/>
+              <a:t>Commit &amp; Tag</a:t>
+            </a:r>
+          </a:p>
+          <a:p>
+            <a:r>
+              <a:rPr lang="de-DE" dirty="0" smtClean="0"/>
+              <a:t>Arbeitsweise 2: </a:t>
+            </a:r>
+            <a:r>
+              <a:rPr lang="de-DE" dirty="0" err="1" smtClean="0"/>
+              <a:t>perform</a:t>
+            </a:r>
+            <a:endParaRPr lang="de-DE" dirty="0" smtClean="0"/>
+          </a:p>
+          <a:p>
+            <a:pPr lvl="1"/>
+            <a:r>
+              <a:rPr lang="de-DE" dirty="0" smtClean="0"/>
+              <a:t>Erneutes bauen in zweiter </a:t>
+            </a:r>
+            <a:r>
+              <a:rPr lang="de-DE" dirty="0" err="1" smtClean="0"/>
+              <a:t>Maven</a:t>
+            </a:r>
+            <a:r>
+              <a:rPr lang="de-DE" dirty="0" smtClean="0"/>
+              <a:t> Instanz</a:t>
+            </a:r>
+          </a:p>
+          <a:p>
+            <a:pPr lvl="1"/>
+            <a:r>
+              <a:rPr lang="de-DE" dirty="0" smtClean="0"/>
+              <a:t>Push</a:t>
+            </a:r>
+          </a:p>
+          <a:p>
+            <a:r>
+              <a:rPr lang="de-DE" dirty="0" smtClean="0"/>
+              <a:t>Nachteil:</a:t>
+            </a:r>
+          </a:p>
+          <a:p>
+            <a:pPr lvl="1"/>
+            <a:r>
+              <a:rPr lang="de-DE" dirty="0" smtClean="0"/>
+              <a:t>Zwei Phasen mit temporären Dateien dazwischen</a:t>
+            </a:r>
+          </a:p>
+          <a:p>
+            <a:pPr lvl="1"/>
+            <a:r>
+              <a:rPr lang="de-DE" dirty="0" smtClean="0"/>
+              <a:t>Zweimal </a:t>
+            </a:r>
+            <a:r>
+              <a:rPr lang="de-DE" dirty="0" err="1" smtClean="0"/>
+              <a:t>compilieren</a:t>
+            </a:r>
+            <a:r>
+              <a:rPr lang="de-DE" dirty="0" smtClean="0"/>
+              <a:t> und testen</a:t>
+            </a:r>
+          </a:p>
+          <a:p>
+            <a:pPr lvl="1"/>
+            <a:r>
+              <a:rPr lang="de-DE" dirty="0" smtClean="0"/>
+              <a:t>Nicht </a:t>
+            </a:r>
+            <a:r>
+              <a:rPr lang="de-DE" dirty="0" err="1" smtClean="0"/>
+              <a:t>Git</a:t>
+            </a:r>
+            <a:r>
+              <a:rPr lang="de-DE" dirty="0" smtClean="0"/>
+              <a:t>-Flow kompatibel</a:t>
+            </a:r>
           </a:p>
           <a:p>
             <a:endParaRPr lang="de-DE" dirty="0"/>
@@ -5998,7 +8623,7 @@
     </p:spTree>
     <p:extLst>
       <p:ext uri="{BB962C8B-B14F-4D97-AF65-F5344CB8AC3E}">
-        <p14:creationId xmlns:p14="http://schemas.microsoft.com/office/powerpoint/2010/main" val="1028248972"/>
+        <p14:creationId xmlns:p14="http://schemas.microsoft.com/office/powerpoint/2010/main" val="2352616168"/>
       </p:ext>
     </p:extLst>
   </p:cSld>
@@ -6422,6 +9047,367 @@
           <a:p>
             <a:r>
               <a:rPr lang="de-DE" dirty="0" smtClean="0"/>
+              <a:t>MAVEN </a:t>
+            </a:r>
+            <a:r>
+              <a:rPr lang="de-DE" dirty="0" err="1" smtClean="0"/>
+              <a:t>jgit-flow</a:t>
+            </a:r>
+            <a:endParaRPr lang="de-DE" dirty="0"/>
+          </a:p>
+        </p:txBody>
+      </p:sp>
+      <p:sp>
+        <p:nvSpPr>
+          <p:cNvPr id="3" name="Inhaltsplatzhalter 2"/>
+          <p:cNvSpPr>
+            <a:spLocks noGrp="1"/>
+          </p:cNvSpPr>
+          <p:nvPr>
+            <p:ph sz="quarter" idx="10"/>
+          </p:nvPr>
+        </p:nvSpPr>
+        <p:spPr/>
+        <p:txBody>
+          <a:bodyPr>
+            <a:normAutofit/>
+          </a:bodyPr>
+          <a:lstStyle/>
+          <a:p>
+            <a:r>
+              <a:rPr lang="de-DE" dirty="0">
+                <a:hlinkClick r:id="rId2"/>
+              </a:rPr>
+              <a:t>https://bitbucket.org/atlassian/jgit-flow/wiki/</a:t>
+            </a:r>
+            <a:r>
+              <a:rPr lang="de-DE" dirty="0" smtClean="0">
+                <a:hlinkClick r:id="rId2"/>
+              </a:rPr>
+              <a:t>Home</a:t>
+            </a:r>
+            <a:endParaRPr lang="de-DE" dirty="0" smtClean="0"/>
+          </a:p>
+          <a:p>
+            <a:r>
+              <a:rPr lang="de-DE" dirty="0" smtClean="0"/>
+              <a:t>Konfiguration im POM</a:t>
+            </a:r>
+          </a:p>
+          <a:p>
+            <a:r>
+              <a:rPr lang="de-DE" dirty="0" smtClean="0"/>
+              <a:t>Release</a:t>
+            </a:r>
+            <a:endParaRPr lang="de-DE" dirty="0"/>
+          </a:p>
+        </p:txBody>
+      </p:sp>
+    </p:spTree>
+    <p:extLst>
+      <p:ext uri="{BB962C8B-B14F-4D97-AF65-F5344CB8AC3E}">
+        <p14:creationId xmlns:p14="http://schemas.microsoft.com/office/powerpoint/2010/main" val="3892127042"/>
+      </p:ext>
+    </p:extLst>
+  </p:cSld>
+  <p:clrMapOvr>
+    <a:masterClrMapping/>
+  </p:clrMapOvr>
+</p:sld>
+</file>
+
+<file path=ppt/slides/slide31.xml><?xml version="1.0" encoding="utf-8"?>
+<p:sld xmlns:a="http://schemas.openxmlformats.org/drawingml/2006/main" xmlns:r="http://schemas.openxmlformats.org/officeDocument/2006/relationships" xmlns:p="http://schemas.openxmlformats.org/presentationml/2006/main">
+  <p:cSld>
+    <p:spTree>
+      <p:nvGrpSpPr>
+        <p:cNvPr id="1" name=""/>
+        <p:cNvGrpSpPr/>
+        <p:nvPr/>
+      </p:nvGrpSpPr>
+      <p:grpSpPr>
+        <a:xfrm>
+          <a:off x="0" y="0"/>
+          <a:ext cx="0" cy="0"/>
+          <a:chOff x="0" y="0"/>
+          <a:chExt cx="0" cy="0"/>
+        </a:xfrm>
+      </p:grpSpPr>
+      <p:sp>
+        <p:nvSpPr>
+          <p:cNvPr id="2" name="Titel 1"/>
+          <p:cNvSpPr>
+            <a:spLocks noGrp="1"/>
+          </p:cNvSpPr>
+          <p:nvPr>
+            <p:ph type="title"/>
+          </p:nvPr>
+        </p:nvSpPr>
+        <p:spPr/>
+        <p:txBody>
+          <a:bodyPr/>
+          <a:lstStyle/>
+          <a:p>
+            <a:r>
+              <a:rPr lang="de-DE" dirty="0" smtClean="0"/>
+              <a:t>GIT APIS: JGIT</a:t>
+            </a:r>
+            <a:endParaRPr lang="de-DE" dirty="0"/>
+          </a:p>
+        </p:txBody>
+      </p:sp>
+      <p:sp>
+        <p:nvSpPr>
+          <p:cNvPr id="3" name="Inhaltsplatzhalter 2"/>
+          <p:cNvSpPr>
+            <a:spLocks noGrp="1"/>
+          </p:cNvSpPr>
+          <p:nvPr>
+            <p:ph sz="quarter" idx="10"/>
+          </p:nvPr>
+        </p:nvSpPr>
+        <p:spPr/>
+        <p:txBody>
+          <a:bodyPr>
+            <a:normAutofit/>
+          </a:bodyPr>
+          <a:lstStyle/>
+          <a:p>
+            <a:r>
+              <a:rPr lang="de-DE" dirty="0" err="1" smtClean="0"/>
+              <a:t>Porcelaine</a:t>
+            </a:r>
+            <a:r>
+              <a:rPr lang="de-DE" dirty="0" smtClean="0"/>
+              <a:t> API</a:t>
+            </a:r>
+          </a:p>
+          <a:p>
+            <a:pPr lvl="1"/>
+            <a:r>
+              <a:rPr lang="de-DE" dirty="0">
+                <a:hlinkClick r:id="rId2"/>
+              </a:rPr>
+              <a:t>https://speakerdeck.com/alblue/embedding-jgit-into-java-</a:t>
+            </a:r>
+            <a:r>
+              <a:rPr lang="de-DE" dirty="0" smtClean="0">
+                <a:hlinkClick r:id="rId2"/>
+              </a:rPr>
+              <a:t>applications</a:t>
+            </a:r>
+            <a:endParaRPr lang="de-DE" dirty="0" smtClean="0"/>
+          </a:p>
+          <a:p>
+            <a:pPr lvl="1"/>
+            <a:r>
+              <a:rPr lang="de-DE" dirty="0">
+                <a:hlinkClick r:id="rId3"/>
+              </a:rPr>
+              <a:t>http://alblue.bandlem.com/2013/11/embedding-</a:t>
+            </a:r>
+            <a:r>
+              <a:rPr lang="de-DE" dirty="0" smtClean="0">
+                <a:hlinkClick r:id="rId3"/>
+              </a:rPr>
+              <a:t>jgit.html</a:t>
+            </a:r>
+            <a:endParaRPr lang="de-DE" dirty="0" smtClean="0"/>
+          </a:p>
+          <a:p>
+            <a:r>
+              <a:rPr lang="de-DE" dirty="0" err="1" smtClean="0"/>
+              <a:t>Git</a:t>
+            </a:r>
+            <a:r>
+              <a:rPr lang="de-DE" dirty="0" smtClean="0"/>
+              <a:t> Flow </a:t>
+            </a:r>
+            <a:r>
+              <a:rPr lang="de-DE" dirty="0" err="1" smtClean="0"/>
+              <a:t>Api</a:t>
+            </a:r>
+            <a:r>
+              <a:rPr lang="de-DE" dirty="0" smtClean="0"/>
+              <a:t> von </a:t>
+            </a:r>
+            <a:r>
+              <a:rPr lang="de-DE" dirty="0" err="1" smtClean="0"/>
+              <a:t>Atlassian</a:t>
+            </a:r>
+            <a:endParaRPr lang="de-DE" dirty="0" smtClean="0"/>
+          </a:p>
+          <a:p>
+            <a:pPr lvl="1"/>
+            <a:r>
+              <a:rPr lang="de-DE" dirty="0">
+                <a:hlinkClick r:id="rId4"/>
+              </a:rPr>
+              <a:t>https://bitbucket.org/atlassian/jgit-</a:t>
+            </a:r>
+            <a:r>
+              <a:rPr lang="de-DE" dirty="0" smtClean="0">
+                <a:hlinkClick r:id="rId4"/>
+              </a:rPr>
+              <a:t>flow</a:t>
+            </a:r>
+            <a:endParaRPr lang="de-DE" dirty="0" smtClean="0"/>
+          </a:p>
+          <a:p>
+            <a:pPr lvl="1"/>
+            <a:endParaRPr lang="de-DE" dirty="0"/>
+          </a:p>
+          <a:p>
+            <a:endParaRPr lang="de-DE" dirty="0" smtClean="0"/>
+          </a:p>
+          <a:p>
+            <a:pPr lvl="1"/>
+            <a:endParaRPr lang="de-DE" dirty="0"/>
+          </a:p>
+          <a:p>
+            <a:endParaRPr lang="de-DE" dirty="0"/>
+          </a:p>
+          <a:p>
+            <a:endParaRPr lang="de-DE" dirty="0"/>
+          </a:p>
+        </p:txBody>
+      </p:sp>
+    </p:spTree>
+    <p:extLst>
+      <p:ext uri="{BB962C8B-B14F-4D97-AF65-F5344CB8AC3E}">
+        <p14:creationId xmlns:p14="http://schemas.microsoft.com/office/powerpoint/2010/main" val="2711603374"/>
+      </p:ext>
+    </p:extLst>
+  </p:cSld>
+  <p:clrMapOvr>
+    <a:masterClrMapping/>
+  </p:clrMapOvr>
+</p:sld>
+</file>
+
+<file path=ppt/slides/slide32.xml><?xml version="1.0" encoding="utf-8"?>
+<p:sld xmlns:a="http://schemas.openxmlformats.org/drawingml/2006/main" xmlns:r="http://schemas.openxmlformats.org/officeDocument/2006/relationships" xmlns:p="http://schemas.openxmlformats.org/presentationml/2006/main">
+  <p:cSld>
+    <p:spTree>
+      <p:nvGrpSpPr>
+        <p:cNvPr id="1" name=""/>
+        <p:cNvGrpSpPr/>
+        <p:nvPr/>
+      </p:nvGrpSpPr>
+      <p:grpSpPr>
+        <a:xfrm>
+          <a:off x="0" y="0"/>
+          <a:ext cx="0" cy="0"/>
+          <a:chOff x="0" y="0"/>
+          <a:chExt cx="0" cy="0"/>
+        </a:xfrm>
+      </p:grpSpPr>
+      <p:sp>
+        <p:nvSpPr>
+          <p:cNvPr id="2" name="Titel 1"/>
+          <p:cNvSpPr>
+            <a:spLocks noGrp="1"/>
+          </p:cNvSpPr>
+          <p:nvPr>
+            <p:ph type="title"/>
+          </p:nvPr>
+        </p:nvSpPr>
+        <p:spPr/>
+        <p:txBody>
+          <a:bodyPr/>
+          <a:lstStyle/>
+          <a:p>
+            <a:r>
+              <a:rPr lang="de-DE" dirty="0" smtClean="0"/>
+              <a:t>GIT APIS: JGIT / GROOVY</a:t>
+            </a:r>
+            <a:endParaRPr lang="de-DE" dirty="0"/>
+          </a:p>
+        </p:txBody>
+      </p:sp>
+      <p:sp>
+        <p:nvSpPr>
+          <p:cNvPr id="3" name="Inhaltsplatzhalter 2"/>
+          <p:cNvSpPr>
+            <a:spLocks noGrp="1"/>
+          </p:cNvSpPr>
+          <p:nvPr>
+            <p:ph sz="quarter" idx="10"/>
+          </p:nvPr>
+        </p:nvSpPr>
+        <p:spPr/>
+        <p:txBody>
+          <a:bodyPr>
+            <a:normAutofit/>
+          </a:bodyPr>
+          <a:lstStyle/>
+          <a:p>
+            <a:r>
+              <a:rPr lang="de-DE" dirty="0">
+                <a:hlinkClick r:id="rId2"/>
+              </a:rPr>
+              <a:t>https://github.com/ajoberstar/</a:t>
+            </a:r>
+            <a:r>
+              <a:rPr lang="de-DE" dirty="0" smtClean="0">
+                <a:hlinkClick r:id="rId2"/>
+              </a:rPr>
+              <a:t>grgit</a:t>
+            </a:r>
+            <a:endParaRPr lang="de-DE" dirty="0" smtClean="0"/>
+          </a:p>
+          <a:p>
+            <a:endParaRPr lang="de-DE" dirty="0"/>
+          </a:p>
+        </p:txBody>
+      </p:sp>
+    </p:spTree>
+    <p:extLst>
+      <p:ext uri="{BB962C8B-B14F-4D97-AF65-F5344CB8AC3E}">
+        <p14:creationId xmlns:p14="http://schemas.microsoft.com/office/powerpoint/2010/main" val="1028248972"/>
+      </p:ext>
+    </p:extLst>
+  </p:cSld>
+  <p:clrMapOvr>
+    <a:masterClrMapping/>
+  </p:clrMapOvr>
+</p:sld>
+</file>
+
+<file path=ppt/slides/slide33.xml><?xml version="1.0" encoding="utf-8"?>
+<p:sld xmlns:a="http://schemas.openxmlformats.org/drawingml/2006/main" xmlns:r="http://schemas.openxmlformats.org/officeDocument/2006/relationships" xmlns:p="http://schemas.openxmlformats.org/presentationml/2006/main">
+  <p:cSld>
+    <p:spTree>
+      <p:nvGrpSpPr>
+        <p:cNvPr id="1" name=""/>
+        <p:cNvGrpSpPr/>
+        <p:nvPr/>
+      </p:nvGrpSpPr>
+      <p:grpSpPr>
+        <a:xfrm>
+          <a:off x="0" y="0"/>
+          <a:ext cx="0" cy="0"/>
+          <a:chOff x="0" y="0"/>
+          <a:chExt cx="0" cy="0"/>
+        </a:xfrm>
+      </p:grpSpPr>
+      <p:sp>
+        <p:nvSpPr>
+          <p:cNvPr id="2" name="Titel 1"/>
+          <p:cNvSpPr>
+            <a:spLocks noGrp="1"/>
+          </p:cNvSpPr>
+          <p:nvPr>
+            <p:ph type="title"/>
+          </p:nvPr>
+        </p:nvSpPr>
+        <p:spPr/>
+        <p:txBody>
+          <a:bodyPr/>
+          <a:lstStyle/>
+          <a:p>
+            <a:r>
+              <a:rPr lang="de-DE" dirty="0" smtClean="0"/>
               <a:t>VIELEN DANK!</a:t>
             </a:r>
             <a:endParaRPr lang="de-DE" dirty="0"/>
@@ -6759,7 +9745,7 @@
         <p:spPr/>
         <p:txBody>
           <a:bodyPr>
-            <a:normAutofit fontScale="92500" lnSpcReduction="20000"/>
+            <a:normAutofit lnSpcReduction="10000"/>
           </a:bodyPr>
           <a:lstStyle/>
           <a:p>
@@ -6877,60 +9863,40 @@
           <a:p>
             <a:r>
               <a:rPr lang="de-DE" dirty="0" err="1" smtClean="0"/>
-              <a:t>Git</a:t>
-            </a:r>
-            <a:r>
-              <a:rPr lang="de-DE" dirty="0" smtClean="0"/>
-              <a:t> </a:t>
-            </a:r>
-            <a:r>
-              <a:rPr lang="de-DE" dirty="0" err="1" smtClean="0"/>
-              <a:t>merge</a:t>
-            </a:r>
-            <a:r>
-              <a:rPr lang="de-DE" dirty="0" smtClean="0"/>
-              <a:t>-base</a:t>
-            </a:r>
-          </a:p>
-          <a:p>
-            <a:r>
-              <a:rPr lang="de-DE" dirty="0" err="1" smtClean="0"/>
-              <a:t>Git</a:t>
-            </a:r>
-            <a:r>
-              <a:rPr lang="de-DE" dirty="0" smtClean="0"/>
-              <a:t> </a:t>
-            </a:r>
-            <a:r>
-              <a:rPr lang="de-DE" dirty="0" err="1" smtClean="0"/>
-              <a:t>merge</a:t>
-            </a:r>
-            <a:r>
-              <a:rPr lang="de-DE" dirty="0" smtClean="0"/>
-              <a:t>-file</a:t>
-            </a:r>
-          </a:p>
-          <a:p>
+              <a:t>Merge-Commits</a:t>
+            </a:r>
+            <a:r>
+              <a:rPr lang="de-DE" dirty="0" smtClean="0"/>
+              <a:t>:</a:t>
+            </a:r>
+          </a:p>
+          <a:p>
+            <a:pPr lvl="1"/>
+            <a:r>
+              <a:rPr lang="de-DE" dirty="0" err="1" smtClean="0"/>
+              <a:t>Parents</a:t>
+            </a:r>
+            <a:r>
+              <a:rPr lang="de-DE" dirty="0" smtClean="0"/>
+              <a:t> </a:t>
+            </a:r>
+            <a:r>
+              <a:rPr lang="de-DE" dirty="0" smtClean="0"/>
+              <a:t>^ ^2</a:t>
+            </a:r>
             <a:endParaRPr lang="de-DE" dirty="0" smtClean="0"/>
           </a:p>
           <a:p>
-            <a:r>
-              <a:rPr lang="de-DE" dirty="0" smtClean="0"/>
-              <a:t>First-</a:t>
-            </a:r>
-            <a:r>
-              <a:rPr lang="de-DE" dirty="0" err="1" smtClean="0"/>
-              <a:t>parent</a:t>
-            </a:r>
-            <a:r>
-              <a:rPr lang="de-DE" dirty="0" smtClean="0"/>
-              <a:t>-</a:t>
-            </a:r>
-            <a:r>
-              <a:rPr lang="de-DE" dirty="0" err="1" smtClean="0"/>
-              <a:t>history</a:t>
-            </a:r>
-            <a:endParaRPr lang="de-DE" dirty="0"/>
+            <a:pPr lvl="1"/>
+            <a:r>
+              <a:rPr lang="de-DE" dirty="0" smtClean="0"/>
+              <a:t>First-Parent-</a:t>
+            </a:r>
+            <a:r>
+              <a:rPr lang="de-DE" dirty="0" err="1" smtClean="0"/>
+              <a:t>History</a:t>
+            </a:r>
+            <a:endParaRPr lang="de-DE" dirty="0" smtClean="0"/>
           </a:p>
         </p:txBody>
       </p:sp>
@@ -7055,8 +10021,19 @@
             </a:r>
             <a:r>
               <a:rPr lang="de-DE" dirty="0" smtClean="0"/>
-              <a:t> HEAD</a:t>
-            </a:r>
+              <a:t> </a:t>
+            </a:r>
+            <a:r>
+              <a:rPr lang="de-DE" dirty="0" smtClean="0"/>
+              <a:t>HEAD</a:t>
+            </a:r>
+          </a:p>
+          <a:p>
+            <a:r>
+              <a:rPr lang="de-DE" dirty="0" smtClean="0"/>
+              <a:t>Anwendungsfall</a:t>
+            </a:r>
+            <a:endParaRPr lang="de-DE" dirty="0" smtClean="0"/>
           </a:p>
           <a:p>
             <a:endParaRPr lang="de-DE" dirty="0"/>
@@ -7129,11 +10106,7 @@
           <a:p>
             <a:r>
               <a:rPr lang="de-DE" dirty="0" smtClean="0"/>
-              <a:t>GIT INTERNAS: MERGES</a:t>
-            </a:r>
-            <a:r>
-              <a:rPr lang="de-DE" dirty="0" smtClean="0"/>
-              <a:t>-FILE</a:t>
+              <a:t>GIT INTERNAS: MERGES-FILE</a:t>
             </a:r>
             <a:endParaRPr lang="de-DE" dirty="0"/>
           </a:p>
@@ -7252,28 +10225,91 @@
           </a:bodyPr>
           <a:lstStyle/>
           <a:p>
-            <a:pPr lvl="1"/>
-            <a:r>
-              <a:rPr lang="de-DE" dirty="0" err="1" smtClean="0"/>
+            <a:r>
+              <a:rPr lang="de-DE" dirty="0" err="1" smtClean="0"/>
+              <a:t>ls</a:t>
+            </a:r>
+            <a:r>
+              <a:rPr lang="de-DE" dirty="0"/>
+              <a:t>-files --stage -&gt; nach </a:t>
+            </a:r>
+            <a:r>
+              <a:rPr lang="de-DE" dirty="0" err="1"/>
+              <a:t>Merge</a:t>
+            </a:r>
+            <a:r>
+              <a:rPr lang="de-DE" dirty="0"/>
+              <a:t> Konflikt-&gt;Stages erklären</a:t>
+            </a:r>
+          </a:p>
+          <a:p>
+            <a:pPr marL="0" indent="0">
+              <a:buNone/>
+            </a:pPr>
+            <a:r>
+              <a:rPr lang="de-DE" dirty="0" err="1" smtClean="0"/>
+              <a:t>Merge</a:t>
+            </a:r>
+            <a:r>
+              <a:rPr lang="de-DE" dirty="0" smtClean="0"/>
+              <a:t>-Konflikte lösen</a:t>
+            </a:r>
+          </a:p>
+          <a:p>
+            <a:pPr marL="457200" lvl="1" indent="-457200"/>
+            <a:r>
+              <a:rPr lang="de-DE" dirty="0" err="1"/>
               <a:t>merge.conflictstyle</a:t>
             </a:r>
             <a:r>
-              <a:rPr lang="de-DE" dirty="0" smtClean="0"/>
-              <a:t> </a:t>
-            </a:r>
-            <a:r>
-              <a:rPr lang="de-DE" dirty="0"/>
+              <a:rPr lang="de-DE" dirty="0"/>
+              <a:t> </a:t>
+            </a:r>
+            <a:r>
+              <a:rPr lang="de-DE" dirty="0" smtClean="0"/>
               <a:t>diff3</a:t>
             </a:r>
-          </a:p>
-          <a:p>
-            <a:r>
-              <a:rPr lang="de-DE" dirty="0" err="1" smtClean="0"/>
-              <a:t>ls</a:t>
-            </a:r>
-            <a:r>
-              <a:rPr lang="de-DE" dirty="0"/>
-              <a:t>-files --stage -&gt; nach </a:t>
+            <a:endParaRPr lang="de-DE" dirty="0" smtClean="0"/>
+          </a:p>
+          <a:p>
+            <a:r>
+              <a:rPr lang="de-DE" dirty="0" err="1" smtClean="0"/>
+              <a:t>checkout</a:t>
+            </a:r>
+            <a:r>
+              <a:rPr lang="de-DE" dirty="0" smtClean="0"/>
+              <a:t> </a:t>
+            </a:r>
+            <a:r>
+              <a:rPr lang="de-DE" dirty="0"/>
+              <a:t>--</a:t>
+            </a:r>
+            <a:r>
+              <a:rPr lang="de-DE" dirty="0" err="1"/>
+              <a:t>theirs</a:t>
+            </a:r>
+            <a:r>
+              <a:rPr lang="de-DE" dirty="0"/>
+              <a:t>, --</a:t>
+            </a:r>
+            <a:r>
+              <a:rPr lang="de-DE" dirty="0" err="1"/>
+              <a:t>ours</a:t>
+            </a:r>
+            <a:endParaRPr lang="de-DE" dirty="0"/>
+          </a:p>
+          <a:p>
+            <a:r>
+              <a:rPr lang="de-DE" dirty="0" err="1" smtClean="0"/>
+              <a:t>checkout</a:t>
+            </a:r>
+            <a:r>
+              <a:rPr lang="de-DE" dirty="0" smtClean="0"/>
+              <a:t> </a:t>
+            </a:r>
+            <a:r>
+              <a:rPr lang="de-DE" dirty="0"/>
+              <a:t>-m FILE -&gt; nochmal mit dem </a:t>
             </a:r>
             <a:r>
               <a:rPr lang="de-DE" dirty="0" err="1"/>
@@ -7281,55 +10317,6 @@
             </a:r>
             <a:r>
               <a:rPr lang="de-DE" dirty="0"/>
-              <a:t> Konflikt-&gt;Stages erklären</a:t>
-            </a:r>
-          </a:p>
-          <a:p>
-            <a:r>
-              <a:rPr lang="de-DE" dirty="0" err="1" smtClean="0"/>
-              <a:t>checkout</a:t>
-            </a:r>
-            <a:r>
-              <a:rPr lang="de-DE" dirty="0" smtClean="0"/>
-              <a:t> </a:t>
-            </a:r>
-            <a:r>
-              <a:rPr lang="de-DE" dirty="0"/>
-              <a:t>--</a:t>
-            </a:r>
-            <a:r>
-              <a:rPr lang="de-DE" dirty="0" err="1"/>
-              <a:t>theirs</a:t>
-            </a:r>
-            <a:r>
-              <a:rPr lang="de-DE" dirty="0"/>
-              <a:t>, --</a:t>
-            </a:r>
-            <a:r>
-              <a:rPr lang="de-DE" dirty="0" err="1"/>
-              <a:t>ours</a:t>
-            </a:r>
-            <a:endParaRPr lang="de-DE" dirty="0"/>
-          </a:p>
-          <a:p>
-            <a:r>
-              <a:rPr lang="de-DE" dirty="0" err="1" smtClean="0"/>
-              <a:t>checkout</a:t>
-            </a:r>
-            <a:r>
-              <a:rPr lang="de-DE" dirty="0" smtClean="0"/>
-              <a:t> </a:t>
-            </a:r>
-            <a:r>
-              <a:rPr lang="de-DE" dirty="0"/>
-              <a:t>-m FILE -&gt; nochmal mit dem </a:t>
-            </a:r>
-            <a:r>
-              <a:rPr lang="de-DE" dirty="0" err="1"/>
-              <a:t>Merge</a:t>
-            </a:r>
-            <a:r>
-              <a:rPr lang="de-DE" dirty="0"/>
               <a:t> </a:t>
             </a:r>
             <a:r>
@@ -7338,6 +10325,14 @@
             </a:r>
           </a:p>
           <a:p>
+            <a:r>
+              <a:rPr lang="de-DE" dirty="0" smtClean="0"/>
+              <a:t>Exter</a:t>
+            </a:r>
+            <a:r>
+              <a:rPr lang="de-DE" dirty="0" smtClean="0"/>
+              <a:t>nes </a:t>
+            </a:r>
             <a:r>
               <a:rPr lang="de-DE" dirty="0" err="1" smtClean="0"/>
               <a:t>Git</a:t>
@@ -7374,6 +10369,14 @@
 <file path=ppt/slides/slide9.xml><?xml version="1.0" encoding="utf-8"?>
 <p:sld xmlns:a="http://schemas.openxmlformats.org/drawingml/2006/main" xmlns:r="http://schemas.openxmlformats.org/officeDocument/2006/relationships" xmlns:p="http://schemas.openxmlformats.org/presentationml/2006/main">
   <p:cSld>
+    <p:bg>
+      <p:bgPr>
+        <a:solidFill>
+          <a:srgbClr val="FFCC66"/>
+        </a:solidFill>
+        <a:effectLst/>
+      </p:bgPr>
+    </p:bg>
     <p:spTree>
       <p:nvGrpSpPr>
         <p:cNvPr id="1" name=""/>

--- a/folien/WJax-Powerworkshop-Nils.pptx
+++ b/folien/WJax-Powerworkshop-Nils.pptx
@@ -230,7 +230,7 @@
             <a:fld id="{32BCF969-709D-9F43-81DA-83D53B741884}" type="datetimeFigureOut">
               <a:rPr lang="de-DE" smtClean="0"/>
               <a:pPr/>
-              <a:t>24.09.2014</a:t>
+              <a:t>24.09.14</a:t>
             </a:fld>
             <a:endParaRPr lang="de-DE"/>
           </a:p>
@@ -398,7 +398,7 @@
             <a:fld id="{1941CF4D-E844-B540-ADAD-4EED08FD3682}" type="datetimeFigureOut">
               <a:rPr lang="de-DE" smtClean="0"/>
               <a:pPr/>
-              <a:t>24.09.2014</a:t>
+              <a:t>24.09.14</a:t>
             </a:fld>
             <a:endParaRPr lang="de-DE"/>
           </a:p>
@@ -1965,7 +1965,7 @@
   <p:timing>
     <p:tnLst>
       <p:par>
-        <p:cTn id="1" dur="indefinite" restart="never" nodeType="tmRoot"/>
+        <p:cTn xmlns:p14="http://schemas.microsoft.com/office/powerpoint/2010/main" id="1" dur="indefinite" restart="never" nodeType="tmRoot"/>
       </p:par>
     </p:tnLst>
   </p:timing>
@@ -2008,11 +2008,7 @@
           <a:p>
             <a:r>
               <a:rPr lang="de-DE" dirty="0" smtClean="0"/>
-              <a:t>GIT INTERNAS: </a:t>
-            </a:r>
-            <a:r>
-              <a:rPr lang="de-DE" dirty="0" smtClean="0"/>
-              <a:t>REMOTES</a:t>
+              <a:t>GIT INTERNAS: REMOTES</a:t>
             </a:r>
             <a:endParaRPr lang="de-DE" dirty="0"/>
           </a:p>
@@ -2187,11 +2183,7 @@
           <a:p>
             <a:r>
               <a:rPr lang="de-DE" dirty="0" smtClean="0"/>
-              <a:t>GIT INTERNAS: </a:t>
-            </a:r>
-            <a:r>
-              <a:rPr lang="de-DE" dirty="0" smtClean="0"/>
-              <a:t>REMOTES 2</a:t>
+              <a:t>GIT INTERNAS: REMOTES 2</a:t>
             </a:r>
             <a:endParaRPr lang="de-DE" dirty="0"/>
           </a:p>
@@ -6651,7 +6643,7 @@
   <p:timing>
     <p:tnLst>
       <p:par>
-        <p:cTn id="1" dur="indefinite" restart="never" nodeType="tmRoot"/>
+        <p:cTn xmlns:p14="http://schemas.microsoft.com/office/powerpoint/2010/main" id="1" dur="indefinite" restart="never" nodeType="tmRoot"/>
       </p:par>
     </p:tnLst>
   </p:timing>
@@ -6861,14 +6853,53 @@
         <p:spPr/>
         <p:txBody>
           <a:bodyPr>
-            <a:normAutofit fontScale="92500" lnSpcReduction="10000"/>
+            <a:normAutofit fontScale="62500" lnSpcReduction="20000"/>
           </a:bodyPr>
           <a:lstStyle/>
           <a:p>
             <a:r>
-              <a:rPr lang="de-DE" dirty="0" smtClean="0"/>
-              <a:t>Installation</a:t>
-            </a:r>
+              <a:rPr lang="de-DE" dirty="0"/>
+              <a:t>https://</a:t>
+            </a:r>
+            <a:r>
+              <a:rPr lang="de-DE" dirty="0" err="1"/>
+              <a:t>github.com</a:t>
+            </a:r>
+            <a:r>
+              <a:rPr lang="de-DE" dirty="0"/>
+              <a:t>/</a:t>
+            </a:r>
+            <a:r>
+              <a:rPr lang="de-DE" dirty="0" err="1"/>
+              <a:t>nvie</a:t>
+            </a:r>
+            <a:r>
+              <a:rPr lang="de-DE" dirty="0"/>
+              <a:t>/</a:t>
+            </a:r>
+            <a:r>
+              <a:rPr lang="de-DE" dirty="0" err="1"/>
+              <a:t>gitflow</a:t>
+            </a:r>
+            <a:r>
+              <a:rPr lang="de-DE" dirty="0"/>
+              <a:t>/</a:t>
+            </a:r>
+            <a:r>
+              <a:rPr lang="de-DE" dirty="0" err="1"/>
+              <a:t>wiki</a:t>
+            </a:r>
+            <a:r>
+              <a:rPr lang="de-DE"/>
+              <a:t>/Command-Line-Arguments</a:t>
+            </a:r>
+          </a:p>
+          <a:p>
+            <a:r>
+              <a:rPr lang="de-DE" dirty="0" smtClean="0"/>
+              <a:t>Installation </a:t>
+            </a:r>
+            <a:endParaRPr lang="de-DE" dirty="0" smtClean="0"/>
           </a:p>
           <a:p>
             <a:pPr lvl="1"/>
@@ -6905,33 +6936,197 @@
               <a:rPr lang="de-DE" dirty="0" err="1" smtClean="0"/>
               <a:t>init</a:t>
             </a:r>
+            <a:r>
+              <a:rPr lang="de-DE" dirty="0" smtClean="0"/>
+              <a:t>-&gt; </a:t>
+            </a:r>
+            <a:r>
+              <a:rPr lang="de-DE" dirty="0" err="1" smtClean="0"/>
+              <a:t>config</a:t>
+            </a:r>
             <a:endParaRPr lang="de-DE" dirty="0" smtClean="0"/>
           </a:p>
           <a:p>
-            <a:r>
-              <a:rPr lang="de-DE" dirty="0" smtClean="0"/>
-              <a:t>Feature starten:</a:t>
-            </a:r>
-          </a:p>
-          <a:p>
             <a:pPr lvl="1"/>
             <a:r>
               <a:rPr lang="de-DE" dirty="0" smtClean="0"/>
+              <a:t>Muss in jedem Klon gemacht werden...</a:t>
+            </a:r>
+            <a:endParaRPr lang="de-DE" dirty="0"/>
+          </a:p>
+          <a:p>
+            <a:r>
+              <a:rPr lang="de-DE" dirty="0" smtClean="0"/>
+              <a:t>Feature </a:t>
+            </a:r>
+            <a:r>
+              <a:rPr lang="de-DE" dirty="0" smtClean="0"/>
+              <a:t>starten</a:t>
+            </a:r>
+            <a:r>
+              <a:rPr lang="de-DE" dirty="0" smtClean="0"/>
+              <a:t>:</a:t>
+            </a:r>
+          </a:p>
+          <a:p>
+            <a:r>
+              <a:rPr lang="de-DE" dirty="0" smtClean="0"/>
+              <a:t>Feature bearbeiten:</a:t>
+            </a:r>
+          </a:p>
+          <a:p>
+            <a:pPr lvl="1"/>
+            <a:r>
+              <a:rPr lang="de-DE" dirty="0" err="1" smtClean="0"/>
+              <a:t>Git</a:t>
+            </a:r>
+            <a:r>
+              <a:rPr lang="de-DE" dirty="0" smtClean="0"/>
+              <a:t> </a:t>
+            </a:r>
+            <a:r>
+              <a:rPr lang="de-DE" dirty="0" err="1" smtClean="0"/>
+              <a:t>flow</a:t>
+            </a:r>
+            <a:r>
+              <a:rPr lang="de-DE" dirty="0" smtClean="0"/>
+              <a:t> </a:t>
+            </a:r>
+            <a:r>
+              <a:rPr lang="de-DE" dirty="0" smtClean="0"/>
+              <a:t>finish </a:t>
+            </a:r>
+            <a:r>
+              <a:rPr lang="de-DE" dirty="0" err="1" smtClean="0"/>
+              <a:t>rebase</a:t>
+            </a:r>
+            <a:r>
+              <a:rPr lang="de-DE" dirty="0" smtClean="0"/>
+              <a:t> </a:t>
+            </a:r>
+            <a:r>
+              <a:rPr lang="de-DE" dirty="0" smtClean="0">
+                <a:sym typeface="Wingdings"/>
+              </a:rPr>
+              <a:t> </a:t>
+            </a:r>
+            <a:r>
+              <a:rPr lang="de-DE" dirty="0" err="1" smtClean="0">
+                <a:sym typeface="Wingdings"/>
+              </a:rPr>
+              <a:t>develop-Branch</a:t>
+            </a:r>
+            <a:r>
+              <a:rPr lang="de-DE" dirty="0" smtClean="0">
+                <a:sym typeface="Wingdings"/>
+              </a:rPr>
+              <a:t> holen</a:t>
+            </a:r>
+            <a:endParaRPr lang="de-DE" dirty="0" smtClean="0"/>
+          </a:p>
+          <a:p>
+            <a:pPr lvl="1"/>
+            <a:r>
+              <a:rPr lang="de-DE" dirty="0" smtClean="0"/>
               <a:t>...</a:t>
             </a:r>
           </a:p>
           <a:p>
             <a:r>
               <a:rPr lang="de-DE" dirty="0" smtClean="0"/>
-              <a:t>Feature beenden:</a:t>
+              <a:t>Feature beenden</a:t>
+            </a:r>
+            <a:r>
+              <a:rPr lang="de-DE" dirty="0" smtClean="0"/>
+              <a:t>:</a:t>
             </a:r>
           </a:p>
           <a:p>
             <a:pPr lvl="1"/>
             <a:r>
-              <a:rPr lang="de-DE" dirty="0" smtClean="0"/>
-              <a:t>...</a:t>
-            </a:r>
+              <a:rPr lang="de-DE" dirty="0" err="1" smtClean="0"/>
+              <a:t>Ggf</a:t>
+            </a:r>
+            <a:r>
+              <a:rPr lang="de-DE" dirty="0" smtClean="0"/>
+              <a:t> </a:t>
+            </a:r>
+            <a:r>
+              <a:rPr lang="de-DE" dirty="0" err="1" smtClean="0"/>
+              <a:t>git</a:t>
+            </a:r>
+            <a:r>
+              <a:rPr lang="de-DE" dirty="0" smtClean="0"/>
+              <a:t> </a:t>
+            </a:r>
+            <a:r>
+              <a:rPr lang="de-DE" dirty="0" err="1" smtClean="0"/>
+              <a:t>flow</a:t>
+            </a:r>
+            <a:r>
+              <a:rPr lang="de-DE" dirty="0" smtClean="0"/>
+              <a:t> </a:t>
+            </a:r>
+            <a:r>
+              <a:rPr lang="de-DE" dirty="0" err="1" smtClean="0"/>
+              <a:t>feature</a:t>
+            </a:r>
+            <a:r>
+              <a:rPr lang="de-DE" dirty="0" smtClean="0"/>
+              <a:t> </a:t>
+            </a:r>
+            <a:r>
+              <a:rPr lang="de-DE" dirty="0" err="1" smtClean="0"/>
+              <a:t>rebase</a:t>
+            </a:r>
+            <a:r>
+              <a:rPr lang="de-DE" dirty="0" smtClean="0"/>
+              <a:t> –i</a:t>
+            </a:r>
+            <a:endParaRPr lang="de-DE" dirty="0" smtClean="0"/>
+          </a:p>
+          <a:p>
+            <a:pPr lvl="1"/>
+            <a:r>
+              <a:rPr lang="de-DE" dirty="0" err="1" smtClean="0"/>
+              <a:t>Git</a:t>
+            </a:r>
+            <a:r>
+              <a:rPr lang="de-DE" dirty="0" smtClean="0"/>
+              <a:t> </a:t>
+            </a:r>
+            <a:r>
+              <a:rPr lang="de-DE" dirty="0" err="1" smtClean="0"/>
+              <a:t>flow</a:t>
+            </a:r>
+            <a:r>
+              <a:rPr lang="de-DE" dirty="0" smtClean="0"/>
+              <a:t> </a:t>
+            </a:r>
+            <a:r>
+              <a:rPr lang="de-DE" dirty="0" err="1" smtClean="0"/>
+              <a:t>feature</a:t>
+            </a:r>
+            <a:r>
+              <a:rPr lang="de-DE" dirty="0" smtClean="0"/>
+              <a:t> finish</a:t>
+            </a:r>
+          </a:p>
+          <a:p>
+            <a:pPr lvl="2"/>
+            <a:r>
+              <a:rPr lang="de-DE" dirty="0" smtClean="0"/>
+              <a:t>KEIN –ff-</a:t>
+            </a:r>
+            <a:r>
+              <a:rPr lang="de-DE" dirty="0" err="1" smtClean="0"/>
+              <a:t>only</a:t>
+            </a:r>
+            <a:r>
+              <a:rPr lang="de-DE" dirty="0" smtClean="0"/>
+              <a:t>!!!</a:t>
+            </a:r>
+            <a:endParaRPr lang="de-DE" dirty="0" smtClean="0"/>
           </a:p>
           <a:p>
             <a:r>
@@ -7182,7 +7377,7 @@
         <p:spPr/>
         <p:txBody>
           <a:bodyPr>
-            <a:normAutofit fontScale="92500" lnSpcReduction="10000"/>
+            <a:normAutofit fontScale="92500" lnSpcReduction="20000"/>
           </a:bodyPr>
           <a:lstStyle/>
           <a:p>
@@ -8796,7 +8991,7 @@
   <p:timing>
     <p:tnLst>
       <p:par>
-        <p:cTn id="1" dur="indefinite" restart="never" nodeType="tmRoot"/>
+        <p:cTn xmlns:p14="http://schemas.microsoft.com/office/powerpoint/2010/main" id="1" dur="indefinite" restart="never" nodeType="tmRoot"/>
       </p:par>
     </p:tnLst>
   </p:timing>
@@ -9796,7 +9991,7 @@
   <p:timing>
     <p:tnLst>
       <p:par>
-        <p:cTn id="1" dur="indefinite" restart="never" nodeType="tmRoot"/>
+        <p:cTn xmlns:p14="http://schemas.microsoft.com/office/powerpoint/2010/main" id="1" dur="indefinite" restart="never" nodeType="tmRoot"/>
       </p:par>
     </p:tnLst>
   </p:timing>
